--- a/MSiA 423/hw01/hw01_deck.pptx
+++ b/MSiA 423/hw01/hw01_deck.pptx
@@ -108,6 +108,11 @@
       </a:defRPr>
     </a:lvl9pPr>
   </p:defaultTextStyle>
+  <p:extLst>
+    <p:ext uri="{EFAFB233-063F-42B5-8137-9DF3F51BA10A}">
+      <p15:sldGuideLst xmlns:p15="http://schemas.microsoft.com/office/powerpoint/2012/main"/>
+    </p:ext>
+  </p:extLst>
 </p:presentation>
 </file>
 
@@ -241,7 +246,7 @@
           </a:lstStyle>
           <a:p>
             <a:r>
-              <a:rPr lang="en-US" smtClean="0"/>
+              <a:rPr lang="en-US"/>
               <a:t>Click to edit Master title style</a:t>
             </a:r>
             <a:endParaRPr lang="en-US" dirty="0"/>
@@ -313,7 +318,7 @@
           </a:lstStyle>
           <a:p>
             <a:r>
-              <a:rPr lang="en-US" smtClean="0"/>
+              <a:rPr lang="en-US"/>
               <a:t>Click to edit Master subtitle style</a:t>
             </a:r>
             <a:endParaRPr lang="en-US" dirty="0"/>
@@ -337,7 +342,7 @@
           <a:p>
             <a:fld id="{84C7F18E-0E49-4207-B837-F7024745D32F}" type="datetimeFigureOut">
               <a:rPr lang="en-US" smtClean="0"/>
-              <a:t>4/12/2023</a:t>
+              <a:t>4/13/2023</a:t>
             </a:fld>
             <a:endParaRPr lang="en-US"/>
           </a:p>
@@ -469,7 +474,7 @@
           <a:lstStyle/>
           <a:p>
             <a:r>
-              <a:rPr lang="en-US" smtClean="0"/>
+              <a:rPr lang="en-US"/>
               <a:t>Click to edit Master title style</a:t>
             </a:r>
             <a:endParaRPr lang="en-US" dirty="0"/>
@@ -493,35 +498,35 @@
           <a:p>
             <a:pPr lvl="0"/>
             <a:r>
-              <a:rPr lang="en-US" smtClean="0"/>
+              <a:rPr lang="en-US"/>
               <a:t>Click to edit Master text styles</a:t>
             </a:r>
           </a:p>
           <a:p>
             <a:pPr lvl="1"/>
             <a:r>
-              <a:rPr lang="en-US" smtClean="0"/>
+              <a:rPr lang="en-US"/>
               <a:t>Second level</a:t>
             </a:r>
           </a:p>
           <a:p>
             <a:pPr lvl="2"/>
             <a:r>
-              <a:rPr lang="en-US" smtClean="0"/>
+              <a:rPr lang="en-US"/>
               <a:t>Third level</a:t>
             </a:r>
           </a:p>
           <a:p>
             <a:pPr lvl="3"/>
             <a:r>
-              <a:rPr lang="en-US" smtClean="0"/>
+              <a:rPr lang="en-US"/>
               <a:t>Fourth level</a:t>
             </a:r>
           </a:p>
           <a:p>
             <a:pPr lvl="4"/>
             <a:r>
-              <a:rPr lang="en-US" smtClean="0"/>
+              <a:rPr lang="en-US"/>
               <a:t>Fifth level</a:t>
             </a:r>
             <a:endParaRPr lang="en-US" dirty="0"/>
@@ -545,7 +550,7 @@
           <a:p>
             <a:fld id="{84C7F18E-0E49-4207-B837-F7024745D32F}" type="datetimeFigureOut">
               <a:rPr lang="en-US" smtClean="0"/>
-              <a:t>4/12/2023</a:t>
+              <a:t>4/13/2023</a:t>
             </a:fld>
             <a:endParaRPr lang="en-US"/>
           </a:p>
@@ -720,7 +725,7 @@
           <a:lstStyle/>
           <a:p>
             <a:r>
-              <a:rPr lang="en-US" smtClean="0"/>
+              <a:rPr lang="en-US"/>
               <a:t>Click to edit Master title style</a:t>
             </a:r>
             <a:endParaRPr lang="en-US" dirty="0"/>
@@ -749,35 +754,35 @@
           <a:p>
             <a:pPr lvl="0"/>
             <a:r>
-              <a:rPr lang="en-US" smtClean="0"/>
+              <a:rPr lang="en-US"/>
               <a:t>Click to edit Master text styles</a:t>
             </a:r>
           </a:p>
           <a:p>
             <a:pPr lvl="1"/>
             <a:r>
-              <a:rPr lang="en-US" smtClean="0"/>
+              <a:rPr lang="en-US"/>
               <a:t>Second level</a:t>
             </a:r>
           </a:p>
           <a:p>
             <a:pPr lvl="2"/>
             <a:r>
-              <a:rPr lang="en-US" smtClean="0"/>
+              <a:rPr lang="en-US"/>
               <a:t>Third level</a:t>
             </a:r>
           </a:p>
           <a:p>
             <a:pPr lvl="3"/>
             <a:r>
-              <a:rPr lang="en-US" smtClean="0"/>
+              <a:rPr lang="en-US"/>
               <a:t>Fourth level</a:t>
             </a:r>
           </a:p>
           <a:p>
             <a:pPr lvl="4"/>
             <a:r>
-              <a:rPr lang="en-US" smtClean="0"/>
+              <a:rPr lang="en-US"/>
               <a:t>Fifth level</a:t>
             </a:r>
             <a:endParaRPr lang="en-US" dirty="0"/>
@@ -801,7 +806,7 @@
           <a:p>
             <a:fld id="{84C7F18E-0E49-4207-B837-F7024745D32F}" type="datetimeFigureOut">
               <a:rPr lang="en-US" smtClean="0"/>
-              <a:t>4/12/2023</a:t>
+              <a:t>4/13/2023</a:t>
             </a:fld>
             <a:endParaRPr lang="en-US"/>
           </a:p>
@@ -899,7 +904,7 @@
           </a:lstStyle>
           <a:p>
             <a:r>
-              <a:rPr lang="en-US" smtClean="0"/>
+              <a:rPr lang="en-US"/>
               <a:t>Click to edit Master title style</a:t>
             </a:r>
             <a:endParaRPr lang="en-US" dirty="0"/>
@@ -923,35 +928,35 @@
           <a:p>
             <a:pPr lvl="0"/>
             <a:r>
-              <a:rPr lang="en-US" smtClean="0"/>
+              <a:rPr lang="en-US"/>
               <a:t>Click to edit Master text styles</a:t>
             </a:r>
           </a:p>
           <a:p>
             <a:pPr lvl="1"/>
             <a:r>
-              <a:rPr lang="en-US" smtClean="0"/>
+              <a:rPr lang="en-US"/>
               <a:t>Second level</a:t>
             </a:r>
           </a:p>
           <a:p>
             <a:pPr lvl="2"/>
             <a:r>
-              <a:rPr lang="en-US" smtClean="0"/>
+              <a:rPr lang="en-US"/>
               <a:t>Third level</a:t>
             </a:r>
           </a:p>
           <a:p>
             <a:pPr lvl="3"/>
             <a:r>
-              <a:rPr lang="en-US" smtClean="0"/>
+              <a:rPr lang="en-US"/>
               <a:t>Fourth level</a:t>
             </a:r>
           </a:p>
           <a:p>
             <a:pPr lvl="4"/>
             <a:r>
-              <a:rPr lang="en-US" smtClean="0"/>
+              <a:rPr lang="en-US"/>
               <a:t>Fifth level</a:t>
             </a:r>
             <a:endParaRPr lang="en-US" dirty="0"/>
@@ -975,7 +980,7 @@
           <a:p>
             <a:fld id="{84C7F18E-0E49-4207-B837-F7024745D32F}" type="datetimeFigureOut">
               <a:rPr lang="en-US" smtClean="0"/>
-              <a:t>4/12/2023</a:t>
+              <a:t>4/13/2023</a:t>
             </a:fld>
             <a:endParaRPr lang="en-US"/>
           </a:p>
@@ -1174,7 +1179,7 @@
           </a:lstStyle>
           <a:p>
             <a:r>
-              <a:rPr lang="en-US" smtClean="0"/>
+              <a:rPr lang="en-US"/>
               <a:t>Click to edit Master title style</a:t>
             </a:r>
             <a:endParaRPr lang="en-US" dirty="0"/>
@@ -1295,7 +1300,7 @@
           <a:p>
             <a:pPr lvl="0"/>
             <a:r>
-              <a:rPr lang="en-US" smtClean="0"/>
+              <a:rPr lang="en-US"/>
               <a:t>Click to edit Master text styles</a:t>
             </a:r>
           </a:p>
@@ -1318,7 +1323,7 @@
           <a:p>
             <a:fld id="{84C7F18E-0E49-4207-B837-F7024745D32F}" type="datetimeFigureOut">
               <a:rPr lang="en-US" smtClean="0"/>
-              <a:t>4/12/2023</a:t>
+              <a:t>4/13/2023</a:t>
             </a:fld>
             <a:endParaRPr lang="en-US"/>
           </a:p>
@@ -1455,7 +1460,7 @@
           <a:lstStyle/>
           <a:p>
             <a:r>
-              <a:rPr lang="en-US" smtClean="0"/>
+              <a:rPr lang="en-US"/>
               <a:t>Click to edit Master title style</a:t>
             </a:r>
             <a:endParaRPr lang="en-US" dirty="0"/>
@@ -1484,35 +1489,35 @@
           <a:p>
             <a:pPr lvl="0"/>
             <a:r>
-              <a:rPr lang="en-US" smtClean="0"/>
+              <a:rPr lang="en-US"/>
               <a:t>Click to edit Master text styles</a:t>
             </a:r>
           </a:p>
           <a:p>
             <a:pPr lvl="1"/>
             <a:r>
-              <a:rPr lang="en-US" smtClean="0"/>
+              <a:rPr lang="en-US"/>
               <a:t>Second level</a:t>
             </a:r>
           </a:p>
           <a:p>
             <a:pPr lvl="2"/>
             <a:r>
-              <a:rPr lang="en-US" smtClean="0"/>
+              <a:rPr lang="en-US"/>
               <a:t>Third level</a:t>
             </a:r>
           </a:p>
           <a:p>
             <a:pPr lvl="3"/>
             <a:r>
-              <a:rPr lang="en-US" smtClean="0"/>
+              <a:rPr lang="en-US"/>
               <a:t>Fourth level</a:t>
             </a:r>
           </a:p>
           <a:p>
             <a:pPr lvl="4"/>
             <a:r>
-              <a:rPr lang="en-US" smtClean="0"/>
+              <a:rPr lang="en-US"/>
               <a:t>Fifth level</a:t>
             </a:r>
             <a:endParaRPr lang="en-US" dirty="0"/>
@@ -1541,35 +1546,35 @@
           <a:p>
             <a:pPr lvl="0"/>
             <a:r>
-              <a:rPr lang="en-US" smtClean="0"/>
+              <a:rPr lang="en-US"/>
               <a:t>Click to edit Master text styles</a:t>
             </a:r>
           </a:p>
           <a:p>
             <a:pPr lvl="1"/>
             <a:r>
-              <a:rPr lang="en-US" smtClean="0"/>
+              <a:rPr lang="en-US"/>
               <a:t>Second level</a:t>
             </a:r>
           </a:p>
           <a:p>
             <a:pPr lvl="2"/>
             <a:r>
-              <a:rPr lang="en-US" smtClean="0"/>
+              <a:rPr lang="en-US"/>
               <a:t>Third level</a:t>
             </a:r>
           </a:p>
           <a:p>
             <a:pPr lvl="3"/>
             <a:r>
-              <a:rPr lang="en-US" smtClean="0"/>
+              <a:rPr lang="en-US"/>
               <a:t>Fourth level</a:t>
             </a:r>
           </a:p>
           <a:p>
             <a:pPr lvl="4"/>
             <a:r>
-              <a:rPr lang="en-US" smtClean="0"/>
+              <a:rPr lang="en-US"/>
               <a:t>Fifth level</a:t>
             </a:r>
             <a:endParaRPr lang="en-US" dirty="0"/>
@@ -1593,7 +1598,7 @@
           <a:p>
             <a:fld id="{84C7F18E-0E49-4207-B837-F7024745D32F}" type="datetimeFigureOut">
               <a:rPr lang="en-US" smtClean="0"/>
-              <a:t>4/12/2023</a:t>
+              <a:t>4/13/2023</a:t>
             </a:fld>
             <a:endParaRPr lang="en-US"/>
           </a:p>
@@ -1692,7 +1697,7 @@
           <a:lstStyle/>
           <a:p>
             <a:r>
-              <a:rPr lang="en-US" smtClean="0"/>
+              <a:rPr lang="en-US"/>
               <a:t>Click to edit Master title style</a:t>
             </a:r>
             <a:endParaRPr lang="en-US" dirty="0"/>
@@ -1764,7 +1769,7 @@
           <a:p>
             <a:pPr lvl="0"/>
             <a:r>
-              <a:rPr lang="en-US" smtClean="0"/>
+              <a:rPr lang="en-US"/>
               <a:t>Click to edit Master text styles</a:t>
             </a:r>
           </a:p>
@@ -1792,35 +1797,35 @@
           <a:p>
             <a:pPr lvl="0"/>
             <a:r>
-              <a:rPr lang="en-US" smtClean="0"/>
+              <a:rPr lang="en-US"/>
               <a:t>Click to edit Master text styles</a:t>
             </a:r>
           </a:p>
           <a:p>
             <a:pPr lvl="1"/>
             <a:r>
-              <a:rPr lang="en-US" smtClean="0"/>
+              <a:rPr lang="en-US"/>
               <a:t>Second level</a:t>
             </a:r>
           </a:p>
           <a:p>
             <a:pPr lvl="2"/>
             <a:r>
-              <a:rPr lang="en-US" smtClean="0"/>
+              <a:rPr lang="en-US"/>
               <a:t>Third level</a:t>
             </a:r>
           </a:p>
           <a:p>
             <a:pPr lvl="3"/>
             <a:r>
-              <a:rPr lang="en-US" smtClean="0"/>
+              <a:rPr lang="en-US"/>
               <a:t>Fourth level</a:t>
             </a:r>
           </a:p>
           <a:p>
             <a:pPr lvl="4"/>
             <a:r>
-              <a:rPr lang="en-US" smtClean="0"/>
+              <a:rPr lang="en-US"/>
               <a:t>Fifth level</a:t>
             </a:r>
             <a:endParaRPr lang="en-US" dirty="0"/>
@@ -1892,7 +1897,7 @@
           <a:p>
             <a:pPr lvl="0"/>
             <a:r>
-              <a:rPr lang="en-US" smtClean="0"/>
+              <a:rPr lang="en-US"/>
               <a:t>Click to edit Master text styles</a:t>
             </a:r>
           </a:p>
@@ -1920,35 +1925,35 @@
           <a:p>
             <a:pPr lvl="0"/>
             <a:r>
-              <a:rPr lang="en-US" smtClean="0"/>
+              <a:rPr lang="en-US"/>
               <a:t>Click to edit Master text styles</a:t>
             </a:r>
           </a:p>
           <a:p>
             <a:pPr lvl="1"/>
             <a:r>
-              <a:rPr lang="en-US" smtClean="0"/>
+              <a:rPr lang="en-US"/>
               <a:t>Second level</a:t>
             </a:r>
           </a:p>
           <a:p>
             <a:pPr lvl="2"/>
             <a:r>
-              <a:rPr lang="en-US" smtClean="0"/>
+              <a:rPr lang="en-US"/>
               <a:t>Third level</a:t>
             </a:r>
           </a:p>
           <a:p>
             <a:pPr lvl="3"/>
             <a:r>
-              <a:rPr lang="en-US" smtClean="0"/>
+              <a:rPr lang="en-US"/>
               <a:t>Fourth level</a:t>
             </a:r>
           </a:p>
           <a:p>
             <a:pPr lvl="4"/>
             <a:r>
-              <a:rPr lang="en-US" smtClean="0"/>
+              <a:rPr lang="en-US"/>
               <a:t>Fifth level</a:t>
             </a:r>
             <a:endParaRPr lang="en-US" dirty="0"/>
@@ -1972,7 +1977,7 @@
           <a:p>
             <a:fld id="{84C7F18E-0E49-4207-B837-F7024745D32F}" type="datetimeFigureOut">
               <a:rPr lang="en-US" smtClean="0"/>
-              <a:t>4/12/2023</a:t>
+              <a:t>4/13/2023</a:t>
             </a:fld>
             <a:endParaRPr lang="en-US"/>
           </a:p>
@@ -2066,7 +2071,7 @@
           <a:lstStyle/>
           <a:p>
             <a:r>
-              <a:rPr lang="en-US" smtClean="0"/>
+              <a:rPr lang="en-US"/>
               <a:t>Click to edit Master title style</a:t>
             </a:r>
             <a:endParaRPr lang="en-US" dirty="0"/>
@@ -2090,7 +2095,7 @@
           <a:p>
             <a:fld id="{84C7F18E-0E49-4207-B837-F7024745D32F}" type="datetimeFigureOut">
               <a:rPr lang="en-US" smtClean="0"/>
-              <a:t>4/12/2023</a:t>
+              <a:t>4/13/2023</a:t>
             </a:fld>
             <a:endParaRPr lang="en-US"/>
           </a:p>
@@ -2261,7 +2266,7 @@
           <a:p>
             <a:fld id="{84C7F18E-0E49-4207-B837-F7024745D32F}" type="datetimeFigureOut">
               <a:rPr lang="en-US" smtClean="0"/>
-              <a:t>4/12/2023</a:t>
+              <a:t>4/13/2023</a:t>
             </a:fld>
             <a:endParaRPr lang="en-US"/>
           </a:p>
@@ -2454,7 +2459,7 @@
           </a:lstStyle>
           <a:p>
             <a:r>
-              <a:rPr lang="en-US" smtClean="0"/>
+              <a:rPr lang="en-US"/>
               <a:t>Click to edit Master title style</a:t>
             </a:r>
             <a:endParaRPr lang="en-US" dirty="0"/>
@@ -2483,35 +2488,35 @@
           <a:p>
             <a:pPr lvl="0"/>
             <a:r>
-              <a:rPr lang="en-US" smtClean="0"/>
+              <a:rPr lang="en-US"/>
               <a:t>Click to edit Master text styles</a:t>
             </a:r>
           </a:p>
           <a:p>
             <a:pPr lvl="1"/>
             <a:r>
-              <a:rPr lang="en-US" smtClean="0"/>
+              <a:rPr lang="en-US"/>
               <a:t>Second level</a:t>
             </a:r>
           </a:p>
           <a:p>
             <a:pPr lvl="2"/>
             <a:r>
-              <a:rPr lang="en-US" smtClean="0"/>
+              <a:rPr lang="en-US"/>
               <a:t>Third level</a:t>
             </a:r>
           </a:p>
           <a:p>
             <a:pPr lvl="3"/>
             <a:r>
-              <a:rPr lang="en-US" smtClean="0"/>
+              <a:rPr lang="en-US"/>
               <a:t>Fourth level</a:t>
             </a:r>
           </a:p>
           <a:p>
             <a:pPr lvl="4"/>
             <a:r>
-              <a:rPr lang="en-US" smtClean="0"/>
+              <a:rPr lang="en-US"/>
               <a:t>Fifth level</a:t>
             </a:r>
             <a:endParaRPr lang="en-US" dirty="0"/>
@@ -2583,7 +2588,7 @@
           <a:p>
             <a:pPr lvl="0"/>
             <a:r>
-              <a:rPr lang="en-US" smtClean="0"/>
+              <a:rPr lang="en-US"/>
               <a:t>Click to edit Master text styles</a:t>
             </a:r>
           </a:p>
@@ -2615,7 +2620,7 @@
           <a:p>
             <a:fld id="{84C7F18E-0E49-4207-B837-F7024745D32F}" type="datetimeFigureOut">
               <a:rPr lang="en-US" smtClean="0"/>
-              <a:t>4/12/2023</a:t>
+              <a:t>4/13/2023</a:t>
             </a:fld>
             <a:endParaRPr lang="en-US"/>
           </a:p>
@@ -2821,7 +2826,7 @@
           </a:lstStyle>
           <a:p>
             <a:r>
-              <a:rPr lang="en-US" smtClean="0"/>
+              <a:rPr lang="en-US"/>
               <a:t>Click to edit Master title style</a:t>
             </a:r>
             <a:endParaRPr lang="en-US" dirty="0"/>
@@ -2896,7 +2901,7 @@
           </a:lstStyle>
           <a:p>
             <a:r>
-              <a:rPr lang="en-US" smtClean="0"/>
+              <a:rPr lang="en-US"/>
               <a:t>Click icon to add picture</a:t>
             </a:r>
             <a:endParaRPr lang="en-US" dirty="0"/>
@@ -2974,7 +2979,7 @@
           <a:p>
             <a:pPr lvl="0"/>
             <a:r>
-              <a:rPr lang="en-US" smtClean="0"/>
+              <a:rPr lang="en-US"/>
               <a:t>Click to edit Master text styles</a:t>
             </a:r>
           </a:p>
@@ -2997,7 +3002,7 @@
           <a:p>
             <a:fld id="{84C7F18E-0E49-4207-B837-F7024745D32F}" type="datetimeFigureOut">
               <a:rPr lang="en-US" smtClean="0"/>
-              <a:t>4/12/2023</a:t>
+              <a:t>4/13/2023</a:t>
             </a:fld>
             <a:endParaRPr lang="en-US"/>
           </a:p>
@@ -3182,7 +3187,7 @@
           <a:lstStyle/>
           <a:p>
             <a:r>
-              <a:rPr lang="en-US" smtClean="0"/>
+              <a:rPr lang="en-US"/>
               <a:t>Click to edit Master title style</a:t>
             </a:r>
             <a:endParaRPr lang="en-US" dirty="0"/>
@@ -3216,35 +3221,35 @@
           <a:p>
             <a:pPr lvl="0"/>
             <a:r>
-              <a:rPr lang="en-US" smtClean="0"/>
+              <a:rPr lang="en-US"/>
               <a:t>Click to edit Master text styles</a:t>
             </a:r>
           </a:p>
           <a:p>
             <a:pPr lvl="1"/>
             <a:r>
-              <a:rPr lang="en-US" smtClean="0"/>
+              <a:rPr lang="en-US"/>
               <a:t>Second level</a:t>
             </a:r>
           </a:p>
           <a:p>
             <a:pPr lvl="2"/>
             <a:r>
-              <a:rPr lang="en-US" smtClean="0"/>
+              <a:rPr lang="en-US"/>
               <a:t>Third level</a:t>
             </a:r>
           </a:p>
           <a:p>
             <a:pPr lvl="3"/>
             <a:r>
-              <a:rPr lang="en-US" smtClean="0"/>
+              <a:rPr lang="en-US"/>
               <a:t>Fourth level</a:t>
             </a:r>
           </a:p>
           <a:p>
             <a:pPr lvl="4"/>
             <a:r>
-              <a:rPr lang="en-US" smtClean="0"/>
+              <a:rPr lang="en-US"/>
               <a:t>Fifth level</a:t>
             </a:r>
             <a:endParaRPr lang="en-US" dirty="0"/>
@@ -3284,7 +3289,7 @@
           <a:p>
             <a:fld id="{84C7F18E-0E49-4207-B837-F7024745D32F}" type="datetimeFigureOut">
               <a:rPr lang="en-US" smtClean="0"/>
-              <a:t>4/12/2023</a:t>
+              <a:t>4/13/2023</a:t>
             </a:fld>
             <a:endParaRPr lang="en-US"/>
           </a:p>
@@ -3824,10 +3829,9 @@
           <a:lstStyle/>
           <a:p>
             <a:r>
-              <a:rPr lang="en-US" dirty="0" smtClean="0"/>
+              <a:rPr lang="en-US" dirty="0"/>
               <a:t>Homework 01</a:t>
             </a:r>
-            <a:endParaRPr lang="en-US" dirty="0"/>
           </a:p>
         </p:txBody>
       </p:sp>
@@ -3847,10 +3851,9 @@
           <a:lstStyle/>
           <a:p>
             <a:r>
-              <a:rPr lang="en-US" dirty="0" smtClean="0"/>
+              <a:rPr lang="en-US" dirty="0"/>
               <a:t>Samuel Swain (SMS5736)</a:t>
             </a:r>
-            <a:endParaRPr lang="en-US" dirty="0"/>
           </a:p>
         </p:txBody>
       </p:sp>
@@ -3900,10 +3903,9 @@
           <a:lstStyle/>
           <a:p>
             <a:r>
-              <a:rPr lang="en-US" dirty="0" smtClean="0"/>
+              <a:rPr lang="en-US" dirty="0"/>
               <a:t>Data</a:t>
             </a:r>
-            <a:endParaRPr lang="en-US" dirty="0"/>
           </a:p>
         </p:txBody>
       </p:sp>
@@ -4179,7 +4181,7 @@
               <a:buNone/>
             </a:pPr>
             <a:r>
-              <a:rPr lang="en-US" b="1" dirty="0" smtClean="0"/>
+              <a:rPr lang="en-US" b="1" dirty="0"/>
               <a:t>Chart Information </a:t>
             </a:r>
           </a:p>
@@ -4224,28 +4226,19 @@
               <a:rPr lang="en-US" sz="1700" dirty="0"/>
               <a:t>Active problems/diagnoses </a:t>
             </a:r>
-            <a:endParaRPr lang="en-US" sz="1700" dirty="0" smtClean="0"/>
           </a:p>
           <a:p>
             <a:pPr lvl="1"/>
             <a:r>
-              <a:rPr lang="en-US" sz="1700" dirty="0" smtClean="0"/>
-              <a:t>History </a:t>
-            </a:r>
-            <a:r>
               <a:rPr lang="en-US" sz="1700" dirty="0"/>
-              <a:t>of present illness (HPI)</a:t>
+              <a:t>History of present illness (HPI)</a:t>
             </a:r>
           </a:p>
           <a:p>
             <a:pPr lvl="1"/>
             <a:r>
-              <a:rPr lang="en-US" sz="1700" dirty="0" smtClean="0"/>
-              <a:t>Physical </a:t>
-            </a:r>
-            <a:r>
               <a:rPr lang="en-US" sz="1700" dirty="0"/>
-              <a:t>examination (including vital signs)</a:t>
+              <a:t>Physical examination (including vital signs)</a:t>
             </a:r>
           </a:p>
           <a:p>
@@ -4254,7 +4247,6 @@
               <a:rPr lang="en-US" sz="1700" dirty="0"/>
               <a:t>Results of medical tests and imaging studies</a:t>
             </a:r>
-            <a:endParaRPr lang="en-US" sz="1700" dirty="0" smtClean="0"/>
           </a:p>
         </p:txBody>
       </p:sp>
@@ -4530,7 +4522,7 @@
               <a:buNone/>
             </a:pPr>
             <a:r>
-              <a:rPr lang="en-US" b="1" dirty="0" smtClean="0"/>
+              <a:rPr lang="en-US" b="1" dirty="0"/>
               <a:t>Patient History</a:t>
             </a:r>
           </a:p>
@@ -4538,74 +4530,42 @@
             <a:pPr lvl="1"/>
             <a:r>
               <a:rPr lang="en-US" sz="1600" dirty="0"/>
-              <a:t>History of present illness (HPI</a:t>
-            </a:r>
-            <a:r>
-              <a:rPr lang="en-US" sz="1600" dirty="0" smtClean="0"/>
-              <a:t>)</a:t>
+              <a:t>History of present illness (HPI)</a:t>
             </a:r>
           </a:p>
           <a:p>
             <a:pPr lvl="1"/>
             <a:r>
-              <a:rPr lang="en-US" sz="1600" dirty="0" smtClean="0"/>
-              <a:t>Past </a:t>
-            </a:r>
-            <a:r>
               <a:rPr lang="en-US" sz="1600" dirty="0"/>
-              <a:t>medical history (PMH</a:t>
-            </a:r>
-            <a:r>
-              <a:rPr lang="en-US" sz="1600" dirty="0" smtClean="0"/>
-              <a:t>)</a:t>
+              <a:t>Past medical history (PMH)</a:t>
             </a:r>
           </a:p>
           <a:p>
             <a:pPr lvl="1"/>
             <a:r>
-              <a:rPr lang="en-US" sz="1600" dirty="0" smtClean="0"/>
-              <a:t>Past </a:t>
-            </a:r>
-            <a:r>
               <a:rPr lang="en-US" sz="1600" dirty="0"/>
-              <a:t>surgical history (PSH), including surgery dates and </a:t>
-            </a:r>
-            <a:r>
-              <a:rPr lang="en-US" sz="1600" dirty="0" smtClean="0"/>
-              <a:t>reports</a:t>
+              <a:t>Past surgical history (PSH), including surgery dates and reports</a:t>
             </a:r>
           </a:p>
           <a:p>
             <a:pPr lvl="1"/>
             <a:r>
               <a:rPr lang="en-US" sz="1600" dirty="0"/>
-              <a:t>Family history (e.g. history of certain conditions or diseases in family members</a:t>
-            </a:r>
-            <a:r>
-              <a:rPr lang="en-US" sz="1600" dirty="0" smtClean="0"/>
-              <a:t>)</a:t>
+              <a:t>Family history (e.g. history of certain conditions or diseases in family members)</a:t>
             </a:r>
           </a:p>
           <a:p>
             <a:pPr lvl="1"/>
             <a:r>
               <a:rPr lang="en-US" sz="1600" dirty="0"/>
-              <a:t>Social history (e.g. occupation, family situation, habits such as smoking or exercise</a:t>
-            </a:r>
-            <a:r>
-              <a:rPr lang="en-US" sz="1600" dirty="0" smtClean="0"/>
-              <a:t>)</a:t>
+              <a:t>Social history (e.g. occupation, family situation, habits such as smoking or exercise)</a:t>
             </a:r>
           </a:p>
           <a:p>
             <a:pPr lvl="1"/>
             <a:r>
               <a:rPr lang="en-US" sz="1600" dirty="0"/>
-              <a:t>Immunizations and </a:t>
-            </a:r>
-            <a:r>
-              <a:rPr lang="en-US" sz="1600" dirty="0" smtClean="0"/>
-              <a:t>dates</a:t>
+              <a:t>Immunizations and dates</a:t>
             </a:r>
             <a:endParaRPr lang="en-US" dirty="0"/>
           </a:p>
@@ -4887,7 +4847,7 @@
               <a:buNone/>
             </a:pPr>
             <a:r>
-              <a:rPr lang="en-US" b="1" dirty="0" smtClean="0"/>
+              <a:rPr lang="en-US" b="1" dirty="0"/>
               <a:t>Data Updates</a:t>
             </a:r>
           </a:p>
@@ -4896,11 +4856,11 @@
               <a:buNone/>
             </a:pPr>
             <a:r>
-              <a:rPr lang="en-US" sz="1600" b="1" dirty="0" smtClean="0"/>
+              <a:rPr lang="en-US" sz="1600" b="1" dirty="0"/>
               <a:t>Chart information </a:t>
             </a:r>
             <a:r>
-              <a:rPr lang="en-US" sz="1600" dirty="0" smtClean="0"/>
+              <a:rPr lang="en-US" sz="1600" dirty="0"/>
               <a:t>will be updated on visit if possible (i.e. physical examination will be updated if performed)</a:t>
             </a:r>
           </a:p>
@@ -4915,11 +4875,11 @@
               <a:buNone/>
             </a:pPr>
             <a:r>
-              <a:rPr lang="en-US" sz="1600" b="1" dirty="0" smtClean="0"/>
+              <a:rPr lang="en-US" sz="1600" b="1" dirty="0"/>
               <a:t>Patient History </a:t>
             </a:r>
             <a:r>
-              <a:rPr lang="en-US" sz="1600" dirty="0" smtClean="0"/>
+              <a:rPr lang="en-US" sz="1600" dirty="0"/>
               <a:t>will be updated on visit as it is all history kept of patient</a:t>
             </a:r>
             <a:endParaRPr lang="en-US" sz="1600" b="1" dirty="0"/>
@@ -4972,10 +4932,9 @@
           <a:lstStyle/>
           <a:p>
             <a:r>
-              <a:rPr lang="en-US" dirty="0" smtClean="0"/>
+              <a:rPr lang="en-US" dirty="0"/>
               <a:t>Data Sources &amp; Types</a:t>
             </a:r>
-            <a:endParaRPr lang="en-US" dirty="0"/>
           </a:p>
         </p:txBody>
       </p:sp>
@@ -5253,48 +5212,19 @@
               <a:t>Demographic Data: </a:t>
             </a:r>
             <a:r>
-              <a:rPr lang="en-US" sz="1600" dirty="0" smtClean="0"/>
-              <a:t>U.S</a:t>
-            </a:r>
-            <a:r>
               <a:rPr lang="en-US" sz="1600" dirty="0"/>
-              <a:t>. Census Bureau </a:t>
-            </a:r>
-            <a:r>
-              <a:rPr lang="en-US" sz="1600" dirty="0" smtClean="0"/>
-              <a:t>data, EHRs</a:t>
-            </a:r>
-            <a:endParaRPr lang="en-US" sz="1600" dirty="0"/>
+              <a:t>U.S. Census Bureau data, EHRs</a:t>
+            </a:r>
           </a:p>
           <a:p>
             <a:pPr lvl="1"/>
             <a:r>
-              <a:rPr lang="en-US" sz="1600" b="1" dirty="0" smtClean="0"/>
-              <a:t>Medical </a:t>
-            </a:r>
-            <a:r>
               <a:rPr lang="en-US" sz="1600" b="1" dirty="0"/>
-              <a:t>Data</a:t>
-            </a:r>
-            <a:r>
-              <a:rPr lang="en-US" sz="1600" b="1" dirty="0" smtClean="0"/>
-              <a:t>: </a:t>
-            </a:r>
-            <a:r>
-              <a:rPr lang="en-US" sz="1600" dirty="0" smtClean="0"/>
-              <a:t>Healthcare Cost and Utilization Project (HCUP) data, </a:t>
+              <a:t>Medical Data: </a:t>
             </a:r>
             <a:r>
               <a:rPr lang="en-US" sz="1600" dirty="0"/>
-              <a:t>clinical trial data, CPT codes </a:t>
-            </a:r>
-            <a:r>
-              <a:rPr lang="en-US" sz="1600" dirty="0" smtClean="0"/>
-              <a:t>from </a:t>
-            </a:r>
-            <a:r>
-              <a:rPr lang="en-US" sz="1600" dirty="0"/>
-              <a:t>the AMA, EHRs</a:t>
+              <a:t>Healthcare Cost and Utilization Project (HCUP) data, clinical trial data, CPT codes from the AMA, EHRs</a:t>
             </a:r>
           </a:p>
           <a:p>
@@ -5304,23 +5234,15 @@
               <a:t>Patient History Data: </a:t>
             </a:r>
             <a:r>
-              <a:rPr lang="en-US" sz="1600" dirty="0" smtClean="0"/>
-              <a:t>EHRs</a:t>
-            </a:r>
-            <a:r>
               <a:rPr lang="en-US" sz="1600" dirty="0"/>
-              <a:t>, medical claims data, health questionnaires</a:t>
+              <a:t>EHRs, medical claims data, health questionnaires</a:t>
             </a:r>
           </a:p>
           <a:p>
             <a:pPr lvl="1"/>
             <a:r>
-              <a:rPr lang="en-US" sz="1600" b="1" dirty="0" smtClean="0"/>
-              <a:t>Social </a:t>
-            </a:r>
-            <a:r>
               <a:rPr lang="en-US" sz="1600" b="1" dirty="0"/>
-              <a:t>Determinants of Health Data: </a:t>
+              <a:t>Social Determinants of Health Data: </a:t>
             </a:r>
             <a:r>
               <a:rPr lang="en-US" sz="1600" dirty="0"/>
@@ -5346,15 +5268,7 @@
             </a:r>
             <a:r>
               <a:rPr lang="en-US" sz="1600" dirty="0"/>
-              <a:t>CDC data on infectious diseases, chronic diseases, and injury, WHO data on health equity, </a:t>
-            </a:r>
-            <a:r>
-              <a:rPr lang="en-US" sz="1600" dirty="0" smtClean="0"/>
-              <a:t>non-communicable </a:t>
-            </a:r>
-            <a:r>
-              <a:rPr lang="en-US" sz="1600" dirty="0"/>
-              <a:t>diseases, and environmental health</a:t>
+              <a:t>CDC data on infectious diseases, chronic diseases, and injury, WHO data on health equity, non-communicable diseases, and environmental health</a:t>
             </a:r>
           </a:p>
         </p:txBody>
@@ -5628,7 +5542,7 @@
           </a:lstStyle>
           <a:p>
             <a:pPr lvl="1"/>
-            <a:endParaRPr lang="en-US" sz="1400" dirty="0" smtClean="0"/>
+            <a:endParaRPr lang="en-US" sz="1400" dirty="0"/>
           </a:p>
         </p:txBody>
       </p:sp>
@@ -5903,13 +5817,8 @@
             <a:pPr lvl="1"/>
             <a:r>
               <a:rPr lang="en-US" sz="1600" b="1" dirty="0"/>
-              <a:t>Demographic Data</a:t>
-            </a:r>
-            <a:r>
-              <a:rPr lang="en-US" sz="1600" b="1" dirty="0" smtClean="0"/>
-              <a:t>:</a:t>
-            </a:r>
-            <a:endParaRPr lang="en-US" sz="1600" b="1" dirty="0"/>
+              <a:t>Demographic Data:</a:t>
+            </a:r>
           </a:p>
           <a:p>
             <a:pPr lvl="2"/>
@@ -5929,13 +5838,8 @@
             <a:pPr lvl="1"/>
             <a:r>
               <a:rPr lang="en-US" sz="1600" b="1" dirty="0"/>
-              <a:t>Medical Data</a:t>
-            </a:r>
-            <a:r>
-              <a:rPr lang="en-US" sz="1600" b="1" dirty="0" smtClean="0"/>
-              <a:t>:</a:t>
-            </a:r>
-            <a:endParaRPr lang="en-US" sz="1600" b="1" dirty="0"/>
+              <a:t>Medical Data:</a:t>
+            </a:r>
           </a:p>
           <a:p>
             <a:pPr lvl="2"/>
@@ -5969,13 +5873,8 @@
             <a:pPr lvl="1"/>
             <a:r>
               <a:rPr lang="en-US" sz="1600" b="1" dirty="0"/>
-              <a:t>Patient History Data</a:t>
-            </a:r>
-            <a:r>
-              <a:rPr lang="en-US" sz="1600" b="1" dirty="0" smtClean="0"/>
-              <a:t>:</a:t>
-            </a:r>
-            <a:endParaRPr lang="en-US" sz="1600" b="1" dirty="0"/>
+              <a:t>Patient History Data:</a:t>
+            </a:r>
           </a:p>
           <a:p>
             <a:pPr lvl="2"/>
@@ -5995,13 +5894,8 @@
             <a:pPr lvl="2"/>
             <a:r>
               <a:rPr lang="en-US" sz="1200" dirty="0"/>
-              <a:t>Questionnaires: CSV, Excel, </a:t>
-            </a:r>
-            <a:r>
-              <a:rPr lang="en-US" sz="1200" dirty="0" smtClean="0"/>
-              <a:t>PDF</a:t>
-            </a:r>
-            <a:endParaRPr lang="en-US" sz="1200" dirty="0"/>
+              <a:t>Questionnaires: CSV, Excel, PDF</a:t>
+            </a:r>
           </a:p>
         </p:txBody>
       </p:sp>
@@ -6275,18 +6169,9 @@
           <a:p>
             <a:pPr lvl="1"/>
             <a:r>
-              <a:rPr lang="en-US" sz="1600" b="1" dirty="0" smtClean="0"/>
-              <a:t>Social </a:t>
-            </a:r>
-            <a:r>
               <a:rPr lang="en-US" sz="1600" b="1" dirty="0"/>
-              <a:t>Determinants</a:t>
-            </a:r>
-            <a:r>
-              <a:rPr lang="en-US" sz="1600" b="1" dirty="0" smtClean="0"/>
-              <a:t>:</a:t>
-            </a:r>
-            <a:endParaRPr lang="en-US" sz="1600" b="1" dirty="0"/>
+              <a:t>Social Determinants:</a:t>
+            </a:r>
           </a:p>
           <a:p>
             <a:pPr lvl="2"/>
@@ -6306,13 +6191,8 @@
             <a:pPr lvl="1"/>
             <a:r>
               <a:rPr lang="en-US" sz="1600" b="1" dirty="0"/>
-              <a:t>Patient-Generated Data</a:t>
-            </a:r>
-            <a:r>
-              <a:rPr lang="en-US" sz="1600" b="1" dirty="0" smtClean="0"/>
-              <a:t>:</a:t>
-            </a:r>
-            <a:endParaRPr lang="en-US" sz="1600" b="1" dirty="0"/>
+              <a:t>Patient-Generated Data:</a:t>
+            </a:r>
           </a:p>
           <a:p>
             <a:pPr lvl="2"/>
@@ -6332,13 +6212,8 @@
             <a:pPr lvl="1"/>
             <a:r>
               <a:rPr lang="en-US" sz="1600" b="1" dirty="0"/>
-              <a:t>Public Health Data</a:t>
-            </a:r>
-            <a:r>
-              <a:rPr lang="en-US" sz="1600" b="1" dirty="0" smtClean="0"/>
-              <a:t>:</a:t>
-            </a:r>
-            <a:endParaRPr lang="en-US" sz="1600" b="1" dirty="0"/>
+              <a:t>Public Health Data:</a:t>
+            </a:r>
           </a:p>
           <a:p>
             <a:pPr lvl="2"/>
@@ -6402,10 +6277,9 @@
           <a:lstStyle/>
           <a:p>
             <a:r>
-              <a:rPr lang="en-US" dirty="0" smtClean="0"/>
+              <a:rPr lang="en-US" dirty="0"/>
               <a:t>Analytics</a:t>
             </a:r>
-            <a:endParaRPr lang="en-US" dirty="0"/>
           </a:p>
         </p:txBody>
       </p:sp>
@@ -6681,44 +6555,15 @@
               <a:buNone/>
             </a:pPr>
             <a:r>
-              <a:rPr lang="en-US" b="1" dirty="0" smtClean="0"/>
+              <a:rPr lang="en-US" b="1" dirty="0"/>
               <a:t>     Descriptive Analytics</a:t>
             </a:r>
-            <a:endParaRPr lang="en-US" b="1" dirty="0"/>
           </a:p>
           <a:p>
             <a:pPr lvl="2"/>
             <a:r>
               <a:rPr lang="en-US" dirty="0"/>
-              <a:t>Analyze patient demographics and disease prevalence to understand the population's health status</a:t>
-            </a:r>
-            <a:r>
-              <a:rPr lang="en-US" dirty="0" smtClean="0"/>
-              <a:t>. (</a:t>
-            </a:r>
-            <a:r>
-              <a:rPr lang="en-US" b="1" dirty="0" smtClean="0"/>
-              <a:t>Frequency</a:t>
-            </a:r>
-            <a:r>
-              <a:rPr lang="en-US" dirty="0" smtClean="0"/>
-              <a:t>: Monthly)</a:t>
-            </a:r>
-            <a:endParaRPr lang="en-US" dirty="0"/>
-          </a:p>
-          <a:p>
-            <a:pPr lvl="2"/>
-            <a:r>
-              <a:rPr lang="en-US" dirty="0"/>
-              <a:t>Evaluate hospital admission and discharge rates, lengths of stay, and readmission rates</a:t>
-            </a:r>
-            <a:r>
-              <a:rPr lang="en-US" dirty="0" smtClean="0"/>
-              <a:t>. </a:t>
-            </a:r>
-            <a:r>
-              <a:rPr lang="en-US" dirty="0"/>
-              <a:t>(</a:t>
+              <a:t>Analyze patient demographics and disease prevalence to understand the population's health status. (</a:t>
             </a:r>
             <a:r>
               <a:rPr lang="en-US" b="1" dirty="0"/>
@@ -6726,27 +6571,14 @@
             </a:r>
             <a:r>
               <a:rPr lang="en-US" dirty="0"/>
-              <a:t>: Monthly</a:t>
-            </a:r>
-            <a:r>
-              <a:rPr lang="en-US" dirty="0" smtClean="0"/>
-              <a:t>)</a:t>
-            </a:r>
-            <a:endParaRPr lang="en-US" dirty="0"/>
+              <a:t>: Monthly)</a:t>
+            </a:r>
           </a:p>
           <a:p>
             <a:pPr lvl="2"/>
             <a:r>
               <a:rPr lang="en-US" dirty="0"/>
-              <a:t>Analyze treatment patterns and medication usage to identify best </a:t>
-            </a:r>
-            <a:r>
-              <a:rPr lang="en-US" dirty="0" smtClean="0"/>
-              <a:t>practices. </a:t>
-            </a:r>
-            <a:r>
-              <a:rPr lang="en-US" dirty="0"/>
-              <a:t>(</a:t>
+              <a:t>Evaluate hospital admission and discharge rates, lengths of stay, and readmission rates. (</a:t>
             </a:r>
             <a:r>
               <a:rPr lang="en-US" b="1" dirty="0"/>
@@ -6754,11 +6586,22 @@
             </a:r>
             <a:r>
               <a:rPr lang="en-US" dirty="0"/>
-              <a:t>: Monthly</a:t>
-            </a:r>
-            <a:r>
-              <a:rPr lang="en-US" dirty="0" smtClean="0"/>
-              <a:t>)</a:t>
+              <a:t>: Monthly)</a:t>
+            </a:r>
+          </a:p>
+          <a:p>
+            <a:pPr lvl="2"/>
+            <a:r>
+              <a:rPr lang="en-US" dirty="0"/>
+              <a:t>Analyze treatment patterns and medication usage to identify best practices. (</a:t>
+            </a:r>
+            <a:r>
+              <a:rPr lang="en-US" b="1" dirty="0"/>
+              <a:t>Frequency</a:t>
+            </a:r>
+            <a:r>
+              <a:rPr lang="en-US" dirty="0"/>
+              <a:t>: Monthly)</a:t>
             </a:r>
           </a:p>
           <a:p>
@@ -6770,19 +6613,15 @@
               <a:buNone/>
             </a:pPr>
             <a:r>
-              <a:rPr lang="en-US" sz="1800" b="1" dirty="0" smtClean="0"/>
+              <a:rPr lang="en-US" sz="1800" b="1" dirty="0"/>
               <a:t>Diagnostic Analytics</a:t>
             </a:r>
           </a:p>
           <a:p>
             <a:pPr lvl="2"/>
             <a:r>
-              <a:rPr lang="en-US" dirty="0" smtClean="0"/>
-              <a:t>Identify patterns and correlations between patient characteristics and health outcomes. </a:t>
-            </a:r>
-            <a:r>
               <a:rPr lang="en-US" dirty="0"/>
-              <a:t>(</a:t>
+              <a:t>Identify patterns and correlations between patient characteristics and health outcomes. (</a:t>
             </a:r>
             <a:r>
               <a:rPr lang="en-US" b="1" dirty="0"/>
@@ -6790,34 +6629,18 @@
             </a:r>
             <a:r>
               <a:rPr lang="en-US" dirty="0"/>
-              <a:t>: </a:t>
-            </a:r>
-            <a:r>
-              <a:rPr lang="en-US" dirty="0" smtClean="0"/>
-              <a:t>On Demand)</a:t>
+              <a:t>: On Demand)</a:t>
             </a:r>
           </a:p>
           <a:p>
             <a:pPr lvl="2"/>
             <a:r>
-              <a:rPr lang="en-US" b="1" dirty="0" smtClean="0"/>
+              <a:rPr lang="en-US" b="1" dirty="0"/>
               <a:t>**</a:t>
             </a:r>
             <a:r>
-              <a:rPr lang="en-US" dirty="0" smtClean="0"/>
-              <a:t>Analyze </a:t>
-            </a:r>
-            <a:r>
               <a:rPr lang="en-US" dirty="0"/>
-              <a:t>data to determine factors contributing to hospital readmissions or complications</a:t>
-            </a:r>
-            <a:r>
-              <a:rPr lang="en-US" dirty="0" smtClean="0"/>
-              <a:t>. </a:t>
-            </a:r>
-            <a:r>
-              <a:rPr lang="en-US" dirty="0"/>
-              <a:t>(</a:t>
+              <a:t>Analyze data to determine factors contributing to hospital readmissions or complications. (</a:t>
             </a:r>
             <a:r>
               <a:rPr lang="en-US" b="1" dirty="0"/>
@@ -6825,27 +6648,14 @@
             </a:r>
             <a:r>
               <a:rPr lang="en-US" dirty="0"/>
-              <a:t>: </a:t>
-            </a:r>
-            <a:r>
-              <a:rPr lang="en-US" dirty="0" smtClean="0"/>
-              <a:t>Monthly)</a:t>
-            </a:r>
-            <a:endParaRPr lang="en-US" dirty="0"/>
+              <a:t>: Monthly)</a:t>
+            </a:r>
           </a:p>
           <a:p>
             <a:pPr lvl="2"/>
             <a:r>
               <a:rPr lang="en-US" dirty="0"/>
-              <a:t>Investigate the causes of variations in treatment outcomes and care quality</a:t>
-            </a:r>
-            <a:r>
-              <a:rPr lang="en-US" dirty="0" smtClean="0"/>
-              <a:t>. </a:t>
-            </a:r>
-            <a:r>
-              <a:rPr lang="en-US" dirty="0"/>
-              <a:t>(</a:t>
+              <a:t>Investigate the causes of variations in treatment outcomes and care quality. (</a:t>
             </a:r>
             <a:r>
               <a:rPr lang="en-US" b="1" dirty="0"/>
@@ -7135,27 +6945,14 @@
             </a:pPr>
             <a:r>
               <a:rPr lang="en-US" b="1" dirty="0"/>
-              <a:t>Predictive </a:t>
-            </a:r>
-            <a:r>
-              <a:rPr lang="en-US" b="1" dirty="0" smtClean="0"/>
-              <a:t>Analytics</a:t>
-            </a:r>
-            <a:endParaRPr lang="en-US" b="1" dirty="0"/>
+              <a:t>Predictive Analytics</a:t>
+            </a:r>
           </a:p>
           <a:p>
             <a:pPr lvl="2"/>
             <a:r>
               <a:rPr lang="en-US" dirty="0"/>
-              <a:t>Develop models to predict disease progression or patient risk based on clinical and demographic factors</a:t>
-            </a:r>
-            <a:r>
-              <a:rPr lang="en-US" dirty="0" smtClean="0"/>
-              <a:t>. </a:t>
-            </a:r>
-            <a:r>
-              <a:rPr lang="en-US" dirty="0"/>
-              <a:t>(</a:t>
+              <a:t>Develop models to predict disease progression or patient risk based on clinical and demographic factors. (</a:t>
             </a:r>
             <a:r>
               <a:rPr lang="en-US" b="1" dirty="0"/>
@@ -7163,27 +6960,14 @@
             </a:r>
             <a:r>
               <a:rPr lang="en-US" dirty="0"/>
-              <a:t>: </a:t>
-            </a:r>
-            <a:r>
-              <a:rPr lang="en-US" dirty="0" smtClean="0"/>
-              <a:t>Yearly)</a:t>
-            </a:r>
-            <a:endParaRPr lang="en-US" dirty="0"/>
+              <a:t>: Yearly)</a:t>
+            </a:r>
           </a:p>
           <a:p>
             <a:pPr lvl="2"/>
             <a:r>
               <a:rPr lang="en-US" dirty="0"/>
-              <a:t>Forecast healthcare resource utilization, such as hospital bed or staff requirements</a:t>
-            </a:r>
-            <a:r>
-              <a:rPr lang="en-US" dirty="0" smtClean="0"/>
-              <a:t>. </a:t>
-            </a:r>
-            <a:r>
-              <a:rPr lang="en-US" dirty="0"/>
-              <a:t>(</a:t>
+              <a:t>Forecast healthcare resource utilization, such as hospital bed or staff requirements. (</a:t>
             </a:r>
             <a:r>
               <a:rPr lang="en-US" b="1" dirty="0"/>
@@ -7191,23 +6975,14 @@
             </a:r>
             <a:r>
               <a:rPr lang="en-US" dirty="0"/>
-              <a:t>: </a:t>
-            </a:r>
-            <a:r>
-              <a:rPr lang="en-US" dirty="0" smtClean="0"/>
-              <a:t>Weekly)</a:t>
-            </a:r>
-            <a:endParaRPr lang="en-US" dirty="0"/>
+              <a:t>: Weekly)</a:t>
+            </a:r>
           </a:p>
           <a:p>
             <a:pPr lvl="2"/>
             <a:r>
-              <a:rPr lang="en-US" dirty="0" smtClean="0"/>
-              <a:t>Predict patient adherence to treatment plans or the likelihood of no-show appointments</a:t>
-            </a:r>
-            <a:r>
               <a:rPr lang="en-US" dirty="0"/>
-              <a:t>. (</a:t>
+              <a:t>Predict patient adherence to treatment plans or the likelihood of no-show appointments. (</a:t>
             </a:r>
             <a:r>
               <a:rPr lang="en-US" b="1" dirty="0"/>
@@ -7215,18 +6990,14 @@
             </a:r>
             <a:r>
               <a:rPr lang="en-US" dirty="0"/>
-              <a:t>: </a:t>
-            </a:r>
-            <a:r>
-              <a:rPr lang="en-US" dirty="0" smtClean="0"/>
-              <a:t>Yearly)</a:t>
+              <a:t>: Yearly)</a:t>
             </a:r>
           </a:p>
           <a:p>
             <a:pPr marL="384048" lvl="2" indent="0">
               <a:buNone/>
             </a:pPr>
-            <a:endParaRPr lang="en-US" sz="1800" b="1" dirty="0" smtClean="0"/>
+            <a:endParaRPr lang="en-US" sz="1800" b="1" dirty="0"/>
           </a:p>
           <a:p>
             <a:pPr marL="384048" lvl="2" indent="0" algn="ctr">
@@ -7234,22 +7005,14 @@
             </a:pPr>
             <a:r>
               <a:rPr lang="en-US" sz="1800" b="1" dirty="0"/>
-              <a:t>Prescriptive </a:t>
-            </a:r>
-            <a:r>
-              <a:rPr lang="en-US" sz="1800" b="1" dirty="0" smtClean="0"/>
-              <a:t>Analytics</a:t>
+              <a:t>Prescriptive Analytics</a:t>
             </a:r>
           </a:p>
           <a:p>
             <a:pPr lvl="2"/>
             <a:r>
-              <a:rPr lang="en-US" dirty="0" smtClean="0"/>
-              <a:t>Recommend personalized treatment plans based on patient-specific factors and historical data. </a:t>
-            </a:r>
-            <a:r>
               <a:rPr lang="en-US" dirty="0"/>
-              <a:t>(</a:t>
+              <a:t>Recommend personalized treatment plans based on patient-specific factors and historical data. (</a:t>
             </a:r>
             <a:r>
               <a:rPr lang="en-US" b="1" dirty="0"/>
@@ -7257,30 +7020,14 @@
             </a:r>
             <a:r>
               <a:rPr lang="en-US" dirty="0"/>
-              <a:t>: </a:t>
-            </a:r>
-            <a:r>
-              <a:rPr lang="en-US" dirty="0" smtClean="0"/>
-              <a:t>On Demand)</a:t>
+              <a:t>: On Demand)</a:t>
             </a:r>
           </a:p>
           <a:p>
             <a:pPr lvl="2"/>
             <a:r>
-              <a:rPr lang="en-US" dirty="0" smtClean="0"/>
-              <a:t>Optimize </a:t>
-            </a:r>
-            <a:r>
               <a:rPr lang="en-US" dirty="0"/>
-              <a:t>resource allocation, such as staff scheduling or patient triage, to improve care quality and efficiency</a:t>
-            </a:r>
-            <a:r>
-              <a:rPr lang="en-US" dirty="0" smtClean="0"/>
-              <a:t>. </a:t>
-            </a:r>
-            <a:r>
-              <a:rPr lang="en-US" dirty="0"/>
-              <a:t>(</a:t>
+              <a:t>Optimize resource allocation, such as staff scheduling or patient triage, to improve care quality and efficiency. (</a:t>
             </a:r>
             <a:r>
               <a:rPr lang="en-US" b="1" dirty="0"/>
@@ -7288,27 +7035,14 @@
             </a:r>
             <a:r>
               <a:rPr lang="en-US" dirty="0"/>
-              <a:t>: </a:t>
-            </a:r>
-            <a:r>
-              <a:rPr lang="en-US" dirty="0" smtClean="0"/>
-              <a:t>Weekly)</a:t>
-            </a:r>
-            <a:endParaRPr lang="en-US" dirty="0"/>
+              <a:t>: Weekly)</a:t>
+            </a:r>
           </a:p>
           <a:p>
             <a:pPr lvl="2"/>
             <a:r>
               <a:rPr lang="en-US" dirty="0"/>
-              <a:t>Suggest interventions to improve patient outcomes and prevent complications or readmissions</a:t>
-            </a:r>
-            <a:r>
-              <a:rPr lang="en-US" dirty="0" smtClean="0"/>
-              <a:t>. </a:t>
-            </a:r>
-            <a:r>
-              <a:rPr lang="en-US" dirty="0"/>
-              <a:t>(</a:t>
+              <a:t>Suggest interventions to improve patient outcomes and prevent complications or readmissions. (</a:t>
             </a:r>
             <a:r>
               <a:rPr lang="en-US" b="1" dirty="0"/>
@@ -7316,13 +7050,8 @@
             </a:r>
             <a:r>
               <a:rPr lang="en-US" dirty="0"/>
-              <a:t>: Yearly</a:t>
-            </a:r>
-            <a:r>
-              <a:rPr lang="en-US" dirty="0" smtClean="0"/>
-              <a:t>)</a:t>
-            </a:r>
-            <a:endParaRPr lang="en-US" dirty="0"/>
+              <a:t>: Yearly)</a:t>
+            </a:r>
           </a:p>
           <a:p>
             <a:pPr marL="384048" lvl="2" indent="0">
@@ -7355,10 +7084,9 @@
           <a:lstStyle/>
           <a:p>
             <a:r>
-              <a:rPr lang="en-US" sz="1600" b="1" dirty="0" smtClean="0"/>
+              <a:rPr lang="en-US" sz="1600" b="1" dirty="0"/>
               <a:t>**: Focusing the rest of the assignment on</a:t>
             </a:r>
-            <a:endParaRPr lang="en-US" sz="1600" b="1" dirty="0"/>
           </a:p>
         </p:txBody>
       </p:sp>
@@ -7408,10 +7136,9 @@
           <a:lstStyle/>
           <a:p>
             <a:r>
-              <a:rPr lang="en-US" dirty="0" smtClean="0"/>
+              <a:rPr lang="en-US" dirty="0"/>
               <a:t>Cloud Services</a:t>
             </a:r>
-            <a:endParaRPr lang="en-US" dirty="0"/>
           </a:p>
         </p:txBody>
       </p:sp>
@@ -7425,8 +7152,8 @@
         </p:nvSpPr>
         <p:spPr>
           <a:xfrm>
-            <a:off x="2247900" y="1737361"/>
-            <a:ext cx="4800600" cy="4301490"/>
+            <a:off x="1977555" y="2047462"/>
+            <a:ext cx="5552330" cy="4301490"/>
           </a:xfrm>
           <a:prstGeom prst="rect">
             <a:avLst/>
@@ -7688,143 +7415,421 @@
             </a:pPr>
             <a:r>
               <a:rPr lang="en-US" b="1" dirty="0"/>
-              <a:t>Data </a:t>
-            </a:r>
-            <a:r>
-              <a:rPr lang="en-US" b="1" dirty="0" smtClean="0"/>
-              <a:t>Ingestion: DataSync</a:t>
-            </a:r>
+              <a:t>Data Ingestion: DataSync</a:t>
+            </a:r>
+          </a:p>
+          <a:p>
+            <a:pPr marL="201168" lvl="1" indent="0">
+              <a:buNone/>
+            </a:pPr>
             <a:endParaRPr lang="en-US" b="1" dirty="0"/>
           </a:p>
           <a:p>
             <a:pPr marL="201168" lvl="1" indent="0">
               <a:buNone/>
             </a:pPr>
-            <a:endParaRPr lang="en-US" b="1" dirty="0" smtClean="0"/>
+            <a:r>
+              <a:rPr lang="en-US" b="1" dirty="0"/>
+              <a:t>Data Storage and Data Processing: S3, Lambda </a:t>
+            </a:r>
           </a:p>
           <a:p>
             <a:pPr marL="201168" lvl="1" indent="0">
               <a:buNone/>
             </a:pPr>
-            <a:r>
-              <a:rPr lang="en-US" b="1" dirty="0" smtClean="0"/>
-              <a:t>Data </a:t>
-            </a:r>
+            <a:endParaRPr lang="en-US" b="1" dirty="0"/>
+          </a:p>
+          <a:p>
+            <a:pPr marL="201168" lvl="1" indent="0">
+              <a:buNone/>
+            </a:pPr>
             <a:r>
               <a:rPr lang="en-US" b="1" dirty="0"/>
-              <a:t>Storage </a:t>
-            </a:r>
-            <a:r>
-              <a:rPr lang="en-US" b="1" dirty="0" smtClean="0"/>
-              <a:t>and Data Processing: S3, Lambda </a:t>
+              <a:t>Data Warehousing and BI: RedShift or RDS, QuickSight</a:t>
             </a:r>
           </a:p>
           <a:p>
             <a:pPr marL="201168" lvl="1" indent="0">
               <a:buNone/>
             </a:pPr>
-            <a:endParaRPr lang="en-US" b="1" dirty="0" smtClean="0"/>
+            <a:endParaRPr lang="en-US" b="1" dirty="0"/>
           </a:p>
           <a:p>
             <a:pPr marL="201168" lvl="1" indent="0">
               <a:buNone/>
             </a:pPr>
             <a:r>
-              <a:rPr lang="en-US" b="1" dirty="0" smtClean="0"/>
-              <a:t>Data </a:t>
-            </a:r>
-            <a:r>
               <a:rPr lang="en-US" b="1" dirty="0"/>
-              <a:t>Warehousing and </a:t>
-            </a:r>
-            <a:r>
-              <a:rPr lang="en-US" b="1" dirty="0" smtClean="0"/>
-              <a:t>BI: RedShift, QuickSight</a:t>
-            </a:r>
+              <a:t>Business Intelligence and Analytics: </a:t>
+            </a:r>
+          </a:p>
+          <a:p>
+            <a:pPr marL="201168" lvl="1" indent="0">
+              <a:buNone/>
+            </a:pPr>
             <a:endParaRPr lang="en-US" b="1" dirty="0"/>
           </a:p>
           <a:p>
             <a:pPr marL="201168" lvl="1" indent="0">
               <a:buNone/>
             </a:pPr>
-            <a:endParaRPr lang="en-US" b="1" dirty="0" smtClean="0"/>
+            <a:r>
+              <a:rPr lang="en-US" b="1" dirty="0"/>
+              <a:t>Data Science – ML/AI: </a:t>
+            </a:r>
+            <a:r>
+              <a:rPr lang="en-US" b="1" dirty="0" err="1"/>
+              <a:t>SageMaker</a:t>
+            </a:r>
+            <a:endParaRPr lang="en-US" b="1" dirty="0"/>
           </a:p>
           <a:p>
             <a:pPr marL="201168" lvl="1" indent="0">
               <a:buNone/>
             </a:pPr>
-            <a:r>
-              <a:rPr lang="en-US" b="1" dirty="0" smtClean="0"/>
-              <a:t>Business </a:t>
-            </a:r>
+            <a:endParaRPr lang="en-US" b="1" dirty="0"/>
+          </a:p>
+          <a:p>
+            <a:pPr marL="201168" lvl="1" indent="0">
+              <a:buNone/>
+            </a:pPr>
             <a:r>
               <a:rPr lang="en-US" b="1" dirty="0"/>
-              <a:t>Intelligence and </a:t>
-            </a:r>
-            <a:r>
-              <a:rPr lang="en-US" b="1" dirty="0" smtClean="0"/>
-              <a:t>Analytics: </a:t>
-            </a:r>
-            <a:endParaRPr lang="en-US" b="1" dirty="0"/>
-          </a:p>
-          <a:p>
-            <a:pPr marL="201168" lvl="1" indent="0">
-              <a:buNone/>
-            </a:pPr>
-            <a:endParaRPr lang="en-US" b="1" dirty="0" smtClean="0"/>
-          </a:p>
-          <a:p>
-            <a:pPr marL="201168" lvl="1" indent="0">
-              <a:buNone/>
-            </a:pPr>
-            <a:r>
-              <a:rPr lang="en-US" b="1" dirty="0" smtClean="0"/>
-              <a:t>Data </a:t>
-            </a:r>
-            <a:r>
-              <a:rPr lang="en-US" b="1" dirty="0"/>
-              <a:t>Science </a:t>
-            </a:r>
-            <a:r>
-              <a:rPr lang="en-US" b="1" dirty="0" smtClean="0"/>
-              <a:t>– ML/AI: </a:t>
-            </a:r>
-            <a:endParaRPr lang="en-US" b="1" dirty="0"/>
-          </a:p>
-          <a:p>
-            <a:pPr marL="201168" lvl="1" indent="0">
-              <a:buNone/>
-            </a:pPr>
-            <a:endParaRPr lang="en-US" b="1" dirty="0" smtClean="0"/>
-          </a:p>
-          <a:p>
-            <a:pPr marL="201168" lvl="1" indent="0">
-              <a:buNone/>
-            </a:pPr>
-            <a:r>
-              <a:rPr lang="en-US" b="1" dirty="0" smtClean="0"/>
-              <a:t>Applications </a:t>
-            </a:r>
-            <a:r>
-              <a:rPr lang="en-US" b="1" dirty="0"/>
-              <a:t>– </a:t>
-            </a:r>
-            <a:r>
-              <a:rPr lang="en-US" b="1" dirty="0" smtClean="0"/>
-              <a:t>Webapps</a:t>
-            </a:r>
-            <a:r>
-              <a:rPr lang="en-US" b="1" dirty="0"/>
-              <a:t>, </a:t>
-            </a:r>
-            <a:r>
-              <a:rPr lang="en-US" b="1" dirty="0" smtClean="0"/>
-              <a:t>Mobile: </a:t>
+              <a:t>Applications – Webapps, Mobile: </a:t>
             </a:r>
             <a:endParaRPr lang="en-US" dirty="0"/>
           </a:p>
         </p:txBody>
       </p:sp>
+      <p:pic>
+        <p:nvPicPr>
+          <p:cNvPr id="1026" name="Picture 2" descr="AWS DataSync - AWS Migration &amp; Transfer - AWS Video Catalog">
+            <a:extLst>
+              <a:ext uri="{FF2B5EF4-FFF2-40B4-BE49-F238E27FC236}">
+                <a16:creationId xmlns:a16="http://schemas.microsoft.com/office/drawing/2014/main" id="{CFAB411D-9510-7ED8-E007-EB76A4BC9252}"/>
+              </a:ext>
+            </a:extLst>
+          </p:cNvPr>
+          <p:cNvPicPr>
+            <a:picLocks noChangeAspect="1" noChangeArrowheads="1"/>
+          </p:cNvPicPr>
+          <p:nvPr/>
+        </p:nvPicPr>
+        <p:blipFill>
+          <a:blip r:embed="rId2" cstate="print">
+            <a:extLst>
+              <a:ext uri="{28A0092B-C50C-407E-A947-70E740481C1C}">
+                <a14:useLocalDpi xmlns:a14="http://schemas.microsoft.com/office/drawing/2010/main" val="0"/>
+              </a:ext>
+            </a:extLst>
+          </a:blip>
+          <a:srcRect/>
+          <a:stretch>
+            <a:fillRect/>
+          </a:stretch>
+        </p:blipFill>
+        <p:spPr bwMode="auto">
+          <a:xfrm>
+            <a:off x="1537418" y="1892420"/>
+            <a:ext cx="588397" cy="588397"/>
+          </a:xfrm>
+          <a:prstGeom prst="rect">
+            <a:avLst/>
+          </a:prstGeom>
+          <a:noFill/>
+          <a:extLst>
+            <a:ext uri="{909E8E84-426E-40DD-AFC4-6F175D3DCCD1}">
+              <a14:hiddenFill xmlns:a14="http://schemas.microsoft.com/office/drawing/2010/main">
+                <a:solidFill>
+                  <a:srgbClr val="FFFFFF"/>
+                </a:solidFill>
+              </a14:hiddenFill>
+            </a:ext>
+          </a:extLst>
+        </p:spPr>
+      </p:pic>
+      <p:pic>
+        <p:nvPicPr>
+          <p:cNvPr id="1028" name="Picture 4" descr="Amazon S3 Simple Storage Service Logo PNG Vector (SVG) Free ...">
+            <a:extLst>
+              <a:ext uri="{FF2B5EF4-FFF2-40B4-BE49-F238E27FC236}">
+                <a16:creationId xmlns:a16="http://schemas.microsoft.com/office/drawing/2014/main" id="{16FA8107-B74F-1512-4ADD-8863E9279A2C}"/>
+              </a:ext>
+            </a:extLst>
+          </p:cNvPr>
+          <p:cNvPicPr>
+            <a:picLocks noChangeAspect="1" noChangeArrowheads="1"/>
+          </p:cNvPicPr>
+          <p:nvPr/>
+        </p:nvPicPr>
+        <p:blipFill>
+          <a:blip r:embed="rId3" cstate="print">
+            <a:extLst>
+              <a:ext uri="{28A0092B-C50C-407E-A947-70E740481C1C}">
+                <a14:useLocalDpi xmlns:a14="http://schemas.microsoft.com/office/drawing/2010/main" val="0"/>
+              </a:ext>
+            </a:extLst>
+          </a:blip>
+          <a:srcRect/>
+          <a:stretch>
+            <a:fillRect/>
+          </a:stretch>
+        </p:blipFill>
+        <p:spPr bwMode="auto">
+          <a:xfrm>
+            <a:off x="842837" y="2540451"/>
+            <a:ext cx="588398" cy="588398"/>
+          </a:xfrm>
+          <a:prstGeom prst="rect">
+            <a:avLst/>
+          </a:prstGeom>
+          <a:noFill/>
+          <a:extLst>
+            <a:ext uri="{909E8E84-426E-40DD-AFC4-6F175D3DCCD1}">
+              <a14:hiddenFill xmlns:a14="http://schemas.microsoft.com/office/drawing/2010/main">
+                <a:solidFill>
+                  <a:srgbClr val="FFFFFF"/>
+                </a:solidFill>
+              </a14:hiddenFill>
+            </a:ext>
+          </a:extLst>
+        </p:spPr>
+      </p:pic>
+      <p:pic>
+        <p:nvPicPr>
+          <p:cNvPr id="1030" name="Picture 6">
+            <a:extLst>
+              <a:ext uri="{FF2B5EF4-FFF2-40B4-BE49-F238E27FC236}">
+                <a16:creationId xmlns:a16="http://schemas.microsoft.com/office/drawing/2014/main" id="{2B100B39-DF43-1277-FD25-F9CCE7591909}"/>
+              </a:ext>
+            </a:extLst>
+          </p:cNvPr>
+          <p:cNvPicPr>
+            <a:picLocks noChangeAspect="1" noChangeArrowheads="1"/>
+          </p:cNvPicPr>
+          <p:nvPr/>
+        </p:nvPicPr>
+        <p:blipFill>
+          <a:blip r:embed="rId4" cstate="print">
+            <a:extLst>
+              <a:ext uri="{28A0092B-C50C-407E-A947-70E740481C1C}">
+                <a14:useLocalDpi xmlns:a14="http://schemas.microsoft.com/office/drawing/2010/main" val="0"/>
+              </a:ext>
+            </a:extLst>
+          </a:blip>
+          <a:srcRect/>
+          <a:stretch>
+            <a:fillRect/>
+          </a:stretch>
+        </p:blipFill>
+        <p:spPr bwMode="auto">
+          <a:xfrm>
+            <a:off x="1537418" y="2540451"/>
+            <a:ext cx="588397" cy="588397"/>
+          </a:xfrm>
+          <a:prstGeom prst="rect">
+            <a:avLst/>
+          </a:prstGeom>
+          <a:noFill/>
+          <a:extLst>
+            <a:ext uri="{909E8E84-426E-40DD-AFC4-6F175D3DCCD1}">
+              <a14:hiddenFill xmlns:a14="http://schemas.microsoft.com/office/drawing/2010/main">
+                <a:solidFill>
+                  <a:srgbClr val="FFFFFF"/>
+                </a:solidFill>
+              </a14:hiddenFill>
+            </a:ext>
+          </a:extLst>
+        </p:spPr>
+      </p:pic>
+      <p:pic>
+        <p:nvPicPr>
+          <p:cNvPr id="1032" name="Picture 8" descr="Amazon RDS for PostgreSQL - Workshop">
+            <a:extLst>
+              <a:ext uri="{FF2B5EF4-FFF2-40B4-BE49-F238E27FC236}">
+                <a16:creationId xmlns:a16="http://schemas.microsoft.com/office/drawing/2014/main" id="{05306F5D-B999-0084-DE17-92830A5CB720}"/>
+              </a:ext>
+            </a:extLst>
+          </p:cNvPr>
+          <p:cNvPicPr>
+            <a:picLocks noChangeAspect="1" noChangeArrowheads="1"/>
+          </p:cNvPicPr>
+          <p:nvPr/>
+        </p:nvPicPr>
+        <p:blipFill>
+          <a:blip r:embed="rId5" cstate="print">
+            <a:extLst>
+              <a:ext uri="{28A0092B-C50C-407E-A947-70E740481C1C}">
+                <a14:useLocalDpi xmlns:a14="http://schemas.microsoft.com/office/drawing/2010/main" val="0"/>
+              </a:ext>
+            </a:extLst>
+          </a:blip>
+          <a:srcRect/>
+          <a:stretch>
+            <a:fillRect/>
+          </a:stretch>
+        </p:blipFill>
+        <p:spPr bwMode="auto">
+          <a:xfrm>
+            <a:off x="1540234" y="3180539"/>
+            <a:ext cx="588397" cy="588397"/>
+          </a:xfrm>
+          <a:prstGeom prst="rect">
+            <a:avLst/>
+          </a:prstGeom>
+          <a:noFill/>
+          <a:extLst>
+            <a:ext uri="{909E8E84-426E-40DD-AFC4-6F175D3DCCD1}">
+              <a14:hiddenFill xmlns:a14="http://schemas.microsoft.com/office/drawing/2010/main">
+                <a:solidFill>
+                  <a:srgbClr val="FFFFFF"/>
+                </a:solidFill>
+              </a14:hiddenFill>
+            </a:ext>
+          </a:extLst>
+        </p:spPr>
+      </p:pic>
+      <p:pic>
+        <p:nvPicPr>
+          <p:cNvPr id="1034" name="Picture 10" descr="Amazon QuickSight">
+            <a:extLst>
+              <a:ext uri="{FF2B5EF4-FFF2-40B4-BE49-F238E27FC236}">
+                <a16:creationId xmlns:a16="http://schemas.microsoft.com/office/drawing/2014/main" id="{03E93461-13A2-1A11-FDC5-7E83F44B0D02}"/>
+              </a:ext>
+            </a:extLst>
+          </p:cNvPr>
+          <p:cNvPicPr>
+            <a:picLocks noChangeAspect="1" noChangeArrowheads="1"/>
+          </p:cNvPicPr>
+          <p:nvPr/>
+        </p:nvPicPr>
+        <p:blipFill>
+          <a:blip r:embed="rId6" cstate="print">
+            <a:extLst>
+              <a:ext uri="{28A0092B-C50C-407E-A947-70E740481C1C}">
+                <a14:useLocalDpi xmlns:a14="http://schemas.microsoft.com/office/drawing/2010/main" val="0"/>
+              </a:ext>
+            </a:extLst>
+          </a:blip>
+          <a:srcRect/>
+          <a:stretch>
+            <a:fillRect/>
+          </a:stretch>
+        </p:blipFill>
+        <p:spPr bwMode="auto">
+          <a:xfrm>
+            <a:off x="842837" y="3180539"/>
+            <a:ext cx="588397" cy="588397"/>
+          </a:xfrm>
+          <a:prstGeom prst="rect">
+            <a:avLst/>
+          </a:prstGeom>
+          <a:noFill/>
+          <a:extLst>
+            <a:ext uri="{909E8E84-426E-40DD-AFC4-6F175D3DCCD1}">
+              <a14:hiddenFill xmlns:a14="http://schemas.microsoft.com/office/drawing/2010/main">
+                <a:solidFill>
+                  <a:srgbClr val="FFFFFF"/>
+                </a:solidFill>
+              </a14:hiddenFill>
+            </a:ext>
+          </a:extLst>
+        </p:spPr>
+      </p:pic>
+      <p:pic>
+        <p:nvPicPr>
+          <p:cNvPr id="1036" name="Picture 12" descr="Amazon SageMaker Introduction – Try Machine Learning with Built-in  Algorithms | devnote">
+            <a:extLst>
+              <a:ext uri="{FF2B5EF4-FFF2-40B4-BE49-F238E27FC236}">
+                <a16:creationId xmlns:a16="http://schemas.microsoft.com/office/drawing/2014/main" id="{167DD8F3-FB8C-E626-53BC-B6527E2F8D12}"/>
+              </a:ext>
+            </a:extLst>
+          </p:cNvPr>
+          <p:cNvPicPr>
+            <a:picLocks noChangeAspect="1" noChangeArrowheads="1"/>
+          </p:cNvPicPr>
+          <p:nvPr/>
+        </p:nvPicPr>
+        <p:blipFill>
+          <a:blip r:embed="rId7" cstate="print">
+            <a:extLst>
+              <a:ext uri="{28A0092B-C50C-407E-A947-70E740481C1C}">
+                <a14:useLocalDpi xmlns:a14="http://schemas.microsoft.com/office/drawing/2010/main" val="0"/>
+              </a:ext>
+            </a:extLst>
+          </a:blip>
+          <a:srcRect/>
+          <a:stretch>
+            <a:fillRect/>
+          </a:stretch>
+        </p:blipFill>
+        <p:spPr bwMode="auto">
+          <a:xfrm>
+            <a:off x="1537418" y="4470546"/>
+            <a:ext cx="588398" cy="588398"/>
+          </a:xfrm>
+          <a:prstGeom prst="rect">
+            <a:avLst/>
+          </a:prstGeom>
+          <a:noFill/>
+          <a:extLst>
+            <a:ext uri="{909E8E84-426E-40DD-AFC4-6F175D3DCCD1}">
+              <a14:hiddenFill xmlns:a14="http://schemas.microsoft.com/office/drawing/2010/main">
+                <a:solidFill>
+                  <a:srgbClr val="FFFFFF"/>
+                </a:solidFill>
+              </a14:hiddenFill>
+            </a:ext>
+          </a:extLst>
+        </p:spPr>
+      </p:pic>
+      <p:pic>
+        <p:nvPicPr>
+          <p:cNvPr id="3" name="Picture 12" descr="Amazon SageMaker Introduction – Try Machine Learning with Built-in  Algorithms | devnote">
+            <a:extLst>
+              <a:ext uri="{FF2B5EF4-FFF2-40B4-BE49-F238E27FC236}">
+                <a16:creationId xmlns:a16="http://schemas.microsoft.com/office/drawing/2014/main" id="{FE455899-6AE5-171E-8430-8FCCC67AFFC1}"/>
+              </a:ext>
+            </a:extLst>
+          </p:cNvPr>
+          <p:cNvPicPr>
+            <a:picLocks noChangeAspect="1" noChangeArrowheads="1"/>
+          </p:cNvPicPr>
+          <p:nvPr/>
+        </p:nvPicPr>
+        <p:blipFill>
+          <a:blip r:embed="rId7" cstate="print">
+            <a:extLst>
+              <a:ext uri="{28A0092B-C50C-407E-A947-70E740481C1C}">
+                <a14:useLocalDpi xmlns:a14="http://schemas.microsoft.com/office/drawing/2010/main" val="0"/>
+              </a:ext>
+            </a:extLst>
+          </a:blip>
+          <a:srcRect/>
+          <a:stretch>
+            <a:fillRect/>
+          </a:stretch>
+        </p:blipFill>
+        <p:spPr bwMode="auto">
+          <a:xfrm>
+            <a:off x="1537418" y="4522236"/>
+            <a:ext cx="588398" cy="588398"/>
+          </a:xfrm>
+          <a:prstGeom prst="rect">
+            <a:avLst/>
+          </a:prstGeom>
+          <a:noFill/>
+          <a:extLst>
+            <a:ext uri="{909E8E84-426E-40DD-AFC4-6F175D3DCCD1}">
+              <a14:hiddenFill xmlns:a14="http://schemas.microsoft.com/office/drawing/2010/main">
+                <a:solidFill>
+                  <a:srgbClr val="FFFFFF"/>
+                </a:solidFill>
+              </a14:hiddenFill>
+            </a:ext>
+          </a:extLst>
+        </p:spPr>
+      </p:pic>
     </p:spTree>
     <p:extLst>
       <p:ext uri="{BB962C8B-B14F-4D97-AF65-F5344CB8AC3E}">

--- a/MSiA 423/hw01/hw01_deck.pptx
+++ b/MSiA 423/hw01/hw01_deck.pptx
@@ -7445,7 +7445,7 @@
             </a:pPr>
             <a:r>
               <a:rPr lang="en-US" b="1" dirty="0"/>
-              <a:t>Data Warehousing and BI: RedShift or RDS, QuickSight</a:t>
+              <a:t>Data Warehousing: RedShift or RDS</a:t>
             </a:r>
           </a:p>
           <a:p>
@@ -7460,7 +7460,7 @@
             </a:pPr>
             <a:r>
               <a:rPr lang="en-US" b="1" dirty="0"/>
-              <a:t>Business Intelligence and Analytics: </a:t>
+              <a:t>Business Intelligence and Analytics: QuickSight </a:t>
             </a:r>
           </a:p>
           <a:p>
@@ -7475,13 +7475,8 @@
             </a:pPr>
             <a:r>
               <a:rPr lang="en-US" b="1" dirty="0"/>
-              <a:t>Data Science – ML/AI: </a:t>
-            </a:r>
-            <a:r>
-              <a:rPr lang="en-US" b="1" dirty="0" err="1"/>
-              <a:t>SageMaker</a:t>
-            </a:r>
-            <a:endParaRPr lang="en-US" b="1" dirty="0"/>
+              <a:t>Data Science – ML/AI: SageMaker</a:t>
+            </a:r>
           </a:p>
           <a:p>
             <a:pPr marL="201168" lvl="1" indent="0">
@@ -7495,7 +7490,7 @@
             </a:pPr>
             <a:r>
               <a:rPr lang="en-US" b="1" dirty="0"/>
-              <a:t>Applications – Webapps, Mobile: </a:t>
+              <a:t>Applications – Webapps, Mobile: Gateway</a:t>
             </a:r>
             <a:endParaRPr lang="en-US" dirty="0"/>
           </a:p>
@@ -7718,7 +7713,7 @@
         </p:blipFill>
         <p:spPr bwMode="auto">
           <a:xfrm>
-            <a:off x="842837" y="3180539"/>
+            <a:off x="1537418" y="3830459"/>
             <a:ext cx="588397" cy="588397"/>
           </a:xfrm>
           <a:prstGeom prst="rect">

--- a/MSiA 423/hw01/hw01_deck.pptx
+++ b/MSiA 423/hw01/hw01_deck.pptx
@@ -10,6 +10,11 @@
     <p:sldId id="259" r:id="rId4"/>
     <p:sldId id="260" r:id="rId5"/>
     <p:sldId id="261" r:id="rId6"/>
+    <p:sldId id="262" r:id="rId7"/>
+    <p:sldId id="264" r:id="rId8"/>
+    <p:sldId id="265" r:id="rId9"/>
+    <p:sldId id="266" r:id="rId10"/>
+    <p:sldId id="263" r:id="rId11"/>
   </p:sldIdLst>
   <p:sldSz cx="12192000" cy="6858000"/>
   <p:notesSz cx="6858000" cy="9144000"/>
@@ -3870,6 +3875,138 @@
 </p:sld>
 </file>
 
+<file path=ppt/slides/slide10.xml><?xml version="1.0" encoding="utf-8"?>
+<p:sld xmlns:a="http://schemas.openxmlformats.org/drawingml/2006/main" xmlns:r="http://schemas.openxmlformats.org/officeDocument/2006/relationships" xmlns:p="http://schemas.openxmlformats.org/presentationml/2006/main">
+  <p:cSld>
+    <p:spTree>
+      <p:nvGrpSpPr>
+        <p:cNvPr id="1" name=""/>
+        <p:cNvGrpSpPr/>
+        <p:nvPr/>
+      </p:nvGrpSpPr>
+      <p:grpSpPr>
+        <a:xfrm>
+          <a:off x="0" y="0"/>
+          <a:ext cx="0" cy="0"/>
+          <a:chOff x="0" y="0"/>
+          <a:chExt cx="0" cy="0"/>
+        </a:xfrm>
+      </p:grpSpPr>
+      <p:sp>
+        <p:nvSpPr>
+          <p:cNvPr id="2" name="Title 1"/>
+          <p:cNvSpPr>
+            <a:spLocks noGrp="1"/>
+          </p:cNvSpPr>
+          <p:nvPr>
+            <p:ph type="title"/>
+          </p:nvPr>
+        </p:nvSpPr>
+        <p:spPr/>
+        <p:txBody>
+          <a:bodyPr/>
+          <a:lstStyle/>
+          <a:p>
+            <a:r>
+              <a:rPr lang="en-US" dirty="0" smtClean="0"/>
+              <a:t>References</a:t>
+            </a:r>
+            <a:endParaRPr lang="en-US" dirty="0"/>
+          </a:p>
+        </p:txBody>
+      </p:sp>
+      <p:sp>
+        <p:nvSpPr>
+          <p:cNvPr id="3" name="Content Placeholder 2"/>
+          <p:cNvSpPr>
+            <a:spLocks noGrp="1"/>
+          </p:cNvSpPr>
+          <p:nvPr>
+            <p:ph idx="1"/>
+          </p:nvPr>
+        </p:nvSpPr>
+        <p:spPr/>
+        <p:txBody>
+          <a:bodyPr/>
+          <a:lstStyle/>
+          <a:p>
+            <a:r>
+              <a:rPr lang="en-US" dirty="0"/>
+              <a:t>1. </a:t>
+            </a:r>
+            <a:r>
+              <a:rPr lang="en-US" dirty="0">
+                <a:hlinkClick r:id="rId2"/>
+              </a:rPr>
+              <a:t>https://www.harmonyhit.com/health-data-volumes-skyrocket-legacy-data-archives-rise-hie</a:t>
+            </a:r>
+            <a:r>
+              <a:rPr lang="en-US" dirty="0" smtClean="0">
+                <a:hlinkClick r:id="rId2"/>
+              </a:rPr>
+              <a:t>/</a:t>
+            </a:r>
+            <a:endParaRPr lang="en-US" dirty="0" smtClean="0"/>
+          </a:p>
+          <a:p>
+            <a:r>
+              <a:rPr lang="en-US" dirty="0"/>
+              <a:t>2. </a:t>
+            </a:r>
+            <a:r>
+              <a:rPr lang="en-US" dirty="0">
+                <a:hlinkClick r:id="rId3"/>
+              </a:rPr>
+              <a:t>https://</a:t>
+            </a:r>
+            <a:r>
+              <a:rPr lang="en-US" dirty="0" smtClean="0">
+                <a:hlinkClick r:id="rId3"/>
+              </a:rPr>
+              <a:t>www.cdc.gov/nchs/fastats/emergency-department.htm</a:t>
+            </a:r>
+            <a:endParaRPr lang="en-US" dirty="0" smtClean="0"/>
+          </a:p>
+          <a:p>
+            <a:r>
+              <a:rPr lang="en-US" dirty="0"/>
+              <a:t>3. </a:t>
+            </a:r>
+            <a:r>
+              <a:rPr lang="en-US" dirty="0">
+                <a:hlinkClick r:id="rId4"/>
+              </a:rPr>
+              <a:t>https://</a:t>
+            </a:r>
+            <a:r>
+              <a:rPr lang="en-US" dirty="0" smtClean="0">
+                <a:hlinkClick r:id="rId4"/>
+              </a:rPr>
+              <a:t>www.sampleforms.com/medical-claim-form.html</a:t>
+            </a:r>
+            <a:endParaRPr lang="en-US" dirty="0" smtClean="0"/>
+          </a:p>
+          <a:p>
+            <a:endParaRPr lang="en-US" dirty="0" smtClean="0"/>
+          </a:p>
+          <a:p>
+            <a:endParaRPr lang="en-US" dirty="0"/>
+          </a:p>
+        </p:txBody>
+      </p:sp>
+    </p:spTree>
+    <p:extLst>
+      <p:ext uri="{BB962C8B-B14F-4D97-AF65-F5344CB8AC3E}">
+        <p14:creationId xmlns:p14="http://schemas.microsoft.com/office/powerpoint/2010/main" val="830504899"/>
+      </p:ext>
+    </p:extLst>
+  </p:cSld>
+  <p:clrMapOvr>
+    <a:masterClrMapping/>
+  </p:clrMapOvr>
+</p:sld>
+</file>
+
 <file path=ppt/slides/slide2.xml><?xml version="1.0" encoding="utf-8"?>
 <p:sld xmlns:a="http://schemas.openxmlformats.org/drawingml/2006/main" xmlns:r="http://schemas.openxmlformats.org/officeDocument/2006/relationships" xmlns:p="http://schemas.openxmlformats.org/presentationml/2006/main">
   <p:cSld>
@@ -5213,30 +5350,99 @@
             </a:r>
             <a:r>
               <a:rPr lang="en-US" sz="1600" dirty="0"/>
-              <a:t>U.S. Census Bureau data, EHRs</a:t>
+              <a:t>**</a:t>
+            </a:r>
+            <a:r>
+              <a:rPr lang="en-US" sz="1600" b="1" dirty="0"/>
+              <a:t>EHRs</a:t>
+            </a:r>
+            <a:r>
+              <a:rPr lang="en-US" sz="1600" b="1" dirty="0" smtClean="0"/>
+              <a:t>**</a:t>
             </a:r>
           </a:p>
           <a:p>
             <a:pPr lvl="1"/>
             <a:r>
+              <a:rPr lang="en-US" sz="1600" b="1" dirty="0" smtClean="0"/>
+              <a:t>Medical </a:t>
+            </a:r>
+            <a:r>
               <a:rPr lang="en-US" sz="1600" b="1" dirty="0"/>
-              <a:t>Medical Data: </a:t>
+              <a:t>Data: </a:t>
+            </a:r>
+            <a:r>
+              <a:rPr lang="en-US" sz="1600" b="1" dirty="0"/>
+              <a:t>**EHRs</a:t>
+            </a:r>
+            <a:r>
+              <a:rPr lang="en-US" sz="1600" b="1" dirty="0" smtClean="0"/>
+              <a:t>**, </a:t>
+            </a:r>
+            <a:r>
+              <a:rPr lang="en-US" sz="1600" dirty="0" smtClean="0"/>
+              <a:t>Healthcare </a:t>
             </a:r>
             <a:r>
               <a:rPr lang="en-US" sz="1600" dirty="0"/>
-              <a:t>Healthcare Cost and Utilization Project (HCUP) data, clinical trial data, CPT codes from the AMA, EHRs</a:t>
+              <a:t>Cost and Utilization Project (HCUP) </a:t>
+            </a:r>
+            <a:r>
+              <a:rPr lang="en-US" sz="1600" dirty="0" smtClean="0"/>
+              <a:t>data,</a:t>
+            </a:r>
+            <a:r>
+              <a:rPr lang="en-US" sz="1600" b="1" dirty="0" smtClean="0"/>
+              <a:t> </a:t>
+            </a:r>
+            <a:r>
+              <a:rPr lang="en-US" sz="1600" dirty="0"/>
+              <a:t>clinical trial </a:t>
+            </a:r>
+            <a:r>
+              <a:rPr lang="en-US" sz="1600" dirty="0" smtClean="0"/>
+              <a:t>data</a:t>
             </a:r>
           </a:p>
           <a:p>
             <a:pPr lvl="1"/>
             <a:r>
+              <a:rPr lang="en-US" sz="1600" b="1" dirty="0" smtClean="0"/>
+              <a:t>Patient </a:t>
+            </a:r>
+            <a:r>
               <a:rPr lang="en-US" sz="1600" b="1" dirty="0"/>
-              <a:t>Patient History Data: </a:t>
-            </a:r>
-            <a:r>
-              <a:rPr lang="en-US" sz="1600" dirty="0"/>
-              <a:t>EHRs, medical claims data, health questionnaires</a:t>
-            </a:r>
+              <a:t>History Data: </a:t>
+            </a:r>
+            <a:r>
+              <a:rPr lang="en-US" sz="1600" b="1" dirty="0" smtClean="0"/>
+              <a:t>**EHRs**</a:t>
+            </a:r>
+            <a:r>
+              <a:rPr lang="en-US" sz="1600" dirty="0" smtClean="0"/>
+              <a:t>, </a:t>
+            </a:r>
+            <a:r>
+              <a:rPr lang="en-US" sz="1600" b="1" dirty="0" smtClean="0"/>
+              <a:t>**medical </a:t>
+            </a:r>
+            <a:r>
+              <a:rPr lang="en-US" sz="1600" b="1" dirty="0"/>
+              <a:t>claims </a:t>
+            </a:r>
+            <a:r>
+              <a:rPr lang="en-US" sz="1600" b="1" dirty="0" smtClean="0"/>
+              <a:t>data**</a:t>
+            </a:r>
+            <a:r>
+              <a:rPr lang="en-US" sz="1600" dirty="0" smtClean="0"/>
+              <a:t>, </a:t>
+            </a:r>
+            <a:r>
+              <a:rPr lang="en-US" sz="1600" b="1" dirty="0" smtClean="0"/>
+              <a:t>**health questionnaires**</a:t>
+            </a:r>
+            <a:endParaRPr lang="en-US" sz="1600" b="1" dirty="0"/>
           </a:p>
           <a:p>
             <a:pPr lvl="1"/>
@@ -5245,15 +5451,20 @@
               <a:t>Social Determinants of Health Data: </a:t>
             </a:r>
             <a:r>
-              <a:rPr lang="en-US" sz="1600" dirty="0"/>
-              <a:t>NACCHO resources, WHO definitions</a:t>
-            </a:r>
+              <a:rPr lang="en-US" sz="1600" b="1" dirty="0" smtClean="0"/>
+              <a:t>**NACCHO resources**</a:t>
+            </a:r>
+            <a:endParaRPr lang="en-US" sz="1600" dirty="0"/>
           </a:p>
           <a:p>
             <a:pPr lvl="1"/>
             <a:r>
+              <a:rPr lang="en-US" sz="1600" b="1" dirty="0" smtClean="0"/>
+              <a:t>Patient-Generated </a:t>
+            </a:r>
+            <a:r>
               <a:rPr lang="en-US" sz="1600" b="1" dirty="0"/>
-              <a:t>Patient-Generated Data: </a:t>
+              <a:t>Data: </a:t>
             </a:r>
             <a:r>
               <a:rPr lang="en-US" sz="1600" dirty="0"/>
@@ -5267,8 +5478,32 @@
               <a:t>Public Health Data: </a:t>
             </a:r>
             <a:r>
+              <a:rPr lang="en-US" sz="1600" dirty="0" smtClean="0"/>
+              <a:t>CDC </a:t>
+            </a:r>
+            <a:r>
               <a:rPr lang="en-US" sz="1600" dirty="0"/>
-              <a:t>CDC data on infectious diseases, chronic diseases, and injury, WHO data on health equity, non-communicable diseases, and environmental health</a:t>
+              <a:t>data on infectious diseases, chronic </a:t>
+            </a:r>
+            <a:r>
+              <a:rPr lang="en-US" sz="1600" dirty="0" smtClean="0"/>
+              <a:t>diseases, </a:t>
+            </a:r>
+            <a:r>
+              <a:rPr lang="en-US" sz="1600" b="1" dirty="0" smtClean="0"/>
+              <a:t>**WHO </a:t>
+            </a:r>
+            <a:r>
+              <a:rPr lang="en-US" sz="1600" b="1" dirty="0"/>
+              <a:t>data on health </a:t>
+            </a:r>
+            <a:r>
+              <a:rPr lang="en-US" sz="1600" b="1" dirty="0" smtClean="0"/>
+              <a:t>equity**, </a:t>
+            </a:r>
+            <a:r>
+              <a:rPr lang="en-US" sz="1600" dirty="0"/>
+              <a:t>non-communicable diseases, and environmental health</a:t>
             </a:r>
           </a:p>
         </p:txBody>
@@ -6227,6 +6462,35 @@
             <a:r>
               <a:rPr lang="en-US" sz="1200" dirty="0"/>
               <a:t>WHO: CSV, Excel, XML, JSON, GIS</a:t>
+            </a:r>
+          </a:p>
+        </p:txBody>
+      </p:sp>
+      <p:sp>
+        <p:nvSpPr>
+          <p:cNvPr id="7" name="TextBox 6"/>
+          <p:cNvSpPr txBox="1"/>
+          <p:nvPr/>
+        </p:nvSpPr>
+        <p:spPr>
+          <a:xfrm>
+            <a:off x="6532562" y="5977468"/>
+            <a:ext cx="3800475" cy="338554"/>
+          </a:xfrm>
+          <a:prstGeom prst="rect">
+            <a:avLst/>
+          </a:prstGeom>
+          <a:noFill/>
+        </p:spPr>
+        <p:txBody>
+          <a:bodyPr wrap="square" rtlCol="0">
+            <a:spAutoFit/>
+          </a:bodyPr>
+          <a:lstStyle/>
+          <a:p>
+            <a:r>
+              <a:rPr lang="en-US" sz="1600" b="1" dirty="0"/>
+              <a:t>**: Focusing the rest of the assignment on</a:t>
             </a:r>
           </a:p>
         </p:txBody>
@@ -6293,8 +6557,8 @@
         </p:nvSpPr>
         <p:spPr>
           <a:xfrm>
-            <a:off x="1097280" y="1845734"/>
-            <a:ext cx="4781006" cy="4023360"/>
+            <a:off x="1097280" y="1845733"/>
+            <a:ext cx="4781006" cy="4816323"/>
           </a:xfrm>
           <a:prstGeom prst="rect">
             <a:avLst/>
@@ -6577,17 +6841,18 @@
           <a:p>
             <a:pPr lvl="2"/>
             <a:r>
-              <a:rPr lang="en-US" dirty="0"/>
-              <a:t>Evaluate hospital admission and discharge rates, lengths of stay, and readmission rates. (</a:t>
+              <a:rPr lang="en-US" b="1" dirty="0" smtClean="0"/>
+              <a:t>**Evaluate </a:t>
             </a:r>
             <a:r>
               <a:rPr lang="en-US" b="1" dirty="0"/>
-              <a:t>Frequency</a:t>
-            </a:r>
-            <a:r>
-              <a:rPr lang="en-US" dirty="0"/>
-              <a:t>: Monthly)</a:t>
-            </a:r>
+              <a:t>hospital admission and discharge rates, lengths of stay, and readmission rates. (Frequency: Monthly</a:t>
+            </a:r>
+            <a:r>
+              <a:rPr lang="en-US" b="1" dirty="0" smtClean="0"/>
+              <a:t>)**</a:t>
+            </a:r>
+            <a:endParaRPr lang="en-US" b="1" dirty="0"/>
           </a:p>
           <a:p>
             <a:pPr lvl="2"/>
@@ -6636,20 +6901,13 @@
             <a:pPr lvl="2"/>
             <a:r>
               <a:rPr lang="en-US" b="1" dirty="0"/>
-              <a:t>**</a:t>
-            </a:r>
-            <a:r>
-              <a:rPr lang="en-US" dirty="0"/>
-              <a:t>Analyze data to determine factors contributing to hospital readmissions or complications. (</a:t>
-            </a:r>
-            <a:r>
-              <a:rPr lang="en-US" b="1" dirty="0"/>
-              <a:t>Frequency</a:t>
-            </a:r>
-            <a:r>
-              <a:rPr lang="en-US" dirty="0"/>
-              <a:t>: Monthly)</a:t>
-            </a:r>
+              <a:t>**Analyze data to determine factors contributing to hospital readmissions or complications. (Frequency: Monthly</a:t>
+            </a:r>
+            <a:r>
+              <a:rPr lang="en-US" b="1" dirty="0" smtClean="0"/>
+              <a:t>)**</a:t>
+            </a:r>
+            <a:endParaRPr lang="en-US" b="1" dirty="0"/>
           </a:p>
           <a:p>
             <a:pPr lvl="2"/>
@@ -6981,17 +7239,18 @@
           <a:p>
             <a:pPr lvl="2"/>
             <a:r>
-              <a:rPr lang="en-US" dirty="0"/>
-              <a:t>Predict patient adherence to treatment plans or the likelihood of no-show appointments. (</a:t>
+              <a:rPr lang="en-US" b="1" dirty="0" smtClean="0"/>
+              <a:t>**Predict if patient will be readmitted to hospital. (Frequency</a:t>
             </a:r>
             <a:r>
               <a:rPr lang="en-US" b="1" dirty="0"/>
-              <a:t>Frequency</a:t>
-            </a:r>
-            <a:r>
-              <a:rPr lang="en-US" dirty="0"/>
-              <a:t>: Yearly)</a:t>
-            </a:r>
+              <a:t>: </a:t>
+            </a:r>
+            <a:r>
+              <a:rPr lang="en-US" b="1" dirty="0" smtClean="0"/>
+              <a:t>On-Demand)**</a:t>
+            </a:r>
+            <a:endParaRPr lang="en-US" b="1" dirty="0"/>
           </a:p>
           <a:p>
             <a:pPr marL="384048" lvl="2" indent="0">
@@ -7041,17 +7300,18 @@
           <a:p>
             <a:pPr lvl="2"/>
             <a:r>
+              <a:rPr lang="en-US" dirty="0" smtClean="0"/>
+              <a:t>Suggest </a:t>
+            </a:r>
+            <a:r>
               <a:rPr lang="en-US" dirty="0"/>
-              <a:t>Suggest interventions to improve patient outcomes and prevent complications or readmissions. (</a:t>
-            </a:r>
-            <a:r>
-              <a:rPr lang="en-US" b="1" dirty="0"/>
-              <a:t>Frequency</a:t>
-            </a:r>
-            <a:r>
-              <a:rPr lang="en-US" dirty="0"/>
-              <a:t>: Yearly)</a:t>
-            </a:r>
+              <a:t>interventions to improve patient outcomes and prevent complications or readmissions. (Frequency: </a:t>
+            </a:r>
+            <a:r>
+              <a:rPr lang="en-US" dirty="0" smtClean="0"/>
+              <a:t>On-Demand)</a:t>
+            </a:r>
+            <a:endParaRPr lang="en-US" b="1" dirty="0"/>
           </a:p>
           <a:p>
             <a:pPr marL="384048" lvl="2" indent="0">
@@ -7152,8 +7412,8 @@
         </p:nvSpPr>
         <p:spPr>
           <a:xfrm>
-            <a:off x="1977555" y="2047462"/>
-            <a:ext cx="5552330" cy="4301490"/>
+            <a:off x="3729602" y="2175130"/>
+            <a:ext cx="6285597" cy="4301490"/>
           </a:xfrm>
           <a:prstGeom prst="rect">
             <a:avLst/>
@@ -7415,8 +7675,13 @@
             </a:pPr>
             <a:r>
               <a:rPr lang="en-US" b="1" dirty="0"/>
-              <a:t>Data Ingestion: DataSync</a:t>
-            </a:r>
+              <a:t>Data Ingestion: </a:t>
+            </a:r>
+            <a:r>
+              <a:rPr lang="en-US" b="1" dirty="0" smtClean="0"/>
+              <a:t>S3</a:t>
+            </a:r>
+            <a:endParaRPr lang="en-US" b="1" dirty="0"/>
           </a:p>
           <a:p>
             <a:pPr marL="201168" lvl="1" indent="0">
@@ -7430,8 +7695,13 @@
             </a:pPr>
             <a:r>
               <a:rPr lang="en-US" b="1" dirty="0"/>
-              <a:t>Data Storage and Data Processing: S3, Lambda </a:t>
-            </a:r>
+              <a:t>Data Storage and Data Processing: S3</a:t>
+            </a:r>
+            <a:r>
+              <a:rPr lang="en-US" b="1" dirty="0" smtClean="0"/>
+              <a:t>, Lambda, SQS, Textract </a:t>
+            </a:r>
+            <a:endParaRPr lang="en-US" b="1" dirty="0"/>
           </a:p>
           <a:p>
             <a:pPr marL="201168" lvl="1" indent="0">
@@ -7445,7 +7715,11 @@
             </a:pPr>
             <a:r>
               <a:rPr lang="en-US" b="1" dirty="0"/>
-              <a:t>Data Warehousing: RedShift or RDS</a:t>
+              <a:t>Data Warehousing: </a:t>
+            </a:r>
+            <a:r>
+              <a:rPr lang="en-US" b="1" dirty="0" smtClean="0"/>
+              <a:t>RedShift</a:t>
             </a:r>
           </a:p>
           <a:p>
@@ -7490,7 +7764,11 @@
             </a:pPr>
             <a:r>
               <a:rPr lang="en-US" b="1" dirty="0"/>
-              <a:t>Applications – Webapps, Mobile: Gateway</a:t>
+              <a:t>Applications – Webapps, Mobile: </a:t>
+            </a:r>
+            <a:r>
+              <a:rPr lang="en-US" b="1" dirty="0" smtClean="0"/>
+              <a:t>SageMaker Endpoint</a:t>
             </a:r>
             <a:endParaRPr lang="en-US" dirty="0"/>
           </a:p>
@@ -7498,10 +7776,10 @@
       </p:sp>
       <p:pic>
         <p:nvPicPr>
-          <p:cNvPr id="1026" name="Picture 2" descr="AWS DataSync - AWS Migration &amp; Transfer - AWS Video Catalog">
+          <p:cNvPr id="1028" name="Picture 4" descr="Amazon S3 Simple Storage Service Logo PNG Vector (SVG) Free ...">
             <a:extLst>
               <a:ext uri="{FF2B5EF4-FFF2-40B4-BE49-F238E27FC236}">
-                <a16:creationId xmlns:a16="http://schemas.microsoft.com/office/drawing/2014/main" id="{CFAB411D-9510-7ED8-E007-EB76A4BC9252}"/>
+                <a16:creationId xmlns:a16="http://schemas.microsoft.com/office/drawing/2014/main" xmlns="" id="{16FA8107-B74F-1512-4ADD-8863E9279A2C}"/>
               </a:ext>
             </a:extLst>
           </p:cNvPr>
@@ -7525,8 +7803,8 @@
         </p:blipFill>
         <p:spPr bwMode="auto">
           <a:xfrm>
-            <a:off x="1537418" y="1892420"/>
-            <a:ext cx="588397" cy="588397"/>
+            <a:off x="2393534" y="2668119"/>
+            <a:ext cx="588398" cy="588398"/>
           </a:xfrm>
           <a:prstGeom prst="rect">
             <a:avLst/>
@@ -7545,10 +7823,10 @@
       </p:pic>
       <p:pic>
         <p:nvPicPr>
-          <p:cNvPr id="1028" name="Picture 4" descr="Amazon S3 Simple Storage Service Logo PNG Vector (SVG) Free ...">
+          <p:cNvPr id="1030" name="Picture 6">
             <a:extLst>
               <a:ext uri="{FF2B5EF4-FFF2-40B4-BE49-F238E27FC236}">
-                <a16:creationId xmlns:a16="http://schemas.microsoft.com/office/drawing/2014/main" id="{16FA8107-B74F-1512-4ADD-8863E9279A2C}"/>
+                <a16:creationId xmlns:a16="http://schemas.microsoft.com/office/drawing/2014/main" xmlns="" id="{2B100B39-DF43-1277-FD25-F9CCE7591909}"/>
               </a:ext>
             </a:extLst>
           </p:cNvPr>
@@ -7572,8 +7850,8 @@
         </p:blipFill>
         <p:spPr bwMode="auto">
           <a:xfrm>
-            <a:off x="842837" y="2540451"/>
-            <a:ext cx="588398" cy="588398"/>
+            <a:off x="3035023" y="2668119"/>
+            <a:ext cx="588397" cy="588397"/>
           </a:xfrm>
           <a:prstGeom prst="rect">
             <a:avLst/>
@@ -7592,10 +7870,10 @@
       </p:pic>
       <p:pic>
         <p:nvPicPr>
-          <p:cNvPr id="1030" name="Picture 6">
+          <p:cNvPr id="1034" name="Picture 10" descr="Amazon QuickSight">
             <a:extLst>
               <a:ext uri="{FF2B5EF4-FFF2-40B4-BE49-F238E27FC236}">
-                <a16:creationId xmlns:a16="http://schemas.microsoft.com/office/drawing/2014/main" id="{2B100B39-DF43-1277-FD25-F9CCE7591909}"/>
+                <a16:creationId xmlns:a16="http://schemas.microsoft.com/office/drawing/2014/main" xmlns="" id="{03E93461-13A2-1A11-FDC5-7E83F44B0D02}"/>
               </a:ext>
             </a:extLst>
           </p:cNvPr>
@@ -7619,8 +7897,8 @@
         </p:blipFill>
         <p:spPr bwMode="auto">
           <a:xfrm>
-            <a:off x="1537418" y="2540451"/>
-            <a:ext cx="588397" cy="588397"/>
+            <a:off x="3035023" y="3972380"/>
+            <a:ext cx="584875" cy="584875"/>
           </a:xfrm>
           <a:prstGeom prst="rect">
             <a:avLst/>
@@ -7639,10 +7917,10 @@
       </p:pic>
       <p:pic>
         <p:nvPicPr>
-          <p:cNvPr id="1032" name="Picture 8" descr="Amazon RDS for PostgreSQL - Workshop">
+          <p:cNvPr id="3" name="Picture 12" descr="Amazon SageMaker Introduction – Try Machine Learning with Built-in  Algorithms | devnote">
             <a:extLst>
               <a:ext uri="{FF2B5EF4-FFF2-40B4-BE49-F238E27FC236}">
-                <a16:creationId xmlns:a16="http://schemas.microsoft.com/office/drawing/2014/main" id="{05306F5D-B999-0084-DE17-92830A5CB720}"/>
+                <a16:creationId xmlns:a16="http://schemas.microsoft.com/office/drawing/2014/main" xmlns="" id="{FE455899-6AE5-171E-8430-8FCCC67AFFC1}"/>
               </a:ext>
             </a:extLst>
           </p:cNvPr>
@@ -7666,8 +7944,8 @@
         </p:blipFill>
         <p:spPr bwMode="auto">
           <a:xfrm>
-            <a:off x="1540234" y="3180539"/>
-            <a:ext cx="588397" cy="588397"/>
+            <a:off x="3035021" y="4623698"/>
+            <a:ext cx="586997" cy="586997"/>
           </a:xfrm>
           <a:prstGeom prst="rect">
             <a:avLst/>
@@ -7686,13 +7964,7 @@
       </p:pic>
       <p:pic>
         <p:nvPicPr>
-          <p:cNvPr id="1034" name="Picture 10" descr="Amazon QuickSight">
-            <a:extLst>
-              <a:ext uri="{FF2B5EF4-FFF2-40B4-BE49-F238E27FC236}">
-                <a16:creationId xmlns:a16="http://schemas.microsoft.com/office/drawing/2014/main" id="{03E93461-13A2-1A11-FDC5-7E83F44B0D02}"/>
-              </a:ext>
-            </a:extLst>
-          </p:cNvPr>
+          <p:cNvPr id="10" name="Picture 12" descr="What is Amazon Redshift? | Logicata"/>
           <p:cNvPicPr>
             <a:picLocks noChangeAspect="1" noChangeArrowheads="1"/>
           </p:cNvPicPr>
@@ -7713,7 +7985,2269 @@
         </p:blipFill>
         <p:spPr bwMode="auto">
           <a:xfrm>
-            <a:off x="1537418" y="3830459"/>
+            <a:off x="3035022" y="3310976"/>
+            <a:ext cx="584876" cy="584876"/>
+          </a:xfrm>
+          <a:prstGeom prst="rect">
+            <a:avLst/>
+          </a:prstGeom>
+          <a:noFill/>
+          <a:extLst>
+            <a:ext uri="{909E8E84-426E-40DD-AFC4-6F175D3DCCD1}">
+              <a14:hiddenFill xmlns:a14="http://schemas.microsoft.com/office/drawing/2010/main">
+                <a:solidFill>
+                  <a:srgbClr val="FFFFFF"/>
+                </a:solidFill>
+              </a14:hiddenFill>
+            </a:ext>
+          </a:extLst>
+        </p:spPr>
+      </p:pic>
+      <p:pic>
+        <p:nvPicPr>
+          <p:cNvPr id="17" name="Picture 4" descr="Amazon S3 Simple Storage Service Logo PNG Vector (SVG) Free ...">
+            <a:extLst>
+              <a:ext uri="{FF2B5EF4-FFF2-40B4-BE49-F238E27FC236}">
+                <a16:creationId xmlns:a16="http://schemas.microsoft.com/office/drawing/2014/main" xmlns="" id="{16FA8107-B74F-1512-4ADD-8863E9279A2C}"/>
+              </a:ext>
+            </a:extLst>
+          </p:cNvPr>
+          <p:cNvPicPr>
+            <a:picLocks noChangeAspect="1" noChangeArrowheads="1"/>
+          </p:cNvPicPr>
+          <p:nvPr/>
+        </p:nvPicPr>
+        <p:blipFill>
+          <a:blip r:embed="rId2" cstate="print">
+            <a:extLst>
+              <a:ext uri="{28A0092B-C50C-407E-A947-70E740481C1C}">
+                <a14:useLocalDpi xmlns:a14="http://schemas.microsoft.com/office/drawing/2010/main" val="0"/>
+              </a:ext>
+            </a:extLst>
+          </a:blip>
+          <a:srcRect/>
+          <a:stretch>
+            <a:fillRect/>
+          </a:stretch>
+        </p:blipFill>
+        <p:spPr bwMode="auto">
+          <a:xfrm>
+            <a:off x="3035022" y="2028031"/>
+            <a:ext cx="588398" cy="588398"/>
+          </a:xfrm>
+          <a:prstGeom prst="rect">
+            <a:avLst/>
+          </a:prstGeom>
+          <a:noFill/>
+          <a:extLst>
+            <a:ext uri="{909E8E84-426E-40DD-AFC4-6F175D3DCCD1}">
+              <a14:hiddenFill xmlns:a14="http://schemas.microsoft.com/office/drawing/2010/main">
+                <a:solidFill>
+                  <a:srgbClr val="FFFFFF"/>
+                </a:solidFill>
+              </a14:hiddenFill>
+            </a:ext>
+          </a:extLst>
+        </p:spPr>
+      </p:pic>
+      <p:sp>
+        <p:nvSpPr>
+          <p:cNvPr id="11" name="AutoShape 14" descr="data:image/png;base64,iVBORw0KGgoAAAANSUhEUgAAAZQAAAGUCAYAAAASxdSgAAAAAXNSR0IArs4c6QAABDt0RVh0bXhmaWxlACUzQ214R3JhcGhNb2RlbCUzRSUzQ3Jvb3QlM0UlM0NteENlbGwlMjBpZCUzRCUyMjAlMjIlMkYlM0UlM0NteENlbGwlMjBpZCUzRCUyMjElMjIlMjBwYXJlbnQlM0QlMjIwJTIyJTJGJTNFJTNDbXhDZWxsJTIwaWQlM0QlMjIyJTIyJTIwdmFsdWUlM0QlMjIlMjIlMjBzdHlsZSUzRCUyMnNrZXRjaCUzRDAlM0Jwb2ludHMlM0QlNUIlNUIwJTJDMCUyQzAlNUQlMkMlNUIwLjI1JTJDMCUyQzAlNUQlMkMlNUIwLjUlMkMwJTJDMCU1RCUyQyU1QjAuNzUlMkMwJTJDMCU1RCUyQyU1QjElMkMwJTJDMCU1RCUyQyU1QjAlMkMxJTJDMCU1RCUyQyU1QjAuMjUlMkMxJTJDMCU1RCUyQyU1QjAuNSUyQzElMkMwJTVEJTJDJTVCMC43NSUyQzElMkMwJTVEJTJDJTVCMSUyQzElMkMwJTVEJTJDJTVCMCUyQzAuMjUlMkMwJTVEJTJDJTVCMCUyQzAuNSUyQzAlNUQlMkMlNUIwJTJDMC43NSUyQzAlNUQlMkMlNUIxJTJDMC4yNSUyQzAlNUQlMkMlNUIxJTJDMC41JTJDMCU1RCUyQyU1QjElMkMwLjc1JTJDMCU1RCU1RCUzQm91dGxpbmVDb25uZWN0JTNEMCUzQmZvbnRDb2xvciUzRCUyMzIzMkYzRSUzQmdyYWRpZW50Q29sb3IlM0QlMjNGRjRGOEIlM0JncmFkaWVudERpcmVjdGlvbiUzRG5vcnRoJTNCZmlsbENvbG9yJTNEJTIzQkMxMzU2JTNCc3Ryb2tlQ29sb3IlM0QlMjNmZmZmZmYlM0JkYXNoZWQlM0QwJTNCdmVydGljYWxMYWJlbFBvc2l0aW9uJTNEYm90dG9tJTNCdmVydGljYWxBbGlnbiUzRHRvcCUzQmFsaWduJTNEY2VudGVyJTNCaHRtbCUzRDElM0Jmb250U2l6ZSUzRDEyJTNCZm9udFN0eWxlJTNEMCUzQmFzcGVjdCUzRGZpeGVkJTNCc2hhcGUlM0RteGdyYXBoLmF3czQucmVzb3VyY2VJY29uJTNCcmVzSWNvbiUzRG14Z3JhcGguYXdzNC5zcXMlM0IlMjIlMjB2ZXJ0ZXglM0QlMjIxJTIyJTIwcGFyZW50JTNEJTIyMSUyMiUzRSUzQ214R2VvbWV0cnklMjB4JTNEJTIyMTYwJTIyJTIweSUzRCUyMjM4MCUyMiUyMHdpZHRoJTNEJTIyODAlMjIlMjBoZWlnaHQlM0QlMjI4MCUyMiUyMGFzJTNEJTIyZ2VvbWV0cnklMjIlMkYlM0UlM0MlMkZteENlbGwlM0UlM0MlMkZyb290JTNFJTNDJTJGbXhHcmFwaE1vZGVsJTNF1rj0mAAAIABJREFUeF7tfXn4FMW1ds1VQQVUVHaVHXfZRRPjbhaN8fvrJprEDQRFFJdEs283qyaKCiq4m3tzc7+/PhNNNO6aRFRENFEBWY2A4A7i7p3vOd2/munpX/f0qe7TPVXdbz+Pz89heqqr3nOqTr3vOd1dUziAABAAAkAACAggUBNoA00AASAABIAAEFAIKHACIAAEgAAQEEEAAUUERjQCBIAAEAACCCjwASAABIAAEBBBAAFFBEY0AgSAABAAAggo8AEgAASAABAQQQABRQRGNAIEgAAQAAIIKPABIAAEgAAQEEEAAUUERjQCBIAAEAACCCjwASAABIAAEBBBAAFFBEY0AgSAABAAAggo8AEgAASAABAQQQABRQRGNAIEgAAQAAIIKPABIAAEgAAQEEEAAUUERjQCBIAAEAACCCjwASAABIAAEBBBAAFFBEY0AgSAABAAAggo8AEgAASAABAQQQABRQRGNAIEgAAQAAIIKPABIAAEgAAQEEEAAUUERjQCBIAAEAACCCjwASAABIAAEBBBAAFFBEY0AgSAABAAAggo8AEgAASAABAQQQABRQRGNAIEgAAQAAIIKPABIAAEgAAQEEEAAUUERjQCBIAAEAACCCjwASAABIAAEBBBAAFFBEY0AgSAABAAAggo8AEgAASAABAQQQABRQRGNAIEgAAQAAIIKPABIAAEgAAQEEEAAUUERjQCBIAAEAACCCjwASAABIAAEBBBAAFFBEY0AgSAABAAAggo8AEgAASAABAQQQABRQRGNAIEgAAQAAIIKPABIAAEgAAQEEEAAUUERjQCBIAAEAACCCjwASAABIAAEBBBAAFFBEY0AgSAABAAAs4ElPpJl9dhLiAABIBAFRGo3fFNJ9ZqJzpJDoSAUsVphDEDASBACCCgCPvB/37pMjAUYUzRHBAAAm4g8G9/uMSJzb8TnSST/++XLq/XakrV63VVq9VUva4UPgMP+APmQxXWAzAU4cAPhiIMKJoDAkDAGQTAUIRN5QcUIlRB5QufgQf8oTnVMB/KOh8QUIQDyicn/oq4PWk8WuvCX+ABf8B8qMQ6sA1yKLIR5ZMvXVbX+69g4of2p8F/15/11fE98IF/+Pt2zJ8mDq6tD2AosvFEeQwFkhckP0iegZkFiausEpdv5KZ9t/njpU4UUDnRSYL2kxMvq0dSkTgKgn+PpibABbhEUTb4hdV+AclLmKF8fOKvWiQv+L/V/t9NYoG9YC/Ese7SI3degKEIBxRf8sIBBIAAEKgeAggowjb/+ItU5dWVQsDf9Fsd7pYI54FSYJ5ZM8+2RQ5FNqJA8sL6hvXNmvUNkmZMdWle+zAwFNl4oj7+4i89ySuuLDhcBojPPgLAyw/E8Af4g8vzYds7v+VEAZUTnSRH8AMK9qjYo+a1B0S7mF/2ri/b3omyYVGO8lEXQxFtFI0BASAABBxAYDswFFkraYZSV35u3j9qCp+BB/wB86Hs6wEkL9l4oj46wc+hICuArAiyIsgKVS0rtt1dyKGIhhQvoNgrcSK1gRQEUhCYn7mtA5C8RMOJUh+e8It6rSFxaamrKXn561n43/G9lgSBD/wD88Pd9WG7u77tRAGVE52k2NSUvIQjFZoDAkAACFiOACQvYQN9ePwvIHlBUshNUsCdegXfqQeJ1Egi7QGGIhtRSPKSbRGtAQEgAATcQAABRdhOHkNBjRfufO/aSGv3Qs0bat6qUPPW40/IoYiGFEhekCRQ5YeHo1ZVmgRDEQ0nSn1w/M8heQljiuaAABBwA4Gef/qOEwVUTnSSTP7B8VQ2TDlZys1T+Z/OaeEz8IA/YD6Uez2A5CUc+D/4ws9R5YUqL1R5oTrKqDqqLBIZGIp0QPEkr7gVVV8M30evuMDHRwD+Af+Iisj2zw8EFOGA8v4XfobH1yMrjax0WbbcGIdRlc32f0YORTSkvP+Fn3flUCrJeDH9jKYflDEoY+VaJ3oioIjGE9XKUMIUFZ9bJR3gATyCEh/8wXV/2P7P33WigMqJTpIzEEORDVFoDQgAASDgBgKQvITt9N7nfwbJCxkESH+Q/iqZSdz+bjAU0ZDy/ud/hrJhlA0jOYLkSLmSI0x7QvISDSdKEUMRbhLNAQEgAAScQGAHMBRZO0HyquTGDBIXJK5KSlxh4gLJSzaeqHc/99N6raZUne5GwV/gAD/APKjQOrDD3d9zooDKiU5SbHrv8z/FjY3Yq6EsAZytkpwNklcODEW4STQHBIAAEHACgR3vAUMRNZQvedVUvV4PUH18Bh7wh6YEjPlQ1vkAyUs0nCgvh+I3iXf04R19VXhHn55A8Hf4e02BoeQWUIQbRnNAAAgAAcsRQEARNtDWz/5HQPLS1D6O4uN7n/oDn2gJBP4B/3Brfux4z/edKKByopMUm5qSl3CkQnNAAAgAAcsRAEMRNhAxFOEm0RwQAAJAwAkEev0FDEXUUAgoonCiMSAABBxCAAFF2Fg6oKDmBTUvqPFqTi7Mh2rMBwSUnAKKcLNoDggAASBgPQIIKMImeue4nyCHIowpmgMCQMANBHrf+wMnCqic6CSZ/J3jqGyYHg6pnwqoHxKJz/6jA4AH/APzo6zrQ28k5WUjPxiKLJ5oDQgAAXcQAEMRtpUfUPDKQryykPmKOzyVt5JP5S3r/Oh9L8qGRUPKlmN/HHwKYMBvAgtMy4tS9HzC941ADHwCL9SBf/j7M8wPF+ZHn/uQQ5ENKMf9pA5+Utb9F8YF3gX9od36BslLNJwo5TGUhuSlG9cmwGcfAeDhhyb4A/yhXPOhz30/dKKAyolOkmtsOfYndaRQ8MJCidTINuOGqm0OHKq2GTtMbTN2qOjW55Nn1qpPnl2jPrz9EWy5ISmIUe8+KBsWnadq87E/jpW8wvvRsB/j+9b9ahXw+bexw9S2B1HQ8AOHDceHtz/sxcOPfuv/jeOTVbAPxm9m/53AUGSnsC954QAC3RHQAaPH1w+3Jnhw7URB5sPfPsw9HedVFAFIXsKG33wMVXlB8pGQfFzHcZtxw9Q2Bw1V21rEPqTc/QMdYJClh2QYWO/AUKRmWFc7kLzi51cVJD1iIT0dZCBZp0EjwLS5q6QK9g+m2KsoCSKgZJ1Jod+/fcyPUDZcMYK27dhhqsepRyj6i0OpD25/SFGAAVEXy3U7Q/h3uv9HThRQOdFJWkw2H/Oj0J3yeomJ0wbwvY+AW/hQEr3nqUc4lwspOuC9e/Ht6pNn1jhn36Y/Yn6azM+d7kfZsOgcI4YS2WD4hRDhk/B96wsjLMRn23FgIlkmy+Zjfxz/c/i/9f7vUc64o8t+O4OhZJki3X/rS141VVfB3Dw+u4zHtmOHqx6nHg5JS2iqEGv5+JnVAUkM88Pl+RFc7yB5CU0S3czbR2uGgnfUuf6OOi+QnNa53MjHz6xRnyxZo+gmRFqAJfEkuY6OnqcdKTwD+M29e9FtisbYKqmEJSZ8dgmfnR9ADoU/AxhnegEF2Uins5FFSlte0PACx1r18bNrrMCt52l+bqioIgMviX/bwyi/LcG6AcmLESRMTnnr6B8GJC9N5fHXp/R247Dd2OFqxytOMzG38bkUQD687WH1kSf52I1HsH+ES94BhrDZetGtTuHigl8X6WdgKMZLQvsfNCUv4YbRXG4IeGW/OUlbOoA0pZ3chlFow3kGmA9u88uOcbiHAAKKsM3eOuqH8ZKXvlYctcX3PgIF4UPSVs9Tj1T0V/Kg4EGLohdEKvAwqF5Xnp4LeyG28vGSNWYPkyrQf7r5Keav2uXBHztxi4cTnSR/IslLcnFCW/kgQIFke8GEdEsQyafLTrTa6wr54PL2MT9yYuzopFK7PICAIuoHbx5FORQrcquoDYiwAz1fq/cVp4vZ/J2LbvUqsfBIq+7EcpcH5ALB+ySD3fYQcLb8hclgKGJLi99QW8kLkaZjkZbyJFQiK5FYjpW0YN9I+0pKYp4MFpYSgXvH5lU4woOhCAeUN4/6Ad7YaNkbGbcdN1yElZCe//7tD6qPl6zt4j5h0RyfW5NgrXj0vuIMsXzVW0f/MDBz8QZQW94A2vfBnziRnnCik+ThJHkJxyg0lwEBkreyJt39QPKQnyDGkRkBsoeE7PjW0XKSWuZBoQEPgb5Iyst6wptH/gA3NlogQZC01fvKMzIZlwLIOxfeghvucrLntuMpsGSz0fu3PugFeyRX7EiugKFkWnK6/7hV8sppJiLd3rbsYfvTjspUwdVd2oId81yxs9rLy116EhjslKedOPiCoQgHlDeIoUQeeJxqEY9T7XNlep2eAsl7t1GOJEragv3ytl+fK8/MJE9uufCWNrIk7Je3/aj9XR9CDkU0pFBAwT6p+H0SlQNTMEl7vHfrgyhLtaTcve+DbR5zn2Bg2JHDI/Kbn30RUNIuQdG/e+PI74desIU7FPJ2cZJMdjj9qFSG/HjJarXlwlstWUqxFdFLHd10mtamfnHMDyCBdUACBENJtQzF/yhe8hK+EJrzEEi78LSXtwCuLQhkkTDfPCpYWmzLiMrdDwQUYfu+fsT3IXkVtN/faQ7lS4YbW5BYyeYLbunA/i0/qaHMPJiYSlq28saRP4CdC5qPxK93ffg/nLjFw4lO0sr2xhHfr6taTal6UPnCZ2k8+tADCVMEE9LY6TEe0v1Be/n7e9+HfmK8efDlrx/C3gWtR7s+hICSyknjfkQMRbRBNNaCwHbjhqvtTz9S0V+T46Mlq9X7tz6k6C8OdxHoM+cMY9vTaLdccAtsX4DZdwNDkUUZkld+Kfi0wQQSV7mkNvIDCiymB7FT+g+lD/n5AyQvU69MOP+1w79XbyheWunCX18RyoADvd99p6vONLbW5tk3e+9jz3p9/D6b/fLAb7eH/8PYH9695QH1/m0Pwh8yzsc4e+728E+dSE840UnybkhexnM88QdpdqSQuBJhLcUJaSQwzVRKAYBlg4DkJWwQYijCTVa6OQomO5xxlJFuTsHkvVsehGZeEc+hCrAdzzjaaLTEVCiw4JBFYPdHwFBEEfUlr5qq16nYC3+z4mC6A6VgQgnYrNfF793yX7ofyTSokJ98+PQqzFPBdQoMRTScKAWGIgco5UxMqrkomFDOBEc1EUjDVF4/4vvVBCunUYOhCAOLgCIDKIKJDI5VbMU0WY+gIuclCChyWHotvfqZ70LyykihSbowkS9ID6f/IDFCYtVSpWlQee3w78F/Ms5bmn8IKMIBBQwlG6CmsgWSq9nwLvOvTYMKmEp2b0BAyY5hSwvEUISbrExz240frna+aip7vJqZsH+AEyuHwO6P/NRozMRUcKRHoN+jP3PiFg8nOqklr+7m0PfmxhkK3283fphRMPno6dXq7dk3dQEK/Px7n+FfYQTSyqet7cC/uP6FgJI+GEf+chPlUAp8umdZnjJLzIQYCuegYPLW7JvwCA34GetV8r1S5OS2Uk4O+LLwDeKEgMJZwQzOgeRlAFbXqSa7yFZmYn4t/KKaCJj4GCEE6SudnyCgpMMt9lebDvtO4Dne+rQwZcZnTaGJlexy9TSWFSiYbL3lfvXR0/TO96DEAzyBR7I/UFDpdeYxLF/rkq9jJFX4W5y/9f/rz51ITzjRSfK+TYdR2bD/+gXNmfE5Go/tJgxXuxgk4Unm+mjx6sZDJoGvH1fhX/z5Rv7GlVZJ9nr3ZipH57dfdXv0R1KevWFhnegzFBwcBIiZcCf3W+ffqIih4AACWRHo9+jP2E3A79hQeSeCoZjhlXh2q+SFtF7cmxeoqosrdW29mW5cvL9J+ZAuRbrYOF3cWr7S71F+OfGrn6FS4rKUv+Q7jv5/RdlwYpAwOWHjp79Tx3rXfv71IKmLmTf5kCq6zr8R8znfdaBy+PYYN1ztcg0vd7f15vsVbWowr5Pj6gDkUEzCRfK5Gw/7DsqGE/yubwqpC+sp1jNpvk/lxNwkPQUVupEWftjeDyF5JccIozM2fvrbgSov6Sngfnu9zjSbxDSRsZS6b3dbKVD/v/LzKZsO+27yFr3iIWfA31DlZRQwkk6G5BW//kPqwnpk43prHFQQ32P3B5C8kiKE4fevfPrbDckLd6H4COj5R/JCb8Z9APTSI9Ks6W/w98CzFU/gIYMH+SRX+nqHpK+b78ddUIF1MXhXzsC//cKJWzyc6CRh3Cp5YcrrKd+DbmA0SoKS1AX8ZJZM3IiXdOOniRTblL7gn2H/HICAYkhBEk5/5VPfRpVXhCTQ95ppqsf4EYlgEyt58zxUddkoDZW9ymnA336e6J90ArGUrTfdj9RexDwHQ2G5EP8kSF7NeaZR6zl+BIud6GCC/XTSfhrfJz9oxZzf0oaHNj6cY+Nh3wF/7kIAkhfHY1Kes+FT34ooG66pumpHXMr9/a5zz2Kxk3duus/b/XXf+JQbn5rC+GyZH16eb+qxibOffJUqEP0yYthP22/g33/pRHrCiU6SF3qSF44GAt6ub27yrs9jJ7NuBHJAoOMIcKWvjZ9uspSOd9qSDgz8O5LyoqYghiLaoOONcdnJG7NuaFR1OT5kdN9xBKjqi8NSaBNEfoujicAgMBRZd/AlL02Bq/2395nHqt5Tkx8XricmcKu2v9hkfy5L8aUvuoOeJG3YDwxFNp6oDYeCoRCkPSaMUMROOIfHThb795zgAAI2IEAbIQ5L6ZK5beiyFX0Y9BhyKKKG8AIK7qT1bmDkTEgKJG+cd4OtT+Zo9ItyQbTIUH+pcABlveZPxKFNBt2PRA/89DYQls+TgX//BWtt8IpJUEbs2ROSF8tl+CetP/TSWMlLz6A4alym77mT8fVZC7yXZpFkYOP46SVgu82d3s0BtpDUcRNV+TSlDhv7b0P/ek4YGclWiZl+sHhlQyqyDb+4fketBhs+9S0r/bdo+w8GQ+EHC86ZkLyUt5PnsJPGzo4DbAfO4ch2r3zq2x3omTuXTPIF2/FL6r+2hO2+XJTHQPISRnr9IZdWXvLabd50L4eSdHi7OoufB9572rGqD+OeBNvH0SlpieMHW26ke4/us9oPBj32yyRX9r6HHyg1+LFfOXGLhxOdJKciyau794Xv/Q6fUZ7vKZBESUThEZNkRLs6/7Bz/DQOTmBsLCaxy46d42t2V7Z/hFmfM49lYUe5lNe90tt21fay/TOdn8S2ORuLVp8OXqWz/S9yfiGgsPYe/JPWHUI5FKs3XLluWL3JNy35TuP1h34r135IEB9aRDhj0d5Bu21aVKpsf29DMa97ziluBn1ARRnnLrCZqHr25LAU2F+pwQvBUPjRgnFmlSWvHhN57MTblZ67wPoqH67kFXaLKkofVAVHAZjL6IJB2HbJiyIK3VPF2VxsOPRb1vt1njseMBRGkDA5Zd0hlwTe2Kh/WY3HHfo7+uMS4aJgQtU98ZKLPXgNfuxXieOJOmHLjfd6bCVa0rNnfBL9o2ooE1ai8SJ28vq58yMkTzvx4fiCb3d69UIej6+0fz0ZsvAyJ9ITTnSSzE2SV6oVqAQ/okWlZ0Iy3l9EFjg12sHMpGzUoPzgWc6bNsnWaQKJxsk1bLgSKMm5VT2GQPKSNf26KZdUssqLHlG/27UzEsFs7NwlkhwFJis4u9N2g3995nz1Ab2B0rFxR/W3J0mb85JtXTY8SPLiMHDPx2+8r5LSFxhK4hJodkKr5FXgitfhlarP1GNYk239oZea32Kdp+jLxI07Po63+DtYtyJLzwnDVe+pxyUyUM74/eT1vU76AYetdpfyqrMOgKFwZoDBOS8TQ6nYQdLH7gx2slnv3BzFh3aoOzFyRNzh2Y6Hli85ti3LmJPGwfWBdYfQxql6xx6PI4cianUKKNXZjzT32YMXJievSfZ5f/EqC/hGen7AGWdah1p/yKUd5y3ePSTTZJhIGAfaub82c77T9qfd4pAEX6dxkuxF1Yxu8dD080KPcwgCStrpH/27l6d8M1DlVcXQUldDFl7WDRyq6nptJiXj3Z9iUeOT9SK/NZ/B5CcNUXUWBRD6m1RMITE+CiZ+dZ/b84ICbpip0rhIyivD+LLYBwxFYqYE2qii5NUOQr2bs13eMXEDruxh0qbpuYSnPuIe/R+8J6SooBE3jjLZX0u8momUtYrP1CfpfASUNKi1+c2/DiaG0npU58EL0cCUcfx7PN6dhQm7Ummao137q+fQ/SbV8Y/gSMvo/3Hj2/OJy524xcOJThLIL1NAqdVUve796VJ48LlseNCd4f2uy1Y6W5qIkTAQYiebb7gX86EC68EejyOgiM7rKIYiegE0Zg0CYCnJpkhiJ8kt4AyXEABDEbYWAoowoBY3R3kJsJT2BiJmEsz3WGxOdE0AAQQUARCDTbw0+Rv1WkDyqlPNFz43JMCy4dHv2rNVz4kjE73oXwd/U20/kQLQ2Ynn2noCsY23b/DLYftdOyNx3HT+prOvh/9XaP7v+cSvnUhPONFJWgiqwlBod976gEdbl8F8+0XlozudlfxAzKiduguSGdl48w26HNbHksvMqs5OCCd9VGWugKEIrzfEUISb7GhztPvemW50Y+zCdUdpN16lY88nLk8c7ts3/MVLTMcdFJR2Puuzie3kfcIHT61Ub994r6K/WftaFT/Qc8N0niT5RN62zqP9vZ4EQxHFtVXy0tVdbv3dfuIotdO0Y42CSByIm8653r9j2Kt6cwsHbn8pEHBYystTLjHCgdqtq3ougcYLGDWl3n9qpfpw8Wr1/lMr2Pbpf/3ZHktpd9BiSTf6ldnuHBy4i0tZ5gkYCtfizPPiGIq+PzyuGRu+J42/f04aP02YdrteG8bfTldN6l9WlpLUftz3Qeao73YP32hHuKdtX/ur/j1dj+MjYXtLXd+G+ZMnm4ybJ67gB4bCDBTc01yUvLiLBBeDduclBRaJa3SiDVpkk2RBWthp/C4fnMW0DOOMshHmSbLnIqAkY2R0xtpJFzeqvLw7uQJSj42fSffdeXqx2j3JIW8v+AuVv1mPD9d+lJzn4PjS5G80pCUXx0+Bk5hsktxVNvtSdV7SuI0WCsbJep5o6dUFfxmKHArDsganaIYSpqg2fh7A2FUbDN341GDS1kZ8ghJYUv+4u1c95qT2bPyeK4kSC6PcjAl+No6X+p+mKMV4IiT8gHzGVnzCkigYirD1iaEINyneHC0MO5312cJ3XFEDoR17WY69nvx14lBo5047TxcPL6Bcf05i18tiU+54EwEROMEVTIcu+o0Tt3g40UnyGz+ghB8HZ89nmyaJnmcvTaYy42Actgcvv4+8/lBVVpLs5QcUKh92b7yc8REzoZsZJcanfbUT/rH9xBGs4CkQK9hNNIMKzx+bDRd3PgIK25y8E9dQDiXqrR/eHfNt3gZS0Pe0w8yqBdOioY+sbel21k6i3ELx+Gg83lpA94n8Jf5tLQz77DI9OaDQeGlh6PZWGEb7ncCn0c+6UgPmJ/tOLI6G4/OkpgCLLtI/dhBg8HqOaOmPxiMxV9ZSDs7i9QUBhRcn2GfZLHlxdphRA6VJQYttMJDEAZI2YHVCCgr3VaIPHNnLFfkibGPO2DadfR3LT5ImVJQfSdgn6br0fRofNpkjdI20c7EoDDg4RZ2DgJIWuZjfrZl4kZWS187Tj1O7TP+c0WhpkmyccS1b8glSbM5uNtyZtxbc41d/MSWmLJQ+rn9+H9JLUkMX/SYRY9rFv73gnsB5xUkSJhJeEF+SgAbMn5k4trWTLs5sv52nf04R24s7iK1ISGpR/kOSpek82TiDguiKVPZMcz2b/WfYU1c4kZ5wopPkUWsmXly37Q2n208aqQYwkql6RviB5LosbwJtaFdDGYnq4MLhLRY5vyE2Kdj5E5bKms3fWEw7z3aLIY01S/udeoPy9hNGepJXu0PCbzjXoT7k4SeYJ+b+HvbHYUjKJ266jE7wGYpdh8kuqMlK5MZAO1uuftxkKXLXD7bE7UvafnCwTtt2PojwWi1iXOQjHBakeyyNI2eMeV2b2uX6pr8p0WyeZ7+izgJDEUa6VfJKscUV3oJypQqCobvEJdd/E8mtKWnIXZ8ok8mEbTIJkqb4/eCMM0+c25Q1GI0j3A5nXE0pho9X8Dqm9tFTV8JfTOZJ1nG28ycOzpLjlvaXYU+hbFg0pKyecFG85KWvFDffcvh+F5JgZiTnTmiRe2U65UvarDsZ+zfsqeT8gt59vTU/QnLKeH36ObcPjZ3o/HvUW3TfSFSVb9iOSnlMbOCC9rmGBtYRv88T/4ajp/C/gQyW+RZh1U4qTLCfqW2CE3fNRMrddB05jU9vul6hvGK3Mr1Ab1JcP+hf5D8cRk8spWWeZBg/17+T/HP4YuRQZAPKxIsaZcNh+3bi8zBGkthb4Lzke2s8yeMzpz903TVecjef/nD70AgqNHG9YgFefzjt5zm+PFL8HPZAPqTLZNPeZUP5J9OkeNhOpuOnMmGO1KbniWn7ac7nFHfoeZKm/bT2oWu2u95wJOVF44laPeHCQJVXOupvIrG0o6z0GPqk3TKN3t9Zmkk7aamyt2AwGFNjtyssAep+m+6GTfoz7KkrEp1qzcSLMklQafFP+zsOXj5LiNq6m88DzvXiQDbtBwUwjk8Sg/eruczHY4qLLfPEtN9gKIlT3+yEtpJX/n7YYv9dZiTv9hrsRGYdYPkfZ7HwFnAtNeWEG6cfQet3kxhi+sVp11ucFq9k4VXA+pXYDzbrEvQjDo5tgwrTbzgSU5XniYn/gaGYxYvEs1dNuNAayWs4Y6f85nyqFrmn0AeB9GXuCFd7u/j87kqhnWlfBlsKGp2D1yBPAx/V1lc2NHa7+Y2PK9ElSSY7MJgu7dxpTNL2SmMjPW6yFW0CksbHnSc+iy/OXtyxE9vNS8IyHe+IxVc6cYuHE50k8LXkRW/aa3a65r15r8jP9KgHWtiSDp/G0wuYiu0fZ/fpy0K+S+v+aX1d6umrdO9B0uIfxpDY05tdC1W4f/SZI6HowBT1++B4bfieI51SQGl9xVVgAAAgAElEQVQUdeRgL44k1Y6txPk3Z2zevJ54UaHzV/eXJ59eXPj8jcNzOAJK0pJr9v2q8RdacWMjTZSkgOLtKs+6tghJuJukwtkVerv4RSta+jeIqo0mtd/9m1ks3dl69xuVMqDFL4n5tPu9icQglLJoK3kR3om+tGiF2hBR/cSxczoLmP1q9YSLIv2cwwJcnCdF+EWUn4KhmPll4tkkeYVPClPuIr7nTJQ4ScDm/nHkpEQjCZ0QJ8mZYB8lKRSBf/AaSf5pKnkF27YloGiWEcaWYyvNSOPcJgm/LN/b3r+w/yKgCC0uupmV4y+o1wKU35dmmpJNUZ8pId93xufbju7N+XcrCiou9W/ggnPVDhYwFAKW2NP66fO64Ue4JzOUu73quqL8QUsUaa63w6TRiQzlvUUkec3rNp7hi68UnmHpm4vyd59NJs2TexT9tpnjL24+296/sD+NeHqOE+kJJzpJru5JXhYcbNllfvAhhcV1PG3/PIZiSUDxdr0kpYSOtGMrDn2zK3EkL4/tRvjS8MXJJdRmvUl/Nm0AdOGAbsV2W9nev7A1RjyNpHx6D434JTEU75+lssb6GobtUSVV37OTdl4+Q+lEf9P2b5BFDMXbQEy4sBt+xE4Sd73X3+0l9huHoX2L9C9ihIR7u+PNmPGMsIihEIvaMH1ei71YtiImf/09fg4m5XxMay/b+xfGYyQYimg8Ua2Sl6bGxf/lSV6ayrvTP7pnwF7Jy8eRL3nRC72ohqN4/E2uy5e8ru02HpsYCm2efOmqiXdZ54mJfSX9DwxFNp6oleO6GIpwu6bNeTubJIZCu8oOSV5p+zfoBntyKBvOmqdo1xs+0o7N1MZFne8xlBvaMxRv939W1+4/0LERT9uRQ4nrn+22sr1/YR8cuQQ5FNF56QUU5h26eZ5HlTnsRaAD/eVIVyRPvPdkqGzYEsmrIfFE3Bne92wDyUvwzvK8/GmHycmSV0NOCo3HFsnLC/702JRQ/zjSayMYOTRPOlU2DMlLNJwotWLc7EaVly5815SyyM90w97gG2Yljm7l+AsaEkBR/duRqoYSdrzU8fUeA3ixpX87TBqpKFhK3RlMu29TCY2CyRvz727cMx22765U5ZXADt9osMOm5FUU/qb+yLEXLbpkL1qxg+3TDjvpTvWk79PYSDu+DgYkAUXhS/7EnSdF24ekxsGMebJq/IWe1Fh0/6KuNwoMJXHNNTrBFsmLOs2RG7yddsGyF4fGx0kURsZIOJkj5YSb4ODFkeXi5DLJ8Um1xcEpL3txfCVunBxbYZ5IeYnfDiQvWTzVirGzrZC8aMNCu+RdE3bK/s5ybuLDASUp9OAbZyWygrz7RSyH+mFyeKzi+rsTnyzAGd/6aXMjJRhJnCUlsJFPz0mEitiuZP85OEZ1inyH7BQlcUX1z+V54jPdu0Vxz+I3o5Zc5cQtHk50kpybJK/EFSeLxQxmLFUbJQUU6nPDKQvoF1diCEpC0nhypYTgYmXSH/biWwDeUivNSEZyfeV4KqHOnhRKY5+gxKWlN67f2DhPiJlx5i5tBt9btFIEdy5e7c6D5JW47zI74cWxlEORmFYS5vUoKGsAK8ZRLiX/fnN3nXn1h27SG5KCmVBA4eDDbT+v8WVfzqP9juNHxLreXbSChVNcPzlsIc6hyUZcO4Wvzxmfv2GsxjxJ60ejngFDYS243JNskrxoZhvvvtJ6EuN33MXCk7umzZWJqIF+UbUSJwHbnZnwJQWOlJbX+DKt5An24/gRVxKM6ifhRv5hWiBBtjKVuKKuz2GVLWye4e9p7cHddNnoR5C8uJGCed6LY8+3RvKiFZkkpiE3nsfqvb/D+3Mub6Tb9Wyi8F9g9WMd5RcWvSjeD8LBZMFKgwcHb1oI1k27Rnx84hE4sCJy7JcGryAnNrWPDibkL1m5Ncdu2nmzjrOdnTg4637kNU+y+NFoMBTWGsc+iSQv9skFnUhaLEeP1TswmjCSh8n1/cWWFoh8DpK7OEFFyyemveCMNW3bpn2RPL+ocY1iSrR5+CpnjK1BpXPzxFYfQkCRnHVKqRcPOt+aKq8g5R615Cr2SImlvHFdcjUTh9Kb7jrXTb2GXZ3DuX5UjnjITe2ZSpbxc8abpX2BnHeqDShJUoRbu8PbDEy9JlX7wXGNeqa9r9J13rjuz7n4iSvzZMXY2ZlxTjt/2v1u9DNXO1FA5UQnabJ1l7z0FIwTXYv53oRKt1Jq/WgRs/6bSAjtpYR88IljKt5iTw8CjH2aXxiH1v5xdtitkkk+40vb/+7Skd8/rj1XjJsdkvLMx0fSaByjbjLYuKdptrdP3Pj0v6efJ3ESbfvxE1tOVySipWlzfFsjkezvwVDY+3beicuJoVh6jE7Y+cV1+/XraJHl0XuaIHsk7GSjrkMLxcu0uy3woH4G5S+TcUZ1kzv2F2l36eDB8R+yYdTzzUyHG7YN/T6rfbh94Iwzqi2TsXN9JXydTswTLm503phnwVBM8Eo8lwJKXHmp/nEnv087WYIDJ6d+90l6JIpSO0we3bWDTf9a3vAkKRIfLX8FF6u01+csEloWiuJ7NvgH9SFu/FGLfHhCEI50U6HE+LSvEmbUrg5Uae1jgm+S7Ja4END9Xdf9uYGD5DwpYvxp7YeAwvEMg3OWH3SeVVVeUdUvo5+52mBE+Z/q7+zkq7q4IjPdSCdxfZJqdjunfSUbXeflqdmrkrJWNaX5PWd8zcAsU1e7x02zOoaXTfOE/Ob16+4W8VPuvEhzHgKK8Hpps+Slh0r6dNLCJwxLbHMmMkFRfUp7He4Onisfpu1HXr/jMDC6tquSXhRuEoxewh6uzBMEFAlrB9pYdiAxFDeOMc92jqmQZEYLK/0tw7Hj5NGs3BEtDC6PmeMzxFLov7IcnDHnNVbylaJzi1nGsvc/rnGigMqJTpIhKKDUajVVr9cV/VV1UsCan/W/2/J9J3ZgpIX/68yrncCHaz8u61t+0PneuG2xP3d8ur8cf9EBxQX/546fM+4sC3HUb73c4plXW71+hPEDQxH2ApcYih46STW0wy7icG3HxcWEg2EZxk5SKUcupcBZtoM7dolxu8rywFAkrO+o5BUeOmdRTAtXGRbTuLFz5a48FongRkCXQAfLdqXlNe5YyxhQitiA5eEjaedsmt8hoKRBrc1vlh4wq0XyCktcLnze+x9y94PoXMnWJ5a3SD0u4BCUptr1d/eZx7N37dxxU3Cg6+sb/PJgkGQbbR9uv+g8jn+8du2fvByZSbtcvG05b8+bzxdj9nrD5TpeCCjCAcVFyasdBGlYS9kS7kkuwknaJjE0ChgUPPIIHEn9D3+ftEvmSj9lZilhzLiY6N+RP+j7a0ztY/P5CCjC1iGGItykVc3RgqelFfp/PTGkpRWrBt2mM4QB7VSTDtqxByuf6He0CNkQQJL6TgUUQfumHXPSdcr2vZ4rWoKswhzZ559znSigcqKTNCHKIHnZIim40A8ug1t24Hmq18FjrGEhaRdvCi60QHJYGV2Dxu2CHV2XmmzpPxhK2pkV8zvNUOIeXad/hu/9+3BdxqMXk50Iu5hTzWlmBn9339858xUMRXh6ll3yEobL6eYkk7JOA5HQeWIpOKqBAAKKsJ1f2P9cuqOxcUNj8yl5/g2O+kag5l/9ND587xI+O04apfa6xc2nBgu7fGJzxFLoP5fsi/mp1yOz9Wlf5FAS54PRCZC8fLjKLnGAnRhNC7WUcimOS5zof7JEDYZiNi8Sz/YYCg4PAapyoXs06G9jl1oCbGhM9F+nDl0tFP4b7k+wgqyT/aV+lcn+hKtmpy+dcZXTz2aT9uF9n5vnRAGVE50k4/gBJe6NBeX/9x0nj2oEkaCz0uL30hn0MEqZx5p3qh0aXxFSl77p0P9Lb83MB7fdZ36hsOC49ADKpeQzjiLbjdtQkH+/++TyNm+UKf/83/c5lA2LBunn9z839gVbZXUnqnbSTKQdmEsPmOX8ckLBJI97Ryhw0C5+a9eLyzq57O77T3pfSz7HCwfMcnq7RS/KGsrInbk+zrT+B4YiPG+qKnntw1iEXJc9pKUuHURsvuFNesxV8YGqSmEIKMIB5fn9ZlZS8hp6K2/n/sL+5zopCZDUNfTWCzJ7CwWPV+f9yUlphMYvwc5o/K9de5eTfsDxc7Lx2tPnODm+rNLhfs8jh5J5kQg28Px+VDZcCqnYKBW0+znHq37nJieq155+lXqXXvebllN34Hc7HsyTOdo5kreIXvcnp8Yd58cSeJTZD16lMul5VCZdvXVgPyTlReOJ8hlK9yNcRhs+owzf7/fcvEQwX513l39PQuiwdfy0I8/CTPR4bR2fNkOa/mXFxmer/pHm+kEXKuL3w5gMLTgul8bXrvKJi+9+z1/rRAGVE50k5+kueYVdKrzFLs/3u888gcVSXth/Vps7VezChyNxREVRP5AEX4MbR63ct78fWNLd5On7QjCk2GV/bR2u5Nm0e9ydWHaOL546m/knJK/EPbXZCc/tO7OSkhdtMXuRNMTIM9CkIwnIdkmAJLx+555g5ABbn6BqrbsU/bV9fNL92+/5ZIYaBtPzBWKsHZAyTcbfbybPFyh3QpV6to8nr/7tD4ZitF4knvzcfjMbZcP6ZC2lVuEzR/bymFxA7rAVHwqOVBLNPfTiaOt4ivA/wouzqdB9ocX3pdPneOtbEf2ja6Sxz74MOZfGQgElTfu2j5/bPwQU7mrBPO+5fc+pZJWX3pJxd/UNlpLXVkmg3aG3XuixrqSjhZUIXLcM1IbLVuhNnpSgt3lLTyyVw1R9n3azek0K//1fQA4lab0w+r7KkpfemnEXE4+lWCx1cIIjBZO1Z8yxehwm0o6kPYbelszwbMePy7hsH4ekXdv5ExiKUbhIPvmfHkOp9kG7uf6M3MOmxo7OXrz2f/7a2M7R7nqNd78BjjgEknyB8CMcbT2S+q/77YIvF4HxAS9c50QBlROdJINRQKmpmqorys1X9y+XpTy330zrcYoKKrSA0L0GVbczZ/y0uYiSjCjf8M4Ty621f++Dx7DzQRQY333ixcr7AyQv4bD9z33OqWyVV5AK95t5guo/K7lCatNcqvK5ywnJqN+sE7xFYys9ANBiqa5TElfSdQk/kpCoqmvr48utTxUNI8nu4DGJK4THTubeZf14kuwj8T0YSqK7mJ0AyauJVzu5KIgqsRQcQMAmBCiQ0I2MSQdkz1aEEFCSPMbw+3/sc3ZD8tJbFi19Ve1z/3O/yGYpm+bd2SjorCpeVfMPm8fLZidz7/TuqSLpz+bxFNW/A5cih2IYMtqf7kleOBoI7P9CfFK7haXsC5YCt7EDAY+d3MZkJ6ehKCNotQMQUGSdmBiKbItut0YJ2f6zvpg4CJIOVp92ZeJ5OAEI5I3A8Nvo/qPk3An5q80VannjFNX+gUuvd6KAyolOEsCQvJrVbVoCOOCF61i+TQl6kr4gefnVgZBQ/HvOi/SH/uceb7ABInZSbP9svx4kL9ZSxz/p2b0ph4IioGAR1IBZPJbiB+RzJIpNUIRVybdxZJt3VCY8/PYLWZN91alXqnefWA4/C/nZgcvAUFgOxD3pH3ufjbLhiIjKZyl3KirDxExFRCh6Z0HBhCN1efLsqVeiTDhinkPy4kYK5nnEUPxT4x5frRuq1vd0T8oARi5FsxTgVy3/6LS9TfyT2MnWJ5Z1Rfxqzuc4ex0EhsKMFMzTIHnFb9xGMHeAkL5A0Iq8b9RE6tpIZcJz7wKBjiHQkLyYgYJ72rNjZkDyapNEOnDp9SwoN15D0tedWFmLXFkrmPzrNXmMGvHbi1g+SVLXqq9fAamrjZ8ctGy+EwVUTnSSvPLZvWdU+vH1SREgvbSAlRUrmXzEM2HNrVIX/DHKHyF5sfYm/JOeGTMDVV4JVW4HLeOxFD9An110bhbXq0iVIuX0BpyXfI8U+aHHmOfeCakroVbkoOVgKPxowTgTkldydVKvKWPUiNt5MgOkr2Q8EQHNIyCkrnz8CpIXI0iYnPLMmOmQvBgrHN2bMuC8E1nQUlDZOPeP+cwA7DkriSvlTSgZzzkob/JOo6oLUlc76XUsGArHpfjnkOTFP7vaZ5pIX/6ktvdFTNW2pFujNwkm/maGHlyKg4MAAgoHJYNznhk93avyqhNPCeQQ8Tkaj4OWzWej++zeMxo5f+AJ/0ozv0bcfrHqPYXHTGgDs+prv/E25PA3nr+NXb7AiQIqJzpJK2OToeDGNJ8a6yMaD5PEqE7S+y0CXw6+SfhX6fsBs05kJ+G9YEIlwgn+i+9b5zcYCnt/zDtxCTEUHEYIjF3OZyldQduofZwMBKiaayAzZ0dorfz6b9Q79FZJHEYIjHsRDMUIsKSTEVCSEIr+3iSovHLNH70yThxAgIOAaTCBf3FQjT4HASU9dpG/XDL6rOgqr7AIG64uwvdq7IsL2NZoTvou6Qv4tYrc8C+veo3yJSN/ezHbr955fJla6UldoWou+BfLvxBQ2K7GOxEMhYdT1FnYSabHDr/sjoB5MFnuSV040iOAgJIeu8hfPj2KGAqOtAiQzj3wfN79KXSNV67+oyK2ggMIBBHoPWVvNeo/zZjJCqrowpEJgfErbnCigMqJTpIlKKDUajVVr9cV/qbDYZyB9OUFlWv+6AUW4J0O77Lh1ueQvQ1lruWeD9HDHzFvs61bYCiZ4nH3H4OhyABqHFTAVGSAd7wVU2ZCwyVmQrkTHNkRAEPJjmFLCwgocoCaBhW68pLR0+U6gJacQgDBpPPmQkARtsHikdNiJS/9DJw4iQHf+48WCOKTNqhESRfAtzu+QZxcxocKOgad/yWj2UzMZMvCpQ1/c3n8ZEcb+j9hJXIoRk6YdDIYShJC5t+nDSrmV8IvXETAtJDDy7tBIs3F1GAowrASQxFuEs0ppcavuMEYh6dHnWX8G/zALQRG/9c3FEldJseGq//gBRQc8ghMWHmjEwVUTnSSzNNW8qKn2bWp/vKeJonvY6u10gSVF7/660b1DvAtj3/1OniMGnT+iamCCT1lIVISxfzLvP5MQNmwbJR+inIobR5dGH6bgr563FsW8L2PgMYnTVChCp7lX/115FtagG8rvi74Z58peytiJqYHMZMNVF6O+Rn7aNWs9gdDMfXKhPMheQkDGtFcmqBCzUACy982eV8hjcRFfSKmitLgvK2jFAKKMMZPjZjmvQ+l8QKFRsjvekEKPncVo2TDY0KKnAqZesNVf1Ab6M56/Wwm2EPEHnnj2efgMWrg7C8pYiemBwUTqubyJU9dDJXN//Ier6vtT0QOxdQ9258Pyav1BaF5SkpjUiRkdX8Wjzor8m0tWSk/fi9vf0q6p5G4iJGQxEV/ISlHv7hXen6CocjGE/XUiKmo8hLGtF1zdO/BoNlm9x80gsrIaQX2FJdKg8Do330zFSvZ8vgy9cpVf1D0F0dxCExcdZMTBVROdJLM5geUYNovbm+Ef5fCKUtQIZstHknlxbCHlD0k2qEKrrQbBQoiL55yeeNGP4n+wD9482PiKpQNi4bvRSOm+lVekGgLl6wnrroxtS3XX0X3JvwBEnuHUwwkb1EgSZMrIePrYIL515mUERhK6iUo+oeQvIQBNWxuwsr0QcWrBjrlcsgkhphLnE4BJG3SXV8ftpOwRLY2EFCy4dft14uGnwnJq8OS36DZJ6nBKfMq2qBPjZgKyaQgO2a115aFy9TyUy6DvQqyVzsJcdJq5FBEQ8qi4VO7yobh35327ywSmJZPlp98OST4nFKC9N6SMb/7Zqb5R1Il3bCIFJgd680kJOUz+XMMQ2n6tz5Bp7Tw2UegKDzG/O4SRQtX1mPRiKmRZcawp7k9/UBySVaTeKyE2EmR/gR7t7f3pNU3O1FA5UQnCWqPocDFCwwZyVOckrxZJbCmFKZLjYsKicnjc8XfskpbGolWias8+PhU2O3xQPLKvE9qbeDJYWc2JS/9lZYM8NlHoEN4TFp9k5i1Fw2nHEvX0aHxuHL9vf9bhiXSeJedfJlfNBG82wv4W4PH5DVgKGKLDDX0pJeUbz3C/o7vO4vPpFVygWX9VXd4j3NpdzdrFe1Pstbg808SkRvJW4iVLPMS792PKuIbRMGm8U+G5CUaT9STw85AlVens/GM65MENviCk0SN7+2e6ZlRjOuXMYvc55B9PGmR/kodhCcl3quMq0v+BIYi5fld7bRIXjlVx1R0vcplXkmylaAreZJYBexP948Mni3HRIIYEiPZ8tiySuBYlio1MBThgPKEx1BwuIbA5NU359bldXPuUCSNleUgBjJEmIkEsSE2svTkaHmrLBiWdRwHr7nFiQIqJzpJTkIBpaZqqq4oN4+/LuGw0yH7KEog532sn3OHWnfVHc74B+EiLWVFYUx5kqUn/8oZXDC/u69vkLyEV48nhp6BGxtLIPXkyVjCLucxmDl3WCHt9Jmyj9ePPBlIePweI/nKZVaMvyzSU6fGAYYiHVAgeQkj2tnmigwsUQvt5oXLxOUynTSnoEGHZBLdxFplkwJNxl7WcxFQhC37+NDTG5KX3nJpaozPPnVxEY/Ja/LLsQi7oPXNERvZvPCFRjWci/5AUi7mc/f5PGUtciiiE9CTvCKO8H3V4VPwfet9wrbis8/v6SY9ubJYUeezuLHNVP47R5f/du8o/N8N/49zMW2/gxFQZGchMRTZFtGarQjs8/tLFSWscUQj4AeROxT9xVENBKasvdWJAionOkku013y0sQ4jiLje584u40PJLHmgtkqacG/y+Df3PkJyUt447BwL8qhlPE+aBThcOxKcti+/3OpsFfZ35zHRq68Q729cGkV7ufsVBGV9ded8hIYiuhsfXyv01E2zFl5ea+odj4yD5l9khpy4f8R9TEbGmvIWY8txU4D/t6Yp5C8hGcnMRThJtFciRAYcsFJag8HAwwFkHVXIh9SIlfMZSiHgKHI4grJCxtW0w3rHhfYw2J0Ap2CB40DEhb82cSfIXnJxhO1cM/TIHmZeGBFpK804vdOh+7jlSjTX8lqMi9o1JVaN+f/ed6vPyP5geRnGj8N+s0hL93mRAGVE52kyblwr9Pw+HqsTFiZsq5M+L2Tr0GA5CXMUB7b87RGlZduGi+Us+aFcp5JYA/YAy98bC58kvPh0H+BoYiGFEheTm6snK8mw4YefmeDMADJSzScKPXYnqdC8rLBs7HCYoWFHxYuvYKhiAcUyqHgAAJAAAhUDwEEFGGb/32PU+u1Wk3V63VVqylVJ76Cz8AD/oD5UIH14NB/3e5EAZUTnaTYREl54RiF5oAAEAACTiAAhiJsJmIowk2iOSAABICAEwh86mUwFFFDIaCIwonGgAAQcAgBBBRhY8UHFLxCqByvEIpzGNgX9m2nzFfDPxBQCgsowhdCc0AACAAByxBAQBE2yN+GfB05FGFM0RwQAAJuIPDpdb91ooDKiU6SySmgNMuEdfkw/vpl1MABOMAPyjwPwFCEAz8YijCgaA4IAAFnEABDETaVH1AkH7dGHUR7eJwhHmfYnKqYD7bOBwQU4YDy18FfC94ir2+Vx1//kQHAATjAD0o8Dw5DDkU2omjJK1wkiM+tRaXAA3gEE6Pwh3L4AxiKbDxRHkPBAQSAABCoIAKHrf9PJwqonOgk+c9fB3895hXAWvKJe6o4vvclMeAT/dR1+Af8w/75AclLeBfx6OCvNd7YiFer471VsfERbyvB20oKf1tJ/vMRDEU4oEDyEgYUzQEBIOAMAggowqZ6dBBVeZVw64GtdrN6G/bNf6sLf3PS3z6DHIpsRIHk5eQ8wAuDIcFhHyiwDwZDkY0n6tFBX/WqvFAGWY4ySO0esCfsiTLn5mIZNx8+s+G/nCigcqKTBLcfUKCJQBOBZoN5UL114DMbUDYsylEe6WIowUbDD4oIXxDftz5IAvi0IgD/gH+0u7nNJv84HAxFNJ5A8uqCExIRJCJIRMkSUdkkVUhesvFEPTLwFEhekPwE0puQzCCZuSeZHf4KciiiIeWRgV9F2bB78wApH8QvxC+BeQvJSzScKPXwwFPqNVVTdRWMK/gMPOAPzfUK86Gs8+HwV37nRAGVE52k2OQxFBxAAAgAgQoiAMlL2OgPDzgFkpcAdcadhrjTEKk491JxR4ChyEYUkrxkW0RrQAAIAAE3EEBAEbaTx1AijnAZbfgUfN9aZgt8WhGAf8A/2un+tvjHERuRQxENKZC8INVAqnFPqoHEKjNvwVBEw4lSDw04GZKXMKZoDggAATcQOHLjfztRQOVEJ8nkFFCaZcO6PBJ//TJJ4AAc4AdlngeQvIQD/0P9T0aVF6q8cKMkbpSs5I2SYCjSAcWTvMKPa8Pn1sf7AQ/gEVSG4Q9l8QcEFOGA8mD/r+BZXshKIyuNLLdMltsxHI/ahByKaEh5sD/lUKB4QPGopOLh2PKHeSo9T49EQBGNJ8pnKOGjplS9i7hEXg7fAx/4h0dsMT8iEHBnfThq0++dKKByopPkCcRQZEMUWgMCQAAIuIEAJC9hOz3Q7yuQvCD5QfqpZAYBEtpRr4KhiIaUB/t9BWXDSCJhZZEW59GeE0k5SF6i4UQpYijCTaI5IAAEgIATCBwNhiJrJ0heTmykIElBkkJxew7SNCQv2XiiHtj9y5GSV0uRV4QkhO8DT5MFPt0kM/gH/KNRmWTx/Dj6tf9xooDKiU5SbHqg35dxYyP2fjns/ZBEAPe1PzkJyUuYody/+5cbVV66aTxYoiwPlvAtCnvCnnhwTHPhDM6HY8BQZCNKtORVU/V6XdViNxj4HvjAPzA/4oitO+vD0a9C8hKNKPfv/u+QvCB5QfJC2UMlyx7AUETDiVIkeQk3ieaAABAAAk4ggIAibKb7dvv3eq3WpKhedQ4+NyQ/4AF/wHwo7/pwzGv/14kCKic6SbEJDEU4QqM5IAAEnEEADEXYVMRQhJtEc0AACAABJxA49nUwFFFDIZ8bYEEAAAJWSURBVKCIwonGgAAQcAgBBBSHjIWuAgEgAASAQHYEnMmhZB8qWgACQAAIAIE8EUBAyRNdtA0EgAAQqBACCCgVMjaGCgSAABDIEwEElDzRRdtAAAgAgQohgIBSIWNjqEAACACBPBFAQMkTXbQNBIAAEKgQAggoFTI2hgoEgAAQyBMBBJQ80UXbQAAIAIEKIYCAUiFjY6hAAAgAgTwRQEDJE120DQSAABCoEAIIKBUyNoYKBIAAEMgTAQSUPNFF20AACACBCiGAgFIhY2OoQAAIAIE8EUBAyRNdtA0EgAAQqBACCCgVMjaGCgSAABDIEwEElDzRRdtAAAgAgQohgIBSIWNjqEAACACBPBFAQMkTXbQNBIAAEKgQAggoFTI2hgoEgAAQyBMBBJQ80UXbQAAIAIEKIYCAUiFjY6hAAAgAgTwRQEDJE120DQSAABCoEAIIKBUyNoYKBIAAEMgTAQSUPNFF20AACACBCiGAgFIhY2OoQAAIAIE8EUBAyRNdtA0EgAAQqBACCCgVMjaGCgSAABDIEwEElDzRRdtAAAgAgQohgIBSIWNjqEAACACBPBFAQMkTXbQNBIAAEKgQAggoFTI2hgoEgAAQyBMBBJQ80UXbQAAIAIEKIYCAUiFjY6hAAAgAgTwRQEDJE120DQSAABCoEAIIKBUyNoYKBIAAEMgTAQSUPNFF20AACACBCiGAgFIhY2OoQAAIAIE8EUBAyRNdtA0EgAAQqBACCCgVMjaGCgSAABDIEwEElDzRRdtAAAgAgQohgIBSIWNjqEAACACBPBH4/2A/Hn2Tj6LXAAAAAElFTkSuQmCC"/>
+          <p:cNvSpPr>
+            <a:spLocks noChangeAspect="1" noChangeArrowheads="1"/>
+          </p:cNvSpPr>
+          <p:nvPr/>
+        </p:nvSpPr>
+        <p:spPr bwMode="auto">
+          <a:xfrm>
+            <a:off x="155575" y="-457200"/>
+            <a:ext cx="962025" cy="962025"/>
+          </a:xfrm>
+          <a:prstGeom prst="rect">
+            <a:avLst/>
+          </a:prstGeom>
+          <a:noFill/>
+          <a:extLst>
+            <a:ext uri="{909E8E84-426E-40DD-AFC4-6F175D3DCCD1}">
+              <a14:hiddenFill xmlns:a14="http://schemas.microsoft.com/office/drawing/2010/main">
+                <a:solidFill>
+                  <a:srgbClr val="FFFFFF"/>
+                </a:solidFill>
+              </a14:hiddenFill>
+            </a:ext>
+          </a:extLst>
+        </p:spPr>
+        <p:txBody>
+          <a:bodyPr vert="horz" wrap="square" lIns="91440" tIns="45720" rIns="91440" bIns="45720" numCol="1" anchor="t" anchorCtr="0" compatLnSpc="1">
+            <a:prstTxWarp prst="textNoShape">
+              <a:avLst/>
+            </a:prstTxWarp>
+          </a:bodyPr>
+          <a:lstStyle/>
+          <a:p>
+            <a:endParaRPr lang="en-US"/>
+          </a:p>
+        </p:txBody>
+      </p:sp>
+      <p:pic>
+        <p:nvPicPr>
+          <p:cNvPr id="1044" name="Picture 20" descr="Clouddraw - Create cloud architecture diagrams in minutes"/>
+          <p:cNvPicPr>
+            <a:picLocks noChangeAspect="1" noChangeArrowheads="1"/>
+          </p:cNvPicPr>
+          <p:nvPr/>
+        </p:nvPicPr>
+        <p:blipFill>
+          <a:blip r:embed="rId7" cstate="print">
+            <a:extLst>
+              <a:ext uri="{28A0092B-C50C-407E-A947-70E740481C1C}">
+                <a14:useLocalDpi xmlns:a14="http://schemas.microsoft.com/office/drawing/2010/main" val="0"/>
+              </a:ext>
+            </a:extLst>
+          </a:blip>
+          <a:srcRect/>
+          <a:stretch>
+            <a:fillRect/>
+          </a:stretch>
+        </p:blipFill>
+        <p:spPr bwMode="auto">
+          <a:xfrm>
+            <a:off x="1759089" y="2665304"/>
+            <a:ext cx="591212" cy="591212"/>
+          </a:xfrm>
+          <a:prstGeom prst="rect">
+            <a:avLst/>
+          </a:prstGeom>
+          <a:noFill/>
+          <a:extLst>
+            <a:ext uri="{909E8E84-426E-40DD-AFC4-6F175D3DCCD1}">
+              <a14:hiddenFill xmlns:a14="http://schemas.microsoft.com/office/drawing/2010/main">
+                <a:solidFill>
+                  <a:srgbClr val="FFFFFF"/>
+                </a:solidFill>
+              </a14:hiddenFill>
+            </a:ext>
+          </a:extLst>
+        </p:spPr>
+      </p:pic>
+      <p:pic>
+        <p:nvPicPr>
+          <p:cNvPr id="26" name="Picture 4" descr="Amazon S3 Simple Storage Service Logo PNG Vector (SVG) Free ...">
+            <a:extLst>
+              <a:ext uri="{FF2B5EF4-FFF2-40B4-BE49-F238E27FC236}">
+                <a16:creationId xmlns:a16="http://schemas.microsoft.com/office/drawing/2014/main" xmlns="" id="{16FA8107-B74F-1512-4ADD-8863E9279A2C}"/>
+              </a:ext>
+            </a:extLst>
+          </p:cNvPr>
+          <p:cNvPicPr>
+            <a:picLocks noChangeAspect="1" noChangeArrowheads="1"/>
+          </p:cNvPicPr>
+          <p:nvPr/>
+        </p:nvPicPr>
+        <p:blipFill>
+          <a:blip r:embed="rId2" cstate="print">
+            <a:extLst>
+              <a:ext uri="{28A0092B-C50C-407E-A947-70E740481C1C}">
+                <a14:useLocalDpi xmlns:a14="http://schemas.microsoft.com/office/drawing/2010/main" val="0"/>
+              </a:ext>
+            </a:extLst>
+          </a:blip>
+          <a:srcRect/>
+          <a:stretch>
+            <a:fillRect/>
+          </a:stretch>
+        </p:blipFill>
+        <p:spPr bwMode="auto">
+          <a:xfrm>
+            <a:off x="2394935" y="4623699"/>
+            <a:ext cx="586997" cy="586997"/>
+          </a:xfrm>
+          <a:prstGeom prst="rect">
+            <a:avLst/>
+          </a:prstGeom>
+          <a:noFill/>
+          <a:extLst>
+            <a:ext uri="{909E8E84-426E-40DD-AFC4-6F175D3DCCD1}">
+              <a14:hiddenFill xmlns:a14="http://schemas.microsoft.com/office/drawing/2010/main">
+                <a:solidFill>
+                  <a:srgbClr val="FFFFFF"/>
+                </a:solidFill>
+              </a14:hiddenFill>
+            </a:ext>
+          </a:extLst>
+        </p:spPr>
+      </p:pic>
+      <p:pic>
+        <p:nvPicPr>
+          <p:cNvPr id="28" name="Picture 12" descr="Amazon SageMaker Introduction – Try Machine Learning with Built-in  Algorithms | devnote">
+            <a:extLst>
+              <a:ext uri="{FF2B5EF4-FFF2-40B4-BE49-F238E27FC236}">
+                <a16:creationId xmlns:a16="http://schemas.microsoft.com/office/drawing/2014/main" xmlns="" id="{FE455899-6AE5-171E-8430-8FCCC67AFFC1}"/>
+              </a:ext>
+            </a:extLst>
+          </p:cNvPr>
+          <p:cNvPicPr>
+            <a:picLocks noChangeAspect="1" noChangeArrowheads="1"/>
+          </p:cNvPicPr>
+          <p:nvPr/>
+        </p:nvPicPr>
+        <p:blipFill>
+          <a:blip r:embed="rId5" cstate="print">
+            <a:extLst>
+              <a:ext uri="{28A0092B-C50C-407E-A947-70E740481C1C}">
+                <a14:useLocalDpi xmlns:a14="http://schemas.microsoft.com/office/drawing/2010/main" val="0"/>
+              </a:ext>
+            </a:extLst>
+          </a:blip>
+          <a:srcRect/>
+          <a:stretch>
+            <a:fillRect/>
+          </a:stretch>
+        </p:blipFill>
+        <p:spPr bwMode="auto">
+          <a:xfrm>
+            <a:off x="3035021" y="5263034"/>
+            <a:ext cx="586933" cy="586933"/>
+          </a:xfrm>
+          <a:prstGeom prst="rect">
+            <a:avLst/>
+          </a:prstGeom>
+          <a:noFill/>
+          <a:extLst>
+            <a:ext uri="{909E8E84-426E-40DD-AFC4-6F175D3DCCD1}">
+              <a14:hiddenFill xmlns:a14="http://schemas.microsoft.com/office/drawing/2010/main">
+                <a:solidFill>
+                  <a:srgbClr val="FFFFFF"/>
+                </a:solidFill>
+              </a14:hiddenFill>
+            </a:ext>
+          </a:extLst>
+        </p:spPr>
+      </p:pic>
+      <p:pic>
+        <p:nvPicPr>
+          <p:cNvPr id="29" name="Picture 24" descr="https://i.gyazo.com/e3f53e93ff6f9ab7260c60ce655c8e3f.png"/>
+          <p:cNvPicPr>
+            <a:picLocks noChangeAspect="1" noChangeArrowheads="1"/>
+          </p:cNvPicPr>
+          <p:nvPr/>
+        </p:nvPicPr>
+        <p:blipFill>
+          <a:blip r:embed="rId8" cstate="print">
+            <a:extLst>
+              <a:ext uri="{28A0092B-C50C-407E-A947-70E740481C1C}">
+                <a14:useLocalDpi xmlns:a14="http://schemas.microsoft.com/office/drawing/2010/main" val="0"/>
+              </a:ext>
+            </a:extLst>
+          </a:blip>
+          <a:srcRect/>
+          <a:stretch>
+            <a:fillRect/>
+          </a:stretch>
+        </p:blipFill>
+        <p:spPr bwMode="auto">
+          <a:xfrm>
+            <a:off x="1117600" y="2665304"/>
+            <a:ext cx="590391" cy="591212"/>
+          </a:xfrm>
+          <a:prstGeom prst="rect">
+            <a:avLst/>
+          </a:prstGeom>
+          <a:noFill/>
+          <a:extLst>
+            <a:ext uri="{909E8E84-426E-40DD-AFC4-6F175D3DCCD1}">
+              <a14:hiddenFill xmlns:a14="http://schemas.microsoft.com/office/drawing/2010/main">
+                <a:solidFill>
+                  <a:srgbClr val="FFFFFF"/>
+                </a:solidFill>
+              </a14:hiddenFill>
+            </a:ext>
+          </a:extLst>
+        </p:spPr>
+      </p:pic>
+    </p:spTree>
+    <p:extLst>
+      <p:ext uri="{BB962C8B-B14F-4D97-AF65-F5344CB8AC3E}">
+        <p14:creationId xmlns:p14="http://schemas.microsoft.com/office/powerpoint/2010/main" val="1876824655"/>
+      </p:ext>
+    </p:extLst>
+  </p:cSld>
+  <p:clrMapOvr>
+    <a:masterClrMapping/>
+  </p:clrMapOvr>
+</p:sld>
+</file>
+
+<file path=ppt/slides/slide6.xml><?xml version="1.0" encoding="utf-8"?>
+<p:sld xmlns:a="http://schemas.openxmlformats.org/drawingml/2006/main" xmlns:r="http://schemas.openxmlformats.org/officeDocument/2006/relationships" xmlns:p="http://schemas.openxmlformats.org/presentationml/2006/main">
+  <p:cSld>
+    <p:spTree>
+      <p:nvGrpSpPr>
+        <p:cNvPr id="1" name=""/>
+        <p:cNvGrpSpPr/>
+        <p:nvPr/>
+      </p:nvGrpSpPr>
+      <p:grpSpPr>
+        <a:xfrm>
+          <a:off x="0" y="0"/>
+          <a:ext cx="0" cy="0"/>
+          <a:chOff x="0" y="0"/>
+          <a:chExt cx="0" cy="0"/>
+        </a:xfrm>
+      </p:grpSpPr>
+      <p:sp>
+        <p:nvSpPr>
+          <p:cNvPr id="2" name="Title 1"/>
+          <p:cNvSpPr>
+            <a:spLocks noGrp="1"/>
+          </p:cNvSpPr>
+          <p:nvPr>
+            <p:ph type="title"/>
+          </p:nvPr>
+        </p:nvSpPr>
+        <p:spPr/>
+        <p:txBody>
+          <a:bodyPr/>
+          <a:lstStyle/>
+          <a:p>
+            <a:r>
+              <a:rPr lang="en-US" dirty="0" smtClean="0"/>
+              <a:t>Data Sizing</a:t>
+            </a:r>
+            <a:endParaRPr lang="en-US" dirty="0"/>
+          </a:p>
+        </p:txBody>
+      </p:sp>
+      <p:sp>
+        <p:nvSpPr>
+          <p:cNvPr id="5" name="Content Placeholder 2"/>
+          <p:cNvSpPr txBox="1">
+            <a:spLocks/>
+          </p:cNvSpPr>
+          <p:nvPr/>
+        </p:nvSpPr>
+        <p:spPr>
+          <a:xfrm>
+            <a:off x="1097280" y="1737360"/>
+            <a:ext cx="2560320" cy="2783840"/>
+          </a:xfrm>
+          <a:prstGeom prst="rect">
+            <a:avLst/>
+          </a:prstGeom>
+        </p:spPr>
+        <p:txBody>
+          <a:bodyPr vert="horz" lIns="0" tIns="45720" rIns="0" bIns="45720" rtlCol="0">
+            <a:noAutofit/>
+          </a:bodyPr>
+          <a:lstStyle>
+            <a:lvl1pPr marL="91440" indent="-91440" algn="l" defTabSz="914400" rtl="0" eaLnBrk="1" latinLnBrk="0" hangingPunct="1">
+              <a:lnSpc>
+                <a:spcPct val="90000"/>
+              </a:lnSpc>
+              <a:spcBef>
+                <a:spcPts val="1200"/>
+              </a:spcBef>
+              <a:spcAft>
+                <a:spcPts val="200"/>
+              </a:spcAft>
+              <a:buClr>
+                <a:schemeClr val="accent1"/>
+              </a:buClr>
+              <a:buSzPct val="100000"/>
+              <a:buFont typeface="Calibri" panose="020F0502020204030204" pitchFamily="34" charset="0"/>
+              <a:buChar char=" "/>
+              <a:defRPr sz="2000" kern="1200">
+                <a:solidFill>
+                  <a:schemeClr val="tx1">
+                    <a:lumMod val="75000"/>
+                    <a:lumOff val="25000"/>
+                  </a:schemeClr>
+                </a:solidFill>
+                <a:latin typeface="+mn-lt"/>
+                <a:ea typeface="+mn-ea"/>
+                <a:cs typeface="+mn-cs"/>
+              </a:defRPr>
+            </a:lvl1pPr>
+            <a:lvl2pPr marL="384048" indent="-182880" algn="l" defTabSz="914400" rtl="0" eaLnBrk="1" latinLnBrk="0" hangingPunct="1">
+              <a:lnSpc>
+                <a:spcPct val="90000"/>
+              </a:lnSpc>
+              <a:spcBef>
+                <a:spcPts val="200"/>
+              </a:spcBef>
+              <a:spcAft>
+                <a:spcPts val="400"/>
+              </a:spcAft>
+              <a:buClr>
+                <a:schemeClr val="accent1"/>
+              </a:buClr>
+              <a:buFont typeface="Calibri" pitchFamily="34" charset="0"/>
+              <a:buChar char="◦"/>
+              <a:defRPr sz="1800" kern="1200">
+                <a:solidFill>
+                  <a:schemeClr val="tx1">
+                    <a:lumMod val="75000"/>
+                    <a:lumOff val="25000"/>
+                  </a:schemeClr>
+                </a:solidFill>
+                <a:latin typeface="+mn-lt"/>
+                <a:ea typeface="+mn-ea"/>
+                <a:cs typeface="+mn-cs"/>
+              </a:defRPr>
+            </a:lvl2pPr>
+            <a:lvl3pPr marL="566928" indent="-182880" algn="l" defTabSz="914400" rtl="0" eaLnBrk="1" latinLnBrk="0" hangingPunct="1">
+              <a:lnSpc>
+                <a:spcPct val="90000"/>
+              </a:lnSpc>
+              <a:spcBef>
+                <a:spcPts val="200"/>
+              </a:spcBef>
+              <a:spcAft>
+                <a:spcPts val="400"/>
+              </a:spcAft>
+              <a:buClr>
+                <a:schemeClr val="accent1"/>
+              </a:buClr>
+              <a:buFont typeface="Calibri" pitchFamily="34" charset="0"/>
+              <a:buChar char="◦"/>
+              <a:defRPr sz="1400" kern="1200">
+                <a:solidFill>
+                  <a:schemeClr val="tx1">
+                    <a:lumMod val="75000"/>
+                    <a:lumOff val="25000"/>
+                  </a:schemeClr>
+                </a:solidFill>
+                <a:latin typeface="+mn-lt"/>
+                <a:ea typeface="+mn-ea"/>
+                <a:cs typeface="+mn-cs"/>
+              </a:defRPr>
+            </a:lvl3pPr>
+            <a:lvl4pPr marL="749808" indent="-182880" algn="l" defTabSz="914400" rtl="0" eaLnBrk="1" latinLnBrk="0" hangingPunct="1">
+              <a:lnSpc>
+                <a:spcPct val="90000"/>
+              </a:lnSpc>
+              <a:spcBef>
+                <a:spcPts val="200"/>
+              </a:spcBef>
+              <a:spcAft>
+                <a:spcPts val="400"/>
+              </a:spcAft>
+              <a:buClr>
+                <a:schemeClr val="accent1"/>
+              </a:buClr>
+              <a:buFont typeface="Calibri" pitchFamily="34" charset="0"/>
+              <a:buChar char="◦"/>
+              <a:defRPr sz="1400" kern="1200">
+                <a:solidFill>
+                  <a:schemeClr val="tx1">
+                    <a:lumMod val="75000"/>
+                    <a:lumOff val="25000"/>
+                  </a:schemeClr>
+                </a:solidFill>
+                <a:latin typeface="+mn-lt"/>
+                <a:ea typeface="+mn-ea"/>
+                <a:cs typeface="+mn-cs"/>
+              </a:defRPr>
+            </a:lvl4pPr>
+            <a:lvl5pPr marL="932688" indent="-182880" algn="l" defTabSz="914400" rtl="0" eaLnBrk="1" latinLnBrk="0" hangingPunct="1">
+              <a:lnSpc>
+                <a:spcPct val="90000"/>
+              </a:lnSpc>
+              <a:spcBef>
+                <a:spcPts val="200"/>
+              </a:spcBef>
+              <a:spcAft>
+                <a:spcPts val="400"/>
+              </a:spcAft>
+              <a:buClr>
+                <a:schemeClr val="accent1"/>
+              </a:buClr>
+              <a:buFont typeface="Calibri" pitchFamily="34" charset="0"/>
+              <a:buChar char="◦"/>
+              <a:defRPr sz="1400" kern="1200">
+                <a:solidFill>
+                  <a:schemeClr val="tx1">
+                    <a:lumMod val="75000"/>
+                    <a:lumOff val="25000"/>
+                  </a:schemeClr>
+                </a:solidFill>
+                <a:latin typeface="+mn-lt"/>
+                <a:ea typeface="+mn-ea"/>
+                <a:cs typeface="+mn-cs"/>
+              </a:defRPr>
+            </a:lvl5pPr>
+            <a:lvl6pPr marL="1100000" indent="-228600" algn="l" defTabSz="914400" rtl="0" eaLnBrk="1" latinLnBrk="0" hangingPunct="1">
+              <a:lnSpc>
+                <a:spcPct val="90000"/>
+              </a:lnSpc>
+              <a:spcBef>
+                <a:spcPts val="200"/>
+              </a:spcBef>
+              <a:spcAft>
+                <a:spcPts val="400"/>
+              </a:spcAft>
+              <a:buClr>
+                <a:schemeClr val="accent1"/>
+              </a:buClr>
+              <a:buFont typeface="Calibri" pitchFamily="34" charset="0"/>
+              <a:buChar char="◦"/>
+              <a:defRPr sz="1400" kern="1200">
+                <a:solidFill>
+                  <a:schemeClr val="tx1">
+                    <a:lumMod val="75000"/>
+                    <a:lumOff val="25000"/>
+                  </a:schemeClr>
+                </a:solidFill>
+                <a:latin typeface="+mn-lt"/>
+                <a:ea typeface="+mn-ea"/>
+                <a:cs typeface="+mn-cs"/>
+              </a:defRPr>
+            </a:lvl6pPr>
+            <a:lvl7pPr marL="1300000" indent="-228600" algn="l" defTabSz="914400" rtl="0" eaLnBrk="1" latinLnBrk="0" hangingPunct="1">
+              <a:lnSpc>
+                <a:spcPct val="90000"/>
+              </a:lnSpc>
+              <a:spcBef>
+                <a:spcPts val="200"/>
+              </a:spcBef>
+              <a:spcAft>
+                <a:spcPts val="400"/>
+              </a:spcAft>
+              <a:buClr>
+                <a:schemeClr val="accent1"/>
+              </a:buClr>
+              <a:buFont typeface="Calibri" pitchFamily="34" charset="0"/>
+              <a:buChar char="◦"/>
+              <a:defRPr sz="1400" kern="1200">
+                <a:solidFill>
+                  <a:schemeClr val="tx1">
+                    <a:lumMod val="75000"/>
+                    <a:lumOff val="25000"/>
+                  </a:schemeClr>
+                </a:solidFill>
+                <a:latin typeface="+mn-lt"/>
+                <a:ea typeface="+mn-ea"/>
+                <a:cs typeface="+mn-cs"/>
+              </a:defRPr>
+            </a:lvl7pPr>
+            <a:lvl8pPr marL="1500000" indent="-228600" algn="l" defTabSz="914400" rtl="0" eaLnBrk="1" latinLnBrk="0" hangingPunct="1">
+              <a:lnSpc>
+                <a:spcPct val="90000"/>
+              </a:lnSpc>
+              <a:spcBef>
+                <a:spcPts val="200"/>
+              </a:spcBef>
+              <a:spcAft>
+                <a:spcPts val="400"/>
+              </a:spcAft>
+              <a:buClr>
+                <a:schemeClr val="accent1"/>
+              </a:buClr>
+              <a:buFont typeface="Calibri" pitchFamily="34" charset="0"/>
+              <a:buChar char="◦"/>
+              <a:defRPr sz="1400" kern="1200">
+                <a:solidFill>
+                  <a:schemeClr val="tx1">
+                    <a:lumMod val="75000"/>
+                    <a:lumOff val="25000"/>
+                  </a:schemeClr>
+                </a:solidFill>
+                <a:latin typeface="+mn-lt"/>
+                <a:ea typeface="+mn-ea"/>
+                <a:cs typeface="+mn-cs"/>
+              </a:defRPr>
+            </a:lvl8pPr>
+            <a:lvl9pPr marL="1700000" indent="-228600" algn="l" defTabSz="914400" rtl="0" eaLnBrk="1" latinLnBrk="0" hangingPunct="1">
+              <a:lnSpc>
+                <a:spcPct val="90000"/>
+              </a:lnSpc>
+              <a:spcBef>
+                <a:spcPts val="200"/>
+              </a:spcBef>
+              <a:spcAft>
+                <a:spcPts val="400"/>
+              </a:spcAft>
+              <a:buClr>
+                <a:schemeClr val="accent1"/>
+              </a:buClr>
+              <a:buFont typeface="Calibri" pitchFamily="34" charset="0"/>
+              <a:buChar char="◦"/>
+              <a:defRPr sz="1400" kern="1200">
+                <a:solidFill>
+                  <a:schemeClr val="tx1">
+                    <a:lumMod val="75000"/>
+                    <a:lumOff val="25000"/>
+                  </a:schemeClr>
+                </a:solidFill>
+                <a:latin typeface="+mn-lt"/>
+                <a:ea typeface="+mn-ea"/>
+                <a:cs typeface="+mn-cs"/>
+              </a:defRPr>
+            </a:lvl9pPr>
+          </a:lstStyle>
+          <a:p>
+            <a:pPr marL="201168" lvl="1" indent="0">
+              <a:buNone/>
+            </a:pPr>
+            <a:r>
+              <a:rPr lang="en-US" sz="2400" dirty="0" smtClean="0"/>
+              <a:t>EHR Data</a:t>
+            </a:r>
+          </a:p>
+          <a:p>
+            <a:pPr lvl="1">
+              <a:buFontTx/>
+              <a:buChar char="-"/>
+            </a:pPr>
+            <a:r>
+              <a:rPr lang="en-US" dirty="0" smtClean="0"/>
+              <a:t>500,000 Patients</a:t>
+            </a:r>
+          </a:p>
+          <a:p>
+            <a:pPr lvl="1">
+              <a:buFontTx/>
+              <a:buChar char="-"/>
+            </a:pPr>
+            <a:r>
+              <a:rPr lang="en-US" dirty="0"/>
+              <a:t>Assuming 80 MB per user per year [1</a:t>
+            </a:r>
+            <a:r>
+              <a:rPr lang="en-US" dirty="0" smtClean="0"/>
+              <a:t>]</a:t>
+            </a:r>
+          </a:p>
+          <a:p>
+            <a:pPr marL="201168" lvl="1" indent="0">
+              <a:buNone/>
+            </a:pPr>
+            <a:endParaRPr lang="en-US" dirty="0" smtClean="0"/>
+          </a:p>
+          <a:p>
+            <a:pPr marL="201168" lvl="1" indent="0">
+              <a:buNone/>
+            </a:pPr>
+            <a:endParaRPr lang="en-US" dirty="0"/>
+          </a:p>
+          <a:p>
+            <a:pPr marL="201168" lvl="1" indent="0">
+              <a:buNone/>
+            </a:pPr>
+            <a:endParaRPr lang="en-US" dirty="0" smtClean="0"/>
+          </a:p>
+          <a:p>
+            <a:pPr marL="201168" lvl="1" indent="0">
+              <a:buNone/>
+            </a:pPr>
+            <a:endParaRPr lang="en-US" dirty="0"/>
+          </a:p>
+          <a:p>
+            <a:pPr marL="201168" lvl="1" indent="0">
+              <a:buNone/>
+            </a:pPr>
+            <a:endParaRPr lang="en-US" dirty="0" smtClean="0"/>
+          </a:p>
+        </p:txBody>
+      </p:sp>
+      <p:sp>
+        <p:nvSpPr>
+          <p:cNvPr id="11" name="AutoShape 14" descr="data:image/png;base64,iVBORw0KGgoAAAANSUhEUgAAAZQAAAGUCAYAAAASxdSgAAAAAXNSR0IArs4c6QAABDt0RVh0bXhmaWxlACUzQ214R3JhcGhNb2RlbCUzRSUzQ3Jvb3QlM0UlM0NteENlbGwlMjBpZCUzRCUyMjAlMjIlMkYlM0UlM0NteENlbGwlMjBpZCUzRCUyMjElMjIlMjBwYXJlbnQlM0QlMjIwJTIyJTJGJTNFJTNDbXhDZWxsJTIwaWQlM0QlMjIyJTIyJTIwdmFsdWUlM0QlMjIlMjIlMjBzdHlsZSUzRCUyMnNrZXRjaCUzRDAlM0Jwb2ludHMlM0QlNUIlNUIwJTJDMCUyQzAlNUQlMkMlNUIwLjI1JTJDMCUyQzAlNUQlMkMlNUIwLjUlMkMwJTJDMCU1RCUyQyU1QjAuNzUlMkMwJTJDMCU1RCUyQyU1QjElMkMwJTJDMCU1RCUyQyU1QjAlMkMxJTJDMCU1RCUyQyU1QjAuMjUlMkMxJTJDMCU1RCUyQyU1QjAuNSUyQzElMkMwJTVEJTJDJTVCMC43NSUyQzElMkMwJTVEJTJDJTVCMSUyQzElMkMwJTVEJTJDJTVCMCUyQzAuMjUlMkMwJTVEJTJDJTVCMCUyQzAuNSUyQzAlNUQlMkMlNUIwJTJDMC43NSUyQzAlNUQlMkMlNUIxJTJDMC4yNSUyQzAlNUQlMkMlNUIxJTJDMC41JTJDMCU1RCUyQyU1QjElMkMwLjc1JTJDMCU1RCU1RCUzQm91dGxpbmVDb25uZWN0JTNEMCUzQmZvbnRDb2xvciUzRCUyMzIzMkYzRSUzQmdyYWRpZW50Q29sb3IlM0QlMjNGRjRGOEIlM0JncmFkaWVudERpcmVjdGlvbiUzRG5vcnRoJTNCZmlsbENvbG9yJTNEJTIzQkMxMzU2JTNCc3Ryb2tlQ29sb3IlM0QlMjNmZmZmZmYlM0JkYXNoZWQlM0QwJTNCdmVydGljYWxMYWJlbFBvc2l0aW9uJTNEYm90dG9tJTNCdmVydGljYWxBbGlnbiUzRHRvcCUzQmFsaWduJTNEY2VudGVyJTNCaHRtbCUzRDElM0Jmb250U2l6ZSUzRDEyJTNCZm9udFN0eWxlJTNEMCUzQmFzcGVjdCUzRGZpeGVkJTNCc2hhcGUlM0RteGdyYXBoLmF3czQucmVzb3VyY2VJY29uJTNCcmVzSWNvbiUzRG14Z3JhcGguYXdzNC5zcXMlM0IlMjIlMjB2ZXJ0ZXglM0QlMjIxJTIyJTIwcGFyZW50JTNEJTIyMSUyMiUzRSUzQ214R2VvbWV0cnklMjB4JTNEJTIyMTYwJTIyJTIweSUzRCUyMjM4MCUyMiUyMHdpZHRoJTNEJTIyODAlMjIlMjBoZWlnaHQlM0QlMjI4MCUyMiUyMGFzJTNEJTIyZ2VvbWV0cnklMjIlMkYlM0UlM0MlMkZteENlbGwlM0UlM0MlMkZyb290JTNFJTNDJTJGbXhHcmFwaE1vZGVsJTNF1rj0mAAAIABJREFUeF7tfXn4FMW1ds1VQQVUVHaVHXfZRRPjbhaN8fvrJprEDQRFFJdEs283qyaKCiq4m3tzc7+/PhNNNO6aRFRENFEBWY2A4A7i7p3vOd2/munpX/f0qe7TPVXdbz+Pz89heqqr3nOqTr3vOd1dUziAABAAAkAACAggUBNoA00AASAABIAAEFAIKHACIAAEgAAQEEEAAUUERjQCBIAAEAACCCjwASAABIAAEBBBAAFFBEY0AgSAABAAAggo8AEgAASAABAQQQABRQRGNAIEgAAQAAIIKPABIAAEgAAQEEEAAUUERjQCBIAAEAACCCjwASAABIAAEBBBAAFFBEY0AgSAABAAAggo8AEgAASAABAQQQABRQRGNAIEgAAQAAIIKPABIAAEgAAQEEEAAUUERjQCBIAAEAACCCjwASAABIAAEBBBAAFFBEY0AgSAABAAAggo8AEgAASAABAQQQABRQRGNAIEgAAQAAIIKPABIAAEgAAQEEEAAUUERjQCBIAAEAACCCjwASAABIAAEBBBAAFFBEY0AgSAABAAAggo8AEgAASAABAQQQABRQRGNAIEgAAQAAIIKPABIAAEgAAQEEEAAUUERjQCBIAAEAACCCjwASAABIAAEBBBAAFFBEY0AgSAABAAAggo8AEgAASAABAQQQABRQRGNAIEgAAQAAIIKPABIAAEgAAQEEEAAUUERjQCBIAAEAACCCjwASAABIAAEBBBAAFFBEY0AgSAABAAAggo8AEgAASAABAQQQABRQRGNAIEgAAQAAIIKPABIAAEgAAQEEEAAUUERjQCBIAAEAACCCjwASAABIAAEBBBAAFFBEY0AgSAABAAAs4ElPpJl9dhLiAABIBAFRGo3fFNJ9ZqJzpJDoSAUsVphDEDASBACCCgCPvB/37pMjAUYUzRHBAAAm4g8G9/uMSJzb8TnSST/++XLq/XakrV63VVq9VUva4UPgMP+APmQxXWAzAU4cAPhiIMKJoDAkDAGQTAUIRN5QcUIlRB5QufgQf8oTnVMB/KOh8QUIQDyicn/oq4PWk8WuvCX+ABf8B8qMQ6sA1yKLIR5ZMvXVbX+69g4of2p8F/15/11fE98IF/+Pt2zJ8mDq6tD2AosvFEeQwFkhckP0iegZkFiausEpdv5KZ9t/njpU4UUDnRSYL2kxMvq0dSkTgKgn+PpibABbhEUTb4hdV+AclLmKF8fOKvWiQv+L/V/t9NYoG9YC/Ese7SI3degKEIBxRf8sIBBIAAEKgeAggowjb/+ItU5dWVQsDf9Fsd7pYI54FSYJ5ZM8+2RQ5FNqJA8sL6hvXNmvUNkmZMdWle+zAwFNl4oj7+4i89ySuuLDhcBojPPgLAyw/E8Af4g8vzYds7v+VEAZUTnSRH8AMK9qjYo+a1B0S7mF/2ri/b3omyYVGO8lEXQxFtFI0BASAABBxAYDswFFkraYZSV35u3j9qCp+BB/wB86Hs6wEkL9l4oj46wc+hICuArAiyIsgKVS0rtt1dyKGIhhQvoNgrcSK1gRQEUhCYn7mtA5C8RMOJUh+e8It6rSFxaamrKXn561n43/G9lgSBD/wD88Pd9WG7u77tRAGVE52k2NSUvIQjFZoDAkAACFiOACQvYQN9ePwvIHlBUshNUsCdegXfqQeJ1Egi7QGGIhtRSPKSbRGtAQEgAATcQAABRdhOHkNBjRfufO/aSGv3Qs0bat6qUPPW40/IoYiGFEhekCRQ5YeHo1ZVmgRDEQ0nSn1w/M8heQljiuaAABBwA4Gef/qOEwVUTnSSTP7B8VQ2TDlZys1T+Z/OaeEz8IA/YD6Uez2A5CUc+D/4ws9R5YUqL1R5oTrKqDqqLBIZGIp0QPEkr7gVVV8M30evuMDHRwD+Af+Iisj2zw8EFOGA8v4XfobH1yMrjax0WbbcGIdRlc32f0YORTSkvP+Fn3flUCrJeDH9jKYflDEoY+VaJ3oioIjGE9XKUMIUFZ9bJR3gATyCEh/8wXV/2P7P33WigMqJTpIzEEORDVFoDQgAASDgBgKQvITt9N7nfwbJCxkESH+Q/iqZSdz+bjAU0ZDy/ud/hrJhlA0jOYLkSLmSI0x7QvISDSdKEUMRbhLNAQEgAAScQGAHMBRZO0HyquTGDBIXJK5KSlxh4gLJSzaeqHc/99N6raZUne5GwV/gAD/APKjQOrDD3d9zooDKiU5SbHrv8z/FjY3Yq6EsAZytkpwNklcODEW4STQHBIAAEHACgR3vAUMRNZQvedVUvV4PUH18Bh7wh6YEjPlQ1vkAyUs0nCgvh+I3iXf04R19VXhHn55A8Hf4e02BoeQWUIQbRnNAAAgAAcsRQEARNtDWz/5HQPLS1D6O4uN7n/oDn2gJBP4B/3Brfux4z/edKKByopMUm5qSl3CkQnNAAAgAAcsRAEMRNhAxFOEm0RwQAAJAwAkEev0FDEXUUAgoonCiMSAABBxCAAFF2Fg6oKDmBTUvqPFqTi7Mh2rMBwSUnAKKcLNoDggAASBgPQIIKMImeue4nyCHIowpmgMCQMANBHrf+wMnCqic6CSZ/J3jqGyYHg6pnwqoHxKJz/6jA4AH/APzo6zrQ28k5WUjPxiKLJ5oDQgAAXcQAEMRtpUfUPDKQryykPmKOzyVt5JP5S3r/Oh9L8qGRUPKlmN/HHwKYMBvAgtMy4tS9HzC941ADHwCL9SBf/j7M8wPF+ZHn/uQQ5ENKMf9pA5+Utb9F8YF3gX9od36BslLNJwo5TGUhuSlG9cmwGcfAeDhhyb4A/yhXPOhz30/dKKAyolOkmtsOfYndaRQ8MJCidTINuOGqm0OHKq2GTtMbTN2qOjW55Nn1qpPnl2jPrz9EWy5ISmIUe8+KBsWnadq87E/jpW8wvvRsB/j+9b9ahXw+bexw9S2B1HQ8AOHDceHtz/sxcOPfuv/jeOTVbAPxm9m/53AUGSnsC954QAC3RHQAaPH1w+3Jnhw7URB5sPfPsw9HedVFAFIXsKG33wMVXlB8pGQfFzHcZtxw9Q2Bw1V21rEPqTc/QMdYJClh2QYWO/AUKRmWFc7kLzi51cVJD1iIT0dZCBZp0EjwLS5q6QK9g+m2KsoCSKgZJ1Jod+/fcyPUDZcMYK27dhhqsepRyj6i0OpD25/SFGAAVEXy3U7Q/h3uv9HThRQOdFJWkw2H/Oj0J3yeomJ0wbwvY+AW/hQEr3nqUc4lwspOuC9e/Ht6pNn1jhn36Y/Yn6azM+d7kfZsOgcI4YS2WD4hRDhk/B96wsjLMRn23FgIlkmy+Zjfxz/c/i/9f7vUc64o8t+O4OhZJki3X/rS141VVfB3Dw+u4zHtmOHqx6nHg5JS2iqEGv5+JnVAUkM88Pl+RFc7yB5CU0S3czbR2uGgnfUuf6OOi+QnNa53MjHz6xRnyxZo+gmRFqAJfEkuY6OnqcdKTwD+M29e9FtisbYKqmEJSZ8dgmfnR9ADoU/AxhnegEF2Uins5FFSlte0PACx1r18bNrrMCt52l+bqioIgMviX/bwyi/LcG6AcmLESRMTnnr6B8GJC9N5fHXp/R247Dd2OFqxytOMzG38bkUQD687WH1kSf52I1HsH+ES94BhrDZetGtTuHigl8X6WdgKMZLQvsfNCUv4YbRXG4IeGW/OUlbOoA0pZ3chlFow3kGmA9u88uOcbiHAAKKsM3eOuqH8ZKXvlYctcX3PgIF4UPSVs9Tj1T0V/Kg4EGLohdEKvAwqF5Xnp4LeyG28vGSNWYPkyrQf7r5Keav2uXBHztxi4cTnSR/IslLcnFCW/kgQIFke8GEdEsQyafLTrTa6wr54PL2MT9yYuzopFK7PICAIuoHbx5FORQrcquoDYiwAz1fq/cVp4vZ/J2LbvUqsfBIq+7EcpcH5ALB+ySD3fYQcLb8hclgKGJLi99QW8kLkaZjkZbyJFQiK5FYjpW0YN9I+0pKYp4MFpYSgXvH5lU4woOhCAeUN4/6Ad7YaNkbGbcdN1yElZCe//7tD6qPl6zt4j5h0RyfW5NgrXj0vuIMsXzVW0f/MDBz8QZQW94A2vfBnziRnnCik+ThJHkJxyg0lwEBkreyJt39QPKQnyDGkRkBsoeE7PjW0XKSWuZBoQEPgb5Iyst6wptH/gA3NlogQZC01fvKMzIZlwLIOxfeghvucrLntuMpsGSz0fu3PugFeyRX7EiugKFkWnK6/7hV8sppJiLd3rbsYfvTjspUwdVd2oId81yxs9rLy116EhjslKedOPiCoQgHlDeIoUQeeJxqEY9T7XNlep2eAsl7t1GOJEragv3ytl+fK8/MJE9uufCWNrIk7Je3/aj9XR9CDkU0pFBAwT6p+H0SlQNTMEl7vHfrgyhLtaTcve+DbR5zn2Bg2JHDI/Kbn30RUNIuQdG/e+PI74desIU7FPJ2cZJMdjj9qFSG/HjJarXlwlstWUqxFdFLHd10mtamfnHMDyCBdUACBENJtQzF/yhe8hK+EJrzEEi78LSXtwCuLQhkkTDfPCpYWmzLiMrdDwQUYfu+fsT3IXkVtN/faQ7lS4YbW5BYyeYLbunA/i0/qaHMPJiYSlq28saRP4CdC5qPxK93ffg/nLjFw4lO0sr2xhHfr6taTal6UPnCZ2k8+tADCVMEE9LY6TEe0v1Be/n7e9+HfmK8efDlrx/C3gWtR7s+hICSyknjfkQMRbRBNNaCwHbjhqvtTz9S0V+T46Mlq9X7tz6k6C8OdxHoM+cMY9vTaLdccAtsX4DZdwNDkUUZkld+Kfi0wQQSV7mkNvIDCiymB7FT+g+lD/n5AyQvU69MOP+1w79XbyheWunCX18RyoADvd99p6vONLbW5tk3e+9jz3p9/D6b/fLAb7eH/8PYH9695QH1/m0Pwh8yzsc4e+728E+dSE840UnybkhexnM88QdpdqSQuBJhLcUJaSQwzVRKAYBlg4DkJWwQYijCTVa6OQomO5xxlJFuTsHkvVsehGZeEc+hCrAdzzjaaLTEVCiw4JBFYPdHwFBEEfUlr5qq16nYC3+z4mC6A6VgQgnYrNfF793yX7ofyTSokJ98+PQqzFPBdQoMRTScKAWGIgco5UxMqrkomFDOBEc1EUjDVF4/4vvVBCunUYOhCAOLgCIDKIKJDI5VbMU0WY+gIuclCChyWHotvfqZ70LyykihSbowkS9ID6f/IDFCYtVSpWlQee3w78F/Ms5bmn8IKMIBBQwlG6CmsgWSq9nwLvOvTYMKmEp2b0BAyY5hSwvEUISbrExz240frna+aip7vJqZsH+AEyuHwO6P/NRozMRUcKRHoN+jP3PiFg8nOqklr+7m0PfmxhkK3283fphRMPno6dXq7dk3dQEK/Px7n+FfYQTSyqet7cC/uP6FgJI+GEf+chPlUAp8umdZnjJLzIQYCuegYPLW7JvwCA34GetV8r1S5OS2Uk4O+LLwDeKEgMJZwQzOgeRlAFbXqSa7yFZmYn4t/KKaCJj4GCEE6SudnyCgpMMt9lebDvtO4Dne+rQwZcZnTaGJlexy9TSWFSiYbL3lfvXR0/TO96DEAzyBR7I/UFDpdeYxLF/rkq9jJFX4W5y/9f/rz51ITzjRSfK+TYdR2bD/+gXNmfE5Go/tJgxXuxgk4Unm+mjx6sZDJoGvH1fhX/z5Rv7GlVZJ9nr3ZipH57dfdXv0R1KevWFhnegzFBwcBIiZcCf3W+ffqIih4AACWRHo9+jP2E3A79hQeSeCoZjhlXh2q+SFtF7cmxeoqosrdW29mW5cvL9J+ZAuRbrYOF3cWr7S71F+OfGrn6FS4rKUv+Q7jv5/RdlwYpAwOWHjp79Tx3rXfv71IKmLmTf5kCq6zr8R8znfdaBy+PYYN1ztcg0vd7f15vsVbWowr5Pj6gDkUEzCRfK5Gw/7DsqGE/yubwqpC+sp1jNpvk/lxNwkPQUVupEWftjeDyF5JccIozM2fvrbgSov6Sngfnu9zjSbxDSRsZS6b3dbKVD/v/LzKZsO+27yFr3iIWfA31DlZRQwkk6G5BW//kPqwnpk43prHFQQ32P3B5C8kiKE4fevfPrbDckLd6H4COj5R/JCb8Z9APTSI9Ks6W/w98CzFU/gIYMH+SRX+nqHpK+b78ddUIF1MXhXzsC//cKJWzyc6CRh3Cp5YcrrKd+DbmA0SoKS1AX8ZJZM3IiXdOOniRTblL7gn2H/HICAYkhBEk5/5VPfRpVXhCTQ95ppqsf4EYlgEyt58zxUddkoDZW9ymnA336e6J90ArGUrTfdj9RexDwHQ2G5EP8kSF7NeaZR6zl+BIud6GCC/XTSfhrfJz9oxZzf0oaHNj6cY+Nh3wF/7kIAkhfHY1Kes+FT34ooG66pumpHXMr9/a5zz2Kxk3duus/b/XXf+JQbn5rC+GyZH16eb+qxibOffJUqEP0yYthP22/g33/pRHrCiU6SF3qSF44GAt6ub27yrs9jJ7NuBHJAoOMIcKWvjZ9uspSOd9qSDgz8O5LyoqYghiLaoOONcdnJG7NuaFR1OT5kdN9xBKjqi8NSaBNEfoujicAgMBRZd/AlL02Bq/2395nHqt5Tkx8XricmcKu2v9hkfy5L8aUvuoOeJG3YDwxFNp6oDYeCoRCkPSaMUMROOIfHThb795zgAAI2IEAbIQ5L6ZK5beiyFX0Y9BhyKKKG8AIK7qT1bmDkTEgKJG+cd4OtT+Zo9ItyQbTIUH+pcABlveZPxKFNBt2PRA/89DYQls+TgX//BWtt8IpJUEbs2ROSF8tl+CetP/TSWMlLz6A4alym77mT8fVZC7yXZpFkYOP46SVgu82d3s0BtpDUcRNV+TSlDhv7b0P/ek4YGclWiZl+sHhlQyqyDb+4fketBhs+9S0r/bdo+w8GQ+EHC86ZkLyUt5PnsJPGzo4DbAfO4ch2r3zq2x3omTuXTPIF2/FL6r+2hO2+XJTHQPISRnr9IZdWXvLabd50L4eSdHi7OoufB9572rGqD+OeBNvH0SlpieMHW26ke4/us9oPBj32yyRX9r6HHyg1+LFfOXGLhxOdJKciyau794Xv/Q6fUZ7vKZBESUThEZNkRLs6/7Bz/DQOTmBsLCaxy46d42t2V7Z/hFmfM49lYUe5lNe90tt21fay/TOdn8S2ORuLVp8OXqWz/S9yfiGgsPYe/JPWHUI5FKs3XLluWL3JNy35TuP1h34r135IEB9aRDhj0d5Bu21aVKpsf29DMa97ziluBn1ARRnnLrCZqHr25LAU2F+pwQvBUPjRgnFmlSWvHhN57MTblZ67wPoqH67kFXaLKkofVAVHAZjL6IJB2HbJiyIK3VPF2VxsOPRb1vt1njseMBRGkDA5Zd0hlwTe2Kh/WY3HHfo7+uMS4aJgQtU98ZKLPXgNfuxXieOJOmHLjfd6bCVa0rNnfBL9o2ooE1ai8SJ28vq58yMkTzvx4fiCb3d69UIej6+0fz0ZsvAyJ9ITTnSSzE2SV6oVqAQ/okWlZ0Iy3l9EFjg12sHMpGzUoPzgWc6bNsnWaQKJxsk1bLgSKMm5VT2GQPKSNf26KZdUssqLHlG/27UzEsFs7NwlkhwFJis4u9N2g3995nz1Ab2B0rFxR/W3J0mb85JtXTY8SPLiMHDPx2+8r5LSFxhK4hJodkKr5FXgitfhlarP1GNYk239oZea32Kdp+jLxI07Po63+DtYtyJLzwnDVe+pxyUyUM74/eT1vU76AYetdpfyqrMOgKFwZoDBOS8TQ6nYQdLH7gx2slnv3BzFh3aoOzFyRNzh2Y6Hli85ti3LmJPGwfWBdYfQxql6xx6PI4cianUKKNXZjzT32YMXJievSfZ5f/EqC/hGen7AGWdah1p/yKUd5y3ePSTTZJhIGAfaub82c77T9qfd4pAEX6dxkuxF1Yxu8dD080KPcwgCStrpH/27l6d8M1DlVcXQUldDFl7WDRyq6nptJiXj3Z9iUeOT9SK/NZ/B5CcNUXUWBRD6m1RMITE+CiZ+dZ/b84ICbpip0rhIyivD+LLYBwxFYqYE2qii5NUOQr2bs13eMXEDruxh0qbpuYSnPuIe/R+8J6SooBE3jjLZX0u8momUtYrP1CfpfASUNKi1+c2/DiaG0npU58EL0cCUcfx7PN6dhQm7Ummao137q+fQ/SbV8Y/gSMvo/3Hj2/OJy524xcOJThLIL1NAqdVUve796VJ48LlseNCd4f2uy1Y6W5qIkTAQYiebb7gX86EC68EejyOgiM7rKIYiegE0Zg0CYCnJpkhiJ8kt4AyXEABDEbYWAoowoBY3R3kJsJT2BiJmEsz3WGxOdE0AAQQUARCDTbw0+Rv1WkDyqlPNFz43JMCy4dHv2rNVz4kjE73oXwd/U20/kQLQ2Ynn2noCsY23b/DLYftdOyNx3HT+prOvh/9XaP7v+cSvnUhPONFJWgiqwlBod976gEdbl8F8+0XlozudlfxAzKiduguSGdl48w26HNbHksvMqs5OCCd9VGWugKEIrzfEUISb7GhztPvemW50Y+zCdUdpN16lY88nLk8c7ts3/MVLTMcdFJR2Puuzie3kfcIHT61Ub994r6K/WftaFT/Qc8N0niT5RN62zqP9vZ4EQxHFtVXy0tVdbv3dfuIotdO0Y42CSByIm8653r9j2Kt6cwsHbn8pEHBYystTLjHCgdqtq3ougcYLGDWl3n9qpfpw8Wr1/lMr2Pbpf/3ZHktpd9BiSTf6ldnuHBy4i0tZ5gkYCtfizPPiGIq+PzyuGRu+J42/f04aP02YdrteG8bfTldN6l9WlpLUftz3Qeao73YP32hHuKdtX/ur/j1dj+MjYXtLXd+G+ZMnm4ybJ67gB4bCDBTc01yUvLiLBBeDduclBRaJa3SiDVpkk2RBWthp/C4fnMW0DOOMshHmSbLnIqAkY2R0xtpJFzeqvLw7uQJSj42fSffdeXqx2j3JIW8v+AuVv1mPD9d+lJzn4PjS5G80pCUXx0+Bk5hsktxVNvtSdV7SuI0WCsbJep5o6dUFfxmKHArDsganaIYSpqg2fh7A2FUbDN341GDS1kZ8ghJYUv+4u1c95qT2bPyeK4kSC6PcjAl+No6X+p+mKMV4IiT8gHzGVnzCkigYirD1iaEINyneHC0MO5312cJ3XFEDoR17WY69nvx14lBo5047TxcPL6Bcf05i18tiU+54EwEROMEVTIcu+o0Tt3g40UnyGz+ghB8HZ89nmyaJnmcvTaYy42Actgcvv4+8/lBVVpLs5QcUKh92b7yc8REzoZsZJcanfbUT/rH9xBGs4CkQK9hNNIMKzx+bDRd3PgIK25y8E9dQDiXqrR/eHfNt3gZS0Pe0w8yqBdOioY+sbel21k6i3ELx+Gg83lpA94n8Jf5tLQz77DI9OaDQeGlh6PZWGEb7ncCn0c+6UgPmJ/tOLI6G4/OkpgCLLtI/dhBg8HqOaOmPxiMxV9ZSDs7i9QUBhRcn2GfZLHlxdphRA6VJQYttMJDEAZI2YHVCCgr3VaIPHNnLFfkibGPO2DadfR3LT5ImVJQfSdgn6br0fRofNpkjdI20c7EoDDg4RZ2DgJIWuZjfrZl4kZWS187Tj1O7TP+c0WhpkmyccS1b8glSbM5uNtyZtxbc41d/MSWmLJQ+rn9+H9JLUkMX/SYRY9rFv73gnsB5xUkSJhJeEF+SgAbMn5k4trWTLs5sv52nf04R24s7iK1ISGpR/kOSpek82TiDguiKVPZMcz2b/WfYU1c4kZ5wopPkUWsmXly37Q2n208aqQYwkql6RviB5LosbwJtaFdDGYnq4MLhLRY5vyE2Kdj5E5bKms3fWEw7z3aLIY01S/udeoPy9hNGepJXu0PCbzjXoT7k4SeYJ+b+HvbHYUjKJ266jE7wGYpdh8kuqMlK5MZAO1uuftxkKXLXD7bE7UvafnCwTtt2PojwWi1iXOQjHBakeyyNI2eMeV2b2uX6pr8p0WyeZ7+izgJDEUa6VfJKscUV3oJypQqCobvEJdd/E8mtKWnIXZ8ok8mEbTIJkqb4/eCMM0+c25Q1GI0j3A5nXE0pho9X8Dqm9tFTV8JfTOZJ1nG28ycOzpLjlvaXYU+hbFg0pKyecFG85KWvFDffcvh+F5JgZiTnTmiRe2U65UvarDsZ+zfsqeT8gt59vTU/QnLKeH36ObcPjZ3o/HvUW3TfSFSVb9iOSnlMbOCC9rmGBtYRv88T/4ajp/C/gQyW+RZh1U4qTLCfqW2CE3fNRMrddB05jU9vul6hvGK3Mr1Ab1JcP+hf5D8cRk8spWWeZBg/17+T/HP4YuRQZAPKxIsaZcNh+3bi8zBGkthb4Lzke2s8yeMzpz903TVecjef/nD70AgqNHG9YgFefzjt5zm+PFL8HPZAPqTLZNPeZUP5J9OkeNhOpuOnMmGO1KbniWn7ac7nFHfoeZKm/bT2oWu2u95wJOVF44laPeHCQJVXOupvIrG0o6z0GPqk3TKN3t9Zmkk7aamyt2AwGFNjtyssAep+m+6GTfoz7KkrEp1qzcSLMklQafFP+zsOXj5LiNq6m88DzvXiQDbtBwUwjk8Sg/eruczHY4qLLfPEtN9gKIlT3+yEtpJX/n7YYv9dZiTv9hrsRGYdYPkfZ7HwFnAtNeWEG6cfQet3kxhi+sVp11ucFq9k4VXA+pXYDzbrEvQjDo5tgwrTbzgSU5XniYn/gaGYxYvEs1dNuNAayWs4Y6f85nyqFrmn0AeB9GXuCFd7u/j87kqhnWlfBlsKGp2D1yBPAx/V1lc2NHa7+Y2PK9ElSSY7MJgu7dxpTNL2SmMjPW6yFW0CksbHnSc+iy/OXtyxE9vNS8IyHe+IxVc6cYuHE50k8LXkRW/aa3a65r15r8jP9KgHWtiSDp/G0wuYiu0fZ/fpy0K+S+v+aX1d6umrdO9B0uIfxpDY05tdC1W4f/SZI6HowBT1++B4bfieI51SQGl9xVVgAAAgAElEQVQUdeRgL44k1Y6txPk3Z2zevJ54UaHzV/eXJ59eXPj8jcNzOAJK0pJr9v2q8RdacWMjTZSkgOLtKs+6tghJuJukwtkVerv4RSta+jeIqo0mtd/9m1ks3dl69xuVMqDFL4n5tPu9icQglLJoK3kR3om+tGiF2hBR/cSxczoLmP1q9YSLIv2cwwJcnCdF+EWUn4KhmPll4tkkeYVPClPuIr7nTJQ4ScDm/nHkpEQjCZ0QJ8mZYB8lKRSBf/AaSf5pKnkF27YloGiWEcaWYyvNSOPcJgm/LN/b3r+w/yKgCC0uupmV4y+o1wKU35dmmpJNUZ8pId93xufbju7N+XcrCiou9W/ggnPVDhYwFAKW2NP66fO64Ue4JzOUu73quqL8QUsUaa63w6TRiQzlvUUkec3rNp7hi68UnmHpm4vyd59NJs2TexT9tpnjL24+296/sD+NeHqOE+kJJzpJru5JXhYcbNllfvAhhcV1PG3/PIZiSUDxdr0kpYSOtGMrDn2zK3EkL4/tRvjS8MXJJdRmvUl/Nm0AdOGAbsV2W9nev7A1RjyNpHx6D434JTEU75+lssb6GobtUSVV37OTdl4+Q+lEf9P2b5BFDMXbQEy4sBt+xE4Sd73X3+0l9huHoX2L9C9ihIR7u+PNmPGMsIihEIvaMH1ei71YtiImf/09fg4m5XxMay/b+xfGYyQYimg8Ua2Sl6bGxf/lSV6ayrvTP7pnwF7Jy8eRL3nRC72ohqN4/E2uy5e8ru02HpsYCm2efOmqiXdZ54mJfSX9DwxFNp6oleO6GIpwu6bNeTubJIZCu8oOSV5p+zfoBntyKBvOmqdo1xs+0o7N1MZFne8xlBvaMxRv939W1+4/0LERT9uRQ4nrn+22sr1/YR8cuQQ5FNF56QUU5h26eZ5HlTnsRaAD/eVIVyRPvPdkqGzYEsmrIfFE3Bne92wDyUvwzvK8/GmHycmSV0NOCo3HFsnLC/702JRQ/zjSayMYOTRPOlU2DMlLNJwotWLc7EaVly5815SyyM90w97gG2Yljm7l+AsaEkBR/duRqoYSdrzU8fUeA3ixpX87TBqpKFhK3RlMu29TCY2CyRvz727cMx22765U5ZXADt9osMOm5FUU/qb+yLEXLbpkL1qxg+3TDjvpTvWk79PYSDu+DgYkAUXhS/7EnSdF24ekxsGMebJq/IWe1Fh0/6KuNwoMJXHNNTrBFsmLOs2RG7yddsGyF4fGx0kURsZIOJkj5YSb4ODFkeXi5DLJ8Um1xcEpL3txfCVunBxbYZ5IeYnfDiQvWTzVirGzrZC8aMNCu+RdE3bK/s5ybuLDASUp9OAbZyWygrz7RSyH+mFyeKzi+rsTnyzAGd/6aXMjJRhJnCUlsJFPz0mEitiuZP85OEZ1inyH7BQlcUX1z+V54jPdu0Vxz+I3o5Zc5cQtHk50kpybJK/EFSeLxQxmLFUbJQUU6nPDKQvoF1diCEpC0nhypYTgYmXSH/biWwDeUivNSEZyfeV4KqHOnhRKY5+gxKWlN67f2DhPiJlx5i5tBt9btFIEdy5e7c6D5JW47zI74cWxlEORmFYS5vUoKGsAK8ZRLiX/fnN3nXn1h27SG5KCmVBA4eDDbT+v8WVfzqP9juNHxLreXbSChVNcPzlsIc6hyUZcO4Wvzxmfv2GsxjxJ60ejngFDYS243JNskrxoZhvvvtJ6EuN33MXCk7umzZWJqIF+UbUSJwHbnZnwJQWOlJbX+DKt5An24/gRVxKM6ifhRv5hWiBBtjKVuKKuz2GVLWye4e9p7cHddNnoR5C8uJGCed6LY8+3RvKiFZkkpiE3nsfqvb/D+3Mub6Tb9Wyi8F9g9WMd5RcWvSjeD8LBZMFKgwcHb1oI1k27Rnx84hE4sCJy7JcGryAnNrWPDibkL1m5Ncdu2nmzjrOdnTg4637kNU+y+NFoMBTWGsc+iSQv9skFnUhaLEeP1TswmjCSh8n1/cWWFoh8DpK7OEFFyyemveCMNW3bpn2RPL+ocY1iSrR5+CpnjK1BpXPzxFYfQkCRnHVKqRcPOt+aKq8g5R615Cr2SImlvHFdcjUTh9Kb7jrXTb2GXZ3DuX5UjnjITe2ZSpbxc8abpX2BnHeqDShJUoRbu8PbDEy9JlX7wXGNeqa9r9J13rjuz7n4iSvzZMXY2ZlxTjt/2v1u9DNXO1FA5UQnabJ1l7z0FIwTXYv53oRKt1Jq/WgRs/6bSAjtpYR88IljKt5iTw8CjH2aXxiH1v5xdtitkkk+40vb/+7Skd8/rj1XjJsdkvLMx0fSaByjbjLYuKdptrdP3Pj0v6efJ3ESbfvxE1tOVySipWlzfFsjkezvwVDY+3beicuJoVh6jE7Y+cV1+/XraJHl0XuaIHsk7GSjrkMLxcu0uy3woH4G5S+TcUZ1kzv2F2l36eDB8R+yYdTzzUyHG7YN/T6rfbh94Iwzqi2TsXN9JXydTswTLm503phnwVBM8Eo8lwJKXHmp/nEnv087WYIDJ6d+90l6JIpSO0we3bWDTf9a3vAkKRIfLX8FF6u01+csEloWiuJ7NvgH9SFu/FGLfHhCEI50U6HE+LSvEmbUrg5Uae1jgm+S7Ja4END9Xdf9uYGD5DwpYvxp7YeAwvEMg3OWH3SeVVVeUdUvo5+52mBE+Z/q7+zkq7q4IjPdSCdxfZJqdjunfSUbXeflqdmrkrJWNaX5PWd8zcAsU1e7x02zOoaXTfOE/Ob16+4W8VPuvEhzHgKK8Hpps+Slh0r6dNLCJwxLbHMmMkFRfUp7He4Onisfpu1HXr/jMDC6tquSXhRuEoxewh6uzBMEFAlrB9pYdiAxFDeOMc92jqmQZEYLK/0tw7Hj5NGs3BEtDC6PmeMzxFLov7IcnDHnNVbylaJzi1nGsvc/rnGigMqJTpIhKKDUajVVr9cV/VV1UsCan/W/2/J9J3ZgpIX/68yrncCHaz8u61t+0PneuG2xP3d8ur8cf9EBxQX/546fM+4sC3HUb73c4plXW71+hPEDQxH2ApcYih46STW0wy7icG3HxcWEg2EZxk5SKUcupcBZtoM7dolxu8rywFAkrO+o5BUeOmdRTAtXGRbTuLFz5a48FongRkCXQAfLdqXlNe5YyxhQitiA5eEjaedsmt8hoKRBrc1vlh4wq0XyCktcLnze+x9y94PoXMnWJ5a3SD0u4BCUptr1d/eZx7N37dxxU3Cg6+sb/PJgkGQbbR9uv+g8jn+8du2fvByZSbtcvG05b8+bzxdj9nrD5TpeCCjCAcVFyasdBGlYS9kS7kkuwknaJjE0ChgUPPIIHEn9D3+ftEvmSj9lZilhzLiY6N+RP+j7a0ztY/P5CCjC1iGGItykVc3RgqelFfp/PTGkpRWrBt2mM4QB7VSTDtqxByuf6He0CNkQQJL6TgUUQfumHXPSdcr2vZ4rWoKswhzZ559znSigcqKTNCHKIHnZIim40A8ug1t24Hmq18FjrGEhaRdvCi60QHJYGV2Dxu2CHV2XmmzpPxhK2pkV8zvNUOIeXad/hu/9+3BdxqMXk50Iu5hTzWlmBn9339858xUMRXh6ll3yEobL6eYkk7JOA5HQeWIpOKqBAAKKsJ1f2P9cuqOxcUNj8yl5/g2O+kag5l/9ND587xI+O04apfa6xc2nBgu7fGJzxFLoP5fsi/mp1yOz9Wlf5FAS54PRCZC8fLjKLnGAnRhNC7WUcimOS5zof7JEDYZiNi8Sz/YYCg4PAapyoXs06G9jl1oCbGhM9F+nDl0tFP4b7k+wgqyT/aV+lcn+hKtmpy+dcZXTz2aT9uF9n5vnRAGVE50k4/gBJe6NBeX/9x0nj2oEkaCz0uL30hn0MEqZx5p3qh0aXxFSl77p0P9Lb83MB7fdZ36hsOC49ADKpeQzjiLbjdtQkH+/++TyNm+UKf/83/c5lA2LBunn9z839gVbZXUnqnbSTKQdmEsPmOX8ckLBJI97Ryhw0C5+a9eLyzq57O77T3pfSz7HCwfMcnq7RS/KGsrInbk+zrT+B4YiPG+qKnntw1iEXJc9pKUuHURsvuFNesxV8YGqSmEIKMIB5fn9ZlZS8hp6K2/n/sL+5zopCZDUNfTWCzJ7CwWPV+f9yUlphMYvwc5o/K9de5eTfsDxc7Lx2tPnODm+rNLhfs8jh5J5kQg28Px+VDZcCqnYKBW0+znHq37nJieq155+lXqXXvebllN34Hc7HsyTOdo5kreIXvcnp8Yd58cSeJTZD16lMul5VCZdvXVgPyTlReOJ8hlK9yNcRhs+owzf7/fcvEQwX513l39PQuiwdfy0I8/CTPR4bR2fNkOa/mXFxmer/pHm+kEXKuL3w5gMLTgul8bXrvKJi+9+z1/rRAGVE50k5+kueYVdKrzFLs/3u888gcVSXth/Vps7VezChyNxREVRP5AEX4MbR63ct78fWNLd5On7QjCk2GV/bR2u5Nm0e9ydWHaOL546m/knJK/EPbXZCc/tO7OSkhdtMXuRNMTIM9CkIwnIdkmAJLx+555g5ABbn6BqrbsU/bV9fNL92+/5ZIYaBtPzBWKsHZAyTcbfbybPFyh3QpV6to8nr/7tD4ZitF4knvzcfjMbZcP6ZC2lVuEzR/bymFxA7rAVHwqOVBLNPfTiaOt4ivA/wouzqdB9ocX3pdPneOtbEf2ja6Sxz74MOZfGQgElTfu2j5/bPwQU7mrBPO+5fc+pZJWX3pJxd/UNlpLXVkmg3aG3XuixrqSjhZUIXLcM1IbLVuhNnpSgt3lLTyyVw1R9n3azek0K//1fQA4lab0w+r7KkpfemnEXE4+lWCx1cIIjBZO1Z8yxehwm0o6kPYbelszwbMePy7hsH4ekXdv5ExiKUbhIPvmfHkOp9kG7uf6M3MOmxo7OXrz2f/7a2M7R7nqNd78BjjgEknyB8CMcbT2S+q/77YIvF4HxAS9c50QBlROdJINRQKmpmqorys1X9y+XpTy330zrcYoKKrSA0L0GVbczZ/y0uYiSjCjf8M4Ty621f++Dx7DzQRQY333ixcr7AyQv4bD9z33OqWyVV5AK95t5guo/K7lCatNcqvK5ywnJqN+sE7xFYys9ANBiqa5TElfSdQk/kpCoqmvr48utTxUNI8nu4DGJK4THTubeZf14kuwj8T0YSqK7mJ0AyauJVzu5KIgqsRQcQMAmBCiQ0I2MSQdkz1aEEFCSPMbw+3/sc3ZD8tJbFi19Ve1z/3O/yGYpm+bd2SjorCpeVfMPm8fLZidz7/TuqSLpz+bxFNW/A5cih2IYMtqf7kleOBoI7P9CfFK7haXsC5YCt7EDAY+d3MZkJ6ehKCNotQMQUGSdmBiKbItut0YJ2f6zvpg4CJIOVp92ZeJ5OAEI5I3A8Nvo/qPk3An5q80VannjFNX+gUuvd6KAyolOEsCQvJrVbVoCOOCF61i+TQl6kr4gefnVgZBQ/HvOi/SH/uceb7ABInZSbP9svx4kL9ZSxz/p2b0ph4IioGAR1IBZPJbiB+RzJIpNUIRVybdxZJt3VCY8/PYLWZN91alXqnefWA4/C/nZgcvAUFgOxD3pH3ufjbLhiIjKZyl3KirDxExFRCh6Z0HBhCN1efLsqVeiTDhinkPy4kYK5nnEUPxT4x5frRuq1vd0T8oARi5FsxTgVy3/6LS9TfyT2MnWJ5Z1Rfxqzuc4ex0EhsKMFMzTIHnFb9xGMHeAkL5A0Iq8b9RE6tpIZcJz7wKBjiHQkLyYgYJ72rNjZkDyapNEOnDp9SwoN15D0tedWFmLXFkrmPzrNXmMGvHbi1g+SVLXqq9fAamrjZ8ctGy+EwVUTnSSvPLZvWdU+vH1SREgvbSAlRUrmXzEM2HNrVIX/DHKHyF5sfYm/JOeGTMDVV4JVW4HLeOxFD9An110bhbXq0iVIuX0BpyXfI8U+aHHmOfeCakroVbkoOVgKPxowTgTkldydVKvKWPUiNt5MgOkr2Q8EQHNIyCkrnz8CpIXI0iYnPLMmOmQvBgrHN2bMuC8E1nQUlDZOPeP+cwA7DkriSvlTSgZzzkob/JOo6oLUlc76XUsGArHpfjnkOTFP7vaZ5pIX/6ktvdFTNW2pFujNwkm/maGHlyKg4MAAgoHJYNznhk93avyqhNPCeQQ8Tkaj4OWzWej++zeMxo5f+AJ/0ozv0bcfrHqPYXHTGgDs+prv/E25PA3nr+NXb7AiQIqJzpJK2OToeDGNJ8a6yMaD5PEqE7S+y0CXw6+SfhX6fsBs05kJ+G9YEIlwgn+i+9b5zcYCnt/zDtxCTEUHEYIjF3OZyldQduofZwMBKiaayAzZ0dorfz6b9Q79FZJHEYIjHsRDMUIsKSTEVCSEIr+3iSovHLNH70yThxAgIOAaTCBf3FQjT4HASU9dpG/XDL6rOgqr7AIG64uwvdq7IsL2NZoTvou6Qv4tYrc8C+veo3yJSN/ezHbr955fJla6UldoWou+BfLvxBQ2K7GOxEMhYdT1FnYSabHDr/sjoB5MFnuSV040iOAgJIeu8hfPj2KGAqOtAiQzj3wfN79KXSNV67+oyK2ggMIBBHoPWVvNeo/zZjJCqrowpEJgfErbnCigMqJTpIlKKDUajVVr9cV/qbDYZyB9OUFlWv+6AUW4J0O77Lh1ueQvQ1lruWeD9HDHzFvs61bYCiZ4nH3H4OhyABqHFTAVGSAd7wVU2ZCwyVmQrkTHNkRAEPJjmFLCwgocoCaBhW68pLR0+U6gJacQgDBpPPmQkARtsHikdNiJS/9DJw4iQHf+48WCOKTNqhESRfAtzu+QZxcxocKOgad/yWj2UzMZMvCpQ1/c3n8ZEcb+j9hJXIoRk6YdDIYShJC5t+nDSrmV8IvXETAtJDDy7tBIs3F1GAowrASQxFuEs0ppcavuMEYh6dHnWX8G/zALQRG/9c3FEldJseGq//gBRQc8ghMWHmjEwVUTnSSzNNW8qKn2bWp/vKeJonvY6u10gSVF7/660b1DvAtj3/1OniMGnT+iamCCT1lIVISxfzLvP5MQNmwbJR+inIobR5dGH6bgr563FsW8L2PgMYnTVChCp7lX/115FtagG8rvi74Z58peytiJqYHMZMNVF6O+Rn7aNWs9gdDMfXKhPMheQkDGtFcmqBCzUACy982eV8hjcRFfSKmitLgvK2jFAKKMMZPjZjmvQ+l8QKFRsjvekEKPncVo2TDY0KKnAqZesNVf1Ab6M56/Wwm2EPEHnnj2efgMWrg7C8pYiemBwUTqubyJU9dDJXN//Ier6vtT0QOxdQ9258Pyav1BaF5SkpjUiRkdX8Wjzor8m0tWSk/fi9vf0q6p5G4iJGQxEV/ISlHv7hXen6CocjGE/XUiKmo8hLGtF1zdO/BoNlm9x80gsrIaQX2FJdKg8Do330zFSvZ8vgy9cpVf1D0F0dxCExcdZMTBVROdJLM5geUYNovbm+Ef5fCKUtQIZstHknlxbCHlD0k2qEKrrQbBQoiL55yeeNGP4n+wD9482PiKpQNi4bvRSOm+lVekGgLl6wnrroxtS3XX0X3JvwBEnuHUwwkb1EgSZMrIePrYIL515mUERhK6iUo+oeQvIQBNWxuwsr0QcWrBjrlcsgkhphLnE4BJG3SXV8ftpOwRLY2EFCy4dft14uGnwnJq8OS36DZJ6nBKfMq2qBPjZgKyaQgO2a115aFy9TyUy6DvQqyVzsJcdJq5FBEQ8qi4VO7yobh35327ywSmJZPlp98OST4nFKC9N6SMb/7Zqb5R1Il3bCIFJgd680kJOUz+XMMQ2n6tz5Bp7Tw2UegKDzG/O4SRQtX1mPRiKmRZcawp7k9/UBySVaTeKyE2EmR/gR7t7f3pNU3O1FA5UQnCWqPocDFCwwZyVOckrxZJbCmFKZLjYsKicnjc8XfskpbGolWias8+PhU2O3xQPLKvE9qbeDJYWc2JS/9lZYM8NlHoEN4TFp9k5i1Fw2nHEvX0aHxuHL9vf9bhiXSeJedfJlfNBG82wv4W4PH5DVgKGKLDDX0pJeUbz3C/o7vO4vPpFVygWX9VXd4j3NpdzdrFe1Pstbg808SkRvJW4iVLPMS792PKuIbRMGm8U+G5CUaT9STw85AlVens/GM65MENviCk0SN7+2e6ZlRjOuXMYvc55B9PGmR/kodhCcl3quMq0v+BIYi5fld7bRIXjlVx1R0vcplXkmylaAreZJYBexP948Mni3HRIIYEiPZ8tiySuBYlio1MBThgPKEx1BwuIbA5NU359bldXPuUCSNleUgBjJEmIkEsSE2svTkaHmrLBiWdRwHr7nFiQIqJzpJTkIBpaZqqq4oN4+/LuGw0yH7KEog532sn3OHWnfVHc74B+EiLWVFYUx5kqUn/8oZXDC/u69vkLyEV48nhp6BGxtLIPXkyVjCLucxmDl3WCHt9Jmyj9ePPBlIePweI/nKZVaMvyzSU6fGAYYiHVAgeQkj2tnmigwsUQvt5oXLxOUynTSnoEGHZBLdxFplkwJNxl7WcxFQhC37+NDTG5KX3nJpaozPPnVxEY/Ja/LLsQi7oPXNERvZvPCFRjWci/5AUi7mc/f5PGUtciiiE9CTvCKO8H3V4VPwfet9wrbis8/v6SY9ubJYUeezuLHNVP47R5f/du8o/N8N/49zMW2/gxFQZGchMRTZFtGarQjs8/tLFSWscUQj4AeROxT9xVENBKasvdWJAionOkku013y0sQ4jiLje584u40PJLHmgtkqacG/y+Df3PkJyUt447BwL8qhlPE+aBThcOxKcti+/3OpsFfZ35zHRq68Q729cGkV7ufsVBGV9ded8hIYiuhsfXyv01E2zFl5ea+odj4yD5l9khpy4f8R9TEbGmvIWY8txU4D/t6Yp5C8hGcnMRThJtFciRAYcsFJag8HAwwFkHVXIh9SIlfMZSiHgKHI4grJCxtW0w3rHhfYw2J0Ap2CB40DEhb82cSfIXnJxhO1cM/TIHmZeGBFpK804vdOh+7jlSjTX8lqMi9o1JVaN+f/ed6vPyP5geRnGj8N+s0hL93mRAGVE52kyblwr9Pw+HqsTFiZsq5M+L2Tr0GA5CXMUB7b87RGlZduGi+Us+aFcp5JYA/YAy98bC58kvPh0H+BoYiGFEheTm6snK8mw4YefmeDMADJSzScKPXYnqdC8rLBs7HCYoWFHxYuvYKhiAcUyqHgAAJAAAhUDwEEFGGb/32PU+u1Wk3V63VVqylVJ76Cz8AD/oD5UIH14NB/3e5EAZUTnaTYREl54RiF5oAAEAACTiAAhiJsJmIowk2iOSAABICAEwh86mUwFFFDIaCIwonGgAAQcAgBBBRhY8UHFLxCqByvEIpzGNgX9m2nzFfDPxBQCgsowhdCc0AACAAByxBAQBE2yN+GfB05FGFM0RwQAAJuIPDpdb91ooDKiU6SySmgNMuEdfkw/vpl1MABOMAPyjwPwFCEAz8YijCgaA4IAAFnEABDETaVH1AkH7dGHUR7eJwhHmfYnKqYD7bOBwQU4YDy18FfC94ir2+Vx1//kQHAATjAD0o8Dw5DDkU2omjJK1wkiM+tRaXAA3gEE6Pwh3L4AxiKbDxRHkPBAQSAABCoIAKHrf9PJwqonOgk+c9fB3895hXAWvKJe6o4vvclMeAT/dR1+Af8w/75AclLeBfx6OCvNd7YiFer471VsfERbyvB20oKf1tJ/vMRDEU4oEDyEgYUzQEBIOAMAggowqZ6dBBVeZVw64GtdrN6G/bNf6sLf3PS3z6DHIpsRIHk5eQ8wAuDIcFhHyiwDwZDkY0n6tFBX/WqvFAGWY4ySO0esCfsiTLn5mIZNx8+s+G/nCigcqKTBLcfUKCJQBOBZoN5UL114DMbUDYsylEe6WIowUbDD4oIXxDftz5IAvi0IgD/gH+0u7nNJv84HAxFNJ5A8uqCExIRJCJIRMkSUdkkVUhesvFEPTLwFEhekPwE0puQzCCZuSeZHf4KciiiIeWRgV9F2bB78wApH8QvxC+BeQvJSzScKPXwwFPqNVVTdRWMK/gMPOAPzfUK86Gs8+HwV37nRAGVE52k2OQxFBxAAAgAgQoiAMlL2OgPDzgFkpcAdcadhrjTEKk491JxR4ChyEYUkrxkW0RrQAAIAAE3EEBAEbaTx1AijnAZbfgUfN9aZgt8WhGAf8A/2un+tvjHERuRQxENKZC8INVAqnFPqoHEKjNvwVBEw4lSDw04GZKXMKZoDggAATcQOHLjfztRQOVEJ8nkFFCaZcO6PBJ//TJJ4AAc4AdlngeQvIQD/0P9T0aVF6q8cKMkbpSs5I2SYCjSAcWTvMKPa8Pn1sf7AQ/gEVSG4Q9l8QcEFOGA8mD/r+BZXshKIyuNLLdMltsxHI/ahByKaEh5sD/lUKB4QPGopOLh2PKHeSo9T49EQBGNJ8pnKOGjplS9i7hEXg7fAx/4h0dsMT8iEHBnfThq0++dKKByopPkCcRQZEMUWgMCQAAIuIEAJC9hOz3Q7yuQvCD5QfqpZAYBEtpRr4KhiIaUB/t9BWXDSCJhZZEW59GeE0k5SF6i4UQpYijCTaI5IAAEgIATCBwNhiJrJ0heTmykIElBkkJxew7SNCQv2XiiHtj9y5GSV0uRV4QkhO8DT5MFPt0kM/gH/KNRmWTx/Dj6tf9xooDKiU5SbHqg35dxYyP2fjns/ZBEAPe1PzkJyUuYody/+5cbVV66aTxYoiwPlvAtCnvCnnhwTHPhDM6HY8BQZCNKtORVU/V6XdViNxj4HvjAPzA/4oitO+vD0a9C8hKNKPfv/u+QvCB5QfJC2UMlyx7AUETDiVIkeQk3ieaAABAAAk4ggIAibKb7dvv3eq3WpKhedQ4+NyQ/4AF/wHwo7/pwzGv/14kCKic6SbEJDEU4QqM5IAAEnEEADEXYVMRQhJtEc0AACAABJxA49nUwFFFDIZ8bYEEAAAJWSURBVKCIwonGgAAQcAgBBBSHjIWuAgEgAASAQHYEnMmhZB8qWgACQAAIAIE8EUBAyRNdtA0EgAAQqBACCCgVMjaGCgSAABDIEwEElDzRRdtAAAgAgQohgIBSIWNjqEAACACBPBFAQMkTXbQNBIAAEKgQAggoFTI2hgoEgAAQyBMBBJQ80UXbQAAIAIEKIYCAUiFjY6hAAAgAgTwRQEDJE120DQSAABCoEAIIKBUyNoYKBIAAEMgTAQSUPNFF20AACACBCiGAgFIhY2OoQAAIAIE8EUBAyRNdtA0EgAAQqBACCCgVMjaGCgSAABDIEwEElDzRRdtAAAgAgQohgIBSIWNjqEAACACBPBFAQMkTXbQNBIAAEKgQAggoFTI2hgoEgAAQyBMBBJQ80UXbQAAIAIEKIYCAUiFjY6hAAAgAgTwRQEDJE120DQSAABCoEAIIKBUyNoYKBIAAEMgTAQSUPNFF20AACACBCiGAgFIhY2OoQAAIAIE8EUBAyRNdtA0EgAAQqBACCCgVMjaGCgSAABDIEwEElDzRRdtAAAgAgQohgIBSIWNjqEAACACBPBFAQMkTXbQNBIAAEKgQAggoFTI2hgoEgAAQyBMBBJQ80UXbQAAIAIEKIYCAUiFjY6hAAAgAgTwRQEDJE120DQSAABCoEAIIKBUyNoYKBIAAEMgTAQSUPNFF20AACACBCiGAgFIhY2OoQAAIAIE8EUBAyRNdtA0EgAAQqBACCCgVMjaGCgSAABDIEwEElDzRRdtAAAgAgQohgIBSIWNjqEAACACBPBH4/2A/Hn2Tj6LXAAAAAElFTkSuQmCC"/>
+          <p:cNvSpPr>
+            <a:spLocks noChangeAspect="1" noChangeArrowheads="1"/>
+          </p:cNvSpPr>
+          <p:nvPr/>
+        </p:nvSpPr>
+        <p:spPr bwMode="auto">
+          <a:xfrm>
+            <a:off x="155575" y="-457200"/>
+            <a:ext cx="962025" cy="962025"/>
+          </a:xfrm>
+          <a:prstGeom prst="rect">
+            <a:avLst/>
+          </a:prstGeom>
+          <a:noFill/>
+          <a:extLst>
+            <a:ext uri="{909E8E84-426E-40DD-AFC4-6F175D3DCCD1}">
+              <a14:hiddenFill xmlns:a14="http://schemas.microsoft.com/office/drawing/2010/main">
+                <a:solidFill>
+                  <a:srgbClr val="FFFFFF"/>
+                </a:solidFill>
+              </a14:hiddenFill>
+            </a:ext>
+          </a:extLst>
+        </p:spPr>
+        <p:txBody>
+          <a:bodyPr vert="horz" wrap="square" lIns="91440" tIns="45720" rIns="91440" bIns="45720" numCol="1" anchor="t" anchorCtr="0" compatLnSpc="1">
+            <a:prstTxWarp prst="textNoShape">
+              <a:avLst/>
+            </a:prstTxWarp>
+          </a:bodyPr>
+          <a:lstStyle/>
+          <a:p>
+            <a:endParaRPr lang="en-US"/>
+          </a:p>
+        </p:txBody>
+      </p:sp>
+      <p:sp>
+        <p:nvSpPr>
+          <p:cNvPr id="16" name="Content Placeholder 2"/>
+          <p:cNvSpPr txBox="1">
+            <a:spLocks/>
+          </p:cNvSpPr>
+          <p:nvPr/>
+        </p:nvSpPr>
+        <p:spPr>
+          <a:xfrm>
+            <a:off x="6319520" y="1737360"/>
+            <a:ext cx="2661920" cy="2783840"/>
+          </a:xfrm>
+          <a:prstGeom prst="rect">
+            <a:avLst/>
+          </a:prstGeom>
+        </p:spPr>
+        <p:txBody>
+          <a:bodyPr vert="horz" lIns="0" tIns="45720" rIns="0" bIns="45720" rtlCol="0">
+            <a:noAutofit/>
+          </a:bodyPr>
+          <a:lstStyle>
+            <a:lvl1pPr marL="91440" indent="-91440" algn="l" defTabSz="914400" rtl="0" eaLnBrk="1" latinLnBrk="0" hangingPunct="1">
+              <a:lnSpc>
+                <a:spcPct val="90000"/>
+              </a:lnSpc>
+              <a:spcBef>
+                <a:spcPts val="1200"/>
+              </a:spcBef>
+              <a:spcAft>
+                <a:spcPts val="200"/>
+              </a:spcAft>
+              <a:buClr>
+                <a:schemeClr val="accent1"/>
+              </a:buClr>
+              <a:buSzPct val="100000"/>
+              <a:buFont typeface="Calibri" panose="020F0502020204030204" pitchFamily="34" charset="0"/>
+              <a:buChar char=" "/>
+              <a:defRPr sz="2000" kern="1200">
+                <a:solidFill>
+                  <a:schemeClr val="tx1">
+                    <a:lumMod val="75000"/>
+                    <a:lumOff val="25000"/>
+                  </a:schemeClr>
+                </a:solidFill>
+                <a:latin typeface="+mn-lt"/>
+                <a:ea typeface="+mn-ea"/>
+                <a:cs typeface="+mn-cs"/>
+              </a:defRPr>
+            </a:lvl1pPr>
+            <a:lvl2pPr marL="384048" indent="-182880" algn="l" defTabSz="914400" rtl="0" eaLnBrk="1" latinLnBrk="0" hangingPunct="1">
+              <a:lnSpc>
+                <a:spcPct val="90000"/>
+              </a:lnSpc>
+              <a:spcBef>
+                <a:spcPts val="200"/>
+              </a:spcBef>
+              <a:spcAft>
+                <a:spcPts val="400"/>
+              </a:spcAft>
+              <a:buClr>
+                <a:schemeClr val="accent1"/>
+              </a:buClr>
+              <a:buFont typeface="Calibri" pitchFamily="34" charset="0"/>
+              <a:buChar char="◦"/>
+              <a:defRPr sz="1800" kern="1200">
+                <a:solidFill>
+                  <a:schemeClr val="tx1">
+                    <a:lumMod val="75000"/>
+                    <a:lumOff val="25000"/>
+                  </a:schemeClr>
+                </a:solidFill>
+                <a:latin typeface="+mn-lt"/>
+                <a:ea typeface="+mn-ea"/>
+                <a:cs typeface="+mn-cs"/>
+              </a:defRPr>
+            </a:lvl2pPr>
+            <a:lvl3pPr marL="566928" indent="-182880" algn="l" defTabSz="914400" rtl="0" eaLnBrk="1" latinLnBrk="0" hangingPunct="1">
+              <a:lnSpc>
+                <a:spcPct val="90000"/>
+              </a:lnSpc>
+              <a:spcBef>
+                <a:spcPts val="200"/>
+              </a:spcBef>
+              <a:spcAft>
+                <a:spcPts val="400"/>
+              </a:spcAft>
+              <a:buClr>
+                <a:schemeClr val="accent1"/>
+              </a:buClr>
+              <a:buFont typeface="Calibri" pitchFamily="34" charset="0"/>
+              <a:buChar char="◦"/>
+              <a:defRPr sz="1400" kern="1200">
+                <a:solidFill>
+                  <a:schemeClr val="tx1">
+                    <a:lumMod val="75000"/>
+                    <a:lumOff val="25000"/>
+                  </a:schemeClr>
+                </a:solidFill>
+                <a:latin typeface="+mn-lt"/>
+                <a:ea typeface="+mn-ea"/>
+                <a:cs typeface="+mn-cs"/>
+              </a:defRPr>
+            </a:lvl3pPr>
+            <a:lvl4pPr marL="749808" indent="-182880" algn="l" defTabSz="914400" rtl="0" eaLnBrk="1" latinLnBrk="0" hangingPunct="1">
+              <a:lnSpc>
+                <a:spcPct val="90000"/>
+              </a:lnSpc>
+              <a:spcBef>
+                <a:spcPts val="200"/>
+              </a:spcBef>
+              <a:spcAft>
+                <a:spcPts val="400"/>
+              </a:spcAft>
+              <a:buClr>
+                <a:schemeClr val="accent1"/>
+              </a:buClr>
+              <a:buFont typeface="Calibri" pitchFamily="34" charset="0"/>
+              <a:buChar char="◦"/>
+              <a:defRPr sz="1400" kern="1200">
+                <a:solidFill>
+                  <a:schemeClr val="tx1">
+                    <a:lumMod val="75000"/>
+                    <a:lumOff val="25000"/>
+                  </a:schemeClr>
+                </a:solidFill>
+                <a:latin typeface="+mn-lt"/>
+                <a:ea typeface="+mn-ea"/>
+                <a:cs typeface="+mn-cs"/>
+              </a:defRPr>
+            </a:lvl4pPr>
+            <a:lvl5pPr marL="932688" indent="-182880" algn="l" defTabSz="914400" rtl="0" eaLnBrk="1" latinLnBrk="0" hangingPunct="1">
+              <a:lnSpc>
+                <a:spcPct val="90000"/>
+              </a:lnSpc>
+              <a:spcBef>
+                <a:spcPts val="200"/>
+              </a:spcBef>
+              <a:spcAft>
+                <a:spcPts val="400"/>
+              </a:spcAft>
+              <a:buClr>
+                <a:schemeClr val="accent1"/>
+              </a:buClr>
+              <a:buFont typeface="Calibri" pitchFamily="34" charset="0"/>
+              <a:buChar char="◦"/>
+              <a:defRPr sz="1400" kern="1200">
+                <a:solidFill>
+                  <a:schemeClr val="tx1">
+                    <a:lumMod val="75000"/>
+                    <a:lumOff val="25000"/>
+                  </a:schemeClr>
+                </a:solidFill>
+                <a:latin typeface="+mn-lt"/>
+                <a:ea typeface="+mn-ea"/>
+                <a:cs typeface="+mn-cs"/>
+              </a:defRPr>
+            </a:lvl5pPr>
+            <a:lvl6pPr marL="1100000" indent="-228600" algn="l" defTabSz="914400" rtl="0" eaLnBrk="1" latinLnBrk="0" hangingPunct="1">
+              <a:lnSpc>
+                <a:spcPct val="90000"/>
+              </a:lnSpc>
+              <a:spcBef>
+                <a:spcPts val="200"/>
+              </a:spcBef>
+              <a:spcAft>
+                <a:spcPts val="400"/>
+              </a:spcAft>
+              <a:buClr>
+                <a:schemeClr val="accent1"/>
+              </a:buClr>
+              <a:buFont typeface="Calibri" pitchFamily="34" charset="0"/>
+              <a:buChar char="◦"/>
+              <a:defRPr sz="1400" kern="1200">
+                <a:solidFill>
+                  <a:schemeClr val="tx1">
+                    <a:lumMod val="75000"/>
+                    <a:lumOff val="25000"/>
+                  </a:schemeClr>
+                </a:solidFill>
+                <a:latin typeface="+mn-lt"/>
+                <a:ea typeface="+mn-ea"/>
+                <a:cs typeface="+mn-cs"/>
+              </a:defRPr>
+            </a:lvl6pPr>
+            <a:lvl7pPr marL="1300000" indent="-228600" algn="l" defTabSz="914400" rtl="0" eaLnBrk="1" latinLnBrk="0" hangingPunct="1">
+              <a:lnSpc>
+                <a:spcPct val="90000"/>
+              </a:lnSpc>
+              <a:spcBef>
+                <a:spcPts val="200"/>
+              </a:spcBef>
+              <a:spcAft>
+                <a:spcPts val="400"/>
+              </a:spcAft>
+              <a:buClr>
+                <a:schemeClr val="accent1"/>
+              </a:buClr>
+              <a:buFont typeface="Calibri" pitchFamily="34" charset="0"/>
+              <a:buChar char="◦"/>
+              <a:defRPr sz="1400" kern="1200">
+                <a:solidFill>
+                  <a:schemeClr val="tx1">
+                    <a:lumMod val="75000"/>
+                    <a:lumOff val="25000"/>
+                  </a:schemeClr>
+                </a:solidFill>
+                <a:latin typeface="+mn-lt"/>
+                <a:ea typeface="+mn-ea"/>
+                <a:cs typeface="+mn-cs"/>
+              </a:defRPr>
+            </a:lvl7pPr>
+            <a:lvl8pPr marL="1500000" indent="-228600" algn="l" defTabSz="914400" rtl="0" eaLnBrk="1" latinLnBrk="0" hangingPunct="1">
+              <a:lnSpc>
+                <a:spcPct val="90000"/>
+              </a:lnSpc>
+              <a:spcBef>
+                <a:spcPts val="200"/>
+              </a:spcBef>
+              <a:spcAft>
+                <a:spcPts val="400"/>
+              </a:spcAft>
+              <a:buClr>
+                <a:schemeClr val="accent1"/>
+              </a:buClr>
+              <a:buFont typeface="Calibri" pitchFamily="34" charset="0"/>
+              <a:buChar char="◦"/>
+              <a:defRPr sz="1400" kern="1200">
+                <a:solidFill>
+                  <a:schemeClr val="tx1">
+                    <a:lumMod val="75000"/>
+                    <a:lumOff val="25000"/>
+                  </a:schemeClr>
+                </a:solidFill>
+                <a:latin typeface="+mn-lt"/>
+                <a:ea typeface="+mn-ea"/>
+                <a:cs typeface="+mn-cs"/>
+              </a:defRPr>
+            </a:lvl8pPr>
+            <a:lvl9pPr marL="1700000" indent="-228600" algn="l" defTabSz="914400" rtl="0" eaLnBrk="1" latinLnBrk="0" hangingPunct="1">
+              <a:lnSpc>
+                <a:spcPct val="90000"/>
+              </a:lnSpc>
+              <a:spcBef>
+                <a:spcPts val="200"/>
+              </a:spcBef>
+              <a:spcAft>
+                <a:spcPts val="400"/>
+              </a:spcAft>
+              <a:buClr>
+                <a:schemeClr val="accent1"/>
+              </a:buClr>
+              <a:buFont typeface="Calibri" pitchFamily="34" charset="0"/>
+              <a:buChar char="◦"/>
+              <a:defRPr sz="1400" kern="1200">
+                <a:solidFill>
+                  <a:schemeClr val="tx1">
+                    <a:lumMod val="75000"/>
+                    <a:lumOff val="25000"/>
+                  </a:schemeClr>
+                </a:solidFill>
+                <a:latin typeface="+mn-lt"/>
+                <a:ea typeface="+mn-ea"/>
+                <a:cs typeface="+mn-cs"/>
+              </a:defRPr>
+            </a:lvl9pPr>
+          </a:lstStyle>
+          <a:p>
+            <a:pPr marL="201168" lvl="1" indent="0">
+              <a:buNone/>
+            </a:pPr>
+            <a:r>
+              <a:rPr lang="en-US" sz="2400" dirty="0" smtClean="0"/>
+              <a:t>Questionnaires</a:t>
+            </a:r>
+          </a:p>
+          <a:p>
+            <a:pPr lvl="1">
+              <a:buFontTx/>
+              <a:buChar char="-"/>
+            </a:pPr>
+            <a:r>
+              <a:rPr lang="en-US" dirty="0" smtClean="0"/>
+              <a:t>500,000 Patients</a:t>
+            </a:r>
+            <a:endParaRPr lang="en-US" dirty="0"/>
+          </a:p>
+          <a:p>
+            <a:pPr lvl="1">
+              <a:buFontTx/>
+              <a:buChar char="-"/>
+            </a:pPr>
+            <a:r>
+              <a:rPr lang="en-US" dirty="0" smtClean="0"/>
+              <a:t>Assuming one filled out per visit per patient</a:t>
+            </a:r>
+            <a:endParaRPr lang="en-US" dirty="0"/>
+          </a:p>
+          <a:p>
+            <a:pPr lvl="1">
+              <a:buFontTx/>
+              <a:buChar char="-"/>
+            </a:pPr>
+            <a:r>
+              <a:rPr lang="en-US" dirty="0" smtClean="0"/>
+              <a:t>Assuming 10 KB; the size of a one page word doc</a:t>
+            </a:r>
+          </a:p>
+          <a:p>
+            <a:pPr lvl="1">
+              <a:buFontTx/>
+              <a:buChar char="-"/>
+            </a:pPr>
+            <a:r>
+              <a:rPr lang="en-US" dirty="0" smtClean="0"/>
+              <a:t>Assuming 40.5 per 100 people visit per year [2] </a:t>
+            </a:r>
+            <a:endParaRPr lang="en-US" dirty="0"/>
+          </a:p>
+          <a:p>
+            <a:pPr marL="201168" lvl="1" indent="0">
+              <a:buNone/>
+            </a:pPr>
+            <a:endParaRPr lang="en-US" sz="2400" dirty="0"/>
+          </a:p>
+        </p:txBody>
+      </p:sp>
+      <p:sp>
+        <p:nvSpPr>
+          <p:cNvPr id="18" name="Content Placeholder 2"/>
+          <p:cNvSpPr txBox="1">
+            <a:spLocks/>
+          </p:cNvSpPr>
+          <p:nvPr/>
+        </p:nvSpPr>
+        <p:spPr>
+          <a:xfrm>
+            <a:off x="3657600" y="1737360"/>
+            <a:ext cx="2661920" cy="2783840"/>
+          </a:xfrm>
+          <a:prstGeom prst="rect">
+            <a:avLst/>
+          </a:prstGeom>
+        </p:spPr>
+        <p:txBody>
+          <a:bodyPr vert="horz" lIns="0" tIns="45720" rIns="0" bIns="45720" rtlCol="0">
+            <a:noAutofit/>
+          </a:bodyPr>
+          <a:lstStyle>
+            <a:lvl1pPr marL="91440" indent="-91440" algn="l" defTabSz="914400" rtl="0" eaLnBrk="1" latinLnBrk="0" hangingPunct="1">
+              <a:lnSpc>
+                <a:spcPct val="90000"/>
+              </a:lnSpc>
+              <a:spcBef>
+                <a:spcPts val="1200"/>
+              </a:spcBef>
+              <a:spcAft>
+                <a:spcPts val="200"/>
+              </a:spcAft>
+              <a:buClr>
+                <a:schemeClr val="accent1"/>
+              </a:buClr>
+              <a:buSzPct val="100000"/>
+              <a:buFont typeface="Calibri" panose="020F0502020204030204" pitchFamily="34" charset="0"/>
+              <a:buChar char=" "/>
+              <a:defRPr sz="2000" kern="1200">
+                <a:solidFill>
+                  <a:schemeClr val="tx1">
+                    <a:lumMod val="75000"/>
+                    <a:lumOff val="25000"/>
+                  </a:schemeClr>
+                </a:solidFill>
+                <a:latin typeface="+mn-lt"/>
+                <a:ea typeface="+mn-ea"/>
+                <a:cs typeface="+mn-cs"/>
+              </a:defRPr>
+            </a:lvl1pPr>
+            <a:lvl2pPr marL="384048" indent="-182880" algn="l" defTabSz="914400" rtl="0" eaLnBrk="1" latinLnBrk="0" hangingPunct="1">
+              <a:lnSpc>
+                <a:spcPct val="90000"/>
+              </a:lnSpc>
+              <a:spcBef>
+                <a:spcPts val="200"/>
+              </a:spcBef>
+              <a:spcAft>
+                <a:spcPts val="400"/>
+              </a:spcAft>
+              <a:buClr>
+                <a:schemeClr val="accent1"/>
+              </a:buClr>
+              <a:buFont typeface="Calibri" pitchFamily="34" charset="0"/>
+              <a:buChar char="◦"/>
+              <a:defRPr sz="1800" kern="1200">
+                <a:solidFill>
+                  <a:schemeClr val="tx1">
+                    <a:lumMod val="75000"/>
+                    <a:lumOff val="25000"/>
+                  </a:schemeClr>
+                </a:solidFill>
+                <a:latin typeface="+mn-lt"/>
+                <a:ea typeface="+mn-ea"/>
+                <a:cs typeface="+mn-cs"/>
+              </a:defRPr>
+            </a:lvl2pPr>
+            <a:lvl3pPr marL="566928" indent="-182880" algn="l" defTabSz="914400" rtl="0" eaLnBrk="1" latinLnBrk="0" hangingPunct="1">
+              <a:lnSpc>
+                <a:spcPct val="90000"/>
+              </a:lnSpc>
+              <a:spcBef>
+                <a:spcPts val="200"/>
+              </a:spcBef>
+              <a:spcAft>
+                <a:spcPts val="400"/>
+              </a:spcAft>
+              <a:buClr>
+                <a:schemeClr val="accent1"/>
+              </a:buClr>
+              <a:buFont typeface="Calibri" pitchFamily="34" charset="0"/>
+              <a:buChar char="◦"/>
+              <a:defRPr sz="1400" kern="1200">
+                <a:solidFill>
+                  <a:schemeClr val="tx1">
+                    <a:lumMod val="75000"/>
+                    <a:lumOff val="25000"/>
+                  </a:schemeClr>
+                </a:solidFill>
+                <a:latin typeface="+mn-lt"/>
+                <a:ea typeface="+mn-ea"/>
+                <a:cs typeface="+mn-cs"/>
+              </a:defRPr>
+            </a:lvl3pPr>
+            <a:lvl4pPr marL="749808" indent="-182880" algn="l" defTabSz="914400" rtl="0" eaLnBrk="1" latinLnBrk="0" hangingPunct="1">
+              <a:lnSpc>
+                <a:spcPct val="90000"/>
+              </a:lnSpc>
+              <a:spcBef>
+                <a:spcPts val="200"/>
+              </a:spcBef>
+              <a:spcAft>
+                <a:spcPts val="400"/>
+              </a:spcAft>
+              <a:buClr>
+                <a:schemeClr val="accent1"/>
+              </a:buClr>
+              <a:buFont typeface="Calibri" pitchFamily="34" charset="0"/>
+              <a:buChar char="◦"/>
+              <a:defRPr sz="1400" kern="1200">
+                <a:solidFill>
+                  <a:schemeClr val="tx1">
+                    <a:lumMod val="75000"/>
+                    <a:lumOff val="25000"/>
+                  </a:schemeClr>
+                </a:solidFill>
+                <a:latin typeface="+mn-lt"/>
+                <a:ea typeface="+mn-ea"/>
+                <a:cs typeface="+mn-cs"/>
+              </a:defRPr>
+            </a:lvl4pPr>
+            <a:lvl5pPr marL="932688" indent="-182880" algn="l" defTabSz="914400" rtl="0" eaLnBrk="1" latinLnBrk="0" hangingPunct="1">
+              <a:lnSpc>
+                <a:spcPct val="90000"/>
+              </a:lnSpc>
+              <a:spcBef>
+                <a:spcPts val="200"/>
+              </a:spcBef>
+              <a:spcAft>
+                <a:spcPts val="400"/>
+              </a:spcAft>
+              <a:buClr>
+                <a:schemeClr val="accent1"/>
+              </a:buClr>
+              <a:buFont typeface="Calibri" pitchFamily="34" charset="0"/>
+              <a:buChar char="◦"/>
+              <a:defRPr sz="1400" kern="1200">
+                <a:solidFill>
+                  <a:schemeClr val="tx1">
+                    <a:lumMod val="75000"/>
+                    <a:lumOff val="25000"/>
+                  </a:schemeClr>
+                </a:solidFill>
+                <a:latin typeface="+mn-lt"/>
+                <a:ea typeface="+mn-ea"/>
+                <a:cs typeface="+mn-cs"/>
+              </a:defRPr>
+            </a:lvl5pPr>
+            <a:lvl6pPr marL="1100000" indent="-228600" algn="l" defTabSz="914400" rtl="0" eaLnBrk="1" latinLnBrk="0" hangingPunct="1">
+              <a:lnSpc>
+                <a:spcPct val="90000"/>
+              </a:lnSpc>
+              <a:spcBef>
+                <a:spcPts val="200"/>
+              </a:spcBef>
+              <a:spcAft>
+                <a:spcPts val="400"/>
+              </a:spcAft>
+              <a:buClr>
+                <a:schemeClr val="accent1"/>
+              </a:buClr>
+              <a:buFont typeface="Calibri" pitchFamily="34" charset="0"/>
+              <a:buChar char="◦"/>
+              <a:defRPr sz="1400" kern="1200">
+                <a:solidFill>
+                  <a:schemeClr val="tx1">
+                    <a:lumMod val="75000"/>
+                    <a:lumOff val="25000"/>
+                  </a:schemeClr>
+                </a:solidFill>
+                <a:latin typeface="+mn-lt"/>
+                <a:ea typeface="+mn-ea"/>
+                <a:cs typeface="+mn-cs"/>
+              </a:defRPr>
+            </a:lvl6pPr>
+            <a:lvl7pPr marL="1300000" indent="-228600" algn="l" defTabSz="914400" rtl="0" eaLnBrk="1" latinLnBrk="0" hangingPunct="1">
+              <a:lnSpc>
+                <a:spcPct val="90000"/>
+              </a:lnSpc>
+              <a:spcBef>
+                <a:spcPts val="200"/>
+              </a:spcBef>
+              <a:spcAft>
+                <a:spcPts val="400"/>
+              </a:spcAft>
+              <a:buClr>
+                <a:schemeClr val="accent1"/>
+              </a:buClr>
+              <a:buFont typeface="Calibri" pitchFamily="34" charset="0"/>
+              <a:buChar char="◦"/>
+              <a:defRPr sz="1400" kern="1200">
+                <a:solidFill>
+                  <a:schemeClr val="tx1">
+                    <a:lumMod val="75000"/>
+                    <a:lumOff val="25000"/>
+                  </a:schemeClr>
+                </a:solidFill>
+                <a:latin typeface="+mn-lt"/>
+                <a:ea typeface="+mn-ea"/>
+                <a:cs typeface="+mn-cs"/>
+              </a:defRPr>
+            </a:lvl7pPr>
+            <a:lvl8pPr marL="1500000" indent="-228600" algn="l" defTabSz="914400" rtl="0" eaLnBrk="1" latinLnBrk="0" hangingPunct="1">
+              <a:lnSpc>
+                <a:spcPct val="90000"/>
+              </a:lnSpc>
+              <a:spcBef>
+                <a:spcPts val="200"/>
+              </a:spcBef>
+              <a:spcAft>
+                <a:spcPts val="400"/>
+              </a:spcAft>
+              <a:buClr>
+                <a:schemeClr val="accent1"/>
+              </a:buClr>
+              <a:buFont typeface="Calibri" pitchFamily="34" charset="0"/>
+              <a:buChar char="◦"/>
+              <a:defRPr sz="1400" kern="1200">
+                <a:solidFill>
+                  <a:schemeClr val="tx1">
+                    <a:lumMod val="75000"/>
+                    <a:lumOff val="25000"/>
+                  </a:schemeClr>
+                </a:solidFill>
+                <a:latin typeface="+mn-lt"/>
+                <a:ea typeface="+mn-ea"/>
+                <a:cs typeface="+mn-cs"/>
+              </a:defRPr>
+            </a:lvl8pPr>
+            <a:lvl9pPr marL="1700000" indent="-228600" algn="l" defTabSz="914400" rtl="0" eaLnBrk="1" latinLnBrk="0" hangingPunct="1">
+              <a:lnSpc>
+                <a:spcPct val="90000"/>
+              </a:lnSpc>
+              <a:spcBef>
+                <a:spcPts val="200"/>
+              </a:spcBef>
+              <a:spcAft>
+                <a:spcPts val="400"/>
+              </a:spcAft>
+              <a:buClr>
+                <a:schemeClr val="accent1"/>
+              </a:buClr>
+              <a:buFont typeface="Calibri" pitchFamily="34" charset="0"/>
+              <a:buChar char="◦"/>
+              <a:defRPr sz="1400" kern="1200">
+                <a:solidFill>
+                  <a:schemeClr val="tx1">
+                    <a:lumMod val="75000"/>
+                    <a:lumOff val="25000"/>
+                  </a:schemeClr>
+                </a:solidFill>
+                <a:latin typeface="+mn-lt"/>
+                <a:ea typeface="+mn-ea"/>
+                <a:cs typeface="+mn-cs"/>
+              </a:defRPr>
+            </a:lvl9pPr>
+          </a:lstStyle>
+          <a:p>
+            <a:pPr marL="201168" lvl="1" indent="0">
+              <a:buNone/>
+            </a:pPr>
+            <a:r>
+              <a:rPr lang="en-US" sz="2400" dirty="0"/>
+              <a:t>Public Health </a:t>
+            </a:r>
+            <a:r>
+              <a:rPr lang="en-US" sz="2400" dirty="0" smtClean="0"/>
+              <a:t>Data</a:t>
+            </a:r>
+          </a:p>
+          <a:p>
+            <a:pPr marL="201168" lvl="1" indent="0">
+              <a:buNone/>
+            </a:pPr>
+            <a:r>
+              <a:rPr lang="en-US" sz="1600" u="sng" dirty="0" smtClean="0"/>
+              <a:t>WHO data on health equity:</a:t>
+            </a:r>
+          </a:p>
+          <a:p>
+            <a:pPr marL="201168" lvl="1" indent="0">
+              <a:buNone/>
+            </a:pPr>
+            <a:r>
+              <a:rPr lang="en-US" sz="1600" dirty="0" smtClean="0"/>
+              <a:t>Assuming about 50 related datasets at 2.5MB each</a:t>
+            </a:r>
+          </a:p>
+        </p:txBody>
+      </p:sp>
+      <p:sp>
+        <p:nvSpPr>
+          <p:cNvPr id="19" name="Content Placeholder 2"/>
+          <p:cNvSpPr txBox="1">
+            <a:spLocks/>
+          </p:cNvSpPr>
+          <p:nvPr/>
+        </p:nvSpPr>
+        <p:spPr>
+          <a:xfrm>
+            <a:off x="8981440" y="1737360"/>
+            <a:ext cx="2661920" cy="2783840"/>
+          </a:xfrm>
+          <a:prstGeom prst="rect">
+            <a:avLst/>
+          </a:prstGeom>
+        </p:spPr>
+        <p:txBody>
+          <a:bodyPr vert="horz" lIns="0" tIns="45720" rIns="0" bIns="45720" rtlCol="0">
+            <a:noAutofit/>
+          </a:bodyPr>
+          <a:lstStyle>
+            <a:lvl1pPr marL="91440" indent="-91440" algn="l" defTabSz="914400" rtl="0" eaLnBrk="1" latinLnBrk="0" hangingPunct="1">
+              <a:lnSpc>
+                <a:spcPct val="90000"/>
+              </a:lnSpc>
+              <a:spcBef>
+                <a:spcPts val="1200"/>
+              </a:spcBef>
+              <a:spcAft>
+                <a:spcPts val="200"/>
+              </a:spcAft>
+              <a:buClr>
+                <a:schemeClr val="accent1"/>
+              </a:buClr>
+              <a:buSzPct val="100000"/>
+              <a:buFont typeface="Calibri" panose="020F0502020204030204" pitchFamily="34" charset="0"/>
+              <a:buChar char=" "/>
+              <a:defRPr sz="2000" kern="1200">
+                <a:solidFill>
+                  <a:schemeClr val="tx1">
+                    <a:lumMod val="75000"/>
+                    <a:lumOff val="25000"/>
+                  </a:schemeClr>
+                </a:solidFill>
+                <a:latin typeface="+mn-lt"/>
+                <a:ea typeface="+mn-ea"/>
+                <a:cs typeface="+mn-cs"/>
+              </a:defRPr>
+            </a:lvl1pPr>
+            <a:lvl2pPr marL="384048" indent="-182880" algn="l" defTabSz="914400" rtl="0" eaLnBrk="1" latinLnBrk="0" hangingPunct="1">
+              <a:lnSpc>
+                <a:spcPct val="90000"/>
+              </a:lnSpc>
+              <a:spcBef>
+                <a:spcPts val="200"/>
+              </a:spcBef>
+              <a:spcAft>
+                <a:spcPts val="400"/>
+              </a:spcAft>
+              <a:buClr>
+                <a:schemeClr val="accent1"/>
+              </a:buClr>
+              <a:buFont typeface="Calibri" pitchFamily="34" charset="0"/>
+              <a:buChar char="◦"/>
+              <a:defRPr sz="1800" kern="1200">
+                <a:solidFill>
+                  <a:schemeClr val="tx1">
+                    <a:lumMod val="75000"/>
+                    <a:lumOff val="25000"/>
+                  </a:schemeClr>
+                </a:solidFill>
+                <a:latin typeface="+mn-lt"/>
+                <a:ea typeface="+mn-ea"/>
+                <a:cs typeface="+mn-cs"/>
+              </a:defRPr>
+            </a:lvl2pPr>
+            <a:lvl3pPr marL="566928" indent="-182880" algn="l" defTabSz="914400" rtl="0" eaLnBrk="1" latinLnBrk="0" hangingPunct="1">
+              <a:lnSpc>
+                <a:spcPct val="90000"/>
+              </a:lnSpc>
+              <a:spcBef>
+                <a:spcPts val="200"/>
+              </a:spcBef>
+              <a:spcAft>
+                <a:spcPts val="400"/>
+              </a:spcAft>
+              <a:buClr>
+                <a:schemeClr val="accent1"/>
+              </a:buClr>
+              <a:buFont typeface="Calibri" pitchFamily="34" charset="0"/>
+              <a:buChar char="◦"/>
+              <a:defRPr sz="1400" kern="1200">
+                <a:solidFill>
+                  <a:schemeClr val="tx1">
+                    <a:lumMod val="75000"/>
+                    <a:lumOff val="25000"/>
+                  </a:schemeClr>
+                </a:solidFill>
+                <a:latin typeface="+mn-lt"/>
+                <a:ea typeface="+mn-ea"/>
+                <a:cs typeface="+mn-cs"/>
+              </a:defRPr>
+            </a:lvl3pPr>
+            <a:lvl4pPr marL="749808" indent="-182880" algn="l" defTabSz="914400" rtl="0" eaLnBrk="1" latinLnBrk="0" hangingPunct="1">
+              <a:lnSpc>
+                <a:spcPct val="90000"/>
+              </a:lnSpc>
+              <a:spcBef>
+                <a:spcPts val="200"/>
+              </a:spcBef>
+              <a:spcAft>
+                <a:spcPts val="400"/>
+              </a:spcAft>
+              <a:buClr>
+                <a:schemeClr val="accent1"/>
+              </a:buClr>
+              <a:buFont typeface="Calibri" pitchFamily="34" charset="0"/>
+              <a:buChar char="◦"/>
+              <a:defRPr sz="1400" kern="1200">
+                <a:solidFill>
+                  <a:schemeClr val="tx1">
+                    <a:lumMod val="75000"/>
+                    <a:lumOff val="25000"/>
+                  </a:schemeClr>
+                </a:solidFill>
+                <a:latin typeface="+mn-lt"/>
+                <a:ea typeface="+mn-ea"/>
+                <a:cs typeface="+mn-cs"/>
+              </a:defRPr>
+            </a:lvl4pPr>
+            <a:lvl5pPr marL="932688" indent="-182880" algn="l" defTabSz="914400" rtl="0" eaLnBrk="1" latinLnBrk="0" hangingPunct="1">
+              <a:lnSpc>
+                <a:spcPct val="90000"/>
+              </a:lnSpc>
+              <a:spcBef>
+                <a:spcPts val="200"/>
+              </a:spcBef>
+              <a:spcAft>
+                <a:spcPts val="400"/>
+              </a:spcAft>
+              <a:buClr>
+                <a:schemeClr val="accent1"/>
+              </a:buClr>
+              <a:buFont typeface="Calibri" pitchFamily="34" charset="0"/>
+              <a:buChar char="◦"/>
+              <a:defRPr sz="1400" kern="1200">
+                <a:solidFill>
+                  <a:schemeClr val="tx1">
+                    <a:lumMod val="75000"/>
+                    <a:lumOff val="25000"/>
+                  </a:schemeClr>
+                </a:solidFill>
+                <a:latin typeface="+mn-lt"/>
+                <a:ea typeface="+mn-ea"/>
+                <a:cs typeface="+mn-cs"/>
+              </a:defRPr>
+            </a:lvl5pPr>
+            <a:lvl6pPr marL="1100000" indent="-228600" algn="l" defTabSz="914400" rtl="0" eaLnBrk="1" latinLnBrk="0" hangingPunct="1">
+              <a:lnSpc>
+                <a:spcPct val="90000"/>
+              </a:lnSpc>
+              <a:spcBef>
+                <a:spcPts val="200"/>
+              </a:spcBef>
+              <a:spcAft>
+                <a:spcPts val="400"/>
+              </a:spcAft>
+              <a:buClr>
+                <a:schemeClr val="accent1"/>
+              </a:buClr>
+              <a:buFont typeface="Calibri" pitchFamily="34" charset="0"/>
+              <a:buChar char="◦"/>
+              <a:defRPr sz="1400" kern="1200">
+                <a:solidFill>
+                  <a:schemeClr val="tx1">
+                    <a:lumMod val="75000"/>
+                    <a:lumOff val="25000"/>
+                  </a:schemeClr>
+                </a:solidFill>
+                <a:latin typeface="+mn-lt"/>
+                <a:ea typeface="+mn-ea"/>
+                <a:cs typeface="+mn-cs"/>
+              </a:defRPr>
+            </a:lvl6pPr>
+            <a:lvl7pPr marL="1300000" indent="-228600" algn="l" defTabSz="914400" rtl="0" eaLnBrk="1" latinLnBrk="0" hangingPunct="1">
+              <a:lnSpc>
+                <a:spcPct val="90000"/>
+              </a:lnSpc>
+              <a:spcBef>
+                <a:spcPts val="200"/>
+              </a:spcBef>
+              <a:spcAft>
+                <a:spcPts val="400"/>
+              </a:spcAft>
+              <a:buClr>
+                <a:schemeClr val="accent1"/>
+              </a:buClr>
+              <a:buFont typeface="Calibri" pitchFamily="34" charset="0"/>
+              <a:buChar char="◦"/>
+              <a:defRPr sz="1400" kern="1200">
+                <a:solidFill>
+                  <a:schemeClr val="tx1">
+                    <a:lumMod val="75000"/>
+                    <a:lumOff val="25000"/>
+                  </a:schemeClr>
+                </a:solidFill>
+                <a:latin typeface="+mn-lt"/>
+                <a:ea typeface="+mn-ea"/>
+                <a:cs typeface="+mn-cs"/>
+              </a:defRPr>
+            </a:lvl7pPr>
+            <a:lvl8pPr marL="1500000" indent="-228600" algn="l" defTabSz="914400" rtl="0" eaLnBrk="1" latinLnBrk="0" hangingPunct="1">
+              <a:lnSpc>
+                <a:spcPct val="90000"/>
+              </a:lnSpc>
+              <a:spcBef>
+                <a:spcPts val="200"/>
+              </a:spcBef>
+              <a:spcAft>
+                <a:spcPts val="400"/>
+              </a:spcAft>
+              <a:buClr>
+                <a:schemeClr val="accent1"/>
+              </a:buClr>
+              <a:buFont typeface="Calibri" pitchFamily="34" charset="0"/>
+              <a:buChar char="◦"/>
+              <a:defRPr sz="1400" kern="1200">
+                <a:solidFill>
+                  <a:schemeClr val="tx1">
+                    <a:lumMod val="75000"/>
+                    <a:lumOff val="25000"/>
+                  </a:schemeClr>
+                </a:solidFill>
+                <a:latin typeface="+mn-lt"/>
+                <a:ea typeface="+mn-ea"/>
+                <a:cs typeface="+mn-cs"/>
+              </a:defRPr>
+            </a:lvl8pPr>
+            <a:lvl9pPr marL="1700000" indent="-228600" algn="l" defTabSz="914400" rtl="0" eaLnBrk="1" latinLnBrk="0" hangingPunct="1">
+              <a:lnSpc>
+                <a:spcPct val="90000"/>
+              </a:lnSpc>
+              <a:spcBef>
+                <a:spcPts val="200"/>
+              </a:spcBef>
+              <a:spcAft>
+                <a:spcPts val="400"/>
+              </a:spcAft>
+              <a:buClr>
+                <a:schemeClr val="accent1"/>
+              </a:buClr>
+              <a:buFont typeface="Calibri" pitchFamily="34" charset="0"/>
+              <a:buChar char="◦"/>
+              <a:defRPr sz="1400" kern="1200">
+                <a:solidFill>
+                  <a:schemeClr val="tx1">
+                    <a:lumMod val="75000"/>
+                    <a:lumOff val="25000"/>
+                  </a:schemeClr>
+                </a:solidFill>
+                <a:latin typeface="+mn-lt"/>
+                <a:ea typeface="+mn-ea"/>
+                <a:cs typeface="+mn-cs"/>
+              </a:defRPr>
+            </a:lvl9pPr>
+          </a:lstStyle>
+          <a:p>
+            <a:pPr marL="201168" lvl="1" indent="0">
+              <a:buNone/>
+            </a:pPr>
+            <a:r>
+              <a:rPr lang="en-US" sz="2400" dirty="0"/>
+              <a:t>Medical </a:t>
+            </a:r>
+            <a:r>
+              <a:rPr lang="en-US" sz="2400" dirty="0" smtClean="0"/>
+              <a:t>Claims</a:t>
+            </a:r>
+          </a:p>
+          <a:p>
+            <a:pPr lvl="1">
+              <a:buFontTx/>
+              <a:buChar char="-"/>
+            </a:pPr>
+            <a:r>
+              <a:rPr lang="en-US" dirty="0" smtClean="0"/>
+              <a:t>500,000 Patients</a:t>
+            </a:r>
+            <a:endParaRPr lang="en-US" dirty="0"/>
+          </a:p>
+          <a:p>
+            <a:pPr lvl="1">
+              <a:buFontTx/>
+              <a:buChar char="-"/>
+            </a:pPr>
+            <a:r>
+              <a:rPr lang="en-US" dirty="0" smtClean="0"/>
+              <a:t>Assuming 700 KB file size per claim</a:t>
+            </a:r>
+          </a:p>
+          <a:p>
+            <a:pPr lvl="1">
+              <a:buFontTx/>
+              <a:buChar char="-"/>
+            </a:pPr>
+            <a:r>
+              <a:rPr lang="en-US" dirty="0" smtClean="0"/>
+              <a:t>Assuming 50% of visits result in a claim</a:t>
+            </a:r>
+          </a:p>
+          <a:p>
+            <a:pPr lvl="1">
+              <a:buFontTx/>
+              <a:buChar char="-"/>
+            </a:pPr>
+            <a:r>
+              <a:rPr lang="en-US" dirty="0" smtClean="0"/>
+              <a:t>Assuming 40.5 per 100 people visit per year [2]</a:t>
+            </a:r>
+            <a:endParaRPr lang="en-US" dirty="0"/>
+          </a:p>
+          <a:p>
+            <a:pPr marL="201168" lvl="1" indent="0">
+              <a:buNone/>
+            </a:pPr>
+            <a:endParaRPr lang="en-US" sz="2400" dirty="0"/>
+          </a:p>
+        </p:txBody>
+      </p:sp>
+      <p:sp>
+        <p:nvSpPr>
+          <p:cNvPr id="21" name="TextBox 20"/>
+          <p:cNvSpPr txBox="1"/>
+          <p:nvPr/>
+        </p:nvSpPr>
+        <p:spPr>
+          <a:xfrm>
+            <a:off x="3728720" y="4657010"/>
+            <a:ext cx="2661920" cy="369332"/>
+          </a:xfrm>
+          <a:prstGeom prst="rect">
+            <a:avLst/>
+          </a:prstGeom>
+          <a:noFill/>
+        </p:spPr>
+        <p:txBody>
+          <a:bodyPr wrap="square" rtlCol="0">
+            <a:spAutoFit/>
+          </a:bodyPr>
+          <a:lstStyle/>
+          <a:p>
+            <a:r>
+              <a:rPr lang="en-US" b="1" dirty="0"/>
+              <a:t>125 </a:t>
+            </a:r>
+            <a:r>
+              <a:rPr lang="en-US" b="1" dirty="0" smtClean="0"/>
+              <a:t>MB</a:t>
+            </a:r>
+            <a:endParaRPr lang="en-US" b="1" dirty="0"/>
+          </a:p>
+        </p:txBody>
+      </p:sp>
+      <p:sp>
+        <p:nvSpPr>
+          <p:cNvPr id="22" name="TextBox 21"/>
+          <p:cNvSpPr txBox="1"/>
+          <p:nvPr/>
+        </p:nvSpPr>
+        <p:spPr>
+          <a:xfrm>
+            <a:off x="1117600" y="4657010"/>
+            <a:ext cx="2661920" cy="369332"/>
+          </a:xfrm>
+          <a:prstGeom prst="rect">
+            <a:avLst/>
+          </a:prstGeom>
+          <a:noFill/>
+        </p:spPr>
+        <p:txBody>
+          <a:bodyPr wrap="square" rtlCol="0">
+            <a:spAutoFit/>
+          </a:bodyPr>
+          <a:lstStyle/>
+          <a:p>
+            <a:r>
+              <a:rPr lang="en-US" b="1" dirty="0" smtClean="0"/>
+              <a:t>40 TB Per Year</a:t>
+            </a:r>
+            <a:endParaRPr lang="en-US" b="1" dirty="0"/>
+          </a:p>
+        </p:txBody>
+      </p:sp>
+      <p:sp>
+        <p:nvSpPr>
+          <p:cNvPr id="23" name="TextBox 22"/>
+          <p:cNvSpPr txBox="1"/>
+          <p:nvPr/>
+        </p:nvSpPr>
+        <p:spPr>
+          <a:xfrm>
+            <a:off x="6390640" y="4657010"/>
+            <a:ext cx="2661920" cy="369332"/>
+          </a:xfrm>
+          <a:prstGeom prst="rect">
+            <a:avLst/>
+          </a:prstGeom>
+          <a:noFill/>
+        </p:spPr>
+        <p:txBody>
+          <a:bodyPr wrap="square" rtlCol="0">
+            <a:spAutoFit/>
+          </a:bodyPr>
+          <a:lstStyle/>
+          <a:p>
+            <a:r>
+              <a:rPr lang="en-US" b="1" dirty="0" smtClean="0"/>
+              <a:t>2.025 GB Per Year</a:t>
+            </a:r>
+            <a:endParaRPr lang="en-US" b="1" dirty="0"/>
+          </a:p>
+        </p:txBody>
+      </p:sp>
+      <p:sp>
+        <p:nvSpPr>
+          <p:cNvPr id="24" name="TextBox 23"/>
+          <p:cNvSpPr txBox="1"/>
+          <p:nvPr/>
+        </p:nvSpPr>
+        <p:spPr>
+          <a:xfrm>
+            <a:off x="9052560" y="4657010"/>
+            <a:ext cx="2661920" cy="369332"/>
+          </a:xfrm>
+          <a:prstGeom prst="rect">
+            <a:avLst/>
+          </a:prstGeom>
+          <a:noFill/>
+        </p:spPr>
+        <p:txBody>
+          <a:bodyPr wrap="square" rtlCol="0">
+            <a:spAutoFit/>
+          </a:bodyPr>
+          <a:lstStyle/>
+          <a:p>
+            <a:r>
+              <a:rPr lang="en-US" b="1" dirty="0" smtClean="0"/>
+              <a:t>141.75 GB Per Year</a:t>
+            </a:r>
+            <a:endParaRPr lang="en-US" b="1" dirty="0"/>
+          </a:p>
+        </p:txBody>
+      </p:sp>
+      <p:sp>
+        <p:nvSpPr>
+          <p:cNvPr id="27" name="TextBox 26"/>
+          <p:cNvSpPr txBox="1"/>
+          <p:nvPr/>
+        </p:nvSpPr>
+        <p:spPr>
+          <a:xfrm>
+            <a:off x="6319520" y="5510292"/>
+            <a:ext cx="5323841" cy="461665"/>
+          </a:xfrm>
+          <a:prstGeom prst="rect">
+            <a:avLst/>
+          </a:prstGeom>
+          <a:noFill/>
+        </p:spPr>
+        <p:txBody>
+          <a:bodyPr wrap="square" rtlCol="0">
+            <a:spAutoFit/>
+          </a:bodyPr>
+          <a:lstStyle/>
+          <a:p>
+            <a:r>
+              <a:rPr lang="en-US" sz="2400" b="1" dirty="0" smtClean="0"/>
+              <a:t>Total: 40.1439 additional terabytes/year</a:t>
+            </a:r>
+            <a:endParaRPr lang="en-US" sz="2400" b="1" dirty="0"/>
+          </a:p>
+        </p:txBody>
+      </p:sp>
+      <p:pic>
+        <p:nvPicPr>
+          <p:cNvPr id="30" name="Picture 4" descr="Amazon S3 Simple Storage Service Logo PNG Vector (SVG) Free ...">
+            <a:extLst>
+              <a:ext uri="{FF2B5EF4-FFF2-40B4-BE49-F238E27FC236}">
+                <a16:creationId xmlns:a16="http://schemas.microsoft.com/office/drawing/2014/main" xmlns="" id="{16FA8107-B74F-1512-4ADD-8863E9279A2C}"/>
+              </a:ext>
+            </a:extLst>
+          </p:cNvPr>
+          <p:cNvPicPr>
+            <a:picLocks noChangeAspect="1" noChangeArrowheads="1"/>
+          </p:cNvPicPr>
+          <p:nvPr/>
+        </p:nvPicPr>
+        <p:blipFill>
+          <a:blip r:embed="rId2" cstate="print">
+            <a:extLst>
+              <a:ext uri="{28A0092B-C50C-407E-A947-70E740481C1C}">
+                <a14:useLocalDpi xmlns:a14="http://schemas.microsoft.com/office/drawing/2010/main" val="0"/>
+              </a:ext>
+            </a:extLst>
+          </a:blip>
+          <a:srcRect/>
+          <a:stretch>
+            <a:fillRect/>
+          </a:stretch>
+        </p:blipFill>
+        <p:spPr bwMode="auto">
+          <a:xfrm>
+            <a:off x="5731122" y="5446925"/>
+            <a:ext cx="588398" cy="588398"/>
+          </a:xfrm>
+          <a:prstGeom prst="rect">
+            <a:avLst/>
+          </a:prstGeom>
+          <a:noFill/>
+          <a:extLst>
+            <a:ext uri="{909E8E84-426E-40DD-AFC4-6F175D3DCCD1}">
+              <a14:hiddenFill xmlns:a14="http://schemas.microsoft.com/office/drawing/2010/main">
+                <a:solidFill>
+                  <a:srgbClr val="FFFFFF"/>
+                </a:solidFill>
+              </a14:hiddenFill>
+            </a:ext>
+          </a:extLst>
+        </p:spPr>
+      </p:pic>
+    </p:spTree>
+    <p:extLst>
+      <p:ext uri="{BB962C8B-B14F-4D97-AF65-F5344CB8AC3E}">
+        <p14:creationId xmlns:p14="http://schemas.microsoft.com/office/powerpoint/2010/main" val="2480923485"/>
+      </p:ext>
+    </p:extLst>
+  </p:cSld>
+  <p:clrMapOvr>
+    <a:masterClrMapping/>
+  </p:clrMapOvr>
+</p:sld>
+</file>
+
+<file path=ppt/slides/slide7.xml><?xml version="1.0" encoding="utf-8"?>
+<p:sld xmlns:a="http://schemas.openxmlformats.org/drawingml/2006/main" xmlns:r="http://schemas.openxmlformats.org/officeDocument/2006/relationships" xmlns:p="http://schemas.openxmlformats.org/presentationml/2006/main">
+  <p:cSld>
+    <p:spTree>
+      <p:nvGrpSpPr>
+        <p:cNvPr id="1" name=""/>
+        <p:cNvGrpSpPr/>
+        <p:nvPr/>
+      </p:nvGrpSpPr>
+      <p:grpSpPr>
+        <a:xfrm>
+          <a:off x="0" y="0"/>
+          <a:ext cx="0" cy="0"/>
+          <a:chOff x="0" y="0"/>
+          <a:chExt cx="0" cy="0"/>
+        </a:xfrm>
+      </p:grpSpPr>
+      <p:sp>
+        <p:nvSpPr>
+          <p:cNvPr id="2" name="Title 1"/>
+          <p:cNvSpPr>
+            <a:spLocks noGrp="1"/>
+          </p:cNvSpPr>
+          <p:nvPr>
+            <p:ph type="title"/>
+          </p:nvPr>
+        </p:nvSpPr>
+        <p:spPr/>
+        <p:txBody>
+          <a:bodyPr/>
+          <a:lstStyle/>
+          <a:p>
+            <a:r>
+              <a:rPr lang="en-US" dirty="0" smtClean="0"/>
+              <a:t>Capacity Sizing</a:t>
+            </a:r>
+            <a:endParaRPr lang="en-US" dirty="0"/>
+          </a:p>
+        </p:txBody>
+      </p:sp>
+      <p:sp>
+        <p:nvSpPr>
+          <p:cNvPr id="5" name="Content Placeholder 2"/>
+          <p:cNvSpPr txBox="1">
+            <a:spLocks/>
+          </p:cNvSpPr>
+          <p:nvPr/>
+        </p:nvSpPr>
+        <p:spPr>
+          <a:xfrm>
+            <a:off x="4933876" y="1885848"/>
+            <a:ext cx="6221804" cy="486295"/>
+          </a:xfrm>
+          <a:prstGeom prst="rect">
+            <a:avLst/>
+          </a:prstGeom>
+        </p:spPr>
+        <p:txBody>
+          <a:bodyPr vert="horz" lIns="0" tIns="45720" rIns="0" bIns="45720" rtlCol="0">
+            <a:noAutofit/>
+          </a:bodyPr>
+          <a:lstStyle>
+            <a:lvl1pPr marL="91440" indent="-91440" algn="l" defTabSz="914400" rtl="0" eaLnBrk="1" latinLnBrk="0" hangingPunct="1">
+              <a:lnSpc>
+                <a:spcPct val="90000"/>
+              </a:lnSpc>
+              <a:spcBef>
+                <a:spcPts val="1200"/>
+              </a:spcBef>
+              <a:spcAft>
+                <a:spcPts val="200"/>
+              </a:spcAft>
+              <a:buClr>
+                <a:schemeClr val="accent1"/>
+              </a:buClr>
+              <a:buSzPct val="100000"/>
+              <a:buFont typeface="Calibri" panose="020F0502020204030204" pitchFamily="34" charset="0"/>
+              <a:buChar char=" "/>
+              <a:defRPr sz="2000" kern="1200">
+                <a:solidFill>
+                  <a:schemeClr val="tx1">
+                    <a:lumMod val="75000"/>
+                    <a:lumOff val="25000"/>
+                  </a:schemeClr>
+                </a:solidFill>
+                <a:latin typeface="+mn-lt"/>
+                <a:ea typeface="+mn-ea"/>
+                <a:cs typeface="+mn-cs"/>
+              </a:defRPr>
+            </a:lvl1pPr>
+            <a:lvl2pPr marL="384048" indent="-182880" algn="l" defTabSz="914400" rtl="0" eaLnBrk="1" latinLnBrk="0" hangingPunct="1">
+              <a:lnSpc>
+                <a:spcPct val="90000"/>
+              </a:lnSpc>
+              <a:spcBef>
+                <a:spcPts val="200"/>
+              </a:spcBef>
+              <a:spcAft>
+                <a:spcPts val="400"/>
+              </a:spcAft>
+              <a:buClr>
+                <a:schemeClr val="accent1"/>
+              </a:buClr>
+              <a:buFont typeface="Calibri" pitchFamily="34" charset="0"/>
+              <a:buChar char="◦"/>
+              <a:defRPr sz="1800" kern="1200">
+                <a:solidFill>
+                  <a:schemeClr val="tx1">
+                    <a:lumMod val="75000"/>
+                    <a:lumOff val="25000"/>
+                  </a:schemeClr>
+                </a:solidFill>
+                <a:latin typeface="+mn-lt"/>
+                <a:ea typeface="+mn-ea"/>
+                <a:cs typeface="+mn-cs"/>
+              </a:defRPr>
+            </a:lvl2pPr>
+            <a:lvl3pPr marL="566928" indent="-182880" algn="l" defTabSz="914400" rtl="0" eaLnBrk="1" latinLnBrk="0" hangingPunct="1">
+              <a:lnSpc>
+                <a:spcPct val="90000"/>
+              </a:lnSpc>
+              <a:spcBef>
+                <a:spcPts val="200"/>
+              </a:spcBef>
+              <a:spcAft>
+                <a:spcPts val="400"/>
+              </a:spcAft>
+              <a:buClr>
+                <a:schemeClr val="accent1"/>
+              </a:buClr>
+              <a:buFont typeface="Calibri" pitchFamily="34" charset="0"/>
+              <a:buChar char="◦"/>
+              <a:defRPr sz="1400" kern="1200">
+                <a:solidFill>
+                  <a:schemeClr val="tx1">
+                    <a:lumMod val="75000"/>
+                    <a:lumOff val="25000"/>
+                  </a:schemeClr>
+                </a:solidFill>
+                <a:latin typeface="+mn-lt"/>
+                <a:ea typeface="+mn-ea"/>
+                <a:cs typeface="+mn-cs"/>
+              </a:defRPr>
+            </a:lvl3pPr>
+            <a:lvl4pPr marL="749808" indent="-182880" algn="l" defTabSz="914400" rtl="0" eaLnBrk="1" latinLnBrk="0" hangingPunct="1">
+              <a:lnSpc>
+                <a:spcPct val="90000"/>
+              </a:lnSpc>
+              <a:spcBef>
+                <a:spcPts val="200"/>
+              </a:spcBef>
+              <a:spcAft>
+                <a:spcPts val="400"/>
+              </a:spcAft>
+              <a:buClr>
+                <a:schemeClr val="accent1"/>
+              </a:buClr>
+              <a:buFont typeface="Calibri" pitchFamily="34" charset="0"/>
+              <a:buChar char="◦"/>
+              <a:defRPr sz="1400" kern="1200">
+                <a:solidFill>
+                  <a:schemeClr val="tx1">
+                    <a:lumMod val="75000"/>
+                    <a:lumOff val="25000"/>
+                  </a:schemeClr>
+                </a:solidFill>
+                <a:latin typeface="+mn-lt"/>
+                <a:ea typeface="+mn-ea"/>
+                <a:cs typeface="+mn-cs"/>
+              </a:defRPr>
+            </a:lvl4pPr>
+            <a:lvl5pPr marL="932688" indent="-182880" algn="l" defTabSz="914400" rtl="0" eaLnBrk="1" latinLnBrk="0" hangingPunct="1">
+              <a:lnSpc>
+                <a:spcPct val="90000"/>
+              </a:lnSpc>
+              <a:spcBef>
+                <a:spcPts val="200"/>
+              </a:spcBef>
+              <a:spcAft>
+                <a:spcPts val="400"/>
+              </a:spcAft>
+              <a:buClr>
+                <a:schemeClr val="accent1"/>
+              </a:buClr>
+              <a:buFont typeface="Calibri" pitchFamily="34" charset="0"/>
+              <a:buChar char="◦"/>
+              <a:defRPr sz="1400" kern="1200">
+                <a:solidFill>
+                  <a:schemeClr val="tx1">
+                    <a:lumMod val="75000"/>
+                    <a:lumOff val="25000"/>
+                  </a:schemeClr>
+                </a:solidFill>
+                <a:latin typeface="+mn-lt"/>
+                <a:ea typeface="+mn-ea"/>
+                <a:cs typeface="+mn-cs"/>
+              </a:defRPr>
+            </a:lvl5pPr>
+            <a:lvl6pPr marL="1100000" indent="-228600" algn="l" defTabSz="914400" rtl="0" eaLnBrk="1" latinLnBrk="0" hangingPunct="1">
+              <a:lnSpc>
+                <a:spcPct val="90000"/>
+              </a:lnSpc>
+              <a:spcBef>
+                <a:spcPts val="200"/>
+              </a:spcBef>
+              <a:spcAft>
+                <a:spcPts val="400"/>
+              </a:spcAft>
+              <a:buClr>
+                <a:schemeClr val="accent1"/>
+              </a:buClr>
+              <a:buFont typeface="Calibri" pitchFamily="34" charset="0"/>
+              <a:buChar char="◦"/>
+              <a:defRPr sz="1400" kern="1200">
+                <a:solidFill>
+                  <a:schemeClr val="tx1">
+                    <a:lumMod val="75000"/>
+                    <a:lumOff val="25000"/>
+                  </a:schemeClr>
+                </a:solidFill>
+                <a:latin typeface="+mn-lt"/>
+                <a:ea typeface="+mn-ea"/>
+                <a:cs typeface="+mn-cs"/>
+              </a:defRPr>
+            </a:lvl6pPr>
+            <a:lvl7pPr marL="1300000" indent="-228600" algn="l" defTabSz="914400" rtl="0" eaLnBrk="1" latinLnBrk="0" hangingPunct="1">
+              <a:lnSpc>
+                <a:spcPct val="90000"/>
+              </a:lnSpc>
+              <a:spcBef>
+                <a:spcPts val="200"/>
+              </a:spcBef>
+              <a:spcAft>
+                <a:spcPts val="400"/>
+              </a:spcAft>
+              <a:buClr>
+                <a:schemeClr val="accent1"/>
+              </a:buClr>
+              <a:buFont typeface="Calibri" pitchFamily="34" charset="0"/>
+              <a:buChar char="◦"/>
+              <a:defRPr sz="1400" kern="1200">
+                <a:solidFill>
+                  <a:schemeClr val="tx1">
+                    <a:lumMod val="75000"/>
+                    <a:lumOff val="25000"/>
+                  </a:schemeClr>
+                </a:solidFill>
+                <a:latin typeface="+mn-lt"/>
+                <a:ea typeface="+mn-ea"/>
+                <a:cs typeface="+mn-cs"/>
+              </a:defRPr>
+            </a:lvl7pPr>
+            <a:lvl8pPr marL="1500000" indent="-228600" algn="l" defTabSz="914400" rtl="0" eaLnBrk="1" latinLnBrk="0" hangingPunct="1">
+              <a:lnSpc>
+                <a:spcPct val="90000"/>
+              </a:lnSpc>
+              <a:spcBef>
+                <a:spcPts val="200"/>
+              </a:spcBef>
+              <a:spcAft>
+                <a:spcPts val="400"/>
+              </a:spcAft>
+              <a:buClr>
+                <a:schemeClr val="accent1"/>
+              </a:buClr>
+              <a:buFont typeface="Calibri" pitchFamily="34" charset="0"/>
+              <a:buChar char="◦"/>
+              <a:defRPr sz="1400" kern="1200">
+                <a:solidFill>
+                  <a:schemeClr val="tx1">
+                    <a:lumMod val="75000"/>
+                    <a:lumOff val="25000"/>
+                  </a:schemeClr>
+                </a:solidFill>
+                <a:latin typeface="+mn-lt"/>
+                <a:ea typeface="+mn-ea"/>
+                <a:cs typeface="+mn-cs"/>
+              </a:defRPr>
+            </a:lvl8pPr>
+            <a:lvl9pPr marL="1700000" indent="-228600" algn="l" defTabSz="914400" rtl="0" eaLnBrk="1" latinLnBrk="0" hangingPunct="1">
+              <a:lnSpc>
+                <a:spcPct val="90000"/>
+              </a:lnSpc>
+              <a:spcBef>
+                <a:spcPts val="200"/>
+              </a:spcBef>
+              <a:spcAft>
+                <a:spcPts val="400"/>
+              </a:spcAft>
+              <a:buClr>
+                <a:schemeClr val="accent1"/>
+              </a:buClr>
+              <a:buFont typeface="Calibri" pitchFamily="34" charset="0"/>
+              <a:buChar char="◦"/>
+              <a:defRPr sz="1400" kern="1200">
+                <a:solidFill>
+                  <a:schemeClr val="tx1">
+                    <a:lumMod val="75000"/>
+                    <a:lumOff val="25000"/>
+                  </a:schemeClr>
+                </a:solidFill>
+                <a:latin typeface="+mn-lt"/>
+                <a:ea typeface="+mn-ea"/>
+                <a:cs typeface="+mn-cs"/>
+              </a:defRPr>
+            </a:lvl9pPr>
+          </a:lstStyle>
+          <a:p>
+            <a:pPr marL="201168" lvl="1" indent="0">
+              <a:buNone/>
+            </a:pPr>
+            <a:r>
+              <a:rPr lang="en-US" sz="2800" dirty="0" smtClean="0"/>
+              <a:t>AWS SageMaker: 1 Instance, 1 Endpoint</a:t>
+            </a:r>
+            <a:endParaRPr lang="en-US" sz="2400" dirty="0" smtClean="0"/>
+          </a:p>
+        </p:txBody>
+      </p:sp>
+      <p:sp>
+        <p:nvSpPr>
+          <p:cNvPr id="11" name="AutoShape 14" descr="data:image/png;base64,iVBORw0KGgoAAAANSUhEUgAAAZQAAAGUCAYAAAASxdSgAAAAAXNSR0IArs4c6QAABDt0RVh0bXhmaWxlACUzQ214R3JhcGhNb2RlbCUzRSUzQ3Jvb3QlM0UlM0NteENlbGwlMjBpZCUzRCUyMjAlMjIlMkYlM0UlM0NteENlbGwlMjBpZCUzRCUyMjElMjIlMjBwYXJlbnQlM0QlMjIwJTIyJTJGJTNFJTNDbXhDZWxsJTIwaWQlM0QlMjIyJTIyJTIwdmFsdWUlM0QlMjIlMjIlMjBzdHlsZSUzRCUyMnNrZXRjaCUzRDAlM0Jwb2ludHMlM0QlNUIlNUIwJTJDMCUyQzAlNUQlMkMlNUIwLjI1JTJDMCUyQzAlNUQlMkMlNUIwLjUlMkMwJTJDMCU1RCUyQyU1QjAuNzUlMkMwJTJDMCU1RCUyQyU1QjElMkMwJTJDMCU1RCUyQyU1QjAlMkMxJTJDMCU1RCUyQyU1QjAuMjUlMkMxJTJDMCU1RCUyQyU1QjAuNSUyQzElMkMwJTVEJTJDJTVCMC43NSUyQzElMkMwJTVEJTJDJTVCMSUyQzElMkMwJTVEJTJDJTVCMCUyQzAuMjUlMkMwJTVEJTJDJTVCMCUyQzAuNSUyQzAlNUQlMkMlNUIwJTJDMC43NSUyQzAlNUQlMkMlNUIxJTJDMC4yNSUyQzAlNUQlMkMlNUIxJTJDMC41JTJDMCU1RCUyQyU1QjElMkMwLjc1JTJDMCU1RCU1RCUzQm91dGxpbmVDb25uZWN0JTNEMCUzQmZvbnRDb2xvciUzRCUyMzIzMkYzRSUzQmdyYWRpZW50Q29sb3IlM0QlMjNGRjRGOEIlM0JncmFkaWVudERpcmVjdGlvbiUzRG5vcnRoJTNCZmlsbENvbG9yJTNEJTIzQkMxMzU2JTNCc3Ryb2tlQ29sb3IlM0QlMjNmZmZmZmYlM0JkYXNoZWQlM0QwJTNCdmVydGljYWxMYWJlbFBvc2l0aW9uJTNEYm90dG9tJTNCdmVydGljYWxBbGlnbiUzRHRvcCUzQmFsaWduJTNEY2VudGVyJTNCaHRtbCUzRDElM0Jmb250U2l6ZSUzRDEyJTNCZm9udFN0eWxlJTNEMCUzQmFzcGVjdCUzRGZpeGVkJTNCc2hhcGUlM0RteGdyYXBoLmF3czQucmVzb3VyY2VJY29uJTNCcmVzSWNvbiUzRG14Z3JhcGguYXdzNC5zcXMlM0IlMjIlMjB2ZXJ0ZXglM0QlMjIxJTIyJTIwcGFyZW50JTNEJTIyMSUyMiUzRSUzQ214R2VvbWV0cnklMjB4JTNEJTIyMTYwJTIyJTIweSUzRCUyMjM4MCUyMiUyMHdpZHRoJTNEJTIyODAlMjIlMjBoZWlnaHQlM0QlMjI4MCUyMiUyMGFzJTNEJTIyZ2VvbWV0cnklMjIlMkYlM0UlM0MlMkZteENlbGwlM0UlM0MlMkZyb290JTNFJTNDJTJGbXhHcmFwaE1vZGVsJTNF1rj0mAAAIABJREFUeF7tfXn4FMW1ds1VQQVUVHaVHXfZRRPjbhaN8fvrJprEDQRFFJdEs283qyaKCiq4m3tzc7+/PhNNNO6aRFRENFEBWY2A4A7i7p3vOd2/munpX/f0qe7TPVXdbz+Pz89heqqr3nOqTr3vOd1dUziAABAAAkAACAggUBNoA00AASAABIAAEFAIKHACIAAEgAAQEEEAAUUERjQCBIAAEAACCCjwASAABIAAEBBBAAFFBEY0AgSAABAAAggo8AEgAASAABAQQQABRQRGNAIEgAAQAAIIKPABIAAEgAAQEEEAAUUERjQCBIAAEAACCCjwASAABIAAEBBBAAFFBEY0AgSAABAAAggo8AEgAASAABAQQQABRQRGNAIEgAAQAAIIKPABIAAEgAAQEEEAAUUERjQCBIAAEAACCCjwASAABIAAEBBBAAFFBEY0AgSAABAAAggo8AEgAASAABAQQQABRQRGNAIEgAAQAAIIKPABIAAEgAAQEEEAAUUERjQCBIAAEAACCCjwASAABIAAEBBBAAFFBEY0AgSAABAAAggo8AEgAASAABAQQQABRQRGNAIEgAAQAAIIKPABIAAEgAAQEEEAAUUERjQCBIAAEAACCCjwASAABIAAEBBBAAFFBEY0AgSAABAAAggo8AEgAASAABAQQQABRQRGNAIEgAAQAAIIKPABIAAEgAAQEEEAAUUERjQCBIAAEAACCCjwASAABIAAEBBBAAFFBEY0AgSAABAAAggo8AEgAASAABAQQQABRQRGNAIEgAAQAAIIKPABIAAEgAAQEEEAAUUERjQCBIAAEAACCCjwASAABIAAEBBBAAFFBEY0AgSAABAAAs4ElPpJl9dhLiAABIBAFRGo3fFNJ9ZqJzpJDoSAUsVphDEDASBACCCgCPvB/37pMjAUYUzRHBAAAm4g8G9/uMSJzb8TnSST/++XLq/XakrV63VVq9VUva4UPgMP+APmQxXWAzAU4cAPhiIMKJoDAkDAGQTAUIRN5QcUIlRB5QufgQf8oTnVMB/KOh8QUIQDyicn/oq4PWk8WuvCX+ABf8B8qMQ6sA1yKLIR5ZMvXVbX+69g4of2p8F/15/11fE98IF/+Pt2zJ8mDq6tD2AosvFEeQwFkhckP0iegZkFiausEpdv5KZ9t/njpU4UUDnRSYL2kxMvq0dSkTgKgn+PpibABbhEUTb4hdV+AclLmKF8fOKvWiQv+L/V/t9NYoG9YC/Ese7SI3degKEIBxRf8sIBBIAAEKgeAggowjb/+ItU5dWVQsDf9Fsd7pYI54FSYJ5ZM8+2RQ5FNqJA8sL6hvXNmvUNkmZMdWle+zAwFNl4oj7+4i89ySuuLDhcBojPPgLAyw/E8Af4g8vzYds7v+VEAZUTnSRH8AMK9qjYo+a1B0S7mF/2ri/b3omyYVGO8lEXQxFtFI0BASAABBxAYDswFFkraYZSV35u3j9qCp+BB/wB86Hs6wEkL9l4oj46wc+hICuArAiyIsgKVS0rtt1dyKGIhhQvoNgrcSK1gRQEUhCYn7mtA5C8RMOJUh+e8It6rSFxaamrKXn561n43/G9lgSBD/wD88Pd9WG7u77tRAGVE52k2NSUvIQjFZoDAkAACFiOACQvYQN9ePwvIHlBUshNUsCdegXfqQeJ1Egi7QGGIhtRSPKSbRGtAQEgAATcQAABRdhOHkNBjRfufO/aSGv3Qs0bat6qUPPW40/IoYiGFEhekCRQ5YeHo1ZVmgRDEQ0nSn1w/M8heQljiuaAABBwA4Gef/qOEwVUTnSSTP7B8VQ2TDlZys1T+Z/OaeEz8IA/YD6Uez2A5CUc+D/4ws9R5YUqL1R5oTrKqDqqLBIZGIp0QPEkr7gVVV8M30evuMDHRwD+Af+Iisj2zw8EFOGA8v4XfobH1yMrjax0WbbcGIdRlc32f0YORTSkvP+Fn3flUCrJeDH9jKYflDEoY+VaJ3oioIjGE9XKUMIUFZ9bJR3gATyCEh/8wXV/2P7P33WigMqJTpIzEEORDVFoDQgAASDgBgKQvITt9N7nfwbJCxkESH+Q/iqZSdz+bjAU0ZDy/ud/hrJhlA0jOYLkSLmSI0x7QvISDSdKEUMRbhLNAQEgAAScQGAHMBRZO0HyquTGDBIXJK5KSlxh4gLJSzaeqHc/99N6raZUne5GwV/gAD/APKjQOrDD3d9zooDKiU5SbHrv8z/FjY3Yq6EsAZytkpwNklcODEW4STQHBIAAEHACgR3vAUMRNZQvedVUvV4PUH18Bh7wh6YEjPlQ1vkAyUs0nCgvh+I3iXf04R19VXhHn55A8Hf4e02BoeQWUIQbRnNAAAgAAcsRQEARNtDWz/5HQPLS1D6O4uN7n/oDn2gJBP4B/3Brfux4z/edKKByopMUm5qSl3CkQnNAAAgAAcsRAEMRNhAxFOEm0RwQAAJAwAkEev0FDEXUUAgoonCiMSAABBxCAAFF2Fg6oKDmBTUvqPFqTi7Mh2rMBwSUnAKKcLNoDggAASBgPQIIKMImeue4nyCHIowpmgMCQMANBHrf+wMnCqic6CSZ/J3jqGyYHg6pnwqoHxKJz/6jA4AH/APzo6zrQ28k5WUjPxiKLJ5oDQgAAXcQAEMRtpUfUPDKQryykPmKOzyVt5JP5S3r/Oh9L8qGRUPKlmN/HHwKYMBvAgtMy4tS9HzC941ADHwCL9SBf/j7M8wPF+ZHn/uQQ5ENKMf9pA5+Utb9F8YF3gX9od36BslLNJwo5TGUhuSlG9cmwGcfAeDhhyb4A/yhXPOhz30/dKKAyolOkmtsOfYndaRQ8MJCidTINuOGqm0OHKq2GTtMbTN2qOjW55Nn1qpPnl2jPrz9EWy5ISmIUe8+KBsWnadq87E/jpW8wvvRsB/j+9b9ahXw+bexw9S2B1HQ8AOHDceHtz/sxcOPfuv/jeOTVbAPxm9m/53AUGSnsC954QAC3RHQAaPH1w+3Jnhw7URB5sPfPsw9HedVFAFIXsKG33wMVXlB8pGQfFzHcZtxw9Q2Bw1V21rEPqTc/QMdYJClh2QYWO/AUKRmWFc7kLzi51cVJD1iIT0dZCBZp0EjwLS5q6QK9g+m2KsoCSKgZJ1Jod+/fcyPUDZcMYK27dhhqsepRyj6i0OpD25/SFGAAVEXy3U7Q/h3uv9HThRQOdFJWkw2H/Oj0J3yeomJ0wbwvY+AW/hQEr3nqUc4lwspOuC9e/Ht6pNn1jhn36Y/Yn6azM+d7kfZsOgcI4YS2WD4hRDhk/B96wsjLMRn23FgIlkmy+Zjfxz/c/i/9f7vUc64o8t+O4OhZJki3X/rS141VVfB3Dw+u4zHtmOHqx6nHg5JS2iqEGv5+JnVAUkM88Pl+RFc7yB5CU0S3czbR2uGgnfUuf6OOi+QnNa53MjHz6xRnyxZo+gmRFqAJfEkuY6OnqcdKTwD+M29e9FtisbYKqmEJSZ8dgmfnR9ADoU/AxhnegEF2Uins5FFSlte0PACx1r18bNrrMCt52l+bqioIgMviX/bwyi/LcG6AcmLESRMTnnr6B8GJC9N5fHXp/R247Dd2OFqxytOMzG38bkUQD687WH1kSf52I1HsH+ES94BhrDZetGtTuHigl8X6WdgKMZLQvsfNCUv4YbRXG4IeGW/OUlbOoA0pZ3chlFow3kGmA9u88uOcbiHAAKKsM3eOuqH8ZKXvlYctcX3PgIF4UPSVs9Tj1T0V/Kg4EGLohdEKvAwqF5Xnp4LeyG28vGSNWYPkyrQf7r5Keav2uXBHztxi4cTnSR/IslLcnFCW/kgQIFke8GEdEsQyafLTrTa6wr54PL2MT9yYuzopFK7PICAIuoHbx5FORQrcquoDYiwAz1fq/cVp4vZ/J2LbvUqsfBIq+7EcpcH5ALB+ySD3fYQcLb8hclgKGJLi99QW8kLkaZjkZbyJFQiK5FYjpW0YN9I+0pKYp4MFpYSgXvH5lU4woOhCAeUN4/6Ad7YaNkbGbcdN1yElZCe//7tD6qPl6zt4j5h0RyfW5NgrXj0vuIMsXzVW0f/MDBz8QZQW94A2vfBnziRnnCik+ThJHkJxyg0lwEBkreyJt39QPKQnyDGkRkBsoeE7PjW0XKSWuZBoQEPgb5Iyst6wptH/gA3NlogQZC01fvKMzIZlwLIOxfeghvucrLntuMpsGSz0fu3PugFeyRX7EiugKFkWnK6/7hV8sppJiLd3rbsYfvTjspUwdVd2oId81yxs9rLy116EhjslKedOPiCoQgHlDeIoUQeeJxqEY9T7XNlep2eAsl7t1GOJEragv3ytl+fK8/MJE9uufCWNrIk7Je3/aj9XR9CDkU0pFBAwT6p+H0SlQNTMEl7vHfrgyhLtaTcve+DbR5zn2Bg2JHDI/Kbn30RUNIuQdG/e+PI74desIU7FPJ2cZJMdjj9qFSG/HjJarXlwlstWUqxFdFLHd10mtamfnHMDyCBdUACBENJtQzF/yhe8hK+EJrzEEi78LSXtwCuLQhkkTDfPCpYWmzLiMrdDwQUYfu+fsT3IXkVtN/faQ7lS4YbW5BYyeYLbunA/i0/qaHMPJiYSlq28saRP4CdC5qPxK93ffg/nLjFw4lO0sr2xhHfr6taTal6UPnCZ2k8+tADCVMEE9LY6TEe0v1Be/n7e9+HfmK8efDlrx/C3gWtR7s+hICSyknjfkQMRbRBNNaCwHbjhqvtTz9S0V+T46Mlq9X7tz6k6C8OdxHoM+cMY9vTaLdccAtsX4DZdwNDkUUZkld+Kfi0wQQSV7mkNvIDCiymB7FT+g+lD/n5AyQvU69MOP+1w79XbyheWunCX18RyoADvd99p6vONLbW5tk3e+9jz3p9/D6b/fLAb7eH/8PYH9695QH1/m0Pwh8yzsc4e+728E+dSE840UnybkhexnM88QdpdqSQuBJhLcUJaSQwzVRKAYBlg4DkJWwQYijCTVa6OQomO5xxlJFuTsHkvVsehGZeEc+hCrAdzzjaaLTEVCiw4JBFYPdHwFBEEfUlr5qq16nYC3+z4mC6A6VgQgnYrNfF793yX7ofyTSokJ98+PQqzFPBdQoMRTScKAWGIgco5UxMqrkomFDOBEc1EUjDVF4/4vvVBCunUYOhCAOLgCIDKIKJDI5VbMU0WY+gIuclCChyWHotvfqZ70LyykihSbowkS9ID6f/IDFCYtVSpWlQee3w78F/Ms5bmn8IKMIBBQwlG6CmsgWSq9nwLvOvTYMKmEp2b0BAyY5hSwvEUISbrExz240frna+aip7vJqZsH+AEyuHwO6P/NRozMRUcKRHoN+jP3PiFg8nOqklr+7m0PfmxhkK3283fphRMPno6dXq7dk3dQEK/Px7n+FfYQTSyqet7cC/uP6FgJI+GEf+chPlUAp8umdZnjJLzIQYCuegYPLW7JvwCA34GetV8r1S5OS2Uk4O+LLwDeKEgMJZwQzOgeRlAFbXqSa7yFZmYn4t/KKaCJj4GCEE6SudnyCgpMMt9lebDvtO4Dne+rQwZcZnTaGJlexy9TSWFSiYbL3lfvXR0/TO96DEAzyBR7I/UFDpdeYxLF/rkq9jJFX4W5y/9f/rz51ITzjRSfK+TYdR2bD/+gXNmfE5Go/tJgxXuxgk4Unm+mjx6sZDJoGvH1fhX/z5Rv7GlVZJ9nr3ZipH57dfdXv0R1KevWFhnegzFBwcBIiZcCf3W+ffqIih4AACWRHo9+jP2E3A79hQeSeCoZjhlXh2q+SFtF7cmxeoqosrdW29mW5cvL9J+ZAuRbrYOF3cWr7S71F+OfGrn6FS4rKUv+Q7jv5/RdlwYpAwOWHjp79Tx3rXfv71IKmLmTf5kCq6zr8R8znfdaBy+PYYN1ztcg0vd7f15vsVbWowr5Pj6gDkUEzCRfK5Gw/7DsqGE/yubwqpC+sp1jNpvk/lxNwkPQUVupEWftjeDyF5JccIozM2fvrbgSov6Sngfnu9zjSbxDSRsZS6b3dbKVD/v/LzKZsO+27yFr3iIWfA31DlZRQwkk6G5BW//kPqwnpk43prHFQQ32P3B5C8kiKE4fevfPrbDckLd6H4COj5R/JCb8Z9APTSI9Ks6W/w98CzFU/gIYMH+SRX+nqHpK+b78ddUIF1MXhXzsC//cKJWzyc6CRh3Cp5YcrrKd+DbmA0SoKS1AX8ZJZM3IiXdOOniRTblL7gn2H/HICAYkhBEk5/5VPfRpVXhCTQ95ppqsf4EYlgEyt58zxUddkoDZW9ymnA336e6J90ArGUrTfdj9RexDwHQ2G5EP8kSF7NeaZR6zl+BIud6GCC/XTSfhrfJz9oxZzf0oaHNj6cY+Nh3wF/7kIAkhfHY1Kes+FT34ooG66pumpHXMr9/a5zz2Kxk3duus/b/XXf+JQbn5rC+GyZH16eb+qxibOffJUqEP0yYthP22/g33/pRHrCiU6SF3qSF44GAt6ub27yrs9jJ7NuBHJAoOMIcKWvjZ9uspSOd9qSDgz8O5LyoqYghiLaoOONcdnJG7NuaFR1OT5kdN9xBKjqi8NSaBNEfoujicAgMBRZd/AlL02Bq/2395nHqt5Tkx8XricmcKu2v9hkfy5L8aUvuoOeJG3YDwxFNp6oDYeCoRCkPSaMUMROOIfHThb795zgAAI2IEAbIQ5L6ZK5beiyFX0Y9BhyKKKG8AIK7qT1bmDkTEgKJG+cd4OtT+Zo9ItyQbTIUH+pcABlveZPxKFNBt2PRA/89DYQls+TgX//BWtt8IpJUEbs2ROSF8tl+CetP/TSWMlLz6A4alym77mT8fVZC7yXZpFkYOP46SVgu82d3s0BtpDUcRNV+TSlDhv7b0P/ek4YGclWiZl+sHhlQyqyDb+4fketBhs+9S0r/bdo+w8GQ+EHC86ZkLyUt5PnsJPGzo4DbAfO4ch2r3zq2x3omTuXTPIF2/FL6r+2hO2+XJTHQPISRnr9IZdWXvLabd50L4eSdHi7OoufB9572rGqD+OeBNvH0SlpieMHW26ke4/us9oPBj32yyRX9r6HHyg1+LFfOXGLhxOdJKciyau794Xv/Q6fUZ7vKZBESUThEZNkRLs6/7Bz/DQOTmBsLCaxy46d42t2V7Z/hFmfM49lYUe5lNe90tt21fay/TOdn8S2ORuLVp8OXqWz/S9yfiGgsPYe/JPWHUI5FKs3XLluWL3JNy35TuP1h34r135IEB9aRDhj0d5Bu21aVKpsf29DMa97ziluBn1ARRnnLrCZqHr25LAU2F+pwQvBUPjRgnFmlSWvHhN57MTblZ67wPoqH67kFXaLKkofVAVHAZjL6IJB2HbJiyIK3VPF2VxsOPRb1vt1njseMBRGkDA5Zd0hlwTe2Kh/WY3HHfo7+uMS4aJgQtU98ZKLPXgNfuxXieOJOmHLjfd6bCVa0rNnfBL9o2ooE1ai8SJ28vq58yMkTzvx4fiCb3d69UIej6+0fz0ZsvAyJ9ITTnSSzE2SV6oVqAQ/okWlZ0Iy3l9EFjg12sHMpGzUoPzgWc6bNsnWaQKJxsk1bLgSKMm5VT2GQPKSNf26KZdUssqLHlG/27UzEsFs7NwlkhwFJis4u9N2g3995nz1Ab2B0rFxR/W3J0mb85JtXTY8SPLiMHDPx2+8r5LSFxhK4hJodkKr5FXgitfhlarP1GNYk239oZea32Kdp+jLxI07Po63+DtYtyJLzwnDVe+pxyUyUM74/eT1vU76AYetdpfyqrMOgKFwZoDBOS8TQ6nYQdLH7gx2slnv3BzFh3aoOzFyRNzh2Y6Hli85ti3LmJPGwfWBdYfQxql6xx6PI4cianUKKNXZjzT32YMXJievSfZ5f/EqC/hGen7AGWdah1p/yKUd5y3ePSTTZJhIGAfaub82c77T9qfd4pAEX6dxkuxF1Yxu8dD080KPcwgCStrpH/27l6d8M1DlVcXQUldDFl7WDRyq6nptJiXj3Z9iUeOT9SK/NZ/B5CcNUXUWBRD6m1RMITE+CiZ+dZ/b84ICbpip0rhIyivD+LLYBwxFYqYE2qii5NUOQr2bs13eMXEDruxh0qbpuYSnPuIe/R+8J6SooBE3jjLZX0u8momUtYrP1CfpfASUNKi1+c2/DiaG0npU58EL0cCUcfx7PN6dhQm7Ummao137q+fQ/SbV8Y/gSMvo/3Hj2/OJy524xcOJThLIL1NAqdVUve796VJ48LlseNCd4f2uy1Y6W5qIkTAQYiebb7gX86EC68EejyOgiM7rKIYiegE0Zg0CYCnJpkhiJ8kt4AyXEABDEbYWAoowoBY3R3kJsJT2BiJmEsz3WGxOdE0AAQQUARCDTbw0+Rv1WkDyqlPNFz43JMCy4dHv2rNVz4kjE73oXwd/U20/kQLQ2Ynn2noCsY23b/DLYftdOyNx3HT+prOvh/9XaP7v+cSvnUhPONFJWgiqwlBod976gEdbl8F8+0XlozudlfxAzKiduguSGdl48w26HNbHksvMqs5OCCd9VGWugKEIrzfEUISb7GhztPvemW50Y+zCdUdpN16lY88nLk8c7ts3/MVLTMcdFJR2Puuzie3kfcIHT61Ub994r6K/WftaFT/Qc8N0niT5RN62zqP9vZ4EQxHFtVXy0tVdbv3dfuIotdO0Y42CSByIm8653r9j2Kt6cwsHbn8pEHBYystTLjHCgdqtq3ougcYLGDWl3n9qpfpw8Wr1/lMr2Pbpf/3ZHktpd9BiSTf6ldnuHBy4i0tZ5gkYCtfizPPiGIq+PzyuGRu+J42/f04aP02YdrteG8bfTldN6l9WlpLUftz3Qeao73YP32hHuKdtX/ur/j1dj+MjYXtLXd+G+ZMnm4ybJ67gB4bCDBTc01yUvLiLBBeDduclBRaJa3SiDVpkk2RBWthp/C4fnMW0DOOMshHmSbLnIqAkY2R0xtpJFzeqvLw7uQJSj42fSffdeXqx2j3JIW8v+AuVv1mPD9d+lJzn4PjS5G80pCUXx0+Bk5hsktxVNvtSdV7SuI0WCsbJep5o6dUFfxmKHArDsganaIYSpqg2fh7A2FUbDN341GDS1kZ8ghJYUv+4u1c95qT2bPyeK4kSC6PcjAl+No6X+p+mKMV4IiT8gHzGVnzCkigYirD1iaEINyneHC0MO5312cJ3XFEDoR17WY69nvx14lBo5047TxcPL6Bcf05i18tiU+54EwEROMEVTIcu+o0Tt3g40UnyGz+ghB8HZ89nmyaJnmcvTaYy42Actgcvv4+8/lBVVpLs5QcUKh92b7yc8REzoZsZJcanfbUT/rH9xBGs4CkQK9hNNIMKzx+bDRd3PgIK25y8E9dQDiXqrR/eHfNt3gZS0Pe0w8yqBdOioY+sbel21k6i3ELx+Gg83lpA94n8Jf5tLQz77DI9OaDQeGlh6PZWGEb7ncCn0c+6UgPmJ/tOLI6G4/OkpgCLLtI/dhBg8HqOaOmPxiMxV9ZSDs7i9QUBhRcn2GfZLHlxdphRA6VJQYttMJDEAZI2YHVCCgr3VaIPHNnLFfkibGPO2DadfR3LT5ImVJQfSdgn6br0fRofNpkjdI20c7EoDDg4RZ2DgJIWuZjfrZl4kZWS187Tj1O7TP+c0WhpkmyccS1b8glSbM5uNtyZtxbc41d/MSWmLJQ+rn9+H9JLUkMX/SYRY9rFv73gnsB5xUkSJhJeEF+SgAbMn5k4trWTLs5sv52nf04R24s7iK1ISGpR/kOSpek82TiDguiKVPZMcz2b/WfYU1c4kZ5wopPkUWsmXly37Q2n208aqQYwkql6RviB5LosbwJtaFdDGYnq4MLhLRY5vyE2Kdj5E5bKms3fWEw7z3aLIY01S/udeoPy9hNGepJXu0PCbzjXoT7k4SeYJ+b+HvbHYUjKJ266jE7wGYpdh8kuqMlK5MZAO1uuftxkKXLXD7bE7UvafnCwTtt2PojwWi1iXOQjHBakeyyNI2eMeV2b2uX6pr8p0WyeZ7+izgJDEUa6VfJKscUV3oJypQqCobvEJdd/E8mtKWnIXZ8ok8mEbTIJkqb4/eCMM0+c25Q1GI0j3A5nXE0pho9X8Dqm9tFTV8JfTOZJ1nG28ycOzpLjlvaXYU+hbFg0pKyecFG85KWvFDffcvh+F5JgZiTnTmiRe2U65UvarDsZ+zfsqeT8gt59vTU/QnLKeH36ObcPjZ3o/HvUW3TfSFSVb9iOSnlMbOCC9rmGBtYRv88T/4ajp/C/gQyW+RZh1U4qTLCfqW2CE3fNRMrddB05jU9vul6hvGK3Mr1Ab1JcP+hf5D8cRk8spWWeZBg/17+T/HP4YuRQZAPKxIsaZcNh+3bi8zBGkthb4Lzke2s8yeMzpz903TVecjef/nD70AgqNHG9YgFefzjt5zm+PFL8HPZAPqTLZNPeZUP5J9OkeNhOpuOnMmGO1KbniWn7ac7nFHfoeZKm/bT2oWu2u95wJOVF44laPeHCQJVXOupvIrG0o6z0GPqk3TKN3t9Zmkk7aamyt2AwGFNjtyssAep+m+6GTfoz7KkrEp1qzcSLMklQafFP+zsOXj5LiNq6m88DzvXiQDbtBwUwjk8Sg/eruczHY4qLLfPEtN9gKIlT3+yEtpJX/n7YYv9dZiTv9hrsRGYdYPkfZ7HwFnAtNeWEG6cfQet3kxhi+sVp11ucFq9k4VXA+pXYDzbrEvQjDo5tgwrTbzgSU5XniYn/gaGYxYvEs1dNuNAayWs4Y6f85nyqFrmn0AeB9GXuCFd7u/j87kqhnWlfBlsKGp2D1yBPAx/V1lc2NHa7+Y2PK9ElSSY7MJgu7dxpTNL2SmMjPW6yFW0CksbHnSc+iy/OXtyxE9vNS8IyHe+IxVc6cYuHE50k8LXkRW/aa3a65r15r8jP9KgHWtiSDp/G0wuYiu0fZ/fpy0K+S+v+aX1d6umrdO9B0uIfxpDY05tdC1W4f/SZI6HowBT1++B4bfieI51SQGl9xVVgAAAgAElEQVQUdeRgL44k1Y6txPk3Z2zevJ54UaHzV/eXJ59eXPj8jcNzOAJK0pJr9v2q8RdacWMjTZSkgOLtKs+6tghJuJukwtkVerv4RSta+jeIqo0mtd/9m1ks3dl69xuVMqDFL4n5tPu9icQglLJoK3kR3om+tGiF2hBR/cSxczoLmP1q9YSLIv2cwwJcnCdF+EWUn4KhmPll4tkkeYVPClPuIr7nTJQ4ScDm/nHkpEQjCZ0QJ8mZYB8lKRSBf/AaSf5pKnkF27YloGiWEcaWYyvNSOPcJgm/LN/b3r+w/yKgCC0uupmV4y+o1wKU35dmmpJNUZ8pId93xufbju7N+XcrCiou9W/ggnPVDhYwFAKW2NP66fO64Ue4JzOUu73quqL8QUsUaa63w6TRiQzlvUUkec3rNp7hi68UnmHpm4vyd59NJs2TexT9tpnjL24+296/sD+NeHqOE+kJJzpJru5JXhYcbNllfvAhhcV1PG3/PIZiSUDxdr0kpYSOtGMrDn2zK3EkL4/tRvjS8MXJJdRmvUl/Nm0AdOGAbsV2W9nev7A1RjyNpHx6D434JTEU75+lssb6GobtUSVV37OTdl4+Q+lEf9P2b5BFDMXbQEy4sBt+xE4Sd73X3+0l9huHoX2L9C9ihIR7u+PNmPGMsIihEIvaMH1ei71YtiImf/09fg4m5XxMay/b+xfGYyQYimg8Ua2Sl6bGxf/lSV6ayrvTP7pnwF7Jy8eRL3nRC72ohqN4/E2uy5e8ru02HpsYCm2efOmqiXdZ54mJfSX9DwxFNp6oleO6GIpwu6bNeTubJIZCu8oOSV5p+zfoBntyKBvOmqdo1xs+0o7N1MZFne8xlBvaMxRv939W1+4/0LERT9uRQ4nrn+22sr1/YR8cuQQ5FNF56QUU5h26eZ5HlTnsRaAD/eVIVyRPvPdkqGzYEsmrIfFE3Bne92wDyUvwzvK8/GmHycmSV0NOCo3HFsnLC/702JRQ/zjSayMYOTRPOlU2DMlLNJwotWLc7EaVly5815SyyM90w97gG2Yljm7l+AsaEkBR/duRqoYSdrzU8fUeA3ixpX87TBqpKFhK3RlMu29TCY2CyRvz727cMx22765U5ZXADt9osMOm5FUU/qb+yLEXLbpkL1qxg+3TDjvpTvWk79PYSDu+DgYkAUXhS/7EnSdF24ekxsGMebJq/IWe1Fh0/6KuNwoMJXHNNTrBFsmLOs2RG7yddsGyF4fGx0kURsZIOJkj5YSb4ODFkeXi5DLJ8Um1xcEpL3txfCVunBxbYZ5IeYnfDiQvWTzVirGzrZC8aMNCu+RdE3bK/s5ybuLDASUp9OAbZyWygrz7RSyH+mFyeKzi+rsTnyzAGd/6aXMjJRhJnCUlsJFPz0mEitiuZP85OEZ1inyH7BQlcUX1z+V54jPdu0Vxz+I3o5Zc5cQtHk50kpybJK/EFSeLxQxmLFUbJQUU6nPDKQvoF1diCEpC0nhypYTgYmXSH/biWwDeUivNSEZyfeV4KqHOnhRKY5+gxKWlN67f2DhPiJlx5i5tBt9btFIEdy5e7c6D5JW47zI74cWxlEORmFYS5vUoKGsAK8ZRLiX/fnN3nXn1h27SG5KCmVBA4eDDbT+v8WVfzqP9juNHxLreXbSChVNcPzlsIc6hyUZcO4Wvzxmfv2GsxjxJ60ejngFDYS243JNskrxoZhvvvtJ6EuN33MXCk7umzZWJqIF+UbUSJwHbnZnwJQWOlJbX+DKt5An24/gRVxKM6ifhRv5hWiBBtjKVuKKuz2GVLWye4e9p7cHddNnoR5C8uJGCed6LY8+3RvKiFZkkpiE3nsfqvb/D+3Mub6Tb9Wyi8F9g9WMd5RcWvSjeD8LBZMFKgwcHb1oI1k27Rnx84hE4sCJy7JcGryAnNrWPDibkL1m5Ncdu2nmzjrOdnTg4637kNU+y+NFoMBTWGsc+iSQv9skFnUhaLEeP1TswmjCSh8n1/cWWFoh8DpK7OEFFyyemveCMNW3bpn2RPL+ocY1iSrR5+CpnjK1BpXPzxFYfQkCRnHVKqRcPOt+aKq8g5R615Cr2SImlvHFdcjUTh9Kb7jrXTb2GXZ3DuX5UjnjITe2ZSpbxc8abpX2BnHeqDShJUoRbu8PbDEy9JlX7wXGNeqa9r9J13rjuz7n4iSvzZMXY2ZlxTjt/2v1u9DNXO1FA5UQnabJ1l7z0FIwTXYv53oRKt1Jq/WgRs/6bSAjtpYR88IljKt5iTw8CjH2aXxiH1v5xdtitkkk+40vb/+7Skd8/rj1XjJsdkvLMx0fSaByjbjLYuKdptrdP3Pj0v6efJ3ESbfvxE1tOVySipWlzfFsjkezvwVDY+3beicuJoVh6jE7Y+cV1+/XraJHl0XuaIHsk7GSjrkMLxcu0uy3woH4G5S+TcUZ1kzv2F2l36eDB8R+yYdTzzUyHG7YN/T6rfbh94Iwzqi2TsXN9JXydTswTLm503phnwVBM8Eo8lwJKXHmp/nEnv087WYIDJ6d+90l6JIpSO0we3bWDTf9a3vAkKRIfLX8FF6u01+csEloWiuJ7NvgH9SFu/FGLfHhCEI50U6HE+LSvEmbUrg5Uae1jgm+S7Ja4END9Xdf9uYGD5DwpYvxp7YeAwvEMg3OWH3SeVVVeUdUvo5+52mBE+Z/q7+zkq7q4IjPdSCdxfZJqdjunfSUbXeflqdmrkrJWNaX5PWd8zcAsU1e7x02zOoaXTfOE/Ob16+4W8VPuvEhzHgKK8Hpps+Slh0r6dNLCJwxLbHMmMkFRfUp7He4Onisfpu1HXr/jMDC6tquSXhRuEoxewh6uzBMEFAlrB9pYdiAxFDeOMc92jqmQZEYLK/0tw7Hj5NGs3BEtDC6PmeMzxFLov7IcnDHnNVbylaJzi1nGsvc/rnGigMqJTpIhKKDUajVVr9cV/VV1UsCan/W/2/J9J3ZgpIX/68yrncCHaz8u61t+0PneuG2xP3d8ur8cf9EBxQX/546fM+4sC3HUb73c4plXW71+hPEDQxH2ApcYih46STW0wy7icG3HxcWEg2EZxk5SKUcupcBZtoM7dolxu8rywFAkrO+o5BUeOmdRTAtXGRbTuLFz5a48FongRkCXQAfLdqXlNe5YyxhQitiA5eEjaedsmt8hoKRBrc1vlh4wq0XyCktcLnze+x9y94PoXMnWJ5a3SD0u4BCUptr1d/eZx7N37dxxU3Cg6+sb/PJgkGQbbR9uv+g8jn+8du2fvByZSbtcvG05b8+bzxdj9nrD5TpeCCjCAcVFyasdBGlYS9kS7kkuwknaJjE0ChgUPPIIHEn9D3+ftEvmSj9lZilhzLiY6N+RP+j7a0ztY/P5CCjC1iGGItykVc3RgqelFfp/PTGkpRWrBt2mM4QB7VSTDtqxByuf6He0CNkQQJL6TgUUQfumHXPSdcr2vZ4rWoKswhzZ559znSigcqKTNCHKIHnZIim40A8ug1t24Hmq18FjrGEhaRdvCi60QHJYGV2Dxu2CHV2XmmzpPxhK2pkV8zvNUOIeXad/hu/9+3BdxqMXk50Iu5hTzWlmBn9339858xUMRXh6ll3yEobL6eYkk7JOA5HQeWIpOKqBAAKKsJ1f2P9cuqOxcUNj8yl5/g2O+kag5l/9ND587xI+O04apfa6xc2nBgu7fGJzxFLoP5fsi/mp1yOz9Wlf5FAS54PRCZC8fLjKLnGAnRhNC7WUcimOS5zof7JEDYZiNi8Sz/YYCg4PAapyoXs06G9jl1oCbGhM9F+nDl0tFP4b7k+wgqyT/aV+lcn+hKtmpy+dcZXTz2aT9uF9n5vnRAGVE50k4/gBJe6NBeX/9x0nj2oEkaCz0uL30hn0MEqZx5p3qh0aXxFSl77p0P9Lb83MB7fdZ36hsOC49ADKpeQzjiLbjdtQkH+/++TyNm+UKf/83/c5lA2LBunn9z839gVbZXUnqnbSTKQdmEsPmOX8ckLBJI97Ryhw0C5+a9eLyzq57O77T3pfSz7HCwfMcnq7RS/KGsrInbk+zrT+B4YiPG+qKnntw1iEXJc9pKUuHURsvuFNesxV8YGqSmEIKMIB5fn9ZlZS8hp6K2/n/sL+5zopCZDUNfTWCzJ7CwWPV+f9yUlphMYvwc5o/K9de5eTfsDxc7Lx2tPnODm+rNLhfs8jh5J5kQg28Px+VDZcCqnYKBW0+znHq37nJieq155+lXqXXvebllN34Hc7HsyTOdo5kreIXvcnp8Yd58cSeJTZD16lMul5VCZdvXVgPyTlReOJ8hlK9yNcRhs+owzf7/fcvEQwX513l39PQuiwdfy0I8/CTPR4bR2fNkOa/mXFxmer/pHm+kEXKuL3w5gMLTgul8bXrvKJi+9+z1/rRAGVE50k5+kueYVdKrzFLs/3u888gcVSXth/Vps7VezChyNxREVRP5AEX4MbR63ct78fWNLd5On7QjCk2GV/bR2u5Nm0e9ydWHaOL546m/knJK/EPbXZCc/tO7OSkhdtMXuRNMTIM9CkIwnIdkmAJLx+555g5ABbn6BqrbsU/bV9fNL92+/5ZIYaBtPzBWKsHZAyTcbfbybPFyh3QpV6to8nr/7tD4ZitF4knvzcfjMbZcP6ZC2lVuEzR/bymFxA7rAVHwqOVBLNPfTiaOt4ivA/wouzqdB9ocX3pdPneOtbEf2ja6Sxz74MOZfGQgElTfu2j5/bPwQU7mrBPO+5fc+pZJWX3pJxd/UNlpLXVkmg3aG3XuixrqSjhZUIXLcM1IbLVuhNnpSgt3lLTyyVw1R9n3azek0K//1fQA4lab0w+r7KkpfemnEXE4+lWCx1cIIjBZO1Z8yxehwm0o6kPYbelszwbMePy7hsH4ekXdv5ExiKUbhIPvmfHkOp9kG7uf6M3MOmxo7OXrz2f/7a2M7R7nqNd78BjjgEknyB8CMcbT2S+q/77YIvF4HxAS9c50QBlROdJINRQKmpmqorys1X9y+XpTy330zrcYoKKrSA0L0GVbczZ/y0uYiSjCjf8M4Ty621f++Dx7DzQRQY333ixcr7AyQv4bD9z33OqWyVV5AK95t5guo/K7lCatNcqvK5ywnJqN+sE7xFYys9ANBiqa5TElfSdQk/kpCoqmvr48utTxUNI8nu4DGJK4THTubeZf14kuwj8T0YSqK7mJ0AyauJVzu5KIgqsRQcQMAmBCiQ0I2MSQdkz1aEEFCSPMbw+3/sc3ZD8tJbFi19Ve1z/3O/yGYpm+bd2SjorCpeVfMPm8fLZidz7/TuqSLpz+bxFNW/A5cih2IYMtqf7kleOBoI7P9CfFK7haXsC5YCt7EDAY+d3MZkJ6ehKCNotQMQUGSdmBiKbItut0YJ2f6zvpg4CJIOVp92ZeJ5OAEI5I3A8Nvo/qPk3An5q80VannjFNX+gUuvd6KAyolOEsCQvJrVbVoCOOCF61i+TQl6kr4gefnVgZBQ/HvOi/SH/uceb7ABInZSbP9svx4kL9ZSxz/p2b0ph4IioGAR1IBZPJbiB+RzJIpNUIRVybdxZJt3VCY8/PYLWZN91alXqnefWA4/C/nZgcvAUFgOxD3pH3ufjbLhiIjKZyl3KirDxExFRCh6Z0HBhCN1efLsqVeiTDhinkPy4kYK5nnEUPxT4x5frRuq1vd0T8oARi5FsxTgVy3/6LS9TfyT2MnWJ5Z1Rfxqzuc4ex0EhsKMFMzTIHnFb9xGMHeAkL5A0Iq8b9RE6tpIZcJz7wKBjiHQkLyYgYJ72rNjZkDyapNEOnDp9SwoN15D0tedWFmLXFkrmPzrNXmMGvHbi1g+SVLXqq9fAamrjZ8ctGy+EwVUTnSSvPLZvWdU+vH1SREgvbSAlRUrmXzEM2HNrVIX/DHKHyF5sfYm/JOeGTMDVV4JVW4HLeOxFD9An110bhbXq0iVIuX0BpyXfI8U+aHHmOfeCakroVbkoOVgKPxowTgTkldydVKvKWPUiNt5MgOkr2Q8EQHNIyCkrnz8CpIXI0iYnPLMmOmQvBgrHN2bMuC8E1nQUlDZOPeP+cwA7DkriSvlTSgZzzkob/JOo6oLUlc76XUsGArHpfjnkOTFP7vaZ5pIX/6ktvdFTNW2pFujNwkm/maGHlyKg4MAAgoHJYNznhk93avyqhNPCeQQ8Tkaj4OWzWej++zeMxo5f+AJ/0ozv0bcfrHqPYXHTGgDs+prv/E25PA3nr+NXb7AiQIqJzpJK2OToeDGNJ8a6yMaD5PEqE7S+y0CXw6+SfhX6fsBs05kJ+G9YEIlwgn+i+9b5zcYCnt/zDtxCTEUHEYIjF3OZyldQduofZwMBKiaayAzZ0dorfz6b9Q79FZJHEYIjHsRDMUIsKSTEVCSEIr+3iSovHLNH70yThxAgIOAaTCBf3FQjT4HASU9dpG/XDL6rOgqr7AIG64uwvdq7IsL2NZoTvou6Qv4tYrc8C+veo3yJSN/ezHbr955fJla6UldoWou+BfLvxBQ2K7GOxEMhYdT1FnYSabHDr/sjoB5MFnuSV040iOAgJIeu8hfPj2KGAqOtAiQzj3wfN79KXSNV67+oyK2ggMIBBHoPWVvNeo/zZjJCqrowpEJgfErbnCigMqJTpIlKKDUajVVr9cV/qbDYZyB9OUFlWv+6AUW4J0O77Lh1ueQvQ1lruWeD9HDHzFvs61bYCiZ4nH3H4OhyABqHFTAVGSAd7wVU2ZCwyVmQrkTHNkRAEPJjmFLCwgocoCaBhW68pLR0+U6gJacQgDBpPPmQkARtsHikdNiJS/9DJw4iQHf+48WCOKTNqhESRfAtzu+QZxcxocKOgad/yWj2UzMZMvCpQ1/c3n8ZEcb+j9hJXIoRk6YdDIYShJC5t+nDSrmV8IvXETAtJDDy7tBIs3F1GAowrASQxFuEs0ppcavuMEYh6dHnWX8G/zALQRG/9c3FEldJseGq//gBRQc8ghMWHmjEwVUTnSSzNNW8qKn2bWp/vKeJonvY6u10gSVF7/660b1DvAtj3/1OniMGnT+iamCCT1lIVISxfzLvP5MQNmwbJR+inIobR5dGH6bgr563FsW8L2PgMYnTVChCp7lX/115FtagG8rvi74Z58peytiJqYHMZMNVF6O+Rn7aNWs9gdDMfXKhPMheQkDGtFcmqBCzUACy982eV8hjcRFfSKmitLgvK2jFAKKMMZPjZjmvQ+l8QKFRsjvekEKPncVo2TDY0KKnAqZesNVf1Ab6M56/Wwm2EPEHnnj2efgMWrg7C8pYiemBwUTqubyJU9dDJXN//Ier6vtT0QOxdQ9258Pyav1BaF5SkpjUiRkdX8Wjzor8m0tWSk/fi9vf0q6p5G4iJGQxEV/ISlHv7hXen6CocjGE/XUiKmo8hLGtF1zdO/BoNlm9x80gsrIaQX2FJdKg8Do330zFSvZ8vgy9cpVf1D0F0dxCExcdZMTBVROdJLM5geUYNovbm+Ef5fCKUtQIZstHknlxbCHlD0k2qEKrrQbBQoiL55yeeNGP4n+wD9482PiKpQNi4bvRSOm+lVekGgLl6wnrroxtS3XX0X3JvwBEnuHUwwkb1EgSZMrIePrYIL515mUERhK6iUo+oeQvIQBNWxuwsr0QcWrBjrlcsgkhphLnE4BJG3SXV8ftpOwRLY2EFCy4dft14uGnwnJq8OS36DZJ6nBKfMq2qBPjZgKyaQgO2a115aFy9TyUy6DvQqyVzsJcdJq5FBEQ8qi4VO7yobh35327ywSmJZPlp98OST4nFKC9N6SMb/7Zqb5R1Il3bCIFJgd680kJOUz+XMMQ2n6tz5Bp7Tw2UegKDzG/O4SRQtX1mPRiKmRZcawp7k9/UBySVaTeKyE2EmR/gR7t7f3pNU3O1FA5UQnCWqPocDFCwwZyVOckrxZJbCmFKZLjYsKicnjc8XfskpbGolWias8+PhU2O3xQPLKvE9qbeDJYWc2JS/9lZYM8NlHoEN4TFp9k5i1Fw2nHEvX0aHxuHL9vf9bhiXSeJedfJlfNBG82wv4W4PH5DVgKGKLDDX0pJeUbz3C/o7vO4vPpFVygWX9VXd4j3NpdzdrFe1Pstbg808SkRvJW4iVLPMS792PKuIbRMGm8U+G5CUaT9STw85AlVens/GM65MENviCk0SN7+2e6ZlRjOuXMYvc55B9PGmR/kodhCcl3quMq0v+BIYi5fld7bRIXjlVx1R0vcplXkmylaAreZJYBexP948Mni3HRIIYEiPZ8tiySuBYlio1MBThgPKEx1BwuIbA5NU359bldXPuUCSNleUgBjJEmIkEsSE2svTkaHmrLBiWdRwHr7nFiQIqJzpJTkIBpaZqqq4oN4+/LuGw0yH7KEog532sn3OHWnfVHc74B+EiLWVFYUx5kqUn/8oZXDC/u69vkLyEV48nhp6BGxtLIPXkyVjCLucxmDl3WCHt9Jmyj9ePPBlIePweI/nKZVaMvyzSU6fGAYYiHVAgeQkj2tnmigwsUQvt5oXLxOUynTSnoEGHZBLdxFplkwJNxl7WcxFQhC37+NDTG5KX3nJpaozPPnVxEY/Ja/LLsQi7oPXNERvZvPCFRjWci/5AUi7mc/f5PGUtciiiE9CTvCKO8H3V4VPwfet9wrbis8/v6SY9ubJYUeezuLHNVP47R5f/du8o/N8N/49zMW2/gxFQZGchMRTZFtGarQjs8/tLFSWscUQj4AeROxT9xVENBKasvdWJAionOkku013y0sQ4jiLje584u40PJLHmgtkqacG/y+Df3PkJyUt447BwL8qhlPE+aBThcOxKcti+/3OpsFfZ35zHRq68Q729cGkV7ufsVBGV9ded8hIYiuhsfXyv01E2zFl5ea+odj4yD5l9khpy4f8R9TEbGmvIWY8txU4D/t6Yp5C8hGcnMRThJtFciRAYcsFJag8HAwwFkHVXIh9SIlfMZSiHgKHI4grJCxtW0w3rHhfYw2J0Ap2CB40DEhb82cSfIXnJxhO1cM/TIHmZeGBFpK804vdOh+7jlSjTX8lqMi9o1JVaN+f/ed6vPyP5geRnGj8N+s0hL93mRAGVE52kyblwr9Pw+HqsTFiZsq5M+L2Tr0GA5CXMUB7b87RGlZduGi+Us+aFcp5JYA/YAy98bC58kvPh0H+BoYiGFEheTm6snK8mw4YefmeDMADJSzScKPXYnqdC8rLBs7HCYoWFHxYuvYKhiAcUyqHgAAJAAAhUDwEEFGGb/32PU+u1Wk3V63VVqylVJ76Cz8AD/oD5UIH14NB/3e5EAZUTnaTYREl54RiF5oAAEAACTiAAhiJsJmIowk2iOSAABICAEwh86mUwFFFDIaCIwonGgAAQcAgBBBRhY8UHFLxCqByvEIpzGNgX9m2nzFfDPxBQCgsowhdCc0AACAAByxBAQBE2yN+GfB05FGFM0RwQAAJuIPDpdb91ooDKiU6SySmgNMuEdfkw/vpl1MABOMAPyjwPwFCEAz8YijCgaA4IAAFnEABDETaVH1AkH7dGHUR7eJwhHmfYnKqYD7bOBwQU4YDy18FfC94ir2+Vx1//kQHAATjAD0o8Dw5DDkU2omjJK1wkiM+tRaXAA3gEE6Pwh3L4AxiKbDxRHkPBAQSAABCoIAKHrf9PJwqonOgk+c9fB3895hXAWvKJe6o4vvclMeAT/dR1+Af8w/75AclLeBfx6OCvNd7YiFer471VsfERbyvB20oKf1tJ/vMRDEU4oEDyEgYUzQEBIOAMAggowqZ6dBBVeZVw64GtdrN6G/bNf6sLf3PS3z6DHIpsRIHk5eQ8wAuDIcFhHyiwDwZDkY0n6tFBX/WqvFAGWY4ySO0esCfsiTLn5mIZNx8+s+G/nCigcqKTBLcfUKCJQBOBZoN5UL114DMbUDYsylEe6WIowUbDD4oIXxDftz5IAvi0IgD/gH+0u7nNJv84HAxFNJ5A8uqCExIRJCJIRMkSUdkkVUhesvFEPTLwFEhekPwE0puQzCCZuSeZHf4KciiiIeWRgV9F2bB78wApH8QvxC+BeQvJSzScKPXwwFPqNVVTdRWMK/gMPOAPzfUK86Gs8+HwV37nRAGVE52k2OQxFBxAAAgAgQoiAMlL2OgPDzgFkpcAdcadhrjTEKk491JxR4ChyEYUkrxkW0RrQAAIAAE3EEBAEbaTx1AijnAZbfgUfN9aZgt8WhGAf8A/2un+tvjHERuRQxENKZC8INVAqnFPqoHEKjNvwVBEw4lSDw04GZKXMKZoDggAATcQOHLjfztRQOVEJ8nkFFCaZcO6PBJ//TJJ4AAc4AdlngeQvIQD/0P9T0aVF6q8cKMkbpSs5I2SYCjSAcWTvMKPa8Pn1sf7AQ/gEVSG4Q9l8QcEFOGA8mD/r+BZXshKIyuNLLdMltsxHI/ahByKaEh5sD/lUKB4QPGopOLh2PKHeSo9T49EQBGNJ8pnKOGjplS9i7hEXg7fAx/4h0dsMT8iEHBnfThq0++dKKByopPkCcRQZEMUWgMCQAAIuIEAJC9hOz3Q7yuQvCD5QfqpZAYBEtpRr4KhiIaUB/t9BWXDSCJhZZEW59GeE0k5SF6i4UQpYijCTaI5IAAEgIATCBwNhiJrJ0heTmykIElBkkJxew7SNCQv2XiiHtj9y5GSV0uRV4QkhO8DT5MFPt0kM/gH/KNRmWTx/Dj6tf9xooDKiU5SbHqg35dxYyP2fjns/ZBEAPe1PzkJyUuYody/+5cbVV66aTxYoiwPlvAtCnvCnnhwTHPhDM6HY8BQZCNKtORVU/V6XdViNxj4HvjAPzA/4oitO+vD0a9C8hKNKPfv/u+QvCB5QfJC2UMlyx7AUETDiVIkeQk3ieaAABAAAk4ggIAibKb7dvv3eq3WpKhedQ4+NyQ/4AF/wHwo7/pwzGv/14kCKic6SbEJDEU4QqM5IAAEnEEADEXYVMRQhJtEc0AACAABJxA49nUwFFFDIZ8bYEEAAAJWSURBVKCIwonGgAAQcAgBBBSHjIWuAgEgAASAQHYEnMmhZB8qWgACQAAIAIE8EUBAyRNdtA0EgAAQqBACCCgVMjaGCgSAABDIEwEElDzRRdtAAAgAgQohgIBSIWNjqEAACACBPBFAQMkTXbQNBIAAEKgQAggoFTI2hgoEgAAQyBMBBJQ80UXbQAAIAIEKIYCAUiFjY6hAAAgAgTwRQEDJE120DQSAABCoEAIIKBUyNoYKBIAAEMgTAQSUPNFF20AACACBCiGAgFIhY2OoQAAIAIE8EUBAyRNdtA0EgAAQqBACCCgVMjaGCgSAABDIEwEElDzRRdtAAAgAgQohgIBSIWNjqEAACACBPBFAQMkTXbQNBIAAEKgQAggoFTI2hgoEgAAQyBMBBJQ80UXbQAAIAIEKIYCAUiFjY6hAAAgAgTwRQEDJE120DQSAABCoEAIIKBUyNoYKBIAAEMgTAQSUPNFF20AACACBCiGAgFIhY2OoQAAIAIE8EUBAyRNdtA0EgAAQqBACCCgVMjaGCgSAABDIEwEElDzRRdtAAAgAgQohgIBSIWNjqEAACACBPBFAQMkTXbQNBIAAEKgQAggoFTI2hgoEgAAQyBMBBJQ80UXbQAAIAIEKIYCAUiFjY6hAAAgAgTwRQEDJE120DQSAABCoEAIIKBUyNoYKBIAAEMgTAQSUPNFF20AACACBCiGAgFIhY2OoQAAIAIE8EUBAyRNdtA0EgAAQqBACCCgVMjaGCgSAABDIEwEElDzRRdtAAAgAgQohgIBSIWNjqEAACACBPBH4/2A/Hn2Tj6LXAAAAAElFTkSuQmCC"/>
+          <p:cNvSpPr>
+            <a:spLocks noChangeAspect="1" noChangeArrowheads="1"/>
+          </p:cNvSpPr>
+          <p:nvPr/>
+        </p:nvSpPr>
+        <p:spPr bwMode="auto">
+          <a:xfrm>
+            <a:off x="155575" y="-457200"/>
+            <a:ext cx="962025" cy="962025"/>
+          </a:xfrm>
+          <a:prstGeom prst="rect">
+            <a:avLst/>
+          </a:prstGeom>
+          <a:noFill/>
+          <a:extLst>
+            <a:ext uri="{909E8E84-426E-40DD-AFC4-6F175D3DCCD1}">
+              <a14:hiddenFill xmlns:a14="http://schemas.microsoft.com/office/drawing/2010/main">
+                <a:solidFill>
+                  <a:srgbClr val="FFFFFF"/>
+                </a:solidFill>
+              </a14:hiddenFill>
+            </a:ext>
+          </a:extLst>
+        </p:spPr>
+        <p:txBody>
+          <a:bodyPr vert="horz" wrap="square" lIns="91440" tIns="45720" rIns="91440" bIns="45720" numCol="1" anchor="t" anchorCtr="0" compatLnSpc="1">
+            <a:prstTxWarp prst="textNoShape">
+              <a:avLst/>
+            </a:prstTxWarp>
+          </a:bodyPr>
+          <a:lstStyle/>
+          <a:p>
+            <a:endParaRPr lang="en-US"/>
+          </a:p>
+        </p:txBody>
+      </p:sp>
+      <p:pic>
+        <p:nvPicPr>
+          <p:cNvPr id="17" name="Picture 6">
+            <a:extLst>
+              <a:ext uri="{FF2B5EF4-FFF2-40B4-BE49-F238E27FC236}">
+                <a16:creationId xmlns:a16="http://schemas.microsoft.com/office/drawing/2014/main" xmlns="" id="{2B100B39-DF43-1277-FD25-F9CCE7591909}"/>
+              </a:ext>
+            </a:extLst>
+          </p:cNvPr>
+          <p:cNvPicPr>
+            <a:picLocks noChangeAspect="1" noChangeArrowheads="1"/>
+          </p:cNvPicPr>
+          <p:nvPr/>
+        </p:nvPicPr>
+        <p:blipFill>
+          <a:blip r:embed="rId2" cstate="print">
+            <a:extLst>
+              <a:ext uri="{28A0092B-C50C-407E-A947-70E740481C1C}">
+                <a14:useLocalDpi xmlns:a14="http://schemas.microsoft.com/office/drawing/2010/main" val="0"/>
+              </a:ext>
+            </a:extLst>
+          </a:blip>
+          <a:srcRect/>
+          <a:stretch>
+            <a:fillRect/>
+          </a:stretch>
+        </p:blipFill>
+        <p:spPr bwMode="auto">
+          <a:xfrm>
+            <a:off x="10567283" y="5665319"/>
             <a:ext cx="588397" cy="588397"/>
           </a:xfrm>
           <a:prstGeom prst="rect">
@@ -7733,10 +10267,491 @@
       </p:pic>
       <p:pic>
         <p:nvPicPr>
-          <p:cNvPr id="1036" name="Picture 12" descr="Amazon SageMaker Introduction – Try Machine Learning with Built-in  Algorithms | devnote">
+          <p:cNvPr id="20" name="Picture 10" descr="Amazon QuickSight">
             <a:extLst>
               <a:ext uri="{FF2B5EF4-FFF2-40B4-BE49-F238E27FC236}">
-                <a16:creationId xmlns:a16="http://schemas.microsoft.com/office/drawing/2014/main" id="{167DD8F3-FB8C-E626-53BC-B6527E2F8D12}"/>
+                <a16:creationId xmlns:a16="http://schemas.microsoft.com/office/drawing/2014/main" xmlns="" id="{03E93461-13A2-1A11-FDC5-7E83F44B0D02}"/>
+              </a:ext>
+            </a:extLst>
+          </p:cNvPr>
+          <p:cNvPicPr>
+            <a:picLocks noChangeAspect="1" noChangeArrowheads="1"/>
+          </p:cNvPicPr>
+          <p:nvPr/>
+        </p:nvPicPr>
+        <p:blipFill>
+          <a:blip r:embed="rId3" cstate="print">
+            <a:extLst>
+              <a:ext uri="{28A0092B-C50C-407E-A947-70E740481C1C}">
+                <a14:useLocalDpi xmlns:a14="http://schemas.microsoft.com/office/drawing/2010/main" val="0"/>
+              </a:ext>
+            </a:extLst>
+          </a:blip>
+          <a:srcRect/>
+          <a:stretch>
+            <a:fillRect/>
+          </a:stretch>
+        </p:blipFill>
+        <p:spPr bwMode="auto">
+          <a:xfrm>
+            <a:off x="7967874" y="5668841"/>
+            <a:ext cx="584875" cy="584875"/>
+          </a:xfrm>
+          <a:prstGeom prst="rect">
+            <a:avLst/>
+          </a:prstGeom>
+          <a:noFill/>
+          <a:extLst>
+            <a:ext uri="{909E8E84-426E-40DD-AFC4-6F175D3DCCD1}">
+              <a14:hiddenFill xmlns:a14="http://schemas.microsoft.com/office/drawing/2010/main">
+                <a:solidFill>
+                  <a:srgbClr val="FFFFFF"/>
+                </a:solidFill>
+              </a14:hiddenFill>
+            </a:ext>
+          </a:extLst>
+        </p:spPr>
+      </p:pic>
+      <p:pic>
+        <p:nvPicPr>
+          <p:cNvPr id="25" name="Picture 12" descr="Amazon SageMaker Introduction – Try Machine Learning with Built-in  Algorithms | devnote">
+            <a:extLst>
+              <a:ext uri="{FF2B5EF4-FFF2-40B4-BE49-F238E27FC236}">
+                <a16:creationId xmlns:a16="http://schemas.microsoft.com/office/drawing/2014/main" xmlns="" id="{FE455899-6AE5-171E-8430-8FCCC67AFFC1}"/>
+              </a:ext>
+            </a:extLst>
+          </p:cNvPr>
+          <p:cNvPicPr>
+            <a:picLocks noChangeAspect="1" noChangeArrowheads="1"/>
+          </p:cNvPicPr>
+          <p:nvPr/>
+        </p:nvPicPr>
+        <p:blipFill>
+          <a:blip r:embed="rId4" cstate="print">
+            <a:extLst>
+              <a:ext uri="{28A0092B-C50C-407E-A947-70E740481C1C}">
+                <a14:useLocalDpi xmlns:a14="http://schemas.microsoft.com/office/drawing/2010/main" val="0"/>
+              </a:ext>
+            </a:extLst>
+          </a:blip>
+          <a:srcRect/>
+          <a:stretch>
+            <a:fillRect/>
+          </a:stretch>
+        </p:blipFill>
+        <p:spPr bwMode="auto">
+          <a:xfrm>
+            <a:off x="4177674" y="1834798"/>
+            <a:ext cx="588397" cy="588397"/>
+          </a:xfrm>
+          <a:prstGeom prst="rect">
+            <a:avLst/>
+          </a:prstGeom>
+          <a:noFill/>
+          <a:extLst>
+            <a:ext uri="{909E8E84-426E-40DD-AFC4-6F175D3DCCD1}">
+              <a14:hiddenFill xmlns:a14="http://schemas.microsoft.com/office/drawing/2010/main">
+                <a:solidFill>
+                  <a:srgbClr val="FFFFFF"/>
+                </a:solidFill>
+              </a14:hiddenFill>
+            </a:ext>
+          </a:extLst>
+        </p:spPr>
+      </p:pic>
+      <p:pic>
+        <p:nvPicPr>
+          <p:cNvPr id="26" name="Picture 12" descr="What is Amazon Redshift? | Logicata"/>
+          <p:cNvPicPr>
+            <a:picLocks noChangeAspect="1" noChangeArrowheads="1"/>
+          </p:cNvPicPr>
+          <p:nvPr/>
+        </p:nvPicPr>
+        <p:blipFill>
+          <a:blip r:embed="rId5" cstate="print">
+            <a:extLst>
+              <a:ext uri="{28A0092B-C50C-407E-A947-70E740481C1C}">
+                <a14:useLocalDpi xmlns:a14="http://schemas.microsoft.com/office/drawing/2010/main" val="0"/>
+              </a:ext>
+            </a:extLst>
+          </a:blip>
+          <a:srcRect/>
+          <a:stretch>
+            <a:fillRect/>
+          </a:stretch>
+        </p:blipFill>
+        <p:spPr bwMode="auto">
+          <a:xfrm>
+            <a:off x="4177674" y="3628076"/>
+            <a:ext cx="584876" cy="584876"/>
+          </a:xfrm>
+          <a:prstGeom prst="rect">
+            <a:avLst/>
+          </a:prstGeom>
+          <a:noFill/>
+          <a:extLst>
+            <a:ext uri="{909E8E84-426E-40DD-AFC4-6F175D3DCCD1}">
+              <a14:hiddenFill xmlns:a14="http://schemas.microsoft.com/office/drawing/2010/main">
+                <a:solidFill>
+                  <a:srgbClr val="FFFFFF"/>
+                </a:solidFill>
+              </a14:hiddenFill>
+            </a:ext>
+          </a:extLst>
+        </p:spPr>
+      </p:pic>
+      <p:pic>
+        <p:nvPicPr>
+          <p:cNvPr id="28" name="Picture 20" descr="Clouddraw - Create cloud architecture diagrams in minutes"/>
+          <p:cNvPicPr>
+            <a:picLocks noChangeAspect="1" noChangeArrowheads="1"/>
+          </p:cNvPicPr>
+          <p:nvPr/>
+        </p:nvPicPr>
+        <p:blipFill>
+          <a:blip r:embed="rId6" cstate="print">
+            <a:extLst>
+              <a:ext uri="{28A0092B-C50C-407E-A947-70E740481C1C}">
+                <a14:useLocalDpi xmlns:a14="http://schemas.microsoft.com/office/drawing/2010/main" val="0"/>
+              </a:ext>
+            </a:extLst>
+          </a:blip>
+          <a:srcRect/>
+          <a:stretch>
+            <a:fillRect/>
+          </a:stretch>
+        </p:blipFill>
+        <p:spPr bwMode="auto">
+          <a:xfrm>
+            <a:off x="9696589" y="5665319"/>
+            <a:ext cx="591212" cy="591212"/>
+          </a:xfrm>
+          <a:prstGeom prst="rect">
+            <a:avLst/>
+          </a:prstGeom>
+          <a:noFill/>
+          <a:extLst>
+            <a:ext uri="{909E8E84-426E-40DD-AFC4-6F175D3DCCD1}">
+              <a14:hiddenFill xmlns:a14="http://schemas.microsoft.com/office/drawing/2010/main">
+                <a:solidFill>
+                  <a:srgbClr val="FFFFFF"/>
+                </a:solidFill>
+              </a14:hiddenFill>
+            </a:ext>
+          </a:extLst>
+        </p:spPr>
+      </p:pic>
+      <p:sp>
+        <p:nvSpPr>
+          <p:cNvPr id="36" name="Content Placeholder 2"/>
+          <p:cNvSpPr txBox="1">
+            <a:spLocks/>
+          </p:cNvSpPr>
+          <p:nvPr/>
+        </p:nvSpPr>
+        <p:spPr>
+          <a:xfrm>
+            <a:off x="1097280" y="1737360"/>
+            <a:ext cx="2700020" cy="4516356"/>
+          </a:xfrm>
+          <a:prstGeom prst="rect">
+            <a:avLst/>
+          </a:prstGeom>
+        </p:spPr>
+        <p:txBody>
+          <a:bodyPr vert="horz" lIns="0" tIns="45720" rIns="0" bIns="45720" rtlCol="0">
+            <a:noAutofit/>
+          </a:bodyPr>
+          <a:lstStyle>
+            <a:lvl1pPr marL="91440" indent="-91440" algn="l" defTabSz="914400" rtl="0" eaLnBrk="1" latinLnBrk="0" hangingPunct="1">
+              <a:lnSpc>
+                <a:spcPct val="90000"/>
+              </a:lnSpc>
+              <a:spcBef>
+                <a:spcPts val="1200"/>
+              </a:spcBef>
+              <a:spcAft>
+                <a:spcPts val="200"/>
+              </a:spcAft>
+              <a:buClr>
+                <a:schemeClr val="accent1"/>
+              </a:buClr>
+              <a:buSzPct val="100000"/>
+              <a:buFont typeface="Calibri" panose="020F0502020204030204" pitchFamily="34" charset="0"/>
+              <a:buChar char=" "/>
+              <a:defRPr sz="2000" kern="1200">
+                <a:solidFill>
+                  <a:schemeClr val="tx1">
+                    <a:lumMod val="75000"/>
+                    <a:lumOff val="25000"/>
+                  </a:schemeClr>
+                </a:solidFill>
+                <a:latin typeface="+mn-lt"/>
+                <a:ea typeface="+mn-ea"/>
+                <a:cs typeface="+mn-cs"/>
+              </a:defRPr>
+            </a:lvl1pPr>
+            <a:lvl2pPr marL="384048" indent="-182880" algn="l" defTabSz="914400" rtl="0" eaLnBrk="1" latinLnBrk="0" hangingPunct="1">
+              <a:lnSpc>
+                <a:spcPct val="90000"/>
+              </a:lnSpc>
+              <a:spcBef>
+                <a:spcPts val="200"/>
+              </a:spcBef>
+              <a:spcAft>
+                <a:spcPts val="400"/>
+              </a:spcAft>
+              <a:buClr>
+                <a:schemeClr val="accent1"/>
+              </a:buClr>
+              <a:buFont typeface="Calibri" pitchFamily="34" charset="0"/>
+              <a:buChar char="◦"/>
+              <a:defRPr sz="1800" kern="1200">
+                <a:solidFill>
+                  <a:schemeClr val="tx1">
+                    <a:lumMod val="75000"/>
+                    <a:lumOff val="25000"/>
+                  </a:schemeClr>
+                </a:solidFill>
+                <a:latin typeface="+mn-lt"/>
+                <a:ea typeface="+mn-ea"/>
+                <a:cs typeface="+mn-cs"/>
+              </a:defRPr>
+            </a:lvl2pPr>
+            <a:lvl3pPr marL="566928" indent="-182880" algn="l" defTabSz="914400" rtl="0" eaLnBrk="1" latinLnBrk="0" hangingPunct="1">
+              <a:lnSpc>
+                <a:spcPct val="90000"/>
+              </a:lnSpc>
+              <a:spcBef>
+                <a:spcPts val="200"/>
+              </a:spcBef>
+              <a:spcAft>
+                <a:spcPts val="400"/>
+              </a:spcAft>
+              <a:buClr>
+                <a:schemeClr val="accent1"/>
+              </a:buClr>
+              <a:buFont typeface="Calibri" pitchFamily="34" charset="0"/>
+              <a:buChar char="◦"/>
+              <a:defRPr sz="1400" kern="1200">
+                <a:solidFill>
+                  <a:schemeClr val="tx1">
+                    <a:lumMod val="75000"/>
+                    <a:lumOff val="25000"/>
+                  </a:schemeClr>
+                </a:solidFill>
+                <a:latin typeface="+mn-lt"/>
+                <a:ea typeface="+mn-ea"/>
+                <a:cs typeface="+mn-cs"/>
+              </a:defRPr>
+            </a:lvl3pPr>
+            <a:lvl4pPr marL="749808" indent="-182880" algn="l" defTabSz="914400" rtl="0" eaLnBrk="1" latinLnBrk="0" hangingPunct="1">
+              <a:lnSpc>
+                <a:spcPct val="90000"/>
+              </a:lnSpc>
+              <a:spcBef>
+                <a:spcPts val="200"/>
+              </a:spcBef>
+              <a:spcAft>
+                <a:spcPts val="400"/>
+              </a:spcAft>
+              <a:buClr>
+                <a:schemeClr val="accent1"/>
+              </a:buClr>
+              <a:buFont typeface="Calibri" pitchFamily="34" charset="0"/>
+              <a:buChar char="◦"/>
+              <a:defRPr sz="1400" kern="1200">
+                <a:solidFill>
+                  <a:schemeClr val="tx1">
+                    <a:lumMod val="75000"/>
+                    <a:lumOff val="25000"/>
+                  </a:schemeClr>
+                </a:solidFill>
+                <a:latin typeface="+mn-lt"/>
+                <a:ea typeface="+mn-ea"/>
+                <a:cs typeface="+mn-cs"/>
+              </a:defRPr>
+            </a:lvl4pPr>
+            <a:lvl5pPr marL="932688" indent="-182880" algn="l" defTabSz="914400" rtl="0" eaLnBrk="1" latinLnBrk="0" hangingPunct="1">
+              <a:lnSpc>
+                <a:spcPct val="90000"/>
+              </a:lnSpc>
+              <a:spcBef>
+                <a:spcPts val="200"/>
+              </a:spcBef>
+              <a:spcAft>
+                <a:spcPts val="400"/>
+              </a:spcAft>
+              <a:buClr>
+                <a:schemeClr val="accent1"/>
+              </a:buClr>
+              <a:buFont typeface="Calibri" pitchFamily="34" charset="0"/>
+              <a:buChar char="◦"/>
+              <a:defRPr sz="1400" kern="1200">
+                <a:solidFill>
+                  <a:schemeClr val="tx1">
+                    <a:lumMod val="75000"/>
+                    <a:lumOff val="25000"/>
+                  </a:schemeClr>
+                </a:solidFill>
+                <a:latin typeface="+mn-lt"/>
+                <a:ea typeface="+mn-ea"/>
+                <a:cs typeface="+mn-cs"/>
+              </a:defRPr>
+            </a:lvl5pPr>
+            <a:lvl6pPr marL="1100000" indent="-228600" algn="l" defTabSz="914400" rtl="0" eaLnBrk="1" latinLnBrk="0" hangingPunct="1">
+              <a:lnSpc>
+                <a:spcPct val="90000"/>
+              </a:lnSpc>
+              <a:spcBef>
+                <a:spcPts val="200"/>
+              </a:spcBef>
+              <a:spcAft>
+                <a:spcPts val="400"/>
+              </a:spcAft>
+              <a:buClr>
+                <a:schemeClr val="accent1"/>
+              </a:buClr>
+              <a:buFont typeface="Calibri" pitchFamily="34" charset="0"/>
+              <a:buChar char="◦"/>
+              <a:defRPr sz="1400" kern="1200">
+                <a:solidFill>
+                  <a:schemeClr val="tx1">
+                    <a:lumMod val="75000"/>
+                    <a:lumOff val="25000"/>
+                  </a:schemeClr>
+                </a:solidFill>
+                <a:latin typeface="+mn-lt"/>
+                <a:ea typeface="+mn-ea"/>
+                <a:cs typeface="+mn-cs"/>
+              </a:defRPr>
+            </a:lvl6pPr>
+            <a:lvl7pPr marL="1300000" indent="-228600" algn="l" defTabSz="914400" rtl="0" eaLnBrk="1" latinLnBrk="0" hangingPunct="1">
+              <a:lnSpc>
+                <a:spcPct val="90000"/>
+              </a:lnSpc>
+              <a:spcBef>
+                <a:spcPts val="200"/>
+              </a:spcBef>
+              <a:spcAft>
+                <a:spcPts val="400"/>
+              </a:spcAft>
+              <a:buClr>
+                <a:schemeClr val="accent1"/>
+              </a:buClr>
+              <a:buFont typeface="Calibri" pitchFamily="34" charset="0"/>
+              <a:buChar char="◦"/>
+              <a:defRPr sz="1400" kern="1200">
+                <a:solidFill>
+                  <a:schemeClr val="tx1">
+                    <a:lumMod val="75000"/>
+                    <a:lumOff val="25000"/>
+                  </a:schemeClr>
+                </a:solidFill>
+                <a:latin typeface="+mn-lt"/>
+                <a:ea typeface="+mn-ea"/>
+                <a:cs typeface="+mn-cs"/>
+              </a:defRPr>
+            </a:lvl7pPr>
+            <a:lvl8pPr marL="1500000" indent="-228600" algn="l" defTabSz="914400" rtl="0" eaLnBrk="1" latinLnBrk="0" hangingPunct="1">
+              <a:lnSpc>
+                <a:spcPct val="90000"/>
+              </a:lnSpc>
+              <a:spcBef>
+                <a:spcPts val="200"/>
+              </a:spcBef>
+              <a:spcAft>
+                <a:spcPts val="400"/>
+              </a:spcAft>
+              <a:buClr>
+                <a:schemeClr val="accent1"/>
+              </a:buClr>
+              <a:buFont typeface="Calibri" pitchFamily="34" charset="0"/>
+              <a:buChar char="◦"/>
+              <a:defRPr sz="1400" kern="1200">
+                <a:solidFill>
+                  <a:schemeClr val="tx1">
+                    <a:lumMod val="75000"/>
+                    <a:lumOff val="25000"/>
+                  </a:schemeClr>
+                </a:solidFill>
+                <a:latin typeface="+mn-lt"/>
+                <a:ea typeface="+mn-ea"/>
+                <a:cs typeface="+mn-cs"/>
+              </a:defRPr>
+            </a:lvl8pPr>
+            <a:lvl9pPr marL="1700000" indent="-228600" algn="l" defTabSz="914400" rtl="0" eaLnBrk="1" latinLnBrk="0" hangingPunct="1">
+              <a:lnSpc>
+                <a:spcPct val="90000"/>
+              </a:lnSpc>
+              <a:spcBef>
+                <a:spcPts val="200"/>
+              </a:spcBef>
+              <a:spcAft>
+                <a:spcPts val="400"/>
+              </a:spcAft>
+              <a:buClr>
+                <a:schemeClr val="accent1"/>
+              </a:buClr>
+              <a:buFont typeface="Calibri" pitchFamily="34" charset="0"/>
+              <a:buChar char="◦"/>
+              <a:defRPr sz="1400" kern="1200">
+                <a:solidFill>
+                  <a:schemeClr val="tx1">
+                    <a:lumMod val="75000"/>
+                    <a:lumOff val="25000"/>
+                  </a:schemeClr>
+                </a:solidFill>
+                <a:latin typeface="+mn-lt"/>
+                <a:ea typeface="+mn-ea"/>
+                <a:cs typeface="+mn-cs"/>
+              </a:defRPr>
+            </a:lvl9pPr>
+          </a:lstStyle>
+          <a:p>
+            <a:pPr marL="201168" lvl="1" indent="0">
+              <a:buNone/>
+            </a:pPr>
+            <a:r>
+              <a:rPr lang="en-US" sz="2000" dirty="0" smtClean="0"/>
+              <a:t>Assumptions</a:t>
+            </a:r>
+          </a:p>
+          <a:p>
+            <a:pPr lvl="1">
+              <a:buFontTx/>
+              <a:buChar char="-"/>
+            </a:pPr>
+            <a:r>
+              <a:rPr lang="en-US" sz="2000" dirty="0" smtClean="0"/>
+              <a:t>Training will take two weeks using the best SageMaker instance</a:t>
+            </a:r>
+          </a:p>
+          <a:p>
+            <a:pPr lvl="1">
+              <a:buFontTx/>
+              <a:buChar char="-"/>
+            </a:pPr>
+            <a:r>
+              <a:rPr lang="en-US" sz="2000" dirty="0" smtClean="0"/>
+              <a:t>Half of all data collected is unable to be transferred into RedShift</a:t>
+            </a:r>
+          </a:p>
+          <a:p>
+            <a:pPr lvl="1">
+              <a:buFontTx/>
+              <a:buChar char="-"/>
+            </a:pPr>
+            <a:endParaRPr lang="en-US" dirty="0" smtClean="0"/>
+          </a:p>
+        </p:txBody>
+      </p:sp>
+      <p:pic>
+        <p:nvPicPr>
+          <p:cNvPr id="37" name="Picture 4" descr="Amazon S3 Simple Storage Service Logo PNG Vector (SVG) Free ...">
+            <a:extLst>
+              <a:ext uri="{FF2B5EF4-FFF2-40B4-BE49-F238E27FC236}">
+                <a16:creationId xmlns:a16="http://schemas.microsoft.com/office/drawing/2014/main" xmlns="" id="{16FA8107-B74F-1512-4ADD-8863E9279A2C}"/>
               </a:ext>
             </a:extLst>
           </p:cNvPr>
@@ -7760,7 +10775,7 @@
         </p:blipFill>
         <p:spPr bwMode="auto">
           <a:xfrm>
-            <a:off x="1537418" y="4470546"/>
+            <a:off x="4177674" y="2731436"/>
             <a:ext cx="588398" cy="588398"/>
           </a:xfrm>
           <a:prstGeom prst="rect">
@@ -7778,57 +10793,2502 @@
           </a:extLst>
         </p:spPr>
       </p:pic>
+      <p:sp>
+        <p:nvSpPr>
+          <p:cNvPr id="38" name="Content Placeholder 2"/>
+          <p:cNvSpPr txBox="1">
+            <a:spLocks/>
+          </p:cNvSpPr>
+          <p:nvPr/>
+        </p:nvSpPr>
+        <p:spPr>
+          <a:xfrm>
+            <a:off x="4933876" y="2782487"/>
+            <a:ext cx="4618899" cy="486295"/>
+          </a:xfrm>
+          <a:prstGeom prst="rect">
+            <a:avLst/>
+          </a:prstGeom>
+        </p:spPr>
+        <p:txBody>
+          <a:bodyPr vert="horz" lIns="0" tIns="45720" rIns="0" bIns="45720" rtlCol="0">
+            <a:noAutofit/>
+          </a:bodyPr>
+          <a:lstStyle>
+            <a:lvl1pPr marL="91440" indent="-91440" algn="l" defTabSz="914400" rtl="0" eaLnBrk="1" latinLnBrk="0" hangingPunct="1">
+              <a:lnSpc>
+                <a:spcPct val="90000"/>
+              </a:lnSpc>
+              <a:spcBef>
+                <a:spcPts val="1200"/>
+              </a:spcBef>
+              <a:spcAft>
+                <a:spcPts val="200"/>
+              </a:spcAft>
+              <a:buClr>
+                <a:schemeClr val="accent1"/>
+              </a:buClr>
+              <a:buSzPct val="100000"/>
+              <a:buFont typeface="Calibri" panose="020F0502020204030204" pitchFamily="34" charset="0"/>
+              <a:buChar char=" "/>
+              <a:defRPr sz="2000" kern="1200">
+                <a:solidFill>
+                  <a:schemeClr val="tx1">
+                    <a:lumMod val="75000"/>
+                    <a:lumOff val="25000"/>
+                  </a:schemeClr>
+                </a:solidFill>
+                <a:latin typeface="+mn-lt"/>
+                <a:ea typeface="+mn-ea"/>
+                <a:cs typeface="+mn-cs"/>
+              </a:defRPr>
+            </a:lvl1pPr>
+            <a:lvl2pPr marL="384048" indent="-182880" algn="l" defTabSz="914400" rtl="0" eaLnBrk="1" latinLnBrk="0" hangingPunct="1">
+              <a:lnSpc>
+                <a:spcPct val="90000"/>
+              </a:lnSpc>
+              <a:spcBef>
+                <a:spcPts val="200"/>
+              </a:spcBef>
+              <a:spcAft>
+                <a:spcPts val="400"/>
+              </a:spcAft>
+              <a:buClr>
+                <a:schemeClr val="accent1"/>
+              </a:buClr>
+              <a:buFont typeface="Calibri" pitchFamily="34" charset="0"/>
+              <a:buChar char="◦"/>
+              <a:defRPr sz="1800" kern="1200">
+                <a:solidFill>
+                  <a:schemeClr val="tx1">
+                    <a:lumMod val="75000"/>
+                    <a:lumOff val="25000"/>
+                  </a:schemeClr>
+                </a:solidFill>
+                <a:latin typeface="+mn-lt"/>
+                <a:ea typeface="+mn-ea"/>
+                <a:cs typeface="+mn-cs"/>
+              </a:defRPr>
+            </a:lvl2pPr>
+            <a:lvl3pPr marL="566928" indent="-182880" algn="l" defTabSz="914400" rtl="0" eaLnBrk="1" latinLnBrk="0" hangingPunct="1">
+              <a:lnSpc>
+                <a:spcPct val="90000"/>
+              </a:lnSpc>
+              <a:spcBef>
+                <a:spcPts val="200"/>
+              </a:spcBef>
+              <a:spcAft>
+                <a:spcPts val="400"/>
+              </a:spcAft>
+              <a:buClr>
+                <a:schemeClr val="accent1"/>
+              </a:buClr>
+              <a:buFont typeface="Calibri" pitchFamily="34" charset="0"/>
+              <a:buChar char="◦"/>
+              <a:defRPr sz="1400" kern="1200">
+                <a:solidFill>
+                  <a:schemeClr val="tx1">
+                    <a:lumMod val="75000"/>
+                    <a:lumOff val="25000"/>
+                  </a:schemeClr>
+                </a:solidFill>
+                <a:latin typeface="+mn-lt"/>
+                <a:ea typeface="+mn-ea"/>
+                <a:cs typeface="+mn-cs"/>
+              </a:defRPr>
+            </a:lvl3pPr>
+            <a:lvl4pPr marL="749808" indent="-182880" algn="l" defTabSz="914400" rtl="0" eaLnBrk="1" latinLnBrk="0" hangingPunct="1">
+              <a:lnSpc>
+                <a:spcPct val="90000"/>
+              </a:lnSpc>
+              <a:spcBef>
+                <a:spcPts val="200"/>
+              </a:spcBef>
+              <a:spcAft>
+                <a:spcPts val="400"/>
+              </a:spcAft>
+              <a:buClr>
+                <a:schemeClr val="accent1"/>
+              </a:buClr>
+              <a:buFont typeface="Calibri" pitchFamily="34" charset="0"/>
+              <a:buChar char="◦"/>
+              <a:defRPr sz="1400" kern="1200">
+                <a:solidFill>
+                  <a:schemeClr val="tx1">
+                    <a:lumMod val="75000"/>
+                    <a:lumOff val="25000"/>
+                  </a:schemeClr>
+                </a:solidFill>
+                <a:latin typeface="+mn-lt"/>
+                <a:ea typeface="+mn-ea"/>
+                <a:cs typeface="+mn-cs"/>
+              </a:defRPr>
+            </a:lvl4pPr>
+            <a:lvl5pPr marL="932688" indent="-182880" algn="l" defTabSz="914400" rtl="0" eaLnBrk="1" latinLnBrk="0" hangingPunct="1">
+              <a:lnSpc>
+                <a:spcPct val="90000"/>
+              </a:lnSpc>
+              <a:spcBef>
+                <a:spcPts val="200"/>
+              </a:spcBef>
+              <a:spcAft>
+                <a:spcPts val="400"/>
+              </a:spcAft>
+              <a:buClr>
+                <a:schemeClr val="accent1"/>
+              </a:buClr>
+              <a:buFont typeface="Calibri" pitchFamily="34" charset="0"/>
+              <a:buChar char="◦"/>
+              <a:defRPr sz="1400" kern="1200">
+                <a:solidFill>
+                  <a:schemeClr val="tx1">
+                    <a:lumMod val="75000"/>
+                    <a:lumOff val="25000"/>
+                  </a:schemeClr>
+                </a:solidFill>
+                <a:latin typeface="+mn-lt"/>
+                <a:ea typeface="+mn-ea"/>
+                <a:cs typeface="+mn-cs"/>
+              </a:defRPr>
+            </a:lvl5pPr>
+            <a:lvl6pPr marL="1100000" indent="-228600" algn="l" defTabSz="914400" rtl="0" eaLnBrk="1" latinLnBrk="0" hangingPunct="1">
+              <a:lnSpc>
+                <a:spcPct val="90000"/>
+              </a:lnSpc>
+              <a:spcBef>
+                <a:spcPts val="200"/>
+              </a:spcBef>
+              <a:spcAft>
+                <a:spcPts val="400"/>
+              </a:spcAft>
+              <a:buClr>
+                <a:schemeClr val="accent1"/>
+              </a:buClr>
+              <a:buFont typeface="Calibri" pitchFamily="34" charset="0"/>
+              <a:buChar char="◦"/>
+              <a:defRPr sz="1400" kern="1200">
+                <a:solidFill>
+                  <a:schemeClr val="tx1">
+                    <a:lumMod val="75000"/>
+                    <a:lumOff val="25000"/>
+                  </a:schemeClr>
+                </a:solidFill>
+                <a:latin typeface="+mn-lt"/>
+                <a:ea typeface="+mn-ea"/>
+                <a:cs typeface="+mn-cs"/>
+              </a:defRPr>
+            </a:lvl6pPr>
+            <a:lvl7pPr marL="1300000" indent="-228600" algn="l" defTabSz="914400" rtl="0" eaLnBrk="1" latinLnBrk="0" hangingPunct="1">
+              <a:lnSpc>
+                <a:spcPct val="90000"/>
+              </a:lnSpc>
+              <a:spcBef>
+                <a:spcPts val="200"/>
+              </a:spcBef>
+              <a:spcAft>
+                <a:spcPts val="400"/>
+              </a:spcAft>
+              <a:buClr>
+                <a:schemeClr val="accent1"/>
+              </a:buClr>
+              <a:buFont typeface="Calibri" pitchFamily="34" charset="0"/>
+              <a:buChar char="◦"/>
+              <a:defRPr sz="1400" kern="1200">
+                <a:solidFill>
+                  <a:schemeClr val="tx1">
+                    <a:lumMod val="75000"/>
+                    <a:lumOff val="25000"/>
+                  </a:schemeClr>
+                </a:solidFill>
+                <a:latin typeface="+mn-lt"/>
+                <a:ea typeface="+mn-ea"/>
+                <a:cs typeface="+mn-cs"/>
+              </a:defRPr>
+            </a:lvl7pPr>
+            <a:lvl8pPr marL="1500000" indent="-228600" algn="l" defTabSz="914400" rtl="0" eaLnBrk="1" latinLnBrk="0" hangingPunct="1">
+              <a:lnSpc>
+                <a:spcPct val="90000"/>
+              </a:lnSpc>
+              <a:spcBef>
+                <a:spcPts val="200"/>
+              </a:spcBef>
+              <a:spcAft>
+                <a:spcPts val="400"/>
+              </a:spcAft>
+              <a:buClr>
+                <a:schemeClr val="accent1"/>
+              </a:buClr>
+              <a:buFont typeface="Calibri" pitchFamily="34" charset="0"/>
+              <a:buChar char="◦"/>
+              <a:defRPr sz="1400" kern="1200">
+                <a:solidFill>
+                  <a:schemeClr val="tx1">
+                    <a:lumMod val="75000"/>
+                    <a:lumOff val="25000"/>
+                  </a:schemeClr>
+                </a:solidFill>
+                <a:latin typeface="+mn-lt"/>
+                <a:ea typeface="+mn-ea"/>
+                <a:cs typeface="+mn-cs"/>
+              </a:defRPr>
+            </a:lvl8pPr>
+            <a:lvl9pPr marL="1700000" indent="-228600" algn="l" defTabSz="914400" rtl="0" eaLnBrk="1" latinLnBrk="0" hangingPunct="1">
+              <a:lnSpc>
+                <a:spcPct val="90000"/>
+              </a:lnSpc>
+              <a:spcBef>
+                <a:spcPts val="200"/>
+              </a:spcBef>
+              <a:spcAft>
+                <a:spcPts val="400"/>
+              </a:spcAft>
+              <a:buClr>
+                <a:schemeClr val="accent1"/>
+              </a:buClr>
+              <a:buFont typeface="Calibri" pitchFamily="34" charset="0"/>
+              <a:buChar char="◦"/>
+              <a:defRPr sz="1400" kern="1200">
+                <a:solidFill>
+                  <a:schemeClr val="tx1">
+                    <a:lumMod val="75000"/>
+                    <a:lumOff val="25000"/>
+                  </a:schemeClr>
+                </a:solidFill>
+                <a:latin typeface="+mn-lt"/>
+                <a:ea typeface="+mn-ea"/>
+                <a:cs typeface="+mn-cs"/>
+              </a:defRPr>
+            </a:lvl9pPr>
+          </a:lstStyle>
+          <a:p>
+            <a:pPr marL="201168" lvl="1" indent="0">
+              <a:buNone/>
+            </a:pPr>
+            <a:r>
+              <a:rPr lang="en-US" sz="2800" dirty="0" smtClean="0"/>
+              <a:t>AWS S3: 41 TB Storage</a:t>
+            </a:r>
+            <a:endParaRPr lang="en-US" sz="2400" dirty="0" smtClean="0"/>
+          </a:p>
+        </p:txBody>
+      </p:sp>
+      <p:sp>
+        <p:nvSpPr>
+          <p:cNvPr id="39" name="Content Placeholder 2"/>
+          <p:cNvSpPr txBox="1">
+            <a:spLocks/>
+          </p:cNvSpPr>
+          <p:nvPr/>
+        </p:nvSpPr>
+        <p:spPr>
+          <a:xfrm>
+            <a:off x="4977462" y="3679126"/>
+            <a:ext cx="4618899" cy="486295"/>
+          </a:xfrm>
+          <a:prstGeom prst="rect">
+            <a:avLst/>
+          </a:prstGeom>
+        </p:spPr>
+        <p:txBody>
+          <a:bodyPr vert="horz" lIns="0" tIns="45720" rIns="0" bIns="45720" rtlCol="0">
+            <a:noAutofit/>
+          </a:bodyPr>
+          <a:lstStyle>
+            <a:lvl1pPr marL="91440" indent="-91440" algn="l" defTabSz="914400" rtl="0" eaLnBrk="1" latinLnBrk="0" hangingPunct="1">
+              <a:lnSpc>
+                <a:spcPct val="90000"/>
+              </a:lnSpc>
+              <a:spcBef>
+                <a:spcPts val="1200"/>
+              </a:spcBef>
+              <a:spcAft>
+                <a:spcPts val="200"/>
+              </a:spcAft>
+              <a:buClr>
+                <a:schemeClr val="accent1"/>
+              </a:buClr>
+              <a:buSzPct val="100000"/>
+              <a:buFont typeface="Calibri" panose="020F0502020204030204" pitchFamily="34" charset="0"/>
+              <a:buChar char=" "/>
+              <a:defRPr sz="2000" kern="1200">
+                <a:solidFill>
+                  <a:schemeClr val="tx1">
+                    <a:lumMod val="75000"/>
+                    <a:lumOff val="25000"/>
+                  </a:schemeClr>
+                </a:solidFill>
+                <a:latin typeface="+mn-lt"/>
+                <a:ea typeface="+mn-ea"/>
+                <a:cs typeface="+mn-cs"/>
+              </a:defRPr>
+            </a:lvl1pPr>
+            <a:lvl2pPr marL="384048" indent="-182880" algn="l" defTabSz="914400" rtl="0" eaLnBrk="1" latinLnBrk="0" hangingPunct="1">
+              <a:lnSpc>
+                <a:spcPct val="90000"/>
+              </a:lnSpc>
+              <a:spcBef>
+                <a:spcPts val="200"/>
+              </a:spcBef>
+              <a:spcAft>
+                <a:spcPts val="400"/>
+              </a:spcAft>
+              <a:buClr>
+                <a:schemeClr val="accent1"/>
+              </a:buClr>
+              <a:buFont typeface="Calibri" pitchFamily="34" charset="0"/>
+              <a:buChar char="◦"/>
+              <a:defRPr sz="1800" kern="1200">
+                <a:solidFill>
+                  <a:schemeClr val="tx1">
+                    <a:lumMod val="75000"/>
+                    <a:lumOff val="25000"/>
+                  </a:schemeClr>
+                </a:solidFill>
+                <a:latin typeface="+mn-lt"/>
+                <a:ea typeface="+mn-ea"/>
+                <a:cs typeface="+mn-cs"/>
+              </a:defRPr>
+            </a:lvl2pPr>
+            <a:lvl3pPr marL="566928" indent="-182880" algn="l" defTabSz="914400" rtl="0" eaLnBrk="1" latinLnBrk="0" hangingPunct="1">
+              <a:lnSpc>
+                <a:spcPct val="90000"/>
+              </a:lnSpc>
+              <a:spcBef>
+                <a:spcPts val="200"/>
+              </a:spcBef>
+              <a:spcAft>
+                <a:spcPts val="400"/>
+              </a:spcAft>
+              <a:buClr>
+                <a:schemeClr val="accent1"/>
+              </a:buClr>
+              <a:buFont typeface="Calibri" pitchFamily="34" charset="0"/>
+              <a:buChar char="◦"/>
+              <a:defRPr sz="1400" kern="1200">
+                <a:solidFill>
+                  <a:schemeClr val="tx1">
+                    <a:lumMod val="75000"/>
+                    <a:lumOff val="25000"/>
+                  </a:schemeClr>
+                </a:solidFill>
+                <a:latin typeface="+mn-lt"/>
+                <a:ea typeface="+mn-ea"/>
+                <a:cs typeface="+mn-cs"/>
+              </a:defRPr>
+            </a:lvl3pPr>
+            <a:lvl4pPr marL="749808" indent="-182880" algn="l" defTabSz="914400" rtl="0" eaLnBrk="1" latinLnBrk="0" hangingPunct="1">
+              <a:lnSpc>
+                <a:spcPct val="90000"/>
+              </a:lnSpc>
+              <a:spcBef>
+                <a:spcPts val="200"/>
+              </a:spcBef>
+              <a:spcAft>
+                <a:spcPts val="400"/>
+              </a:spcAft>
+              <a:buClr>
+                <a:schemeClr val="accent1"/>
+              </a:buClr>
+              <a:buFont typeface="Calibri" pitchFamily="34" charset="0"/>
+              <a:buChar char="◦"/>
+              <a:defRPr sz="1400" kern="1200">
+                <a:solidFill>
+                  <a:schemeClr val="tx1">
+                    <a:lumMod val="75000"/>
+                    <a:lumOff val="25000"/>
+                  </a:schemeClr>
+                </a:solidFill>
+                <a:latin typeface="+mn-lt"/>
+                <a:ea typeface="+mn-ea"/>
+                <a:cs typeface="+mn-cs"/>
+              </a:defRPr>
+            </a:lvl4pPr>
+            <a:lvl5pPr marL="932688" indent="-182880" algn="l" defTabSz="914400" rtl="0" eaLnBrk="1" latinLnBrk="0" hangingPunct="1">
+              <a:lnSpc>
+                <a:spcPct val="90000"/>
+              </a:lnSpc>
+              <a:spcBef>
+                <a:spcPts val="200"/>
+              </a:spcBef>
+              <a:spcAft>
+                <a:spcPts val="400"/>
+              </a:spcAft>
+              <a:buClr>
+                <a:schemeClr val="accent1"/>
+              </a:buClr>
+              <a:buFont typeface="Calibri" pitchFamily="34" charset="0"/>
+              <a:buChar char="◦"/>
+              <a:defRPr sz="1400" kern="1200">
+                <a:solidFill>
+                  <a:schemeClr val="tx1">
+                    <a:lumMod val="75000"/>
+                    <a:lumOff val="25000"/>
+                  </a:schemeClr>
+                </a:solidFill>
+                <a:latin typeface="+mn-lt"/>
+                <a:ea typeface="+mn-ea"/>
+                <a:cs typeface="+mn-cs"/>
+              </a:defRPr>
+            </a:lvl5pPr>
+            <a:lvl6pPr marL="1100000" indent="-228600" algn="l" defTabSz="914400" rtl="0" eaLnBrk="1" latinLnBrk="0" hangingPunct="1">
+              <a:lnSpc>
+                <a:spcPct val="90000"/>
+              </a:lnSpc>
+              <a:spcBef>
+                <a:spcPts val="200"/>
+              </a:spcBef>
+              <a:spcAft>
+                <a:spcPts val="400"/>
+              </a:spcAft>
+              <a:buClr>
+                <a:schemeClr val="accent1"/>
+              </a:buClr>
+              <a:buFont typeface="Calibri" pitchFamily="34" charset="0"/>
+              <a:buChar char="◦"/>
+              <a:defRPr sz="1400" kern="1200">
+                <a:solidFill>
+                  <a:schemeClr val="tx1">
+                    <a:lumMod val="75000"/>
+                    <a:lumOff val="25000"/>
+                  </a:schemeClr>
+                </a:solidFill>
+                <a:latin typeface="+mn-lt"/>
+                <a:ea typeface="+mn-ea"/>
+                <a:cs typeface="+mn-cs"/>
+              </a:defRPr>
+            </a:lvl6pPr>
+            <a:lvl7pPr marL="1300000" indent="-228600" algn="l" defTabSz="914400" rtl="0" eaLnBrk="1" latinLnBrk="0" hangingPunct="1">
+              <a:lnSpc>
+                <a:spcPct val="90000"/>
+              </a:lnSpc>
+              <a:spcBef>
+                <a:spcPts val="200"/>
+              </a:spcBef>
+              <a:spcAft>
+                <a:spcPts val="400"/>
+              </a:spcAft>
+              <a:buClr>
+                <a:schemeClr val="accent1"/>
+              </a:buClr>
+              <a:buFont typeface="Calibri" pitchFamily="34" charset="0"/>
+              <a:buChar char="◦"/>
+              <a:defRPr sz="1400" kern="1200">
+                <a:solidFill>
+                  <a:schemeClr val="tx1">
+                    <a:lumMod val="75000"/>
+                    <a:lumOff val="25000"/>
+                  </a:schemeClr>
+                </a:solidFill>
+                <a:latin typeface="+mn-lt"/>
+                <a:ea typeface="+mn-ea"/>
+                <a:cs typeface="+mn-cs"/>
+              </a:defRPr>
+            </a:lvl7pPr>
+            <a:lvl8pPr marL="1500000" indent="-228600" algn="l" defTabSz="914400" rtl="0" eaLnBrk="1" latinLnBrk="0" hangingPunct="1">
+              <a:lnSpc>
+                <a:spcPct val="90000"/>
+              </a:lnSpc>
+              <a:spcBef>
+                <a:spcPts val="200"/>
+              </a:spcBef>
+              <a:spcAft>
+                <a:spcPts val="400"/>
+              </a:spcAft>
+              <a:buClr>
+                <a:schemeClr val="accent1"/>
+              </a:buClr>
+              <a:buFont typeface="Calibri" pitchFamily="34" charset="0"/>
+              <a:buChar char="◦"/>
+              <a:defRPr sz="1400" kern="1200">
+                <a:solidFill>
+                  <a:schemeClr val="tx1">
+                    <a:lumMod val="75000"/>
+                    <a:lumOff val="25000"/>
+                  </a:schemeClr>
+                </a:solidFill>
+                <a:latin typeface="+mn-lt"/>
+                <a:ea typeface="+mn-ea"/>
+                <a:cs typeface="+mn-cs"/>
+              </a:defRPr>
+            </a:lvl8pPr>
+            <a:lvl9pPr marL="1700000" indent="-228600" algn="l" defTabSz="914400" rtl="0" eaLnBrk="1" latinLnBrk="0" hangingPunct="1">
+              <a:lnSpc>
+                <a:spcPct val="90000"/>
+              </a:lnSpc>
+              <a:spcBef>
+                <a:spcPts val="200"/>
+              </a:spcBef>
+              <a:spcAft>
+                <a:spcPts val="400"/>
+              </a:spcAft>
+              <a:buClr>
+                <a:schemeClr val="accent1"/>
+              </a:buClr>
+              <a:buFont typeface="Calibri" pitchFamily="34" charset="0"/>
+              <a:buChar char="◦"/>
+              <a:defRPr sz="1400" kern="1200">
+                <a:solidFill>
+                  <a:schemeClr val="tx1">
+                    <a:lumMod val="75000"/>
+                    <a:lumOff val="25000"/>
+                  </a:schemeClr>
+                </a:solidFill>
+                <a:latin typeface="+mn-lt"/>
+                <a:ea typeface="+mn-ea"/>
+                <a:cs typeface="+mn-cs"/>
+              </a:defRPr>
+            </a:lvl9pPr>
+          </a:lstStyle>
+          <a:p>
+            <a:pPr marL="201168" lvl="1" indent="0">
+              <a:buNone/>
+            </a:pPr>
+            <a:r>
+              <a:rPr lang="en-US" sz="2800" dirty="0" smtClean="0"/>
+              <a:t>AWS RedShift: 20 TB Storage</a:t>
+            </a:r>
+            <a:endParaRPr lang="en-US" sz="2400" dirty="0" smtClean="0"/>
+          </a:p>
+        </p:txBody>
+      </p:sp>
+    </p:spTree>
+    <p:extLst>
+      <p:ext uri="{BB962C8B-B14F-4D97-AF65-F5344CB8AC3E}">
+        <p14:creationId xmlns:p14="http://schemas.microsoft.com/office/powerpoint/2010/main" val="3144766194"/>
+      </p:ext>
+    </p:extLst>
+  </p:cSld>
+  <p:clrMapOvr>
+    <a:masterClrMapping/>
+  </p:clrMapOvr>
+</p:sld>
+</file>
+
+<file path=ppt/slides/slide8.xml><?xml version="1.0" encoding="utf-8"?>
+<p:sld xmlns:a="http://schemas.openxmlformats.org/drawingml/2006/main" xmlns:r="http://schemas.openxmlformats.org/officeDocument/2006/relationships" xmlns:p="http://schemas.openxmlformats.org/presentationml/2006/main">
+  <p:cSld>
+    <p:spTree>
+      <p:nvGrpSpPr>
+        <p:cNvPr id="1" name=""/>
+        <p:cNvGrpSpPr/>
+        <p:nvPr/>
+      </p:nvGrpSpPr>
+      <p:grpSpPr>
+        <a:xfrm>
+          <a:off x="0" y="0"/>
+          <a:ext cx="0" cy="0"/>
+          <a:chOff x="0" y="0"/>
+          <a:chExt cx="0" cy="0"/>
+        </a:xfrm>
+      </p:grpSpPr>
+      <p:sp>
+        <p:nvSpPr>
+          <p:cNvPr id="2" name="Title 1"/>
+          <p:cNvSpPr>
+            <a:spLocks noGrp="1"/>
+          </p:cNvSpPr>
+          <p:nvPr>
+            <p:ph type="title"/>
+          </p:nvPr>
+        </p:nvSpPr>
+        <p:spPr/>
+        <p:txBody>
+          <a:bodyPr/>
+          <a:lstStyle/>
+          <a:p>
+            <a:r>
+              <a:rPr lang="en-US" dirty="0" smtClean="0"/>
+              <a:t>Cost Estimate / Assumptions</a:t>
+            </a:r>
+            <a:endParaRPr lang="en-US" dirty="0"/>
+          </a:p>
+        </p:txBody>
+      </p:sp>
+      <p:sp>
+        <p:nvSpPr>
+          <p:cNvPr id="3" name="Content Placeholder 2"/>
+          <p:cNvSpPr>
+            <a:spLocks noGrp="1"/>
+          </p:cNvSpPr>
+          <p:nvPr>
+            <p:ph idx="1"/>
+          </p:nvPr>
+        </p:nvSpPr>
+        <p:spPr>
+          <a:xfrm>
+            <a:off x="6141720" y="5431790"/>
+            <a:ext cx="3865880" cy="420794"/>
+          </a:xfrm>
+        </p:spPr>
+        <p:txBody>
+          <a:bodyPr/>
+          <a:lstStyle/>
+          <a:p>
+            <a:r>
+              <a:rPr lang="en-US" dirty="0" smtClean="0"/>
+              <a:t>Link to cost estimate: </a:t>
+            </a:r>
+            <a:endParaRPr lang="en-US" dirty="0"/>
+          </a:p>
+        </p:txBody>
+      </p:sp>
+      <p:sp>
+        <p:nvSpPr>
+          <p:cNvPr id="4" name="Content Placeholder 2"/>
+          <p:cNvSpPr txBox="1">
+            <a:spLocks/>
+          </p:cNvSpPr>
+          <p:nvPr/>
+        </p:nvSpPr>
+        <p:spPr>
+          <a:xfrm>
+            <a:off x="1097280" y="1737360"/>
+            <a:ext cx="6510020" cy="472440"/>
+          </a:xfrm>
+          <a:prstGeom prst="rect">
+            <a:avLst/>
+          </a:prstGeom>
+        </p:spPr>
+        <p:txBody>
+          <a:bodyPr vert="horz" lIns="0" tIns="45720" rIns="0" bIns="45720" rtlCol="0">
+            <a:normAutofit/>
+          </a:bodyPr>
+          <a:lstStyle>
+            <a:lvl1pPr marL="91440" indent="-91440" algn="l" defTabSz="914400" rtl="0" eaLnBrk="1" latinLnBrk="0" hangingPunct="1">
+              <a:lnSpc>
+                <a:spcPct val="90000"/>
+              </a:lnSpc>
+              <a:spcBef>
+                <a:spcPts val="1200"/>
+              </a:spcBef>
+              <a:spcAft>
+                <a:spcPts val="200"/>
+              </a:spcAft>
+              <a:buClr>
+                <a:schemeClr val="accent1"/>
+              </a:buClr>
+              <a:buSzPct val="100000"/>
+              <a:buFont typeface="Calibri" panose="020F0502020204030204" pitchFamily="34" charset="0"/>
+              <a:buChar char=" "/>
+              <a:defRPr sz="2000" kern="1200">
+                <a:solidFill>
+                  <a:schemeClr val="tx1">
+                    <a:lumMod val="75000"/>
+                    <a:lumOff val="25000"/>
+                  </a:schemeClr>
+                </a:solidFill>
+                <a:latin typeface="+mn-lt"/>
+                <a:ea typeface="+mn-ea"/>
+                <a:cs typeface="+mn-cs"/>
+              </a:defRPr>
+            </a:lvl1pPr>
+            <a:lvl2pPr marL="384048" indent="-182880" algn="l" defTabSz="914400" rtl="0" eaLnBrk="1" latinLnBrk="0" hangingPunct="1">
+              <a:lnSpc>
+                <a:spcPct val="90000"/>
+              </a:lnSpc>
+              <a:spcBef>
+                <a:spcPts val="200"/>
+              </a:spcBef>
+              <a:spcAft>
+                <a:spcPts val="400"/>
+              </a:spcAft>
+              <a:buClr>
+                <a:schemeClr val="accent1"/>
+              </a:buClr>
+              <a:buFont typeface="Calibri" pitchFamily="34" charset="0"/>
+              <a:buChar char="◦"/>
+              <a:defRPr sz="1800" kern="1200">
+                <a:solidFill>
+                  <a:schemeClr val="tx1">
+                    <a:lumMod val="75000"/>
+                    <a:lumOff val="25000"/>
+                  </a:schemeClr>
+                </a:solidFill>
+                <a:latin typeface="+mn-lt"/>
+                <a:ea typeface="+mn-ea"/>
+                <a:cs typeface="+mn-cs"/>
+              </a:defRPr>
+            </a:lvl2pPr>
+            <a:lvl3pPr marL="566928" indent="-182880" algn="l" defTabSz="914400" rtl="0" eaLnBrk="1" latinLnBrk="0" hangingPunct="1">
+              <a:lnSpc>
+                <a:spcPct val="90000"/>
+              </a:lnSpc>
+              <a:spcBef>
+                <a:spcPts val="200"/>
+              </a:spcBef>
+              <a:spcAft>
+                <a:spcPts val="400"/>
+              </a:spcAft>
+              <a:buClr>
+                <a:schemeClr val="accent1"/>
+              </a:buClr>
+              <a:buFont typeface="Calibri" pitchFamily="34" charset="0"/>
+              <a:buChar char="◦"/>
+              <a:defRPr sz="1400" kern="1200">
+                <a:solidFill>
+                  <a:schemeClr val="tx1">
+                    <a:lumMod val="75000"/>
+                    <a:lumOff val="25000"/>
+                  </a:schemeClr>
+                </a:solidFill>
+                <a:latin typeface="+mn-lt"/>
+                <a:ea typeface="+mn-ea"/>
+                <a:cs typeface="+mn-cs"/>
+              </a:defRPr>
+            </a:lvl3pPr>
+            <a:lvl4pPr marL="749808" indent="-182880" algn="l" defTabSz="914400" rtl="0" eaLnBrk="1" latinLnBrk="0" hangingPunct="1">
+              <a:lnSpc>
+                <a:spcPct val="90000"/>
+              </a:lnSpc>
+              <a:spcBef>
+                <a:spcPts val="200"/>
+              </a:spcBef>
+              <a:spcAft>
+                <a:spcPts val="400"/>
+              </a:spcAft>
+              <a:buClr>
+                <a:schemeClr val="accent1"/>
+              </a:buClr>
+              <a:buFont typeface="Calibri" pitchFamily="34" charset="0"/>
+              <a:buChar char="◦"/>
+              <a:defRPr sz="1400" kern="1200">
+                <a:solidFill>
+                  <a:schemeClr val="tx1">
+                    <a:lumMod val="75000"/>
+                    <a:lumOff val="25000"/>
+                  </a:schemeClr>
+                </a:solidFill>
+                <a:latin typeface="+mn-lt"/>
+                <a:ea typeface="+mn-ea"/>
+                <a:cs typeface="+mn-cs"/>
+              </a:defRPr>
+            </a:lvl4pPr>
+            <a:lvl5pPr marL="932688" indent="-182880" algn="l" defTabSz="914400" rtl="0" eaLnBrk="1" latinLnBrk="0" hangingPunct="1">
+              <a:lnSpc>
+                <a:spcPct val="90000"/>
+              </a:lnSpc>
+              <a:spcBef>
+                <a:spcPts val="200"/>
+              </a:spcBef>
+              <a:spcAft>
+                <a:spcPts val="400"/>
+              </a:spcAft>
+              <a:buClr>
+                <a:schemeClr val="accent1"/>
+              </a:buClr>
+              <a:buFont typeface="Calibri" pitchFamily="34" charset="0"/>
+              <a:buChar char="◦"/>
+              <a:defRPr sz="1400" kern="1200">
+                <a:solidFill>
+                  <a:schemeClr val="tx1">
+                    <a:lumMod val="75000"/>
+                    <a:lumOff val="25000"/>
+                  </a:schemeClr>
+                </a:solidFill>
+                <a:latin typeface="+mn-lt"/>
+                <a:ea typeface="+mn-ea"/>
+                <a:cs typeface="+mn-cs"/>
+              </a:defRPr>
+            </a:lvl5pPr>
+            <a:lvl6pPr marL="1100000" indent="-228600" algn="l" defTabSz="914400" rtl="0" eaLnBrk="1" latinLnBrk="0" hangingPunct="1">
+              <a:lnSpc>
+                <a:spcPct val="90000"/>
+              </a:lnSpc>
+              <a:spcBef>
+                <a:spcPts val="200"/>
+              </a:spcBef>
+              <a:spcAft>
+                <a:spcPts val="400"/>
+              </a:spcAft>
+              <a:buClr>
+                <a:schemeClr val="accent1"/>
+              </a:buClr>
+              <a:buFont typeface="Calibri" pitchFamily="34" charset="0"/>
+              <a:buChar char="◦"/>
+              <a:defRPr sz="1400" kern="1200">
+                <a:solidFill>
+                  <a:schemeClr val="tx1">
+                    <a:lumMod val="75000"/>
+                    <a:lumOff val="25000"/>
+                  </a:schemeClr>
+                </a:solidFill>
+                <a:latin typeface="+mn-lt"/>
+                <a:ea typeface="+mn-ea"/>
+                <a:cs typeface="+mn-cs"/>
+              </a:defRPr>
+            </a:lvl6pPr>
+            <a:lvl7pPr marL="1300000" indent="-228600" algn="l" defTabSz="914400" rtl="0" eaLnBrk="1" latinLnBrk="0" hangingPunct="1">
+              <a:lnSpc>
+                <a:spcPct val="90000"/>
+              </a:lnSpc>
+              <a:spcBef>
+                <a:spcPts val="200"/>
+              </a:spcBef>
+              <a:spcAft>
+                <a:spcPts val="400"/>
+              </a:spcAft>
+              <a:buClr>
+                <a:schemeClr val="accent1"/>
+              </a:buClr>
+              <a:buFont typeface="Calibri" pitchFamily="34" charset="0"/>
+              <a:buChar char="◦"/>
+              <a:defRPr sz="1400" kern="1200">
+                <a:solidFill>
+                  <a:schemeClr val="tx1">
+                    <a:lumMod val="75000"/>
+                    <a:lumOff val="25000"/>
+                  </a:schemeClr>
+                </a:solidFill>
+                <a:latin typeface="+mn-lt"/>
+                <a:ea typeface="+mn-ea"/>
+                <a:cs typeface="+mn-cs"/>
+              </a:defRPr>
+            </a:lvl7pPr>
+            <a:lvl8pPr marL="1500000" indent="-228600" algn="l" defTabSz="914400" rtl="0" eaLnBrk="1" latinLnBrk="0" hangingPunct="1">
+              <a:lnSpc>
+                <a:spcPct val="90000"/>
+              </a:lnSpc>
+              <a:spcBef>
+                <a:spcPts val="200"/>
+              </a:spcBef>
+              <a:spcAft>
+                <a:spcPts val="400"/>
+              </a:spcAft>
+              <a:buClr>
+                <a:schemeClr val="accent1"/>
+              </a:buClr>
+              <a:buFont typeface="Calibri" pitchFamily="34" charset="0"/>
+              <a:buChar char="◦"/>
+              <a:defRPr sz="1400" kern="1200">
+                <a:solidFill>
+                  <a:schemeClr val="tx1">
+                    <a:lumMod val="75000"/>
+                    <a:lumOff val="25000"/>
+                  </a:schemeClr>
+                </a:solidFill>
+                <a:latin typeface="+mn-lt"/>
+                <a:ea typeface="+mn-ea"/>
+                <a:cs typeface="+mn-cs"/>
+              </a:defRPr>
+            </a:lvl8pPr>
+            <a:lvl9pPr marL="1700000" indent="-228600" algn="l" defTabSz="914400" rtl="0" eaLnBrk="1" latinLnBrk="0" hangingPunct="1">
+              <a:lnSpc>
+                <a:spcPct val="90000"/>
+              </a:lnSpc>
+              <a:spcBef>
+                <a:spcPts val="200"/>
+              </a:spcBef>
+              <a:spcAft>
+                <a:spcPts val="400"/>
+              </a:spcAft>
+              <a:buClr>
+                <a:schemeClr val="accent1"/>
+              </a:buClr>
+              <a:buFont typeface="Calibri" pitchFamily="34" charset="0"/>
+              <a:buChar char="◦"/>
+              <a:defRPr sz="1400" kern="1200">
+                <a:solidFill>
+                  <a:schemeClr val="tx1">
+                    <a:lumMod val="75000"/>
+                    <a:lumOff val="25000"/>
+                  </a:schemeClr>
+                </a:solidFill>
+                <a:latin typeface="+mn-lt"/>
+                <a:ea typeface="+mn-ea"/>
+                <a:cs typeface="+mn-cs"/>
+              </a:defRPr>
+            </a:lvl9pPr>
+          </a:lstStyle>
+          <a:p>
+            <a:r>
+              <a:rPr lang="en-US" b="1" u="sng" dirty="0" smtClean="0"/>
+              <a:t>Assumptions</a:t>
+            </a:r>
+            <a:r>
+              <a:rPr lang="en-US" b="1" dirty="0" smtClean="0"/>
+              <a:t> (Building on assumptions from previous slides)</a:t>
+            </a:r>
+          </a:p>
+          <a:p>
+            <a:pPr marL="0" indent="0">
+              <a:buNone/>
+            </a:pPr>
+            <a:endParaRPr lang="en-US" sz="1600" dirty="0" smtClean="0"/>
+          </a:p>
+        </p:txBody>
+      </p:sp>
+      <p:sp>
+        <p:nvSpPr>
+          <p:cNvPr id="6" name="Content Placeholder 2"/>
+          <p:cNvSpPr txBox="1">
+            <a:spLocks/>
+          </p:cNvSpPr>
+          <p:nvPr/>
+        </p:nvSpPr>
+        <p:spPr>
+          <a:xfrm>
+            <a:off x="1097280" y="2175510"/>
+            <a:ext cx="2369820" cy="3256280"/>
+          </a:xfrm>
+          <a:prstGeom prst="rect">
+            <a:avLst/>
+          </a:prstGeom>
+        </p:spPr>
+        <p:txBody>
+          <a:bodyPr vert="horz" lIns="0" tIns="45720" rIns="0" bIns="45720" rtlCol="0">
+            <a:normAutofit/>
+          </a:bodyPr>
+          <a:lstStyle>
+            <a:lvl1pPr marL="91440" indent="-91440" algn="l" defTabSz="914400" rtl="0" eaLnBrk="1" latinLnBrk="0" hangingPunct="1">
+              <a:lnSpc>
+                <a:spcPct val="90000"/>
+              </a:lnSpc>
+              <a:spcBef>
+                <a:spcPts val="1200"/>
+              </a:spcBef>
+              <a:spcAft>
+                <a:spcPts val="200"/>
+              </a:spcAft>
+              <a:buClr>
+                <a:schemeClr val="accent1"/>
+              </a:buClr>
+              <a:buSzPct val="100000"/>
+              <a:buFont typeface="Calibri" panose="020F0502020204030204" pitchFamily="34" charset="0"/>
+              <a:buChar char=" "/>
+              <a:defRPr sz="2000" kern="1200">
+                <a:solidFill>
+                  <a:schemeClr val="tx1">
+                    <a:lumMod val="75000"/>
+                    <a:lumOff val="25000"/>
+                  </a:schemeClr>
+                </a:solidFill>
+                <a:latin typeface="+mn-lt"/>
+                <a:ea typeface="+mn-ea"/>
+                <a:cs typeface="+mn-cs"/>
+              </a:defRPr>
+            </a:lvl1pPr>
+            <a:lvl2pPr marL="384048" indent="-182880" algn="l" defTabSz="914400" rtl="0" eaLnBrk="1" latinLnBrk="0" hangingPunct="1">
+              <a:lnSpc>
+                <a:spcPct val="90000"/>
+              </a:lnSpc>
+              <a:spcBef>
+                <a:spcPts val="200"/>
+              </a:spcBef>
+              <a:spcAft>
+                <a:spcPts val="400"/>
+              </a:spcAft>
+              <a:buClr>
+                <a:schemeClr val="accent1"/>
+              </a:buClr>
+              <a:buFont typeface="Calibri" pitchFamily="34" charset="0"/>
+              <a:buChar char="◦"/>
+              <a:defRPr sz="1800" kern="1200">
+                <a:solidFill>
+                  <a:schemeClr val="tx1">
+                    <a:lumMod val="75000"/>
+                    <a:lumOff val="25000"/>
+                  </a:schemeClr>
+                </a:solidFill>
+                <a:latin typeface="+mn-lt"/>
+                <a:ea typeface="+mn-ea"/>
+                <a:cs typeface="+mn-cs"/>
+              </a:defRPr>
+            </a:lvl2pPr>
+            <a:lvl3pPr marL="566928" indent="-182880" algn="l" defTabSz="914400" rtl="0" eaLnBrk="1" latinLnBrk="0" hangingPunct="1">
+              <a:lnSpc>
+                <a:spcPct val="90000"/>
+              </a:lnSpc>
+              <a:spcBef>
+                <a:spcPts val="200"/>
+              </a:spcBef>
+              <a:spcAft>
+                <a:spcPts val="400"/>
+              </a:spcAft>
+              <a:buClr>
+                <a:schemeClr val="accent1"/>
+              </a:buClr>
+              <a:buFont typeface="Calibri" pitchFamily="34" charset="0"/>
+              <a:buChar char="◦"/>
+              <a:defRPr sz="1400" kern="1200">
+                <a:solidFill>
+                  <a:schemeClr val="tx1">
+                    <a:lumMod val="75000"/>
+                    <a:lumOff val="25000"/>
+                  </a:schemeClr>
+                </a:solidFill>
+                <a:latin typeface="+mn-lt"/>
+                <a:ea typeface="+mn-ea"/>
+                <a:cs typeface="+mn-cs"/>
+              </a:defRPr>
+            </a:lvl3pPr>
+            <a:lvl4pPr marL="749808" indent="-182880" algn="l" defTabSz="914400" rtl="0" eaLnBrk="1" latinLnBrk="0" hangingPunct="1">
+              <a:lnSpc>
+                <a:spcPct val="90000"/>
+              </a:lnSpc>
+              <a:spcBef>
+                <a:spcPts val="200"/>
+              </a:spcBef>
+              <a:spcAft>
+                <a:spcPts val="400"/>
+              </a:spcAft>
+              <a:buClr>
+                <a:schemeClr val="accent1"/>
+              </a:buClr>
+              <a:buFont typeface="Calibri" pitchFamily="34" charset="0"/>
+              <a:buChar char="◦"/>
+              <a:defRPr sz="1400" kern="1200">
+                <a:solidFill>
+                  <a:schemeClr val="tx1">
+                    <a:lumMod val="75000"/>
+                    <a:lumOff val="25000"/>
+                  </a:schemeClr>
+                </a:solidFill>
+                <a:latin typeface="+mn-lt"/>
+                <a:ea typeface="+mn-ea"/>
+                <a:cs typeface="+mn-cs"/>
+              </a:defRPr>
+            </a:lvl4pPr>
+            <a:lvl5pPr marL="932688" indent="-182880" algn="l" defTabSz="914400" rtl="0" eaLnBrk="1" latinLnBrk="0" hangingPunct="1">
+              <a:lnSpc>
+                <a:spcPct val="90000"/>
+              </a:lnSpc>
+              <a:spcBef>
+                <a:spcPts val="200"/>
+              </a:spcBef>
+              <a:spcAft>
+                <a:spcPts val="400"/>
+              </a:spcAft>
+              <a:buClr>
+                <a:schemeClr val="accent1"/>
+              </a:buClr>
+              <a:buFont typeface="Calibri" pitchFamily="34" charset="0"/>
+              <a:buChar char="◦"/>
+              <a:defRPr sz="1400" kern="1200">
+                <a:solidFill>
+                  <a:schemeClr val="tx1">
+                    <a:lumMod val="75000"/>
+                    <a:lumOff val="25000"/>
+                  </a:schemeClr>
+                </a:solidFill>
+                <a:latin typeface="+mn-lt"/>
+                <a:ea typeface="+mn-ea"/>
+                <a:cs typeface="+mn-cs"/>
+              </a:defRPr>
+            </a:lvl5pPr>
+            <a:lvl6pPr marL="1100000" indent="-228600" algn="l" defTabSz="914400" rtl="0" eaLnBrk="1" latinLnBrk="0" hangingPunct="1">
+              <a:lnSpc>
+                <a:spcPct val="90000"/>
+              </a:lnSpc>
+              <a:spcBef>
+                <a:spcPts val="200"/>
+              </a:spcBef>
+              <a:spcAft>
+                <a:spcPts val="400"/>
+              </a:spcAft>
+              <a:buClr>
+                <a:schemeClr val="accent1"/>
+              </a:buClr>
+              <a:buFont typeface="Calibri" pitchFamily="34" charset="0"/>
+              <a:buChar char="◦"/>
+              <a:defRPr sz="1400" kern="1200">
+                <a:solidFill>
+                  <a:schemeClr val="tx1">
+                    <a:lumMod val="75000"/>
+                    <a:lumOff val="25000"/>
+                  </a:schemeClr>
+                </a:solidFill>
+                <a:latin typeface="+mn-lt"/>
+                <a:ea typeface="+mn-ea"/>
+                <a:cs typeface="+mn-cs"/>
+              </a:defRPr>
+            </a:lvl6pPr>
+            <a:lvl7pPr marL="1300000" indent="-228600" algn="l" defTabSz="914400" rtl="0" eaLnBrk="1" latinLnBrk="0" hangingPunct="1">
+              <a:lnSpc>
+                <a:spcPct val="90000"/>
+              </a:lnSpc>
+              <a:spcBef>
+                <a:spcPts val="200"/>
+              </a:spcBef>
+              <a:spcAft>
+                <a:spcPts val="400"/>
+              </a:spcAft>
+              <a:buClr>
+                <a:schemeClr val="accent1"/>
+              </a:buClr>
+              <a:buFont typeface="Calibri" pitchFamily="34" charset="0"/>
+              <a:buChar char="◦"/>
+              <a:defRPr sz="1400" kern="1200">
+                <a:solidFill>
+                  <a:schemeClr val="tx1">
+                    <a:lumMod val="75000"/>
+                    <a:lumOff val="25000"/>
+                  </a:schemeClr>
+                </a:solidFill>
+                <a:latin typeface="+mn-lt"/>
+                <a:ea typeface="+mn-ea"/>
+                <a:cs typeface="+mn-cs"/>
+              </a:defRPr>
+            </a:lvl7pPr>
+            <a:lvl8pPr marL="1500000" indent="-228600" algn="l" defTabSz="914400" rtl="0" eaLnBrk="1" latinLnBrk="0" hangingPunct="1">
+              <a:lnSpc>
+                <a:spcPct val="90000"/>
+              </a:lnSpc>
+              <a:spcBef>
+                <a:spcPts val="200"/>
+              </a:spcBef>
+              <a:spcAft>
+                <a:spcPts val="400"/>
+              </a:spcAft>
+              <a:buClr>
+                <a:schemeClr val="accent1"/>
+              </a:buClr>
+              <a:buFont typeface="Calibri" pitchFamily="34" charset="0"/>
+              <a:buChar char="◦"/>
+              <a:defRPr sz="1400" kern="1200">
+                <a:solidFill>
+                  <a:schemeClr val="tx1">
+                    <a:lumMod val="75000"/>
+                    <a:lumOff val="25000"/>
+                  </a:schemeClr>
+                </a:solidFill>
+                <a:latin typeface="+mn-lt"/>
+                <a:ea typeface="+mn-ea"/>
+                <a:cs typeface="+mn-cs"/>
+              </a:defRPr>
+            </a:lvl8pPr>
+            <a:lvl9pPr marL="1700000" indent="-228600" algn="l" defTabSz="914400" rtl="0" eaLnBrk="1" latinLnBrk="0" hangingPunct="1">
+              <a:lnSpc>
+                <a:spcPct val="90000"/>
+              </a:lnSpc>
+              <a:spcBef>
+                <a:spcPts val="200"/>
+              </a:spcBef>
+              <a:spcAft>
+                <a:spcPts val="400"/>
+              </a:spcAft>
+              <a:buClr>
+                <a:schemeClr val="accent1"/>
+              </a:buClr>
+              <a:buFont typeface="Calibri" pitchFamily="34" charset="0"/>
+              <a:buChar char="◦"/>
+              <a:defRPr sz="1400" kern="1200">
+                <a:solidFill>
+                  <a:schemeClr val="tx1">
+                    <a:lumMod val="75000"/>
+                    <a:lumOff val="25000"/>
+                  </a:schemeClr>
+                </a:solidFill>
+                <a:latin typeface="+mn-lt"/>
+                <a:ea typeface="+mn-ea"/>
+                <a:cs typeface="+mn-cs"/>
+              </a:defRPr>
+            </a:lvl9pPr>
+          </a:lstStyle>
+          <a:p>
+            <a:r>
+              <a:rPr lang="en-US" sz="1600" b="1" dirty="0" smtClean="0"/>
+              <a:t>Lambda</a:t>
+            </a:r>
+            <a:r>
+              <a:rPr lang="en-US" sz="1600" dirty="0"/>
+              <a:t>: </a:t>
+            </a:r>
+            <a:endParaRPr lang="en-US" sz="1600" dirty="0" smtClean="0"/>
+          </a:p>
+          <a:p>
+            <a:r>
+              <a:rPr lang="en-US" sz="1600" dirty="0" smtClean="0"/>
+              <a:t>- Document processing: 500,000 * 0.405 * .5 / 12 = 8437.5 * 2 requests/month</a:t>
+            </a:r>
+          </a:p>
+          <a:p>
+            <a:r>
+              <a:rPr lang="en-US" sz="1600" dirty="0" smtClean="0"/>
+              <a:t>- Data preprocessing: 500,000 </a:t>
+            </a:r>
+            <a:r>
+              <a:rPr lang="en-US" sz="1600" dirty="0"/>
+              <a:t>* </a:t>
+            </a:r>
+            <a:r>
+              <a:rPr lang="en-US" sz="1600" dirty="0" smtClean="0"/>
+              <a:t>0.405 / 12 = 16875 requests/month</a:t>
+            </a:r>
+          </a:p>
+          <a:p>
+            <a:r>
+              <a:rPr lang="en-US" sz="1600" dirty="0" smtClean="0"/>
+              <a:t>- Prediction Processing: 500,000 </a:t>
+            </a:r>
+            <a:r>
+              <a:rPr lang="en-US" sz="1600" dirty="0"/>
+              <a:t>* 0.405 / 12 = 16875 requests/month</a:t>
+            </a:r>
+          </a:p>
+          <a:p>
+            <a:endParaRPr lang="en-US" sz="1600" dirty="0" smtClean="0"/>
+          </a:p>
+        </p:txBody>
+      </p:sp>
+      <p:sp>
+        <p:nvSpPr>
+          <p:cNvPr id="7" name="Content Placeholder 2"/>
+          <p:cNvSpPr txBox="1">
+            <a:spLocks/>
+          </p:cNvSpPr>
+          <p:nvPr/>
+        </p:nvSpPr>
+        <p:spPr>
+          <a:xfrm>
+            <a:off x="3619500" y="3191510"/>
+            <a:ext cx="2369820" cy="1012190"/>
+          </a:xfrm>
+          <a:prstGeom prst="rect">
+            <a:avLst/>
+          </a:prstGeom>
+        </p:spPr>
+        <p:txBody>
+          <a:bodyPr vert="horz" lIns="0" tIns="45720" rIns="0" bIns="45720" rtlCol="0">
+            <a:normAutofit/>
+          </a:bodyPr>
+          <a:lstStyle>
+            <a:lvl1pPr marL="91440" indent="-91440" algn="l" defTabSz="914400" rtl="0" eaLnBrk="1" latinLnBrk="0" hangingPunct="1">
+              <a:lnSpc>
+                <a:spcPct val="90000"/>
+              </a:lnSpc>
+              <a:spcBef>
+                <a:spcPts val="1200"/>
+              </a:spcBef>
+              <a:spcAft>
+                <a:spcPts val="200"/>
+              </a:spcAft>
+              <a:buClr>
+                <a:schemeClr val="accent1"/>
+              </a:buClr>
+              <a:buSzPct val="100000"/>
+              <a:buFont typeface="Calibri" panose="020F0502020204030204" pitchFamily="34" charset="0"/>
+              <a:buChar char=" "/>
+              <a:defRPr sz="2000" kern="1200">
+                <a:solidFill>
+                  <a:schemeClr val="tx1">
+                    <a:lumMod val="75000"/>
+                    <a:lumOff val="25000"/>
+                  </a:schemeClr>
+                </a:solidFill>
+                <a:latin typeface="+mn-lt"/>
+                <a:ea typeface="+mn-ea"/>
+                <a:cs typeface="+mn-cs"/>
+              </a:defRPr>
+            </a:lvl1pPr>
+            <a:lvl2pPr marL="384048" indent="-182880" algn="l" defTabSz="914400" rtl="0" eaLnBrk="1" latinLnBrk="0" hangingPunct="1">
+              <a:lnSpc>
+                <a:spcPct val="90000"/>
+              </a:lnSpc>
+              <a:spcBef>
+                <a:spcPts val="200"/>
+              </a:spcBef>
+              <a:spcAft>
+                <a:spcPts val="400"/>
+              </a:spcAft>
+              <a:buClr>
+                <a:schemeClr val="accent1"/>
+              </a:buClr>
+              <a:buFont typeface="Calibri" pitchFamily="34" charset="0"/>
+              <a:buChar char="◦"/>
+              <a:defRPr sz="1800" kern="1200">
+                <a:solidFill>
+                  <a:schemeClr val="tx1">
+                    <a:lumMod val="75000"/>
+                    <a:lumOff val="25000"/>
+                  </a:schemeClr>
+                </a:solidFill>
+                <a:latin typeface="+mn-lt"/>
+                <a:ea typeface="+mn-ea"/>
+                <a:cs typeface="+mn-cs"/>
+              </a:defRPr>
+            </a:lvl2pPr>
+            <a:lvl3pPr marL="566928" indent="-182880" algn="l" defTabSz="914400" rtl="0" eaLnBrk="1" latinLnBrk="0" hangingPunct="1">
+              <a:lnSpc>
+                <a:spcPct val="90000"/>
+              </a:lnSpc>
+              <a:spcBef>
+                <a:spcPts val="200"/>
+              </a:spcBef>
+              <a:spcAft>
+                <a:spcPts val="400"/>
+              </a:spcAft>
+              <a:buClr>
+                <a:schemeClr val="accent1"/>
+              </a:buClr>
+              <a:buFont typeface="Calibri" pitchFamily="34" charset="0"/>
+              <a:buChar char="◦"/>
+              <a:defRPr sz="1400" kern="1200">
+                <a:solidFill>
+                  <a:schemeClr val="tx1">
+                    <a:lumMod val="75000"/>
+                    <a:lumOff val="25000"/>
+                  </a:schemeClr>
+                </a:solidFill>
+                <a:latin typeface="+mn-lt"/>
+                <a:ea typeface="+mn-ea"/>
+                <a:cs typeface="+mn-cs"/>
+              </a:defRPr>
+            </a:lvl3pPr>
+            <a:lvl4pPr marL="749808" indent="-182880" algn="l" defTabSz="914400" rtl="0" eaLnBrk="1" latinLnBrk="0" hangingPunct="1">
+              <a:lnSpc>
+                <a:spcPct val="90000"/>
+              </a:lnSpc>
+              <a:spcBef>
+                <a:spcPts val="200"/>
+              </a:spcBef>
+              <a:spcAft>
+                <a:spcPts val="400"/>
+              </a:spcAft>
+              <a:buClr>
+                <a:schemeClr val="accent1"/>
+              </a:buClr>
+              <a:buFont typeface="Calibri" pitchFamily="34" charset="0"/>
+              <a:buChar char="◦"/>
+              <a:defRPr sz="1400" kern="1200">
+                <a:solidFill>
+                  <a:schemeClr val="tx1">
+                    <a:lumMod val="75000"/>
+                    <a:lumOff val="25000"/>
+                  </a:schemeClr>
+                </a:solidFill>
+                <a:latin typeface="+mn-lt"/>
+                <a:ea typeface="+mn-ea"/>
+                <a:cs typeface="+mn-cs"/>
+              </a:defRPr>
+            </a:lvl4pPr>
+            <a:lvl5pPr marL="932688" indent="-182880" algn="l" defTabSz="914400" rtl="0" eaLnBrk="1" latinLnBrk="0" hangingPunct="1">
+              <a:lnSpc>
+                <a:spcPct val="90000"/>
+              </a:lnSpc>
+              <a:spcBef>
+                <a:spcPts val="200"/>
+              </a:spcBef>
+              <a:spcAft>
+                <a:spcPts val="400"/>
+              </a:spcAft>
+              <a:buClr>
+                <a:schemeClr val="accent1"/>
+              </a:buClr>
+              <a:buFont typeface="Calibri" pitchFamily="34" charset="0"/>
+              <a:buChar char="◦"/>
+              <a:defRPr sz="1400" kern="1200">
+                <a:solidFill>
+                  <a:schemeClr val="tx1">
+                    <a:lumMod val="75000"/>
+                    <a:lumOff val="25000"/>
+                  </a:schemeClr>
+                </a:solidFill>
+                <a:latin typeface="+mn-lt"/>
+                <a:ea typeface="+mn-ea"/>
+                <a:cs typeface="+mn-cs"/>
+              </a:defRPr>
+            </a:lvl5pPr>
+            <a:lvl6pPr marL="1100000" indent="-228600" algn="l" defTabSz="914400" rtl="0" eaLnBrk="1" latinLnBrk="0" hangingPunct="1">
+              <a:lnSpc>
+                <a:spcPct val="90000"/>
+              </a:lnSpc>
+              <a:spcBef>
+                <a:spcPts val="200"/>
+              </a:spcBef>
+              <a:spcAft>
+                <a:spcPts val="400"/>
+              </a:spcAft>
+              <a:buClr>
+                <a:schemeClr val="accent1"/>
+              </a:buClr>
+              <a:buFont typeface="Calibri" pitchFamily="34" charset="0"/>
+              <a:buChar char="◦"/>
+              <a:defRPr sz="1400" kern="1200">
+                <a:solidFill>
+                  <a:schemeClr val="tx1">
+                    <a:lumMod val="75000"/>
+                    <a:lumOff val="25000"/>
+                  </a:schemeClr>
+                </a:solidFill>
+                <a:latin typeface="+mn-lt"/>
+                <a:ea typeface="+mn-ea"/>
+                <a:cs typeface="+mn-cs"/>
+              </a:defRPr>
+            </a:lvl6pPr>
+            <a:lvl7pPr marL="1300000" indent="-228600" algn="l" defTabSz="914400" rtl="0" eaLnBrk="1" latinLnBrk="0" hangingPunct="1">
+              <a:lnSpc>
+                <a:spcPct val="90000"/>
+              </a:lnSpc>
+              <a:spcBef>
+                <a:spcPts val="200"/>
+              </a:spcBef>
+              <a:spcAft>
+                <a:spcPts val="400"/>
+              </a:spcAft>
+              <a:buClr>
+                <a:schemeClr val="accent1"/>
+              </a:buClr>
+              <a:buFont typeface="Calibri" pitchFamily="34" charset="0"/>
+              <a:buChar char="◦"/>
+              <a:defRPr sz="1400" kern="1200">
+                <a:solidFill>
+                  <a:schemeClr val="tx1">
+                    <a:lumMod val="75000"/>
+                    <a:lumOff val="25000"/>
+                  </a:schemeClr>
+                </a:solidFill>
+                <a:latin typeface="+mn-lt"/>
+                <a:ea typeface="+mn-ea"/>
+                <a:cs typeface="+mn-cs"/>
+              </a:defRPr>
+            </a:lvl7pPr>
+            <a:lvl8pPr marL="1500000" indent="-228600" algn="l" defTabSz="914400" rtl="0" eaLnBrk="1" latinLnBrk="0" hangingPunct="1">
+              <a:lnSpc>
+                <a:spcPct val="90000"/>
+              </a:lnSpc>
+              <a:spcBef>
+                <a:spcPts val="200"/>
+              </a:spcBef>
+              <a:spcAft>
+                <a:spcPts val="400"/>
+              </a:spcAft>
+              <a:buClr>
+                <a:schemeClr val="accent1"/>
+              </a:buClr>
+              <a:buFont typeface="Calibri" pitchFamily="34" charset="0"/>
+              <a:buChar char="◦"/>
+              <a:defRPr sz="1400" kern="1200">
+                <a:solidFill>
+                  <a:schemeClr val="tx1">
+                    <a:lumMod val="75000"/>
+                    <a:lumOff val="25000"/>
+                  </a:schemeClr>
+                </a:solidFill>
+                <a:latin typeface="+mn-lt"/>
+                <a:ea typeface="+mn-ea"/>
+                <a:cs typeface="+mn-cs"/>
+              </a:defRPr>
+            </a:lvl8pPr>
+            <a:lvl9pPr marL="1700000" indent="-228600" algn="l" defTabSz="914400" rtl="0" eaLnBrk="1" latinLnBrk="0" hangingPunct="1">
+              <a:lnSpc>
+                <a:spcPct val="90000"/>
+              </a:lnSpc>
+              <a:spcBef>
+                <a:spcPts val="200"/>
+              </a:spcBef>
+              <a:spcAft>
+                <a:spcPts val="400"/>
+              </a:spcAft>
+              <a:buClr>
+                <a:schemeClr val="accent1"/>
+              </a:buClr>
+              <a:buFont typeface="Calibri" pitchFamily="34" charset="0"/>
+              <a:buChar char="◦"/>
+              <a:defRPr sz="1400" kern="1200">
+                <a:solidFill>
+                  <a:schemeClr val="tx1">
+                    <a:lumMod val="75000"/>
+                    <a:lumOff val="25000"/>
+                  </a:schemeClr>
+                </a:solidFill>
+                <a:latin typeface="+mn-lt"/>
+                <a:ea typeface="+mn-ea"/>
+                <a:cs typeface="+mn-cs"/>
+              </a:defRPr>
+            </a:lvl9pPr>
+          </a:lstStyle>
+          <a:p>
+            <a:r>
+              <a:rPr lang="en-US" sz="1600" b="1" dirty="0" smtClean="0"/>
+              <a:t>RedShift</a:t>
+            </a:r>
+            <a:r>
+              <a:rPr lang="en-US" sz="1600" dirty="0" smtClean="0"/>
+              <a:t>: </a:t>
+            </a:r>
+          </a:p>
+          <a:p>
+            <a:r>
+              <a:rPr lang="en-US" sz="1600" dirty="0" smtClean="0"/>
+              <a:t>- In operation for 1 year: 20 TB of data</a:t>
+            </a:r>
+          </a:p>
+        </p:txBody>
+      </p:sp>
+      <p:sp>
+        <p:nvSpPr>
+          <p:cNvPr id="8" name="Content Placeholder 2"/>
+          <p:cNvSpPr txBox="1">
+            <a:spLocks/>
+          </p:cNvSpPr>
+          <p:nvPr/>
+        </p:nvSpPr>
+        <p:spPr>
+          <a:xfrm>
+            <a:off x="3619500" y="2175510"/>
+            <a:ext cx="2369820" cy="1012190"/>
+          </a:xfrm>
+          <a:prstGeom prst="rect">
+            <a:avLst/>
+          </a:prstGeom>
+        </p:spPr>
+        <p:txBody>
+          <a:bodyPr vert="horz" lIns="0" tIns="45720" rIns="0" bIns="45720" rtlCol="0">
+            <a:normAutofit/>
+          </a:bodyPr>
+          <a:lstStyle>
+            <a:lvl1pPr marL="91440" indent="-91440" algn="l" defTabSz="914400" rtl="0" eaLnBrk="1" latinLnBrk="0" hangingPunct="1">
+              <a:lnSpc>
+                <a:spcPct val="90000"/>
+              </a:lnSpc>
+              <a:spcBef>
+                <a:spcPts val="1200"/>
+              </a:spcBef>
+              <a:spcAft>
+                <a:spcPts val="200"/>
+              </a:spcAft>
+              <a:buClr>
+                <a:schemeClr val="accent1"/>
+              </a:buClr>
+              <a:buSzPct val="100000"/>
+              <a:buFont typeface="Calibri" panose="020F0502020204030204" pitchFamily="34" charset="0"/>
+              <a:buChar char=" "/>
+              <a:defRPr sz="2000" kern="1200">
+                <a:solidFill>
+                  <a:schemeClr val="tx1">
+                    <a:lumMod val="75000"/>
+                    <a:lumOff val="25000"/>
+                  </a:schemeClr>
+                </a:solidFill>
+                <a:latin typeface="+mn-lt"/>
+                <a:ea typeface="+mn-ea"/>
+                <a:cs typeface="+mn-cs"/>
+              </a:defRPr>
+            </a:lvl1pPr>
+            <a:lvl2pPr marL="384048" indent="-182880" algn="l" defTabSz="914400" rtl="0" eaLnBrk="1" latinLnBrk="0" hangingPunct="1">
+              <a:lnSpc>
+                <a:spcPct val="90000"/>
+              </a:lnSpc>
+              <a:spcBef>
+                <a:spcPts val="200"/>
+              </a:spcBef>
+              <a:spcAft>
+                <a:spcPts val="400"/>
+              </a:spcAft>
+              <a:buClr>
+                <a:schemeClr val="accent1"/>
+              </a:buClr>
+              <a:buFont typeface="Calibri" pitchFamily="34" charset="0"/>
+              <a:buChar char="◦"/>
+              <a:defRPr sz="1800" kern="1200">
+                <a:solidFill>
+                  <a:schemeClr val="tx1">
+                    <a:lumMod val="75000"/>
+                    <a:lumOff val="25000"/>
+                  </a:schemeClr>
+                </a:solidFill>
+                <a:latin typeface="+mn-lt"/>
+                <a:ea typeface="+mn-ea"/>
+                <a:cs typeface="+mn-cs"/>
+              </a:defRPr>
+            </a:lvl2pPr>
+            <a:lvl3pPr marL="566928" indent="-182880" algn="l" defTabSz="914400" rtl="0" eaLnBrk="1" latinLnBrk="0" hangingPunct="1">
+              <a:lnSpc>
+                <a:spcPct val="90000"/>
+              </a:lnSpc>
+              <a:spcBef>
+                <a:spcPts val="200"/>
+              </a:spcBef>
+              <a:spcAft>
+                <a:spcPts val="400"/>
+              </a:spcAft>
+              <a:buClr>
+                <a:schemeClr val="accent1"/>
+              </a:buClr>
+              <a:buFont typeface="Calibri" pitchFamily="34" charset="0"/>
+              <a:buChar char="◦"/>
+              <a:defRPr sz="1400" kern="1200">
+                <a:solidFill>
+                  <a:schemeClr val="tx1">
+                    <a:lumMod val="75000"/>
+                    <a:lumOff val="25000"/>
+                  </a:schemeClr>
+                </a:solidFill>
+                <a:latin typeface="+mn-lt"/>
+                <a:ea typeface="+mn-ea"/>
+                <a:cs typeface="+mn-cs"/>
+              </a:defRPr>
+            </a:lvl3pPr>
+            <a:lvl4pPr marL="749808" indent="-182880" algn="l" defTabSz="914400" rtl="0" eaLnBrk="1" latinLnBrk="0" hangingPunct="1">
+              <a:lnSpc>
+                <a:spcPct val="90000"/>
+              </a:lnSpc>
+              <a:spcBef>
+                <a:spcPts val="200"/>
+              </a:spcBef>
+              <a:spcAft>
+                <a:spcPts val="400"/>
+              </a:spcAft>
+              <a:buClr>
+                <a:schemeClr val="accent1"/>
+              </a:buClr>
+              <a:buFont typeface="Calibri" pitchFamily="34" charset="0"/>
+              <a:buChar char="◦"/>
+              <a:defRPr sz="1400" kern="1200">
+                <a:solidFill>
+                  <a:schemeClr val="tx1">
+                    <a:lumMod val="75000"/>
+                    <a:lumOff val="25000"/>
+                  </a:schemeClr>
+                </a:solidFill>
+                <a:latin typeface="+mn-lt"/>
+                <a:ea typeface="+mn-ea"/>
+                <a:cs typeface="+mn-cs"/>
+              </a:defRPr>
+            </a:lvl4pPr>
+            <a:lvl5pPr marL="932688" indent="-182880" algn="l" defTabSz="914400" rtl="0" eaLnBrk="1" latinLnBrk="0" hangingPunct="1">
+              <a:lnSpc>
+                <a:spcPct val="90000"/>
+              </a:lnSpc>
+              <a:spcBef>
+                <a:spcPts val="200"/>
+              </a:spcBef>
+              <a:spcAft>
+                <a:spcPts val="400"/>
+              </a:spcAft>
+              <a:buClr>
+                <a:schemeClr val="accent1"/>
+              </a:buClr>
+              <a:buFont typeface="Calibri" pitchFamily="34" charset="0"/>
+              <a:buChar char="◦"/>
+              <a:defRPr sz="1400" kern="1200">
+                <a:solidFill>
+                  <a:schemeClr val="tx1">
+                    <a:lumMod val="75000"/>
+                    <a:lumOff val="25000"/>
+                  </a:schemeClr>
+                </a:solidFill>
+                <a:latin typeface="+mn-lt"/>
+                <a:ea typeface="+mn-ea"/>
+                <a:cs typeface="+mn-cs"/>
+              </a:defRPr>
+            </a:lvl5pPr>
+            <a:lvl6pPr marL="1100000" indent="-228600" algn="l" defTabSz="914400" rtl="0" eaLnBrk="1" latinLnBrk="0" hangingPunct="1">
+              <a:lnSpc>
+                <a:spcPct val="90000"/>
+              </a:lnSpc>
+              <a:spcBef>
+                <a:spcPts val="200"/>
+              </a:spcBef>
+              <a:spcAft>
+                <a:spcPts val="400"/>
+              </a:spcAft>
+              <a:buClr>
+                <a:schemeClr val="accent1"/>
+              </a:buClr>
+              <a:buFont typeface="Calibri" pitchFamily="34" charset="0"/>
+              <a:buChar char="◦"/>
+              <a:defRPr sz="1400" kern="1200">
+                <a:solidFill>
+                  <a:schemeClr val="tx1">
+                    <a:lumMod val="75000"/>
+                    <a:lumOff val="25000"/>
+                  </a:schemeClr>
+                </a:solidFill>
+                <a:latin typeface="+mn-lt"/>
+                <a:ea typeface="+mn-ea"/>
+                <a:cs typeface="+mn-cs"/>
+              </a:defRPr>
+            </a:lvl6pPr>
+            <a:lvl7pPr marL="1300000" indent="-228600" algn="l" defTabSz="914400" rtl="0" eaLnBrk="1" latinLnBrk="0" hangingPunct="1">
+              <a:lnSpc>
+                <a:spcPct val="90000"/>
+              </a:lnSpc>
+              <a:spcBef>
+                <a:spcPts val="200"/>
+              </a:spcBef>
+              <a:spcAft>
+                <a:spcPts val="400"/>
+              </a:spcAft>
+              <a:buClr>
+                <a:schemeClr val="accent1"/>
+              </a:buClr>
+              <a:buFont typeface="Calibri" pitchFamily="34" charset="0"/>
+              <a:buChar char="◦"/>
+              <a:defRPr sz="1400" kern="1200">
+                <a:solidFill>
+                  <a:schemeClr val="tx1">
+                    <a:lumMod val="75000"/>
+                    <a:lumOff val="25000"/>
+                  </a:schemeClr>
+                </a:solidFill>
+                <a:latin typeface="+mn-lt"/>
+                <a:ea typeface="+mn-ea"/>
+                <a:cs typeface="+mn-cs"/>
+              </a:defRPr>
+            </a:lvl7pPr>
+            <a:lvl8pPr marL="1500000" indent="-228600" algn="l" defTabSz="914400" rtl="0" eaLnBrk="1" latinLnBrk="0" hangingPunct="1">
+              <a:lnSpc>
+                <a:spcPct val="90000"/>
+              </a:lnSpc>
+              <a:spcBef>
+                <a:spcPts val="200"/>
+              </a:spcBef>
+              <a:spcAft>
+                <a:spcPts val="400"/>
+              </a:spcAft>
+              <a:buClr>
+                <a:schemeClr val="accent1"/>
+              </a:buClr>
+              <a:buFont typeface="Calibri" pitchFamily="34" charset="0"/>
+              <a:buChar char="◦"/>
+              <a:defRPr sz="1400" kern="1200">
+                <a:solidFill>
+                  <a:schemeClr val="tx1">
+                    <a:lumMod val="75000"/>
+                    <a:lumOff val="25000"/>
+                  </a:schemeClr>
+                </a:solidFill>
+                <a:latin typeface="+mn-lt"/>
+                <a:ea typeface="+mn-ea"/>
+                <a:cs typeface="+mn-cs"/>
+              </a:defRPr>
+            </a:lvl8pPr>
+            <a:lvl9pPr marL="1700000" indent="-228600" algn="l" defTabSz="914400" rtl="0" eaLnBrk="1" latinLnBrk="0" hangingPunct="1">
+              <a:lnSpc>
+                <a:spcPct val="90000"/>
+              </a:lnSpc>
+              <a:spcBef>
+                <a:spcPts val="200"/>
+              </a:spcBef>
+              <a:spcAft>
+                <a:spcPts val="400"/>
+              </a:spcAft>
+              <a:buClr>
+                <a:schemeClr val="accent1"/>
+              </a:buClr>
+              <a:buFont typeface="Calibri" pitchFamily="34" charset="0"/>
+              <a:buChar char="◦"/>
+              <a:defRPr sz="1400" kern="1200">
+                <a:solidFill>
+                  <a:schemeClr val="tx1">
+                    <a:lumMod val="75000"/>
+                    <a:lumOff val="25000"/>
+                  </a:schemeClr>
+                </a:solidFill>
+                <a:latin typeface="+mn-lt"/>
+                <a:ea typeface="+mn-ea"/>
+                <a:cs typeface="+mn-cs"/>
+              </a:defRPr>
+            </a:lvl9pPr>
+          </a:lstStyle>
+          <a:p>
+            <a:r>
+              <a:rPr lang="en-US" sz="1600" b="1" dirty="0" smtClean="0"/>
+              <a:t>S3</a:t>
+            </a:r>
+            <a:r>
+              <a:rPr lang="en-US" sz="1600" dirty="0" smtClean="0"/>
+              <a:t>: </a:t>
+            </a:r>
+          </a:p>
+          <a:p>
+            <a:r>
+              <a:rPr lang="en-US" sz="1600" dirty="0" smtClean="0"/>
+              <a:t>- In operation for 1 year: 41 TB of data</a:t>
+            </a:r>
+          </a:p>
+        </p:txBody>
+      </p:sp>
+      <p:sp>
+        <p:nvSpPr>
+          <p:cNvPr id="9" name="Content Placeholder 2"/>
+          <p:cNvSpPr txBox="1">
+            <a:spLocks/>
+          </p:cNvSpPr>
+          <p:nvPr/>
+        </p:nvSpPr>
+        <p:spPr>
+          <a:xfrm>
+            <a:off x="6141720" y="2175510"/>
+            <a:ext cx="2369820" cy="2362200"/>
+          </a:xfrm>
+          <a:prstGeom prst="rect">
+            <a:avLst/>
+          </a:prstGeom>
+        </p:spPr>
+        <p:txBody>
+          <a:bodyPr vert="horz" lIns="0" tIns="45720" rIns="0" bIns="45720" rtlCol="0">
+            <a:normAutofit/>
+          </a:bodyPr>
+          <a:lstStyle>
+            <a:lvl1pPr marL="91440" indent="-91440" algn="l" defTabSz="914400" rtl="0" eaLnBrk="1" latinLnBrk="0" hangingPunct="1">
+              <a:lnSpc>
+                <a:spcPct val="90000"/>
+              </a:lnSpc>
+              <a:spcBef>
+                <a:spcPts val="1200"/>
+              </a:spcBef>
+              <a:spcAft>
+                <a:spcPts val="200"/>
+              </a:spcAft>
+              <a:buClr>
+                <a:schemeClr val="accent1"/>
+              </a:buClr>
+              <a:buSzPct val="100000"/>
+              <a:buFont typeface="Calibri" panose="020F0502020204030204" pitchFamily="34" charset="0"/>
+              <a:buChar char=" "/>
+              <a:defRPr sz="2000" kern="1200">
+                <a:solidFill>
+                  <a:schemeClr val="tx1">
+                    <a:lumMod val="75000"/>
+                    <a:lumOff val="25000"/>
+                  </a:schemeClr>
+                </a:solidFill>
+                <a:latin typeface="+mn-lt"/>
+                <a:ea typeface="+mn-ea"/>
+                <a:cs typeface="+mn-cs"/>
+              </a:defRPr>
+            </a:lvl1pPr>
+            <a:lvl2pPr marL="384048" indent="-182880" algn="l" defTabSz="914400" rtl="0" eaLnBrk="1" latinLnBrk="0" hangingPunct="1">
+              <a:lnSpc>
+                <a:spcPct val="90000"/>
+              </a:lnSpc>
+              <a:spcBef>
+                <a:spcPts val="200"/>
+              </a:spcBef>
+              <a:spcAft>
+                <a:spcPts val="400"/>
+              </a:spcAft>
+              <a:buClr>
+                <a:schemeClr val="accent1"/>
+              </a:buClr>
+              <a:buFont typeface="Calibri" pitchFamily="34" charset="0"/>
+              <a:buChar char="◦"/>
+              <a:defRPr sz="1800" kern="1200">
+                <a:solidFill>
+                  <a:schemeClr val="tx1">
+                    <a:lumMod val="75000"/>
+                    <a:lumOff val="25000"/>
+                  </a:schemeClr>
+                </a:solidFill>
+                <a:latin typeface="+mn-lt"/>
+                <a:ea typeface="+mn-ea"/>
+                <a:cs typeface="+mn-cs"/>
+              </a:defRPr>
+            </a:lvl2pPr>
+            <a:lvl3pPr marL="566928" indent="-182880" algn="l" defTabSz="914400" rtl="0" eaLnBrk="1" latinLnBrk="0" hangingPunct="1">
+              <a:lnSpc>
+                <a:spcPct val="90000"/>
+              </a:lnSpc>
+              <a:spcBef>
+                <a:spcPts val="200"/>
+              </a:spcBef>
+              <a:spcAft>
+                <a:spcPts val="400"/>
+              </a:spcAft>
+              <a:buClr>
+                <a:schemeClr val="accent1"/>
+              </a:buClr>
+              <a:buFont typeface="Calibri" pitchFamily="34" charset="0"/>
+              <a:buChar char="◦"/>
+              <a:defRPr sz="1400" kern="1200">
+                <a:solidFill>
+                  <a:schemeClr val="tx1">
+                    <a:lumMod val="75000"/>
+                    <a:lumOff val="25000"/>
+                  </a:schemeClr>
+                </a:solidFill>
+                <a:latin typeface="+mn-lt"/>
+                <a:ea typeface="+mn-ea"/>
+                <a:cs typeface="+mn-cs"/>
+              </a:defRPr>
+            </a:lvl3pPr>
+            <a:lvl4pPr marL="749808" indent="-182880" algn="l" defTabSz="914400" rtl="0" eaLnBrk="1" latinLnBrk="0" hangingPunct="1">
+              <a:lnSpc>
+                <a:spcPct val="90000"/>
+              </a:lnSpc>
+              <a:spcBef>
+                <a:spcPts val="200"/>
+              </a:spcBef>
+              <a:spcAft>
+                <a:spcPts val="400"/>
+              </a:spcAft>
+              <a:buClr>
+                <a:schemeClr val="accent1"/>
+              </a:buClr>
+              <a:buFont typeface="Calibri" pitchFamily="34" charset="0"/>
+              <a:buChar char="◦"/>
+              <a:defRPr sz="1400" kern="1200">
+                <a:solidFill>
+                  <a:schemeClr val="tx1">
+                    <a:lumMod val="75000"/>
+                    <a:lumOff val="25000"/>
+                  </a:schemeClr>
+                </a:solidFill>
+                <a:latin typeface="+mn-lt"/>
+                <a:ea typeface="+mn-ea"/>
+                <a:cs typeface="+mn-cs"/>
+              </a:defRPr>
+            </a:lvl4pPr>
+            <a:lvl5pPr marL="932688" indent="-182880" algn="l" defTabSz="914400" rtl="0" eaLnBrk="1" latinLnBrk="0" hangingPunct="1">
+              <a:lnSpc>
+                <a:spcPct val="90000"/>
+              </a:lnSpc>
+              <a:spcBef>
+                <a:spcPts val="200"/>
+              </a:spcBef>
+              <a:spcAft>
+                <a:spcPts val="400"/>
+              </a:spcAft>
+              <a:buClr>
+                <a:schemeClr val="accent1"/>
+              </a:buClr>
+              <a:buFont typeface="Calibri" pitchFamily="34" charset="0"/>
+              <a:buChar char="◦"/>
+              <a:defRPr sz="1400" kern="1200">
+                <a:solidFill>
+                  <a:schemeClr val="tx1">
+                    <a:lumMod val="75000"/>
+                    <a:lumOff val="25000"/>
+                  </a:schemeClr>
+                </a:solidFill>
+                <a:latin typeface="+mn-lt"/>
+                <a:ea typeface="+mn-ea"/>
+                <a:cs typeface="+mn-cs"/>
+              </a:defRPr>
+            </a:lvl5pPr>
+            <a:lvl6pPr marL="1100000" indent="-228600" algn="l" defTabSz="914400" rtl="0" eaLnBrk="1" latinLnBrk="0" hangingPunct="1">
+              <a:lnSpc>
+                <a:spcPct val="90000"/>
+              </a:lnSpc>
+              <a:spcBef>
+                <a:spcPts val="200"/>
+              </a:spcBef>
+              <a:spcAft>
+                <a:spcPts val="400"/>
+              </a:spcAft>
+              <a:buClr>
+                <a:schemeClr val="accent1"/>
+              </a:buClr>
+              <a:buFont typeface="Calibri" pitchFamily="34" charset="0"/>
+              <a:buChar char="◦"/>
+              <a:defRPr sz="1400" kern="1200">
+                <a:solidFill>
+                  <a:schemeClr val="tx1">
+                    <a:lumMod val="75000"/>
+                    <a:lumOff val="25000"/>
+                  </a:schemeClr>
+                </a:solidFill>
+                <a:latin typeface="+mn-lt"/>
+                <a:ea typeface="+mn-ea"/>
+                <a:cs typeface="+mn-cs"/>
+              </a:defRPr>
+            </a:lvl6pPr>
+            <a:lvl7pPr marL="1300000" indent="-228600" algn="l" defTabSz="914400" rtl="0" eaLnBrk="1" latinLnBrk="0" hangingPunct="1">
+              <a:lnSpc>
+                <a:spcPct val="90000"/>
+              </a:lnSpc>
+              <a:spcBef>
+                <a:spcPts val="200"/>
+              </a:spcBef>
+              <a:spcAft>
+                <a:spcPts val="400"/>
+              </a:spcAft>
+              <a:buClr>
+                <a:schemeClr val="accent1"/>
+              </a:buClr>
+              <a:buFont typeface="Calibri" pitchFamily="34" charset="0"/>
+              <a:buChar char="◦"/>
+              <a:defRPr sz="1400" kern="1200">
+                <a:solidFill>
+                  <a:schemeClr val="tx1">
+                    <a:lumMod val="75000"/>
+                    <a:lumOff val="25000"/>
+                  </a:schemeClr>
+                </a:solidFill>
+                <a:latin typeface="+mn-lt"/>
+                <a:ea typeface="+mn-ea"/>
+                <a:cs typeface="+mn-cs"/>
+              </a:defRPr>
+            </a:lvl7pPr>
+            <a:lvl8pPr marL="1500000" indent="-228600" algn="l" defTabSz="914400" rtl="0" eaLnBrk="1" latinLnBrk="0" hangingPunct="1">
+              <a:lnSpc>
+                <a:spcPct val="90000"/>
+              </a:lnSpc>
+              <a:spcBef>
+                <a:spcPts val="200"/>
+              </a:spcBef>
+              <a:spcAft>
+                <a:spcPts val="400"/>
+              </a:spcAft>
+              <a:buClr>
+                <a:schemeClr val="accent1"/>
+              </a:buClr>
+              <a:buFont typeface="Calibri" pitchFamily="34" charset="0"/>
+              <a:buChar char="◦"/>
+              <a:defRPr sz="1400" kern="1200">
+                <a:solidFill>
+                  <a:schemeClr val="tx1">
+                    <a:lumMod val="75000"/>
+                    <a:lumOff val="25000"/>
+                  </a:schemeClr>
+                </a:solidFill>
+                <a:latin typeface="+mn-lt"/>
+                <a:ea typeface="+mn-ea"/>
+                <a:cs typeface="+mn-cs"/>
+              </a:defRPr>
+            </a:lvl8pPr>
+            <a:lvl9pPr marL="1700000" indent="-228600" algn="l" defTabSz="914400" rtl="0" eaLnBrk="1" latinLnBrk="0" hangingPunct="1">
+              <a:lnSpc>
+                <a:spcPct val="90000"/>
+              </a:lnSpc>
+              <a:spcBef>
+                <a:spcPts val="200"/>
+              </a:spcBef>
+              <a:spcAft>
+                <a:spcPts val="400"/>
+              </a:spcAft>
+              <a:buClr>
+                <a:schemeClr val="accent1"/>
+              </a:buClr>
+              <a:buFont typeface="Calibri" pitchFamily="34" charset="0"/>
+              <a:buChar char="◦"/>
+              <a:defRPr sz="1400" kern="1200">
+                <a:solidFill>
+                  <a:schemeClr val="tx1">
+                    <a:lumMod val="75000"/>
+                    <a:lumOff val="25000"/>
+                  </a:schemeClr>
+                </a:solidFill>
+                <a:latin typeface="+mn-lt"/>
+                <a:ea typeface="+mn-ea"/>
+                <a:cs typeface="+mn-cs"/>
+              </a:defRPr>
+            </a:lvl9pPr>
+          </a:lstStyle>
+          <a:p>
+            <a:r>
+              <a:rPr lang="en-US" sz="1600" b="1" dirty="0" smtClean="0"/>
+              <a:t>SageMaker</a:t>
+            </a:r>
+            <a:r>
+              <a:rPr lang="en-US" sz="1600" dirty="0" smtClean="0"/>
+              <a:t>: </a:t>
+            </a:r>
+          </a:p>
+          <a:p>
+            <a:r>
+              <a:rPr lang="en-US" sz="1600" dirty="0" smtClean="0"/>
+              <a:t>- Two weeks training on ml.p3.16xlarge is sufficient for training model</a:t>
+            </a:r>
+          </a:p>
+          <a:p>
+            <a:r>
+              <a:rPr lang="en-US" sz="1600" dirty="0" smtClean="0"/>
+              <a:t>- API Endpoint: 500,000 </a:t>
+            </a:r>
+            <a:r>
+              <a:rPr lang="en-US" sz="1600" dirty="0"/>
+              <a:t>* </a:t>
+            </a:r>
+            <a:r>
+              <a:rPr lang="en-US" sz="1600" dirty="0" smtClean="0"/>
+              <a:t>0.405 / 12 = 16875 requests/month</a:t>
+            </a:r>
+          </a:p>
+          <a:p>
+            <a:endParaRPr lang="en-US" sz="1600" dirty="0" smtClean="0"/>
+          </a:p>
+        </p:txBody>
+      </p:sp>
+      <p:sp>
+        <p:nvSpPr>
+          <p:cNvPr id="10" name="Content Placeholder 2"/>
+          <p:cNvSpPr txBox="1">
+            <a:spLocks/>
+          </p:cNvSpPr>
+          <p:nvPr/>
+        </p:nvSpPr>
+        <p:spPr>
+          <a:xfrm>
+            <a:off x="3619500" y="4203700"/>
+            <a:ext cx="2369820" cy="1228090"/>
+          </a:xfrm>
+          <a:prstGeom prst="rect">
+            <a:avLst/>
+          </a:prstGeom>
+        </p:spPr>
+        <p:txBody>
+          <a:bodyPr vert="horz" lIns="0" tIns="45720" rIns="0" bIns="45720" rtlCol="0">
+            <a:normAutofit/>
+          </a:bodyPr>
+          <a:lstStyle>
+            <a:lvl1pPr marL="91440" indent="-91440" algn="l" defTabSz="914400" rtl="0" eaLnBrk="1" latinLnBrk="0" hangingPunct="1">
+              <a:lnSpc>
+                <a:spcPct val="90000"/>
+              </a:lnSpc>
+              <a:spcBef>
+                <a:spcPts val="1200"/>
+              </a:spcBef>
+              <a:spcAft>
+                <a:spcPts val="200"/>
+              </a:spcAft>
+              <a:buClr>
+                <a:schemeClr val="accent1"/>
+              </a:buClr>
+              <a:buSzPct val="100000"/>
+              <a:buFont typeface="Calibri" panose="020F0502020204030204" pitchFamily="34" charset="0"/>
+              <a:buChar char=" "/>
+              <a:defRPr sz="2000" kern="1200">
+                <a:solidFill>
+                  <a:schemeClr val="tx1">
+                    <a:lumMod val="75000"/>
+                    <a:lumOff val="25000"/>
+                  </a:schemeClr>
+                </a:solidFill>
+                <a:latin typeface="+mn-lt"/>
+                <a:ea typeface="+mn-ea"/>
+                <a:cs typeface="+mn-cs"/>
+              </a:defRPr>
+            </a:lvl1pPr>
+            <a:lvl2pPr marL="384048" indent="-182880" algn="l" defTabSz="914400" rtl="0" eaLnBrk="1" latinLnBrk="0" hangingPunct="1">
+              <a:lnSpc>
+                <a:spcPct val="90000"/>
+              </a:lnSpc>
+              <a:spcBef>
+                <a:spcPts val="200"/>
+              </a:spcBef>
+              <a:spcAft>
+                <a:spcPts val="400"/>
+              </a:spcAft>
+              <a:buClr>
+                <a:schemeClr val="accent1"/>
+              </a:buClr>
+              <a:buFont typeface="Calibri" pitchFamily="34" charset="0"/>
+              <a:buChar char="◦"/>
+              <a:defRPr sz="1800" kern="1200">
+                <a:solidFill>
+                  <a:schemeClr val="tx1">
+                    <a:lumMod val="75000"/>
+                    <a:lumOff val="25000"/>
+                  </a:schemeClr>
+                </a:solidFill>
+                <a:latin typeface="+mn-lt"/>
+                <a:ea typeface="+mn-ea"/>
+                <a:cs typeface="+mn-cs"/>
+              </a:defRPr>
+            </a:lvl2pPr>
+            <a:lvl3pPr marL="566928" indent="-182880" algn="l" defTabSz="914400" rtl="0" eaLnBrk="1" latinLnBrk="0" hangingPunct="1">
+              <a:lnSpc>
+                <a:spcPct val="90000"/>
+              </a:lnSpc>
+              <a:spcBef>
+                <a:spcPts val="200"/>
+              </a:spcBef>
+              <a:spcAft>
+                <a:spcPts val="400"/>
+              </a:spcAft>
+              <a:buClr>
+                <a:schemeClr val="accent1"/>
+              </a:buClr>
+              <a:buFont typeface="Calibri" pitchFamily="34" charset="0"/>
+              <a:buChar char="◦"/>
+              <a:defRPr sz="1400" kern="1200">
+                <a:solidFill>
+                  <a:schemeClr val="tx1">
+                    <a:lumMod val="75000"/>
+                    <a:lumOff val="25000"/>
+                  </a:schemeClr>
+                </a:solidFill>
+                <a:latin typeface="+mn-lt"/>
+                <a:ea typeface="+mn-ea"/>
+                <a:cs typeface="+mn-cs"/>
+              </a:defRPr>
+            </a:lvl3pPr>
+            <a:lvl4pPr marL="749808" indent="-182880" algn="l" defTabSz="914400" rtl="0" eaLnBrk="1" latinLnBrk="0" hangingPunct="1">
+              <a:lnSpc>
+                <a:spcPct val="90000"/>
+              </a:lnSpc>
+              <a:spcBef>
+                <a:spcPts val="200"/>
+              </a:spcBef>
+              <a:spcAft>
+                <a:spcPts val="400"/>
+              </a:spcAft>
+              <a:buClr>
+                <a:schemeClr val="accent1"/>
+              </a:buClr>
+              <a:buFont typeface="Calibri" pitchFamily="34" charset="0"/>
+              <a:buChar char="◦"/>
+              <a:defRPr sz="1400" kern="1200">
+                <a:solidFill>
+                  <a:schemeClr val="tx1">
+                    <a:lumMod val="75000"/>
+                    <a:lumOff val="25000"/>
+                  </a:schemeClr>
+                </a:solidFill>
+                <a:latin typeface="+mn-lt"/>
+                <a:ea typeface="+mn-ea"/>
+                <a:cs typeface="+mn-cs"/>
+              </a:defRPr>
+            </a:lvl4pPr>
+            <a:lvl5pPr marL="932688" indent="-182880" algn="l" defTabSz="914400" rtl="0" eaLnBrk="1" latinLnBrk="0" hangingPunct="1">
+              <a:lnSpc>
+                <a:spcPct val="90000"/>
+              </a:lnSpc>
+              <a:spcBef>
+                <a:spcPts val="200"/>
+              </a:spcBef>
+              <a:spcAft>
+                <a:spcPts val="400"/>
+              </a:spcAft>
+              <a:buClr>
+                <a:schemeClr val="accent1"/>
+              </a:buClr>
+              <a:buFont typeface="Calibri" pitchFamily="34" charset="0"/>
+              <a:buChar char="◦"/>
+              <a:defRPr sz="1400" kern="1200">
+                <a:solidFill>
+                  <a:schemeClr val="tx1">
+                    <a:lumMod val="75000"/>
+                    <a:lumOff val="25000"/>
+                  </a:schemeClr>
+                </a:solidFill>
+                <a:latin typeface="+mn-lt"/>
+                <a:ea typeface="+mn-ea"/>
+                <a:cs typeface="+mn-cs"/>
+              </a:defRPr>
+            </a:lvl5pPr>
+            <a:lvl6pPr marL="1100000" indent="-228600" algn="l" defTabSz="914400" rtl="0" eaLnBrk="1" latinLnBrk="0" hangingPunct="1">
+              <a:lnSpc>
+                <a:spcPct val="90000"/>
+              </a:lnSpc>
+              <a:spcBef>
+                <a:spcPts val="200"/>
+              </a:spcBef>
+              <a:spcAft>
+                <a:spcPts val="400"/>
+              </a:spcAft>
+              <a:buClr>
+                <a:schemeClr val="accent1"/>
+              </a:buClr>
+              <a:buFont typeface="Calibri" pitchFamily="34" charset="0"/>
+              <a:buChar char="◦"/>
+              <a:defRPr sz="1400" kern="1200">
+                <a:solidFill>
+                  <a:schemeClr val="tx1">
+                    <a:lumMod val="75000"/>
+                    <a:lumOff val="25000"/>
+                  </a:schemeClr>
+                </a:solidFill>
+                <a:latin typeface="+mn-lt"/>
+                <a:ea typeface="+mn-ea"/>
+                <a:cs typeface="+mn-cs"/>
+              </a:defRPr>
+            </a:lvl6pPr>
+            <a:lvl7pPr marL="1300000" indent="-228600" algn="l" defTabSz="914400" rtl="0" eaLnBrk="1" latinLnBrk="0" hangingPunct="1">
+              <a:lnSpc>
+                <a:spcPct val="90000"/>
+              </a:lnSpc>
+              <a:spcBef>
+                <a:spcPts val="200"/>
+              </a:spcBef>
+              <a:spcAft>
+                <a:spcPts val="400"/>
+              </a:spcAft>
+              <a:buClr>
+                <a:schemeClr val="accent1"/>
+              </a:buClr>
+              <a:buFont typeface="Calibri" pitchFamily="34" charset="0"/>
+              <a:buChar char="◦"/>
+              <a:defRPr sz="1400" kern="1200">
+                <a:solidFill>
+                  <a:schemeClr val="tx1">
+                    <a:lumMod val="75000"/>
+                    <a:lumOff val="25000"/>
+                  </a:schemeClr>
+                </a:solidFill>
+                <a:latin typeface="+mn-lt"/>
+                <a:ea typeface="+mn-ea"/>
+                <a:cs typeface="+mn-cs"/>
+              </a:defRPr>
+            </a:lvl7pPr>
+            <a:lvl8pPr marL="1500000" indent="-228600" algn="l" defTabSz="914400" rtl="0" eaLnBrk="1" latinLnBrk="0" hangingPunct="1">
+              <a:lnSpc>
+                <a:spcPct val="90000"/>
+              </a:lnSpc>
+              <a:spcBef>
+                <a:spcPts val="200"/>
+              </a:spcBef>
+              <a:spcAft>
+                <a:spcPts val="400"/>
+              </a:spcAft>
+              <a:buClr>
+                <a:schemeClr val="accent1"/>
+              </a:buClr>
+              <a:buFont typeface="Calibri" pitchFamily="34" charset="0"/>
+              <a:buChar char="◦"/>
+              <a:defRPr sz="1400" kern="1200">
+                <a:solidFill>
+                  <a:schemeClr val="tx1">
+                    <a:lumMod val="75000"/>
+                    <a:lumOff val="25000"/>
+                  </a:schemeClr>
+                </a:solidFill>
+                <a:latin typeface="+mn-lt"/>
+                <a:ea typeface="+mn-ea"/>
+                <a:cs typeface="+mn-cs"/>
+              </a:defRPr>
+            </a:lvl8pPr>
+            <a:lvl9pPr marL="1700000" indent="-228600" algn="l" defTabSz="914400" rtl="0" eaLnBrk="1" latinLnBrk="0" hangingPunct="1">
+              <a:lnSpc>
+                <a:spcPct val="90000"/>
+              </a:lnSpc>
+              <a:spcBef>
+                <a:spcPts val="200"/>
+              </a:spcBef>
+              <a:spcAft>
+                <a:spcPts val="400"/>
+              </a:spcAft>
+              <a:buClr>
+                <a:schemeClr val="accent1"/>
+              </a:buClr>
+              <a:buFont typeface="Calibri" pitchFamily="34" charset="0"/>
+              <a:buChar char="◦"/>
+              <a:defRPr sz="1400" kern="1200">
+                <a:solidFill>
+                  <a:schemeClr val="tx1">
+                    <a:lumMod val="75000"/>
+                    <a:lumOff val="25000"/>
+                  </a:schemeClr>
+                </a:solidFill>
+                <a:latin typeface="+mn-lt"/>
+                <a:ea typeface="+mn-ea"/>
+                <a:cs typeface="+mn-cs"/>
+              </a:defRPr>
+            </a:lvl9pPr>
+          </a:lstStyle>
+          <a:p>
+            <a:r>
+              <a:rPr lang="en-US" sz="1600" b="1" dirty="0" smtClean="0"/>
+              <a:t>Textract:</a:t>
+            </a:r>
+          </a:p>
+          <a:p>
+            <a:r>
+              <a:rPr lang="en-US" sz="1600" dirty="0"/>
+              <a:t>- </a:t>
+            </a:r>
+            <a:r>
+              <a:rPr lang="en-US" sz="1600" dirty="0" smtClean="0"/>
+              <a:t>Document processing: </a:t>
+            </a:r>
+            <a:r>
+              <a:rPr lang="en-US" sz="1600" dirty="0"/>
+              <a:t>500,000 * 0.405 * .5 / 12 = </a:t>
+            </a:r>
+            <a:r>
+              <a:rPr lang="en-US" sz="1600" dirty="0" smtClean="0"/>
+              <a:t>16875 requests/month </a:t>
+            </a:r>
+          </a:p>
+        </p:txBody>
+      </p:sp>
+    </p:spTree>
+    <p:extLst>
+      <p:ext uri="{BB962C8B-B14F-4D97-AF65-F5344CB8AC3E}">
+        <p14:creationId xmlns:p14="http://schemas.microsoft.com/office/powerpoint/2010/main" val="1000046384"/>
+      </p:ext>
+    </p:extLst>
+  </p:cSld>
+  <p:clrMapOvr>
+    <a:masterClrMapping/>
+  </p:clrMapOvr>
+</p:sld>
+</file>
+
+<file path=ppt/slides/slide9.xml><?xml version="1.0" encoding="utf-8"?>
+<p:sld xmlns:a="http://schemas.openxmlformats.org/drawingml/2006/main" xmlns:r="http://schemas.openxmlformats.org/officeDocument/2006/relationships" xmlns:p="http://schemas.openxmlformats.org/presentationml/2006/main" showMasterSp="0">
+  <p:cSld>
+    <p:spTree>
+      <p:nvGrpSpPr>
+        <p:cNvPr id="1" name=""/>
+        <p:cNvGrpSpPr/>
+        <p:nvPr/>
+      </p:nvGrpSpPr>
+      <p:grpSpPr>
+        <a:xfrm>
+          <a:off x="0" y="0"/>
+          <a:ext cx="0" cy="0"/>
+          <a:chOff x="0" y="0"/>
+          <a:chExt cx="0" cy="0"/>
+        </a:xfrm>
+      </p:grpSpPr>
+      <p:sp>
+        <p:nvSpPr>
+          <p:cNvPr id="2" name="Title 1"/>
+          <p:cNvSpPr>
+            <a:spLocks noGrp="1"/>
+          </p:cNvSpPr>
+          <p:nvPr>
+            <p:ph type="title"/>
+          </p:nvPr>
+        </p:nvSpPr>
+        <p:spPr>
+          <a:xfrm>
+            <a:off x="0" y="1003300"/>
+            <a:ext cx="2845083" cy="1752599"/>
+          </a:xfrm>
+        </p:spPr>
+        <p:txBody>
+          <a:bodyPr>
+            <a:normAutofit fontScale="90000"/>
+          </a:bodyPr>
+          <a:lstStyle/>
+          <a:p>
+            <a:r>
+              <a:rPr lang="en-US" dirty="0" smtClean="0"/>
+              <a:t>System Architecture Diagram</a:t>
+            </a:r>
+            <a:endParaRPr lang="en-US" dirty="0"/>
+          </a:p>
+        </p:txBody>
+      </p:sp>
       <p:pic>
         <p:nvPicPr>
-          <p:cNvPr id="3" name="Picture 12" descr="Amazon SageMaker Introduction – Try Machine Learning with Built-in  Algorithms | devnote">
-            <a:extLst>
-              <a:ext uri="{FF2B5EF4-FFF2-40B4-BE49-F238E27FC236}">
-                <a16:creationId xmlns:a16="http://schemas.microsoft.com/office/drawing/2014/main" id="{FE455899-6AE5-171E-8430-8FCCC67AFFC1}"/>
-              </a:ext>
-            </a:extLst>
-          </p:cNvPr>
+          <p:cNvPr id="4" name="Picture 3"/>
           <p:cNvPicPr>
-            <a:picLocks noChangeAspect="1" noChangeArrowheads="1"/>
+            <a:picLocks noChangeAspect="1"/>
           </p:cNvPicPr>
           <p:nvPr/>
         </p:nvPicPr>
         <p:blipFill>
-          <a:blip r:embed="rId7" cstate="print">
+          <a:blip r:embed="rId2" cstate="print">
             <a:extLst>
               <a:ext uri="{28A0092B-C50C-407E-A947-70E740481C1C}">
                 <a14:useLocalDpi xmlns:a14="http://schemas.microsoft.com/office/drawing/2010/main" val="0"/>
               </a:ext>
             </a:extLst>
           </a:blip>
-          <a:srcRect/>
           <a:stretch>
             <a:fillRect/>
           </a:stretch>
         </p:blipFill>
-        <p:spPr bwMode="auto">
+        <p:spPr>
           <a:xfrm>
-            <a:off x="1537418" y="4522236"/>
-            <a:ext cx="588398" cy="588398"/>
+            <a:off x="2845083" y="0"/>
+            <a:ext cx="9346917" cy="6858001"/>
           </a:xfrm>
           <a:prstGeom prst="rect">
             <a:avLst/>
           </a:prstGeom>
-          <a:noFill/>
-          <a:extLst>
-            <a:ext uri="{909E8E84-426E-40DD-AFC4-6F175D3DCCD1}">
-              <a14:hiddenFill xmlns:a14="http://schemas.microsoft.com/office/drawing/2010/main">
-                <a:solidFill>
-                  <a:srgbClr val="FFFFFF"/>
-                </a:solidFill>
-              </a14:hiddenFill>
-            </a:ext>
-          </a:extLst>
         </p:spPr>
       </p:pic>
     </p:spTree>
     <p:extLst>
       <p:ext uri="{BB962C8B-B14F-4D97-AF65-F5344CB8AC3E}">
-        <p14:creationId xmlns:p14="http://schemas.microsoft.com/office/powerpoint/2010/main" val="1876824655"/>
+        <p14:creationId xmlns:p14="http://schemas.microsoft.com/office/powerpoint/2010/main" val="4147998414"/>
       </p:ext>
     </p:extLst>
   </p:cSld>

--- a/MSiA 423/hw01/hw01_deck.pptx
+++ b/MSiA 423/hw01/hw01_deck.pptx
@@ -347,7 +347,7 @@
           <a:p>
             <a:fld id="{84C7F18E-0E49-4207-B837-F7024745D32F}" type="datetimeFigureOut">
               <a:rPr lang="en-US" smtClean="0"/>
-              <a:t>4/13/2023</a:t>
+              <a:t>4/14/2023</a:t>
             </a:fld>
             <a:endParaRPr lang="en-US"/>
           </a:p>
@@ -555,7 +555,7 @@
           <a:p>
             <a:fld id="{84C7F18E-0E49-4207-B837-F7024745D32F}" type="datetimeFigureOut">
               <a:rPr lang="en-US" smtClean="0"/>
-              <a:t>4/13/2023</a:t>
+              <a:t>4/14/2023</a:t>
             </a:fld>
             <a:endParaRPr lang="en-US"/>
           </a:p>
@@ -811,7 +811,7 @@
           <a:p>
             <a:fld id="{84C7F18E-0E49-4207-B837-F7024745D32F}" type="datetimeFigureOut">
               <a:rPr lang="en-US" smtClean="0"/>
-              <a:t>4/13/2023</a:t>
+              <a:t>4/14/2023</a:t>
             </a:fld>
             <a:endParaRPr lang="en-US"/>
           </a:p>
@@ -985,7 +985,7 @@
           <a:p>
             <a:fld id="{84C7F18E-0E49-4207-B837-F7024745D32F}" type="datetimeFigureOut">
               <a:rPr lang="en-US" smtClean="0"/>
-              <a:t>4/13/2023</a:t>
+              <a:t>4/14/2023</a:t>
             </a:fld>
             <a:endParaRPr lang="en-US"/>
           </a:p>
@@ -1328,7 +1328,7 @@
           <a:p>
             <a:fld id="{84C7F18E-0E49-4207-B837-F7024745D32F}" type="datetimeFigureOut">
               <a:rPr lang="en-US" smtClean="0"/>
-              <a:t>4/13/2023</a:t>
+              <a:t>4/14/2023</a:t>
             </a:fld>
             <a:endParaRPr lang="en-US"/>
           </a:p>
@@ -1603,7 +1603,7 @@
           <a:p>
             <a:fld id="{84C7F18E-0E49-4207-B837-F7024745D32F}" type="datetimeFigureOut">
               <a:rPr lang="en-US" smtClean="0"/>
-              <a:t>4/13/2023</a:t>
+              <a:t>4/14/2023</a:t>
             </a:fld>
             <a:endParaRPr lang="en-US"/>
           </a:p>
@@ -1982,7 +1982,7 @@
           <a:p>
             <a:fld id="{84C7F18E-0E49-4207-B837-F7024745D32F}" type="datetimeFigureOut">
               <a:rPr lang="en-US" smtClean="0"/>
-              <a:t>4/13/2023</a:t>
+              <a:t>4/14/2023</a:t>
             </a:fld>
             <a:endParaRPr lang="en-US"/>
           </a:p>
@@ -2100,7 +2100,7 @@
           <a:p>
             <a:fld id="{84C7F18E-0E49-4207-B837-F7024745D32F}" type="datetimeFigureOut">
               <a:rPr lang="en-US" smtClean="0"/>
-              <a:t>4/13/2023</a:t>
+              <a:t>4/14/2023</a:t>
             </a:fld>
             <a:endParaRPr lang="en-US"/>
           </a:p>
@@ -2271,7 +2271,7 @@
           <a:p>
             <a:fld id="{84C7F18E-0E49-4207-B837-F7024745D32F}" type="datetimeFigureOut">
               <a:rPr lang="en-US" smtClean="0"/>
-              <a:t>4/13/2023</a:t>
+              <a:t>4/14/2023</a:t>
             </a:fld>
             <a:endParaRPr lang="en-US"/>
           </a:p>
@@ -2625,7 +2625,7 @@
           <a:p>
             <a:fld id="{84C7F18E-0E49-4207-B837-F7024745D32F}" type="datetimeFigureOut">
               <a:rPr lang="en-US" smtClean="0"/>
-              <a:t>4/13/2023</a:t>
+              <a:t>4/14/2023</a:t>
             </a:fld>
             <a:endParaRPr lang="en-US"/>
           </a:p>
@@ -3007,7 +3007,7 @@
           <a:p>
             <a:fld id="{84C7F18E-0E49-4207-B837-F7024745D32F}" type="datetimeFigureOut">
               <a:rPr lang="en-US" smtClean="0"/>
-              <a:t>4/13/2023</a:t>
+              <a:t>4/14/2023</a:t>
             </a:fld>
             <a:endParaRPr lang="en-US"/>
           </a:p>
@@ -3294,7 +3294,7 @@
           <a:p>
             <a:fld id="{84C7F18E-0E49-4207-B837-F7024745D32F}" type="datetimeFigureOut">
               <a:rPr lang="en-US" smtClean="0"/>
-              <a:t>4/13/2023</a:t>
+              <a:t>4/14/2023</a:t>
             </a:fld>
             <a:endParaRPr lang="en-US"/>
           </a:p>
@@ -3908,10 +3908,9 @@
           <a:lstStyle/>
           <a:p>
             <a:r>
-              <a:rPr lang="en-US" dirty="0" smtClean="0"/>
+              <a:rPr lang="en-US" dirty="0"/>
               <a:t>References</a:t>
             </a:r>
-            <a:endParaRPr lang="en-US" dirty="0"/>
           </a:p>
         </p:txBody>
       </p:sp>
@@ -3938,15 +3937,9 @@
               <a:rPr lang="en-US" dirty="0">
                 <a:hlinkClick r:id="rId2"/>
               </a:rPr>
-              <a:t>https://www.harmonyhit.com/health-data-volumes-skyrocket-legacy-data-archives-rise-hie</a:t>
-            </a:r>
-            <a:r>
-              <a:rPr lang="en-US" dirty="0" smtClean="0">
-                <a:hlinkClick r:id="rId2"/>
-              </a:rPr>
-              <a:t>/</a:t>
-            </a:r>
-            <a:endParaRPr lang="en-US" dirty="0" smtClean="0"/>
+              <a:t>https://www.harmonyhit.com/health-data-volumes-skyrocket-legacy-data-archives-rise-hie/</a:t>
+            </a:r>
+            <a:endParaRPr lang="en-US" dirty="0"/>
           </a:p>
           <a:p>
             <a:r>
@@ -3957,15 +3950,9 @@
               <a:rPr lang="en-US" dirty="0">
                 <a:hlinkClick r:id="rId3"/>
               </a:rPr>
-              <a:t>https://</a:t>
-            </a:r>
-            <a:r>
-              <a:rPr lang="en-US" dirty="0" smtClean="0">
-                <a:hlinkClick r:id="rId3"/>
-              </a:rPr>
-              <a:t>www.cdc.gov/nchs/fastats/emergency-department.htm</a:t>
-            </a:r>
-            <a:endParaRPr lang="en-US" dirty="0" smtClean="0"/>
+              <a:t>https://www.cdc.gov/nchs/fastats/emergency-department.htm</a:t>
+            </a:r>
+            <a:endParaRPr lang="en-US" dirty="0"/>
           </a:p>
           <a:p>
             <a:r>
@@ -3976,18 +3963,12 @@
               <a:rPr lang="en-US" dirty="0">
                 <a:hlinkClick r:id="rId4"/>
               </a:rPr>
-              <a:t>https://</a:t>
-            </a:r>
-            <a:r>
-              <a:rPr lang="en-US" dirty="0" smtClean="0">
-                <a:hlinkClick r:id="rId4"/>
-              </a:rPr>
-              <a:t>www.sampleforms.com/medical-claim-form.html</a:t>
-            </a:r>
-            <a:endParaRPr lang="en-US" dirty="0" smtClean="0"/>
-          </a:p>
-          <a:p>
-            <a:endParaRPr lang="en-US" dirty="0" smtClean="0"/>
+              <a:t>https://www.sampleforms.com/medical-claim-form.html</a:t>
+            </a:r>
+            <a:endParaRPr lang="en-US" dirty="0"/>
+          </a:p>
+          <a:p>
+            <a:endParaRPr lang="en-US" dirty="0"/>
           </a:p>
           <a:p>
             <a:endParaRPr lang="en-US" dirty="0"/>
@@ -5354,117 +5335,64 @@
             </a:r>
             <a:r>
               <a:rPr lang="en-US" sz="1600" b="1" dirty="0"/>
-              <a:t>EHRs</a:t>
-            </a:r>
-            <a:r>
-              <a:rPr lang="en-US" sz="1600" b="1" dirty="0" smtClean="0"/>
-              <a:t>**</a:t>
+              <a:t>EHRs**</a:t>
             </a:r>
           </a:p>
           <a:p>
             <a:pPr lvl="1"/>
             <a:r>
-              <a:rPr lang="en-US" sz="1600" b="1" dirty="0" smtClean="0"/>
-              <a:t>Medical </a:t>
-            </a:r>
-            <a:r>
               <a:rPr lang="en-US" sz="1600" b="1" dirty="0"/>
-              <a:t>Data: </a:t>
+              <a:t>Medical Data: **EHRs**, </a:t>
+            </a:r>
+            <a:r>
+              <a:rPr lang="en-US" sz="1600" dirty="0"/>
+              <a:t>Healthcare Cost and Utilization Project (HCUP) data,</a:t>
             </a:r>
             <a:r>
               <a:rPr lang="en-US" sz="1600" b="1" dirty="0"/>
-              <a:t>**EHRs</a:t>
-            </a:r>
-            <a:r>
-              <a:rPr lang="en-US" sz="1600" b="1" dirty="0" smtClean="0"/>
-              <a:t>**, </a:t>
-            </a:r>
-            <a:r>
-              <a:rPr lang="en-US" sz="1600" dirty="0" smtClean="0"/>
-              <a:t>Healthcare </a:t>
+              <a:t> </a:t>
             </a:r>
             <a:r>
               <a:rPr lang="en-US" sz="1600" dirty="0"/>
-              <a:t>Cost and Utilization Project (HCUP) </a:t>
-            </a:r>
-            <a:r>
-              <a:rPr lang="en-US" sz="1600" dirty="0" smtClean="0"/>
-              <a:t>data,</a:t>
-            </a:r>
-            <a:r>
-              <a:rPr lang="en-US" sz="1600" b="1" dirty="0" smtClean="0"/>
-              <a:t> </a:t>
+              <a:t>clinical trial data</a:t>
+            </a:r>
+          </a:p>
+          <a:p>
+            <a:pPr lvl="1"/>
+            <a:r>
+              <a:rPr lang="en-US" sz="1600" b="1" dirty="0"/>
+              <a:t>Patient History Data: **EHRs**</a:t>
             </a:r>
             <a:r>
               <a:rPr lang="en-US" sz="1600" dirty="0"/>
-              <a:t>clinical trial </a:t>
-            </a:r>
-            <a:r>
-              <a:rPr lang="en-US" sz="1600" dirty="0" smtClean="0"/>
-              <a:t>data</a:t>
+              <a:t>, </a:t>
+            </a:r>
+            <a:r>
+              <a:rPr lang="en-US" sz="1600" b="1" dirty="0"/>
+              <a:t>**medical claims data**</a:t>
+            </a:r>
+            <a:r>
+              <a:rPr lang="en-US" sz="1600" dirty="0"/>
+              <a:t>, </a:t>
+            </a:r>
+            <a:r>
+              <a:rPr lang="en-US" sz="1600" b="1" dirty="0"/>
+              <a:t>**health questionnaires**</a:t>
             </a:r>
           </a:p>
           <a:p>
             <a:pPr lvl="1"/>
             <a:r>
-              <a:rPr lang="en-US" sz="1600" b="1" dirty="0" smtClean="0"/>
-              <a:t>Patient </a:t>
-            </a:r>
-            <a:r>
               <a:rPr lang="en-US" sz="1600" b="1" dirty="0"/>
-              <a:t>History Data: </a:t>
-            </a:r>
-            <a:r>
-              <a:rPr lang="en-US" sz="1600" b="1" dirty="0" smtClean="0"/>
-              <a:t>**EHRs**</a:t>
-            </a:r>
-            <a:r>
-              <a:rPr lang="en-US" sz="1600" dirty="0" smtClean="0"/>
-              <a:t>, </a:t>
-            </a:r>
-            <a:r>
-              <a:rPr lang="en-US" sz="1600" b="1" dirty="0" smtClean="0"/>
-              <a:t>**medical </a:t>
-            </a:r>
+              <a:t>Social Determinants of Health Data: **NACCHO resources**</a:t>
+            </a:r>
+            <a:endParaRPr lang="en-US" sz="1600" dirty="0"/>
+          </a:p>
+          <a:p>
+            <a:pPr lvl="1"/>
             <a:r>
               <a:rPr lang="en-US" sz="1600" b="1" dirty="0"/>
-              <a:t>claims </a:t>
-            </a:r>
-            <a:r>
-              <a:rPr lang="en-US" sz="1600" b="1" dirty="0" smtClean="0"/>
-              <a:t>data**</a:t>
-            </a:r>
-            <a:r>
-              <a:rPr lang="en-US" sz="1600" dirty="0" smtClean="0"/>
-              <a:t>, </a:t>
-            </a:r>
-            <a:r>
-              <a:rPr lang="en-US" sz="1600" b="1" dirty="0" smtClean="0"/>
-              <a:t>**health questionnaires**</a:t>
-            </a:r>
-            <a:endParaRPr lang="en-US" sz="1600" b="1" dirty="0"/>
-          </a:p>
-          <a:p>
-            <a:pPr lvl="1"/>
-            <a:r>
-              <a:rPr lang="en-US" sz="1600" b="1" dirty="0"/>
-              <a:t>Social Determinants of Health Data: </a:t>
-            </a:r>
-            <a:r>
-              <a:rPr lang="en-US" sz="1600" b="1" dirty="0" smtClean="0"/>
-              <a:t>**NACCHO resources**</a:t>
-            </a:r>
-            <a:endParaRPr lang="en-US" sz="1600" dirty="0"/>
-          </a:p>
-          <a:p>
-            <a:pPr lvl="1"/>
-            <a:r>
-              <a:rPr lang="en-US" sz="1600" b="1" dirty="0" smtClean="0"/>
-              <a:t>Patient-Generated </a:t>
-            </a:r>
-            <a:r>
-              <a:rPr lang="en-US" sz="1600" b="1" dirty="0"/>
-              <a:t>Data: </a:t>
+              <a:t>Patient-Generated Data: </a:t>
             </a:r>
             <a:r>
               <a:rPr lang="en-US" sz="1600" dirty="0"/>
@@ -5478,28 +5406,12 @@
               <a:t>Public Health Data: </a:t>
             </a:r>
             <a:r>
-              <a:rPr lang="en-US" sz="1600" dirty="0" smtClean="0"/>
-              <a:t>CDC </a:t>
-            </a:r>
-            <a:r>
               <a:rPr lang="en-US" sz="1600" dirty="0"/>
-              <a:t>data on infectious diseases, chronic </a:t>
-            </a:r>
-            <a:r>
-              <a:rPr lang="en-US" sz="1600" dirty="0" smtClean="0"/>
-              <a:t>diseases, </a:t>
-            </a:r>
-            <a:r>
-              <a:rPr lang="en-US" sz="1600" b="1" dirty="0" smtClean="0"/>
-              <a:t>**WHO </a:t>
+              <a:t>CDC data on infectious diseases, chronic diseases, </a:t>
             </a:r>
             <a:r>
               <a:rPr lang="en-US" sz="1600" b="1" dirty="0"/>
-              <a:t>data on health </a:t>
-            </a:r>
-            <a:r>
-              <a:rPr lang="en-US" sz="1600" b="1" dirty="0" smtClean="0"/>
-              <a:t>equity**, </a:t>
+              <a:t>**WHO data on health equity**, </a:t>
             </a:r>
             <a:r>
               <a:rPr lang="en-US" sz="1600" dirty="0"/>
@@ -6841,18 +6753,9 @@
           <a:p>
             <a:pPr lvl="2"/>
             <a:r>
-              <a:rPr lang="en-US" b="1" dirty="0" smtClean="0"/>
-              <a:t>**Evaluate </a:t>
-            </a:r>
-            <a:r>
               <a:rPr lang="en-US" b="1" dirty="0"/>
-              <a:t>hospital admission and discharge rates, lengths of stay, and readmission rates. (Frequency: Monthly</a:t>
-            </a:r>
-            <a:r>
-              <a:rPr lang="en-US" b="1" dirty="0" smtClean="0"/>
-              <a:t>)**</a:t>
-            </a:r>
-            <a:endParaRPr lang="en-US" b="1" dirty="0"/>
+              <a:t>**Evaluate hospital admission and discharge rates, lengths of stay, and readmission rates. (Frequency: Monthly)**</a:t>
+            </a:r>
           </a:p>
           <a:p>
             <a:pPr lvl="2"/>
@@ -6901,13 +6804,8 @@
             <a:pPr lvl="2"/>
             <a:r>
               <a:rPr lang="en-US" b="1" dirty="0"/>
-              <a:t>**Analyze data to determine factors contributing to hospital readmissions or complications. (Frequency: Monthly</a:t>
-            </a:r>
-            <a:r>
-              <a:rPr lang="en-US" b="1" dirty="0" smtClean="0"/>
-              <a:t>)**</a:t>
-            </a:r>
-            <a:endParaRPr lang="en-US" b="1" dirty="0"/>
+              <a:t>**Analyze data to determine factors contributing to hospital readmissions or complications. (Frequency: Monthly)**</a:t>
+            </a:r>
           </a:p>
           <a:p>
             <a:pPr lvl="2"/>
@@ -7239,18 +7137,9 @@
           <a:p>
             <a:pPr lvl="2"/>
             <a:r>
-              <a:rPr lang="en-US" b="1" dirty="0" smtClean="0"/>
-              <a:t>**Predict if patient will be readmitted to hospital. (Frequency</a:t>
-            </a:r>
-            <a:r>
               <a:rPr lang="en-US" b="1" dirty="0"/>
-              <a:t>: </a:t>
-            </a:r>
-            <a:r>
-              <a:rPr lang="en-US" b="1" dirty="0" smtClean="0"/>
-              <a:t>On-Demand)**</a:t>
-            </a:r>
-            <a:endParaRPr lang="en-US" b="1" dirty="0"/>
+              <a:t>**Predict if patient will be readmitted to hospital. (Frequency: On-Demand)**</a:t>
+            </a:r>
           </a:p>
           <a:p>
             <a:pPr marL="384048" lvl="2" indent="0">
@@ -7300,16 +7189,8 @@
           <a:p>
             <a:pPr lvl="2"/>
             <a:r>
-              <a:rPr lang="en-US" dirty="0" smtClean="0"/>
-              <a:t>Suggest </a:t>
-            </a:r>
-            <a:r>
               <a:rPr lang="en-US" dirty="0"/>
-              <a:t>interventions to improve patient outcomes and prevent complications or readmissions. (Frequency: </a:t>
-            </a:r>
-            <a:r>
-              <a:rPr lang="en-US" dirty="0" smtClean="0"/>
-              <a:t>On-Demand)</a:t>
+              <a:t>Suggest interventions to improve patient outcomes and prevent complications or readmissions. (Frequency: On-Demand)</a:t>
             </a:r>
             <a:endParaRPr lang="en-US" b="1" dirty="0"/>
           </a:p>
@@ -7402,384 +7283,12 @@
           </a:p>
         </p:txBody>
       </p:sp>
-      <p:sp>
-        <p:nvSpPr>
-          <p:cNvPr id="5" name="Content Placeholder 2"/>
-          <p:cNvSpPr txBox="1">
-            <a:spLocks/>
-          </p:cNvSpPr>
-          <p:nvPr/>
-        </p:nvSpPr>
-        <p:spPr>
-          <a:xfrm>
-            <a:off x="3729602" y="2175130"/>
-            <a:ext cx="6285597" cy="4301490"/>
-          </a:xfrm>
-          <a:prstGeom prst="rect">
-            <a:avLst/>
-          </a:prstGeom>
-        </p:spPr>
-        <p:txBody>
-          <a:bodyPr vert="horz" lIns="0" tIns="45720" rIns="0" bIns="45720" rtlCol="0">
-            <a:noAutofit/>
-          </a:bodyPr>
-          <a:lstStyle>
-            <a:lvl1pPr marL="91440" indent="-91440" algn="l" defTabSz="914400" rtl="0" eaLnBrk="1" latinLnBrk="0" hangingPunct="1">
-              <a:lnSpc>
-                <a:spcPct val="90000"/>
-              </a:lnSpc>
-              <a:spcBef>
-                <a:spcPts val="1200"/>
-              </a:spcBef>
-              <a:spcAft>
-                <a:spcPts val="200"/>
-              </a:spcAft>
-              <a:buClr>
-                <a:schemeClr val="accent1"/>
-              </a:buClr>
-              <a:buSzPct val="100000"/>
-              <a:buFont typeface="Calibri" panose="020F0502020204030204" pitchFamily="34" charset="0"/>
-              <a:buChar char=" "/>
-              <a:defRPr sz="2000" kern="1200">
-                <a:solidFill>
-                  <a:schemeClr val="tx1">
-                    <a:lumMod val="75000"/>
-                    <a:lumOff val="25000"/>
-                  </a:schemeClr>
-                </a:solidFill>
-                <a:latin typeface="+mn-lt"/>
-                <a:ea typeface="+mn-ea"/>
-                <a:cs typeface="+mn-cs"/>
-              </a:defRPr>
-            </a:lvl1pPr>
-            <a:lvl2pPr marL="384048" indent="-182880" algn="l" defTabSz="914400" rtl="0" eaLnBrk="1" latinLnBrk="0" hangingPunct="1">
-              <a:lnSpc>
-                <a:spcPct val="90000"/>
-              </a:lnSpc>
-              <a:spcBef>
-                <a:spcPts val="200"/>
-              </a:spcBef>
-              <a:spcAft>
-                <a:spcPts val="400"/>
-              </a:spcAft>
-              <a:buClr>
-                <a:schemeClr val="accent1"/>
-              </a:buClr>
-              <a:buFont typeface="Calibri" pitchFamily="34" charset="0"/>
-              <a:buChar char="◦"/>
-              <a:defRPr sz="1800" kern="1200">
-                <a:solidFill>
-                  <a:schemeClr val="tx1">
-                    <a:lumMod val="75000"/>
-                    <a:lumOff val="25000"/>
-                  </a:schemeClr>
-                </a:solidFill>
-                <a:latin typeface="+mn-lt"/>
-                <a:ea typeface="+mn-ea"/>
-                <a:cs typeface="+mn-cs"/>
-              </a:defRPr>
-            </a:lvl2pPr>
-            <a:lvl3pPr marL="566928" indent="-182880" algn="l" defTabSz="914400" rtl="0" eaLnBrk="1" latinLnBrk="0" hangingPunct="1">
-              <a:lnSpc>
-                <a:spcPct val="90000"/>
-              </a:lnSpc>
-              <a:spcBef>
-                <a:spcPts val="200"/>
-              </a:spcBef>
-              <a:spcAft>
-                <a:spcPts val="400"/>
-              </a:spcAft>
-              <a:buClr>
-                <a:schemeClr val="accent1"/>
-              </a:buClr>
-              <a:buFont typeface="Calibri" pitchFamily="34" charset="0"/>
-              <a:buChar char="◦"/>
-              <a:defRPr sz="1400" kern="1200">
-                <a:solidFill>
-                  <a:schemeClr val="tx1">
-                    <a:lumMod val="75000"/>
-                    <a:lumOff val="25000"/>
-                  </a:schemeClr>
-                </a:solidFill>
-                <a:latin typeface="+mn-lt"/>
-                <a:ea typeface="+mn-ea"/>
-                <a:cs typeface="+mn-cs"/>
-              </a:defRPr>
-            </a:lvl3pPr>
-            <a:lvl4pPr marL="749808" indent="-182880" algn="l" defTabSz="914400" rtl="0" eaLnBrk="1" latinLnBrk="0" hangingPunct="1">
-              <a:lnSpc>
-                <a:spcPct val="90000"/>
-              </a:lnSpc>
-              <a:spcBef>
-                <a:spcPts val="200"/>
-              </a:spcBef>
-              <a:spcAft>
-                <a:spcPts val="400"/>
-              </a:spcAft>
-              <a:buClr>
-                <a:schemeClr val="accent1"/>
-              </a:buClr>
-              <a:buFont typeface="Calibri" pitchFamily="34" charset="0"/>
-              <a:buChar char="◦"/>
-              <a:defRPr sz="1400" kern="1200">
-                <a:solidFill>
-                  <a:schemeClr val="tx1">
-                    <a:lumMod val="75000"/>
-                    <a:lumOff val="25000"/>
-                  </a:schemeClr>
-                </a:solidFill>
-                <a:latin typeface="+mn-lt"/>
-                <a:ea typeface="+mn-ea"/>
-                <a:cs typeface="+mn-cs"/>
-              </a:defRPr>
-            </a:lvl4pPr>
-            <a:lvl5pPr marL="932688" indent="-182880" algn="l" defTabSz="914400" rtl="0" eaLnBrk="1" latinLnBrk="0" hangingPunct="1">
-              <a:lnSpc>
-                <a:spcPct val="90000"/>
-              </a:lnSpc>
-              <a:spcBef>
-                <a:spcPts val="200"/>
-              </a:spcBef>
-              <a:spcAft>
-                <a:spcPts val="400"/>
-              </a:spcAft>
-              <a:buClr>
-                <a:schemeClr val="accent1"/>
-              </a:buClr>
-              <a:buFont typeface="Calibri" pitchFamily="34" charset="0"/>
-              <a:buChar char="◦"/>
-              <a:defRPr sz="1400" kern="1200">
-                <a:solidFill>
-                  <a:schemeClr val="tx1">
-                    <a:lumMod val="75000"/>
-                    <a:lumOff val="25000"/>
-                  </a:schemeClr>
-                </a:solidFill>
-                <a:latin typeface="+mn-lt"/>
-                <a:ea typeface="+mn-ea"/>
-                <a:cs typeface="+mn-cs"/>
-              </a:defRPr>
-            </a:lvl5pPr>
-            <a:lvl6pPr marL="1100000" indent="-228600" algn="l" defTabSz="914400" rtl="0" eaLnBrk="1" latinLnBrk="0" hangingPunct="1">
-              <a:lnSpc>
-                <a:spcPct val="90000"/>
-              </a:lnSpc>
-              <a:spcBef>
-                <a:spcPts val="200"/>
-              </a:spcBef>
-              <a:spcAft>
-                <a:spcPts val="400"/>
-              </a:spcAft>
-              <a:buClr>
-                <a:schemeClr val="accent1"/>
-              </a:buClr>
-              <a:buFont typeface="Calibri" pitchFamily="34" charset="0"/>
-              <a:buChar char="◦"/>
-              <a:defRPr sz="1400" kern="1200">
-                <a:solidFill>
-                  <a:schemeClr val="tx1">
-                    <a:lumMod val="75000"/>
-                    <a:lumOff val="25000"/>
-                  </a:schemeClr>
-                </a:solidFill>
-                <a:latin typeface="+mn-lt"/>
-                <a:ea typeface="+mn-ea"/>
-                <a:cs typeface="+mn-cs"/>
-              </a:defRPr>
-            </a:lvl6pPr>
-            <a:lvl7pPr marL="1300000" indent="-228600" algn="l" defTabSz="914400" rtl="0" eaLnBrk="1" latinLnBrk="0" hangingPunct="1">
-              <a:lnSpc>
-                <a:spcPct val="90000"/>
-              </a:lnSpc>
-              <a:spcBef>
-                <a:spcPts val="200"/>
-              </a:spcBef>
-              <a:spcAft>
-                <a:spcPts val="400"/>
-              </a:spcAft>
-              <a:buClr>
-                <a:schemeClr val="accent1"/>
-              </a:buClr>
-              <a:buFont typeface="Calibri" pitchFamily="34" charset="0"/>
-              <a:buChar char="◦"/>
-              <a:defRPr sz="1400" kern="1200">
-                <a:solidFill>
-                  <a:schemeClr val="tx1">
-                    <a:lumMod val="75000"/>
-                    <a:lumOff val="25000"/>
-                  </a:schemeClr>
-                </a:solidFill>
-                <a:latin typeface="+mn-lt"/>
-                <a:ea typeface="+mn-ea"/>
-                <a:cs typeface="+mn-cs"/>
-              </a:defRPr>
-            </a:lvl7pPr>
-            <a:lvl8pPr marL="1500000" indent="-228600" algn="l" defTabSz="914400" rtl="0" eaLnBrk="1" latinLnBrk="0" hangingPunct="1">
-              <a:lnSpc>
-                <a:spcPct val="90000"/>
-              </a:lnSpc>
-              <a:spcBef>
-                <a:spcPts val="200"/>
-              </a:spcBef>
-              <a:spcAft>
-                <a:spcPts val="400"/>
-              </a:spcAft>
-              <a:buClr>
-                <a:schemeClr val="accent1"/>
-              </a:buClr>
-              <a:buFont typeface="Calibri" pitchFamily="34" charset="0"/>
-              <a:buChar char="◦"/>
-              <a:defRPr sz="1400" kern="1200">
-                <a:solidFill>
-                  <a:schemeClr val="tx1">
-                    <a:lumMod val="75000"/>
-                    <a:lumOff val="25000"/>
-                  </a:schemeClr>
-                </a:solidFill>
-                <a:latin typeface="+mn-lt"/>
-                <a:ea typeface="+mn-ea"/>
-                <a:cs typeface="+mn-cs"/>
-              </a:defRPr>
-            </a:lvl8pPr>
-            <a:lvl9pPr marL="1700000" indent="-228600" algn="l" defTabSz="914400" rtl="0" eaLnBrk="1" latinLnBrk="0" hangingPunct="1">
-              <a:lnSpc>
-                <a:spcPct val="90000"/>
-              </a:lnSpc>
-              <a:spcBef>
-                <a:spcPts val="200"/>
-              </a:spcBef>
-              <a:spcAft>
-                <a:spcPts val="400"/>
-              </a:spcAft>
-              <a:buClr>
-                <a:schemeClr val="accent1"/>
-              </a:buClr>
-              <a:buFont typeface="Calibri" pitchFamily="34" charset="0"/>
-              <a:buChar char="◦"/>
-              <a:defRPr sz="1400" kern="1200">
-                <a:solidFill>
-                  <a:schemeClr val="tx1">
-                    <a:lumMod val="75000"/>
-                    <a:lumOff val="25000"/>
-                  </a:schemeClr>
-                </a:solidFill>
-                <a:latin typeface="+mn-lt"/>
-                <a:ea typeface="+mn-ea"/>
-                <a:cs typeface="+mn-cs"/>
-              </a:defRPr>
-            </a:lvl9pPr>
-          </a:lstStyle>
-          <a:p>
-            <a:pPr marL="201168" lvl="1" indent="0">
-              <a:buNone/>
-            </a:pPr>
-            <a:r>
-              <a:rPr lang="en-US" b="1" dirty="0"/>
-              <a:t>Data Ingestion: </a:t>
-            </a:r>
-            <a:r>
-              <a:rPr lang="en-US" b="1" dirty="0" smtClean="0"/>
-              <a:t>S3</a:t>
-            </a:r>
-            <a:endParaRPr lang="en-US" b="1" dirty="0"/>
-          </a:p>
-          <a:p>
-            <a:pPr marL="201168" lvl="1" indent="0">
-              <a:buNone/>
-            </a:pPr>
-            <a:endParaRPr lang="en-US" b="1" dirty="0"/>
-          </a:p>
-          <a:p>
-            <a:pPr marL="201168" lvl="1" indent="0">
-              <a:buNone/>
-            </a:pPr>
-            <a:r>
-              <a:rPr lang="en-US" b="1" dirty="0"/>
-              <a:t>Data Storage and Data Processing: S3</a:t>
-            </a:r>
-            <a:r>
-              <a:rPr lang="en-US" b="1" dirty="0" smtClean="0"/>
-              <a:t>, Lambda, SQS, Textract </a:t>
-            </a:r>
-            <a:endParaRPr lang="en-US" b="1" dirty="0"/>
-          </a:p>
-          <a:p>
-            <a:pPr marL="201168" lvl="1" indent="0">
-              <a:buNone/>
-            </a:pPr>
-            <a:endParaRPr lang="en-US" b="1" dirty="0"/>
-          </a:p>
-          <a:p>
-            <a:pPr marL="201168" lvl="1" indent="0">
-              <a:buNone/>
-            </a:pPr>
-            <a:r>
-              <a:rPr lang="en-US" b="1" dirty="0"/>
-              <a:t>Data Warehousing: </a:t>
-            </a:r>
-            <a:r>
-              <a:rPr lang="en-US" b="1" dirty="0" smtClean="0"/>
-              <a:t>RedShift</a:t>
-            </a:r>
-          </a:p>
-          <a:p>
-            <a:pPr marL="201168" lvl="1" indent="0">
-              <a:buNone/>
-            </a:pPr>
-            <a:endParaRPr lang="en-US" b="1" dirty="0"/>
-          </a:p>
-          <a:p>
-            <a:pPr marL="201168" lvl="1" indent="0">
-              <a:buNone/>
-            </a:pPr>
-            <a:r>
-              <a:rPr lang="en-US" b="1" dirty="0"/>
-              <a:t>Business Intelligence and Analytics: QuickSight </a:t>
-            </a:r>
-          </a:p>
-          <a:p>
-            <a:pPr marL="201168" lvl="1" indent="0">
-              <a:buNone/>
-            </a:pPr>
-            <a:endParaRPr lang="en-US" b="1" dirty="0"/>
-          </a:p>
-          <a:p>
-            <a:pPr marL="201168" lvl="1" indent="0">
-              <a:buNone/>
-            </a:pPr>
-            <a:r>
-              <a:rPr lang="en-US" b="1" dirty="0"/>
-              <a:t>Data Science – ML/AI: SageMaker</a:t>
-            </a:r>
-          </a:p>
-          <a:p>
-            <a:pPr marL="201168" lvl="1" indent="0">
-              <a:buNone/>
-            </a:pPr>
-            <a:endParaRPr lang="en-US" b="1" dirty="0"/>
-          </a:p>
-          <a:p>
-            <a:pPr marL="201168" lvl="1" indent="0">
-              <a:buNone/>
-            </a:pPr>
-            <a:r>
-              <a:rPr lang="en-US" b="1" dirty="0"/>
-              <a:t>Applications – Webapps, Mobile: </a:t>
-            </a:r>
-            <a:r>
-              <a:rPr lang="en-US" b="1" dirty="0" smtClean="0"/>
-              <a:t>SageMaker Endpoint</a:t>
-            </a:r>
-            <a:endParaRPr lang="en-US" dirty="0"/>
-          </a:p>
-        </p:txBody>
-      </p:sp>
       <p:pic>
         <p:nvPicPr>
           <p:cNvPr id="1028" name="Picture 4" descr="Amazon S3 Simple Storage Service Logo PNG Vector (SVG) Free ...">
             <a:extLst>
               <a:ext uri="{FF2B5EF4-FFF2-40B4-BE49-F238E27FC236}">
-                <a16:creationId xmlns:a16="http://schemas.microsoft.com/office/drawing/2014/main" xmlns="" id="{16FA8107-B74F-1512-4ADD-8863E9279A2C}"/>
+                <a16:creationId xmlns:a16="http://schemas.microsoft.com/office/drawing/2014/main" id="{16FA8107-B74F-1512-4ADD-8863E9279A2C}"/>
               </a:ext>
             </a:extLst>
           </p:cNvPr>
@@ -7803,7 +7312,7 @@
         </p:blipFill>
         <p:spPr bwMode="auto">
           <a:xfrm>
-            <a:off x="2393534" y="2668119"/>
+            <a:off x="1128367" y="3382405"/>
             <a:ext cx="588398" cy="588398"/>
           </a:xfrm>
           <a:prstGeom prst="rect">
@@ -7826,7 +7335,7 @@
           <p:cNvPr id="1030" name="Picture 6">
             <a:extLst>
               <a:ext uri="{FF2B5EF4-FFF2-40B4-BE49-F238E27FC236}">
-                <a16:creationId xmlns:a16="http://schemas.microsoft.com/office/drawing/2014/main" xmlns="" id="{2B100B39-DF43-1277-FD25-F9CCE7591909}"/>
+                <a16:creationId xmlns:a16="http://schemas.microsoft.com/office/drawing/2014/main" id="{2B100B39-DF43-1277-FD25-F9CCE7591909}"/>
               </a:ext>
             </a:extLst>
           </p:cNvPr>
@@ -7850,7 +7359,7 @@
         </p:blipFill>
         <p:spPr bwMode="auto">
           <a:xfrm>
-            <a:off x="3035023" y="2668119"/>
+            <a:off x="1128368" y="2714875"/>
             <a:ext cx="588397" cy="588397"/>
           </a:xfrm>
           <a:prstGeom prst="rect">
@@ -7873,7 +7382,7 @@
           <p:cNvPr id="1034" name="Picture 10" descr="Amazon QuickSight">
             <a:extLst>
               <a:ext uri="{FF2B5EF4-FFF2-40B4-BE49-F238E27FC236}">
-                <a16:creationId xmlns:a16="http://schemas.microsoft.com/office/drawing/2014/main" xmlns="" id="{03E93461-13A2-1A11-FDC5-7E83F44B0D02}"/>
+                <a16:creationId xmlns:a16="http://schemas.microsoft.com/office/drawing/2014/main" id="{03E93461-13A2-1A11-FDC5-7E83F44B0D02}"/>
               </a:ext>
             </a:extLst>
           </p:cNvPr>
@@ -7897,7 +7406,7 @@
         </p:blipFill>
         <p:spPr bwMode="auto">
           <a:xfrm>
-            <a:off x="3035023" y="3972380"/>
+            <a:off x="5818026" y="2685915"/>
             <a:ext cx="584875" cy="584875"/>
           </a:xfrm>
           <a:prstGeom prst="rect">
@@ -7920,7 +7429,7 @@
           <p:cNvPr id="3" name="Picture 12" descr="Amazon SageMaker Introduction – Try Machine Learning with Built-in  Algorithms | devnote">
             <a:extLst>
               <a:ext uri="{FF2B5EF4-FFF2-40B4-BE49-F238E27FC236}">
-                <a16:creationId xmlns:a16="http://schemas.microsoft.com/office/drawing/2014/main" xmlns="" id="{FE455899-6AE5-171E-8430-8FCCC67AFFC1}"/>
+                <a16:creationId xmlns:a16="http://schemas.microsoft.com/office/drawing/2014/main" id="{FE455899-6AE5-171E-8430-8FCCC67AFFC1}"/>
               </a:ext>
             </a:extLst>
           </p:cNvPr>
@@ -7944,7 +7453,7 @@
         </p:blipFill>
         <p:spPr bwMode="auto">
           <a:xfrm>
-            <a:off x="3035021" y="4623698"/>
+            <a:off x="5818025" y="3648231"/>
             <a:ext cx="586997" cy="586997"/>
           </a:xfrm>
           <a:prstGeom prst="rect">
@@ -7985,7 +7494,7 @@
         </p:blipFill>
         <p:spPr bwMode="auto">
           <a:xfrm>
-            <a:off x="3035022" y="3310976"/>
+            <a:off x="5818025" y="1816493"/>
             <a:ext cx="584876" cy="584876"/>
           </a:xfrm>
           <a:prstGeom prst="rect">
@@ -8008,7 +7517,7 @@
           <p:cNvPr id="17" name="Picture 4" descr="Amazon S3 Simple Storage Service Logo PNG Vector (SVG) Free ...">
             <a:extLst>
               <a:ext uri="{FF2B5EF4-FFF2-40B4-BE49-F238E27FC236}">
-                <a16:creationId xmlns:a16="http://schemas.microsoft.com/office/drawing/2014/main" xmlns="" id="{16FA8107-B74F-1512-4ADD-8863E9279A2C}"/>
+                <a16:creationId xmlns:a16="http://schemas.microsoft.com/office/drawing/2014/main" id="{16FA8107-B74F-1512-4ADD-8863E9279A2C}"/>
               </a:ext>
             </a:extLst>
           </p:cNvPr>
@@ -8032,7 +7541,7 @@
         </p:blipFill>
         <p:spPr bwMode="auto">
           <a:xfrm>
-            <a:off x="3035022" y="2028031"/>
+            <a:off x="1128368" y="1818060"/>
             <a:ext cx="588398" cy="588398"/>
           </a:xfrm>
           <a:prstGeom prst="rect">
@@ -8112,7 +7621,7 @@
         </p:blipFill>
         <p:spPr bwMode="auto">
           <a:xfrm>
-            <a:off x="1759089" y="2665304"/>
+            <a:off x="1125553" y="4049936"/>
             <a:ext cx="591212" cy="591212"/>
           </a:xfrm>
           <a:prstGeom prst="rect">
@@ -8135,7 +7644,7 @@
           <p:cNvPr id="26" name="Picture 4" descr="Amazon S3 Simple Storage Service Logo PNG Vector (SVG) Free ...">
             <a:extLst>
               <a:ext uri="{FF2B5EF4-FFF2-40B4-BE49-F238E27FC236}">
-                <a16:creationId xmlns:a16="http://schemas.microsoft.com/office/drawing/2014/main" xmlns="" id="{16FA8107-B74F-1512-4ADD-8863E9279A2C}"/>
+                <a16:creationId xmlns:a16="http://schemas.microsoft.com/office/drawing/2014/main" id="{16FA8107-B74F-1512-4ADD-8863E9279A2C}"/>
               </a:ext>
             </a:extLst>
           </p:cNvPr>
@@ -8159,7 +7668,7 @@
         </p:blipFill>
         <p:spPr bwMode="auto">
           <a:xfrm>
-            <a:off x="2394935" y="4623699"/>
+            <a:off x="5818025" y="4317048"/>
             <a:ext cx="586997" cy="586997"/>
           </a:xfrm>
           <a:prstGeom prst="rect">
@@ -8182,7 +7691,7 @@
           <p:cNvPr id="28" name="Picture 12" descr="Amazon SageMaker Introduction – Try Machine Learning with Built-in  Algorithms | devnote">
             <a:extLst>
               <a:ext uri="{FF2B5EF4-FFF2-40B4-BE49-F238E27FC236}">
-                <a16:creationId xmlns:a16="http://schemas.microsoft.com/office/drawing/2014/main" xmlns="" id="{FE455899-6AE5-171E-8430-8FCCC67AFFC1}"/>
+                <a16:creationId xmlns:a16="http://schemas.microsoft.com/office/drawing/2014/main" id="{FE455899-6AE5-171E-8430-8FCCC67AFFC1}"/>
               </a:ext>
             </a:extLst>
           </p:cNvPr>
@@ -8206,7 +7715,7 @@
         </p:blipFill>
         <p:spPr bwMode="auto">
           <a:xfrm>
-            <a:off x="3035021" y="5263034"/>
+            <a:off x="5815968" y="5050698"/>
             <a:ext cx="586933" cy="586933"/>
           </a:xfrm>
           <a:prstGeom prst="rect">
@@ -8247,7 +7756,7 @@
         </p:blipFill>
         <p:spPr bwMode="auto">
           <a:xfrm>
-            <a:off x="1117600" y="2665304"/>
+            <a:off x="1125553" y="4717467"/>
             <a:ext cx="590391" cy="591212"/>
           </a:xfrm>
           <a:prstGeom prst="rect">
@@ -8265,6 +7774,1886 @@
           </a:extLst>
         </p:spPr>
       </p:pic>
+      <p:sp>
+        <p:nvSpPr>
+          <p:cNvPr id="4" name="Content Placeholder 2">
+            <a:extLst>
+              <a:ext uri="{FF2B5EF4-FFF2-40B4-BE49-F238E27FC236}">
+                <a16:creationId xmlns:a16="http://schemas.microsoft.com/office/drawing/2014/main" id="{0C994F5E-8ACE-DC4A-615E-ECFE5E60C965}"/>
+              </a:ext>
+            </a:extLst>
+          </p:cNvPr>
+          <p:cNvSpPr txBox="1">
+            <a:spLocks/>
+          </p:cNvSpPr>
+          <p:nvPr/>
+        </p:nvSpPr>
+        <p:spPr>
+          <a:xfrm>
+            <a:off x="1747853" y="1733970"/>
+            <a:ext cx="3448042" cy="1021182"/>
+          </a:xfrm>
+          <a:prstGeom prst="rect">
+            <a:avLst/>
+          </a:prstGeom>
+        </p:spPr>
+        <p:txBody>
+          <a:bodyPr vert="horz" lIns="0" tIns="45720" rIns="0" bIns="45720" rtlCol="0">
+            <a:noAutofit/>
+          </a:bodyPr>
+          <a:lstStyle>
+            <a:lvl1pPr marL="91440" indent="-91440" algn="l" defTabSz="914400" rtl="0" eaLnBrk="1" latinLnBrk="0" hangingPunct="1">
+              <a:lnSpc>
+                <a:spcPct val="90000"/>
+              </a:lnSpc>
+              <a:spcBef>
+                <a:spcPts val="1200"/>
+              </a:spcBef>
+              <a:spcAft>
+                <a:spcPts val="200"/>
+              </a:spcAft>
+              <a:buClr>
+                <a:schemeClr val="accent1"/>
+              </a:buClr>
+              <a:buSzPct val="100000"/>
+              <a:buFont typeface="Calibri" panose="020F0502020204030204" pitchFamily="34" charset="0"/>
+              <a:buChar char=" "/>
+              <a:defRPr sz="2000" kern="1200">
+                <a:solidFill>
+                  <a:schemeClr val="tx1">
+                    <a:lumMod val="75000"/>
+                    <a:lumOff val="25000"/>
+                  </a:schemeClr>
+                </a:solidFill>
+                <a:latin typeface="+mn-lt"/>
+                <a:ea typeface="+mn-ea"/>
+                <a:cs typeface="+mn-cs"/>
+              </a:defRPr>
+            </a:lvl1pPr>
+            <a:lvl2pPr marL="384048" indent="-182880" algn="l" defTabSz="914400" rtl="0" eaLnBrk="1" latinLnBrk="0" hangingPunct="1">
+              <a:lnSpc>
+                <a:spcPct val="90000"/>
+              </a:lnSpc>
+              <a:spcBef>
+                <a:spcPts val="200"/>
+              </a:spcBef>
+              <a:spcAft>
+                <a:spcPts val="400"/>
+              </a:spcAft>
+              <a:buClr>
+                <a:schemeClr val="accent1"/>
+              </a:buClr>
+              <a:buFont typeface="Calibri" pitchFamily="34" charset="0"/>
+              <a:buChar char="◦"/>
+              <a:defRPr sz="1800" kern="1200">
+                <a:solidFill>
+                  <a:schemeClr val="tx1">
+                    <a:lumMod val="75000"/>
+                    <a:lumOff val="25000"/>
+                  </a:schemeClr>
+                </a:solidFill>
+                <a:latin typeface="+mn-lt"/>
+                <a:ea typeface="+mn-ea"/>
+                <a:cs typeface="+mn-cs"/>
+              </a:defRPr>
+            </a:lvl2pPr>
+            <a:lvl3pPr marL="566928" indent="-182880" algn="l" defTabSz="914400" rtl="0" eaLnBrk="1" latinLnBrk="0" hangingPunct="1">
+              <a:lnSpc>
+                <a:spcPct val="90000"/>
+              </a:lnSpc>
+              <a:spcBef>
+                <a:spcPts val="200"/>
+              </a:spcBef>
+              <a:spcAft>
+                <a:spcPts val="400"/>
+              </a:spcAft>
+              <a:buClr>
+                <a:schemeClr val="accent1"/>
+              </a:buClr>
+              <a:buFont typeface="Calibri" pitchFamily="34" charset="0"/>
+              <a:buChar char="◦"/>
+              <a:defRPr sz="1400" kern="1200">
+                <a:solidFill>
+                  <a:schemeClr val="tx1">
+                    <a:lumMod val="75000"/>
+                    <a:lumOff val="25000"/>
+                  </a:schemeClr>
+                </a:solidFill>
+                <a:latin typeface="+mn-lt"/>
+                <a:ea typeface="+mn-ea"/>
+                <a:cs typeface="+mn-cs"/>
+              </a:defRPr>
+            </a:lvl3pPr>
+            <a:lvl4pPr marL="749808" indent="-182880" algn="l" defTabSz="914400" rtl="0" eaLnBrk="1" latinLnBrk="0" hangingPunct="1">
+              <a:lnSpc>
+                <a:spcPct val="90000"/>
+              </a:lnSpc>
+              <a:spcBef>
+                <a:spcPts val="200"/>
+              </a:spcBef>
+              <a:spcAft>
+                <a:spcPts val="400"/>
+              </a:spcAft>
+              <a:buClr>
+                <a:schemeClr val="accent1"/>
+              </a:buClr>
+              <a:buFont typeface="Calibri" pitchFamily="34" charset="0"/>
+              <a:buChar char="◦"/>
+              <a:defRPr sz="1400" kern="1200">
+                <a:solidFill>
+                  <a:schemeClr val="tx1">
+                    <a:lumMod val="75000"/>
+                    <a:lumOff val="25000"/>
+                  </a:schemeClr>
+                </a:solidFill>
+                <a:latin typeface="+mn-lt"/>
+                <a:ea typeface="+mn-ea"/>
+                <a:cs typeface="+mn-cs"/>
+              </a:defRPr>
+            </a:lvl4pPr>
+            <a:lvl5pPr marL="932688" indent="-182880" algn="l" defTabSz="914400" rtl="0" eaLnBrk="1" latinLnBrk="0" hangingPunct="1">
+              <a:lnSpc>
+                <a:spcPct val="90000"/>
+              </a:lnSpc>
+              <a:spcBef>
+                <a:spcPts val="200"/>
+              </a:spcBef>
+              <a:spcAft>
+                <a:spcPts val="400"/>
+              </a:spcAft>
+              <a:buClr>
+                <a:schemeClr val="accent1"/>
+              </a:buClr>
+              <a:buFont typeface="Calibri" pitchFamily="34" charset="0"/>
+              <a:buChar char="◦"/>
+              <a:defRPr sz="1400" kern="1200">
+                <a:solidFill>
+                  <a:schemeClr val="tx1">
+                    <a:lumMod val="75000"/>
+                    <a:lumOff val="25000"/>
+                  </a:schemeClr>
+                </a:solidFill>
+                <a:latin typeface="+mn-lt"/>
+                <a:ea typeface="+mn-ea"/>
+                <a:cs typeface="+mn-cs"/>
+              </a:defRPr>
+            </a:lvl5pPr>
+            <a:lvl6pPr marL="1100000" indent="-228600" algn="l" defTabSz="914400" rtl="0" eaLnBrk="1" latinLnBrk="0" hangingPunct="1">
+              <a:lnSpc>
+                <a:spcPct val="90000"/>
+              </a:lnSpc>
+              <a:spcBef>
+                <a:spcPts val="200"/>
+              </a:spcBef>
+              <a:spcAft>
+                <a:spcPts val="400"/>
+              </a:spcAft>
+              <a:buClr>
+                <a:schemeClr val="accent1"/>
+              </a:buClr>
+              <a:buFont typeface="Calibri" pitchFamily="34" charset="0"/>
+              <a:buChar char="◦"/>
+              <a:defRPr sz="1400" kern="1200">
+                <a:solidFill>
+                  <a:schemeClr val="tx1">
+                    <a:lumMod val="75000"/>
+                    <a:lumOff val="25000"/>
+                  </a:schemeClr>
+                </a:solidFill>
+                <a:latin typeface="+mn-lt"/>
+                <a:ea typeface="+mn-ea"/>
+                <a:cs typeface="+mn-cs"/>
+              </a:defRPr>
+            </a:lvl6pPr>
+            <a:lvl7pPr marL="1300000" indent="-228600" algn="l" defTabSz="914400" rtl="0" eaLnBrk="1" latinLnBrk="0" hangingPunct="1">
+              <a:lnSpc>
+                <a:spcPct val="90000"/>
+              </a:lnSpc>
+              <a:spcBef>
+                <a:spcPts val="200"/>
+              </a:spcBef>
+              <a:spcAft>
+                <a:spcPts val="400"/>
+              </a:spcAft>
+              <a:buClr>
+                <a:schemeClr val="accent1"/>
+              </a:buClr>
+              <a:buFont typeface="Calibri" pitchFamily="34" charset="0"/>
+              <a:buChar char="◦"/>
+              <a:defRPr sz="1400" kern="1200">
+                <a:solidFill>
+                  <a:schemeClr val="tx1">
+                    <a:lumMod val="75000"/>
+                    <a:lumOff val="25000"/>
+                  </a:schemeClr>
+                </a:solidFill>
+                <a:latin typeface="+mn-lt"/>
+                <a:ea typeface="+mn-ea"/>
+                <a:cs typeface="+mn-cs"/>
+              </a:defRPr>
+            </a:lvl7pPr>
+            <a:lvl8pPr marL="1500000" indent="-228600" algn="l" defTabSz="914400" rtl="0" eaLnBrk="1" latinLnBrk="0" hangingPunct="1">
+              <a:lnSpc>
+                <a:spcPct val="90000"/>
+              </a:lnSpc>
+              <a:spcBef>
+                <a:spcPts val="200"/>
+              </a:spcBef>
+              <a:spcAft>
+                <a:spcPts val="400"/>
+              </a:spcAft>
+              <a:buClr>
+                <a:schemeClr val="accent1"/>
+              </a:buClr>
+              <a:buFont typeface="Calibri" pitchFamily="34" charset="0"/>
+              <a:buChar char="◦"/>
+              <a:defRPr sz="1400" kern="1200">
+                <a:solidFill>
+                  <a:schemeClr val="tx1">
+                    <a:lumMod val="75000"/>
+                    <a:lumOff val="25000"/>
+                  </a:schemeClr>
+                </a:solidFill>
+                <a:latin typeface="+mn-lt"/>
+                <a:ea typeface="+mn-ea"/>
+                <a:cs typeface="+mn-cs"/>
+              </a:defRPr>
+            </a:lvl8pPr>
+            <a:lvl9pPr marL="1700000" indent="-228600" algn="l" defTabSz="914400" rtl="0" eaLnBrk="1" latinLnBrk="0" hangingPunct="1">
+              <a:lnSpc>
+                <a:spcPct val="90000"/>
+              </a:lnSpc>
+              <a:spcBef>
+                <a:spcPts val="200"/>
+              </a:spcBef>
+              <a:spcAft>
+                <a:spcPts val="400"/>
+              </a:spcAft>
+              <a:buClr>
+                <a:schemeClr val="accent1"/>
+              </a:buClr>
+              <a:buFont typeface="Calibri" pitchFamily="34" charset="0"/>
+              <a:buChar char="◦"/>
+              <a:defRPr sz="1400" kern="1200">
+                <a:solidFill>
+                  <a:schemeClr val="tx1">
+                    <a:lumMod val="75000"/>
+                    <a:lumOff val="25000"/>
+                  </a:schemeClr>
+                </a:solidFill>
+                <a:latin typeface="+mn-lt"/>
+                <a:ea typeface="+mn-ea"/>
+                <a:cs typeface="+mn-cs"/>
+              </a:defRPr>
+            </a:lvl9pPr>
+          </a:lstStyle>
+          <a:p>
+            <a:pPr marL="201168" lvl="1" indent="0">
+              <a:buNone/>
+            </a:pPr>
+            <a:r>
+              <a:rPr lang="en-US" b="1" dirty="0"/>
+              <a:t>Data Ingestion</a:t>
+            </a:r>
+            <a:r>
+              <a:rPr lang="en-US" dirty="0"/>
+              <a:t>:</a:t>
+            </a:r>
+          </a:p>
+          <a:p>
+            <a:pPr lvl="1">
+              <a:buFontTx/>
+              <a:buChar char="-"/>
+            </a:pPr>
+            <a:r>
+              <a:rPr lang="en-US" b="1" dirty="0"/>
+              <a:t>S3</a:t>
+            </a:r>
+            <a:r>
+              <a:rPr lang="en-US" dirty="0"/>
+              <a:t>: Used as an input for raw data. Basic data lake.</a:t>
+            </a:r>
+          </a:p>
+        </p:txBody>
+      </p:sp>
+      <p:sp>
+        <p:nvSpPr>
+          <p:cNvPr id="7" name="Content Placeholder 2">
+            <a:extLst>
+              <a:ext uri="{FF2B5EF4-FFF2-40B4-BE49-F238E27FC236}">
+                <a16:creationId xmlns:a16="http://schemas.microsoft.com/office/drawing/2014/main" id="{D19413CD-2C2D-19E4-FD07-D3573C7A6E7F}"/>
+              </a:ext>
+            </a:extLst>
+          </p:cNvPr>
+          <p:cNvSpPr txBox="1">
+            <a:spLocks/>
+          </p:cNvSpPr>
+          <p:nvPr/>
+        </p:nvSpPr>
+        <p:spPr>
+          <a:xfrm>
+            <a:off x="1747853" y="2637643"/>
+            <a:ext cx="3448042" cy="2905514"/>
+          </a:xfrm>
+          <a:prstGeom prst="rect">
+            <a:avLst/>
+          </a:prstGeom>
+        </p:spPr>
+        <p:txBody>
+          <a:bodyPr vert="horz" lIns="0" tIns="45720" rIns="0" bIns="45720" rtlCol="0">
+            <a:noAutofit/>
+          </a:bodyPr>
+          <a:lstStyle>
+            <a:lvl1pPr marL="91440" indent="-91440" algn="l" defTabSz="914400" rtl="0" eaLnBrk="1" latinLnBrk="0" hangingPunct="1">
+              <a:lnSpc>
+                <a:spcPct val="90000"/>
+              </a:lnSpc>
+              <a:spcBef>
+                <a:spcPts val="1200"/>
+              </a:spcBef>
+              <a:spcAft>
+                <a:spcPts val="200"/>
+              </a:spcAft>
+              <a:buClr>
+                <a:schemeClr val="accent1"/>
+              </a:buClr>
+              <a:buSzPct val="100000"/>
+              <a:buFont typeface="Calibri" panose="020F0502020204030204" pitchFamily="34" charset="0"/>
+              <a:buChar char=" "/>
+              <a:defRPr sz="2000" kern="1200">
+                <a:solidFill>
+                  <a:schemeClr val="tx1">
+                    <a:lumMod val="75000"/>
+                    <a:lumOff val="25000"/>
+                  </a:schemeClr>
+                </a:solidFill>
+                <a:latin typeface="+mn-lt"/>
+                <a:ea typeface="+mn-ea"/>
+                <a:cs typeface="+mn-cs"/>
+              </a:defRPr>
+            </a:lvl1pPr>
+            <a:lvl2pPr marL="384048" indent="-182880" algn="l" defTabSz="914400" rtl="0" eaLnBrk="1" latinLnBrk="0" hangingPunct="1">
+              <a:lnSpc>
+                <a:spcPct val="90000"/>
+              </a:lnSpc>
+              <a:spcBef>
+                <a:spcPts val="200"/>
+              </a:spcBef>
+              <a:spcAft>
+                <a:spcPts val="400"/>
+              </a:spcAft>
+              <a:buClr>
+                <a:schemeClr val="accent1"/>
+              </a:buClr>
+              <a:buFont typeface="Calibri" pitchFamily="34" charset="0"/>
+              <a:buChar char="◦"/>
+              <a:defRPr sz="1800" kern="1200">
+                <a:solidFill>
+                  <a:schemeClr val="tx1">
+                    <a:lumMod val="75000"/>
+                    <a:lumOff val="25000"/>
+                  </a:schemeClr>
+                </a:solidFill>
+                <a:latin typeface="+mn-lt"/>
+                <a:ea typeface="+mn-ea"/>
+                <a:cs typeface="+mn-cs"/>
+              </a:defRPr>
+            </a:lvl2pPr>
+            <a:lvl3pPr marL="566928" indent="-182880" algn="l" defTabSz="914400" rtl="0" eaLnBrk="1" latinLnBrk="0" hangingPunct="1">
+              <a:lnSpc>
+                <a:spcPct val="90000"/>
+              </a:lnSpc>
+              <a:spcBef>
+                <a:spcPts val="200"/>
+              </a:spcBef>
+              <a:spcAft>
+                <a:spcPts val="400"/>
+              </a:spcAft>
+              <a:buClr>
+                <a:schemeClr val="accent1"/>
+              </a:buClr>
+              <a:buFont typeface="Calibri" pitchFamily="34" charset="0"/>
+              <a:buChar char="◦"/>
+              <a:defRPr sz="1400" kern="1200">
+                <a:solidFill>
+                  <a:schemeClr val="tx1">
+                    <a:lumMod val="75000"/>
+                    <a:lumOff val="25000"/>
+                  </a:schemeClr>
+                </a:solidFill>
+                <a:latin typeface="+mn-lt"/>
+                <a:ea typeface="+mn-ea"/>
+                <a:cs typeface="+mn-cs"/>
+              </a:defRPr>
+            </a:lvl3pPr>
+            <a:lvl4pPr marL="749808" indent="-182880" algn="l" defTabSz="914400" rtl="0" eaLnBrk="1" latinLnBrk="0" hangingPunct="1">
+              <a:lnSpc>
+                <a:spcPct val="90000"/>
+              </a:lnSpc>
+              <a:spcBef>
+                <a:spcPts val="200"/>
+              </a:spcBef>
+              <a:spcAft>
+                <a:spcPts val="400"/>
+              </a:spcAft>
+              <a:buClr>
+                <a:schemeClr val="accent1"/>
+              </a:buClr>
+              <a:buFont typeface="Calibri" pitchFamily="34" charset="0"/>
+              <a:buChar char="◦"/>
+              <a:defRPr sz="1400" kern="1200">
+                <a:solidFill>
+                  <a:schemeClr val="tx1">
+                    <a:lumMod val="75000"/>
+                    <a:lumOff val="25000"/>
+                  </a:schemeClr>
+                </a:solidFill>
+                <a:latin typeface="+mn-lt"/>
+                <a:ea typeface="+mn-ea"/>
+                <a:cs typeface="+mn-cs"/>
+              </a:defRPr>
+            </a:lvl4pPr>
+            <a:lvl5pPr marL="932688" indent="-182880" algn="l" defTabSz="914400" rtl="0" eaLnBrk="1" latinLnBrk="0" hangingPunct="1">
+              <a:lnSpc>
+                <a:spcPct val="90000"/>
+              </a:lnSpc>
+              <a:spcBef>
+                <a:spcPts val="200"/>
+              </a:spcBef>
+              <a:spcAft>
+                <a:spcPts val="400"/>
+              </a:spcAft>
+              <a:buClr>
+                <a:schemeClr val="accent1"/>
+              </a:buClr>
+              <a:buFont typeface="Calibri" pitchFamily="34" charset="0"/>
+              <a:buChar char="◦"/>
+              <a:defRPr sz="1400" kern="1200">
+                <a:solidFill>
+                  <a:schemeClr val="tx1">
+                    <a:lumMod val="75000"/>
+                    <a:lumOff val="25000"/>
+                  </a:schemeClr>
+                </a:solidFill>
+                <a:latin typeface="+mn-lt"/>
+                <a:ea typeface="+mn-ea"/>
+                <a:cs typeface="+mn-cs"/>
+              </a:defRPr>
+            </a:lvl5pPr>
+            <a:lvl6pPr marL="1100000" indent="-228600" algn="l" defTabSz="914400" rtl="0" eaLnBrk="1" latinLnBrk="0" hangingPunct="1">
+              <a:lnSpc>
+                <a:spcPct val="90000"/>
+              </a:lnSpc>
+              <a:spcBef>
+                <a:spcPts val="200"/>
+              </a:spcBef>
+              <a:spcAft>
+                <a:spcPts val="400"/>
+              </a:spcAft>
+              <a:buClr>
+                <a:schemeClr val="accent1"/>
+              </a:buClr>
+              <a:buFont typeface="Calibri" pitchFamily="34" charset="0"/>
+              <a:buChar char="◦"/>
+              <a:defRPr sz="1400" kern="1200">
+                <a:solidFill>
+                  <a:schemeClr val="tx1">
+                    <a:lumMod val="75000"/>
+                    <a:lumOff val="25000"/>
+                  </a:schemeClr>
+                </a:solidFill>
+                <a:latin typeface="+mn-lt"/>
+                <a:ea typeface="+mn-ea"/>
+                <a:cs typeface="+mn-cs"/>
+              </a:defRPr>
+            </a:lvl6pPr>
+            <a:lvl7pPr marL="1300000" indent="-228600" algn="l" defTabSz="914400" rtl="0" eaLnBrk="1" latinLnBrk="0" hangingPunct="1">
+              <a:lnSpc>
+                <a:spcPct val="90000"/>
+              </a:lnSpc>
+              <a:spcBef>
+                <a:spcPts val="200"/>
+              </a:spcBef>
+              <a:spcAft>
+                <a:spcPts val="400"/>
+              </a:spcAft>
+              <a:buClr>
+                <a:schemeClr val="accent1"/>
+              </a:buClr>
+              <a:buFont typeface="Calibri" pitchFamily="34" charset="0"/>
+              <a:buChar char="◦"/>
+              <a:defRPr sz="1400" kern="1200">
+                <a:solidFill>
+                  <a:schemeClr val="tx1">
+                    <a:lumMod val="75000"/>
+                    <a:lumOff val="25000"/>
+                  </a:schemeClr>
+                </a:solidFill>
+                <a:latin typeface="+mn-lt"/>
+                <a:ea typeface="+mn-ea"/>
+                <a:cs typeface="+mn-cs"/>
+              </a:defRPr>
+            </a:lvl7pPr>
+            <a:lvl8pPr marL="1500000" indent="-228600" algn="l" defTabSz="914400" rtl="0" eaLnBrk="1" latinLnBrk="0" hangingPunct="1">
+              <a:lnSpc>
+                <a:spcPct val="90000"/>
+              </a:lnSpc>
+              <a:spcBef>
+                <a:spcPts val="200"/>
+              </a:spcBef>
+              <a:spcAft>
+                <a:spcPts val="400"/>
+              </a:spcAft>
+              <a:buClr>
+                <a:schemeClr val="accent1"/>
+              </a:buClr>
+              <a:buFont typeface="Calibri" pitchFamily="34" charset="0"/>
+              <a:buChar char="◦"/>
+              <a:defRPr sz="1400" kern="1200">
+                <a:solidFill>
+                  <a:schemeClr val="tx1">
+                    <a:lumMod val="75000"/>
+                    <a:lumOff val="25000"/>
+                  </a:schemeClr>
+                </a:solidFill>
+                <a:latin typeface="+mn-lt"/>
+                <a:ea typeface="+mn-ea"/>
+                <a:cs typeface="+mn-cs"/>
+              </a:defRPr>
+            </a:lvl8pPr>
+            <a:lvl9pPr marL="1700000" indent="-228600" algn="l" defTabSz="914400" rtl="0" eaLnBrk="1" latinLnBrk="0" hangingPunct="1">
+              <a:lnSpc>
+                <a:spcPct val="90000"/>
+              </a:lnSpc>
+              <a:spcBef>
+                <a:spcPts val="200"/>
+              </a:spcBef>
+              <a:spcAft>
+                <a:spcPts val="400"/>
+              </a:spcAft>
+              <a:buClr>
+                <a:schemeClr val="accent1"/>
+              </a:buClr>
+              <a:buFont typeface="Calibri" pitchFamily="34" charset="0"/>
+              <a:buChar char="◦"/>
+              <a:defRPr sz="1400" kern="1200">
+                <a:solidFill>
+                  <a:schemeClr val="tx1">
+                    <a:lumMod val="75000"/>
+                    <a:lumOff val="25000"/>
+                  </a:schemeClr>
+                </a:solidFill>
+                <a:latin typeface="+mn-lt"/>
+                <a:ea typeface="+mn-ea"/>
+                <a:cs typeface="+mn-cs"/>
+              </a:defRPr>
+            </a:lvl9pPr>
+          </a:lstStyle>
+          <a:p>
+            <a:pPr marL="201168" lvl="1" indent="0">
+              <a:buNone/>
+            </a:pPr>
+            <a:r>
+              <a:rPr lang="en-US" b="1" dirty="0"/>
+              <a:t>Data Storage and Data Processing</a:t>
+            </a:r>
+            <a:r>
+              <a:rPr lang="en-US" dirty="0"/>
+              <a:t>:</a:t>
+            </a:r>
+            <a:r>
+              <a:rPr lang="en-US" b="1" dirty="0"/>
+              <a:t> </a:t>
+            </a:r>
+          </a:p>
+          <a:p>
+            <a:pPr lvl="1">
+              <a:buFontTx/>
+              <a:buChar char="-"/>
+            </a:pPr>
+            <a:r>
+              <a:rPr lang="en-US" b="1" dirty="0"/>
+              <a:t>S3</a:t>
+            </a:r>
+            <a:r>
+              <a:rPr lang="en-US" dirty="0"/>
+              <a:t>: Needed to store extracted text and predictions. </a:t>
+            </a:r>
+          </a:p>
+          <a:p>
+            <a:pPr lvl="1">
+              <a:buFontTx/>
+              <a:buChar char="-"/>
+            </a:pPr>
+            <a:r>
+              <a:rPr lang="en-US" b="1" dirty="0"/>
+              <a:t>Lambda</a:t>
+            </a:r>
+            <a:r>
+              <a:rPr lang="en-US" dirty="0"/>
+              <a:t>: Needed to process data at multiple steps.</a:t>
+            </a:r>
+          </a:p>
+          <a:p>
+            <a:pPr lvl="1">
+              <a:buFontTx/>
+              <a:buChar char="-"/>
+            </a:pPr>
+            <a:r>
+              <a:rPr lang="en-US" b="1" dirty="0"/>
+              <a:t>SQS</a:t>
+            </a:r>
+            <a:r>
+              <a:rPr lang="en-US" dirty="0"/>
+              <a:t>: Needed to queue new items. Passing it to the lambda functions</a:t>
+            </a:r>
+          </a:p>
+          <a:p>
+            <a:pPr lvl="1">
+              <a:buFontTx/>
+              <a:buChar char="-"/>
+            </a:pPr>
+            <a:r>
+              <a:rPr lang="en-US" b="1" dirty="0"/>
+              <a:t>Textract</a:t>
+            </a:r>
+            <a:r>
+              <a:rPr lang="en-US" dirty="0"/>
+              <a:t>: Needed to extract text from documents</a:t>
+            </a:r>
+          </a:p>
+          <a:p>
+            <a:pPr lvl="1">
+              <a:buFontTx/>
+              <a:buChar char="-"/>
+            </a:pPr>
+            <a:endParaRPr lang="en-US" dirty="0"/>
+          </a:p>
+        </p:txBody>
+      </p:sp>
+      <p:sp>
+        <p:nvSpPr>
+          <p:cNvPr id="8" name="Content Placeholder 2">
+            <a:extLst>
+              <a:ext uri="{FF2B5EF4-FFF2-40B4-BE49-F238E27FC236}">
+                <a16:creationId xmlns:a16="http://schemas.microsoft.com/office/drawing/2014/main" id="{83270A79-617E-3EAB-5FF6-C7DB00DD86F9}"/>
+              </a:ext>
+            </a:extLst>
+          </p:cNvPr>
+          <p:cNvSpPr txBox="1">
+            <a:spLocks/>
+          </p:cNvSpPr>
+          <p:nvPr/>
+        </p:nvSpPr>
+        <p:spPr>
+          <a:xfrm>
+            <a:off x="6402901" y="1733970"/>
+            <a:ext cx="5374909" cy="872811"/>
+          </a:xfrm>
+          <a:prstGeom prst="rect">
+            <a:avLst/>
+          </a:prstGeom>
+        </p:spPr>
+        <p:txBody>
+          <a:bodyPr vert="horz" lIns="0" tIns="45720" rIns="0" bIns="45720" rtlCol="0">
+            <a:noAutofit/>
+          </a:bodyPr>
+          <a:lstStyle>
+            <a:lvl1pPr marL="91440" indent="-91440" algn="l" defTabSz="914400" rtl="0" eaLnBrk="1" latinLnBrk="0" hangingPunct="1">
+              <a:lnSpc>
+                <a:spcPct val="90000"/>
+              </a:lnSpc>
+              <a:spcBef>
+                <a:spcPts val="1200"/>
+              </a:spcBef>
+              <a:spcAft>
+                <a:spcPts val="200"/>
+              </a:spcAft>
+              <a:buClr>
+                <a:schemeClr val="accent1"/>
+              </a:buClr>
+              <a:buSzPct val="100000"/>
+              <a:buFont typeface="Calibri" panose="020F0502020204030204" pitchFamily="34" charset="0"/>
+              <a:buChar char=" "/>
+              <a:defRPr sz="2000" kern="1200">
+                <a:solidFill>
+                  <a:schemeClr val="tx1">
+                    <a:lumMod val="75000"/>
+                    <a:lumOff val="25000"/>
+                  </a:schemeClr>
+                </a:solidFill>
+                <a:latin typeface="+mn-lt"/>
+                <a:ea typeface="+mn-ea"/>
+                <a:cs typeface="+mn-cs"/>
+              </a:defRPr>
+            </a:lvl1pPr>
+            <a:lvl2pPr marL="384048" indent="-182880" algn="l" defTabSz="914400" rtl="0" eaLnBrk="1" latinLnBrk="0" hangingPunct="1">
+              <a:lnSpc>
+                <a:spcPct val="90000"/>
+              </a:lnSpc>
+              <a:spcBef>
+                <a:spcPts val="200"/>
+              </a:spcBef>
+              <a:spcAft>
+                <a:spcPts val="400"/>
+              </a:spcAft>
+              <a:buClr>
+                <a:schemeClr val="accent1"/>
+              </a:buClr>
+              <a:buFont typeface="Calibri" pitchFamily="34" charset="0"/>
+              <a:buChar char="◦"/>
+              <a:defRPr sz="1800" kern="1200">
+                <a:solidFill>
+                  <a:schemeClr val="tx1">
+                    <a:lumMod val="75000"/>
+                    <a:lumOff val="25000"/>
+                  </a:schemeClr>
+                </a:solidFill>
+                <a:latin typeface="+mn-lt"/>
+                <a:ea typeface="+mn-ea"/>
+                <a:cs typeface="+mn-cs"/>
+              </a:defRPr>
+            </a:lvl2pPr>
+            <a:lvl3pPr marL="566928" indent="-182880" algn="l" defTabSz="914400" rtl="0" eaLnBrk="1" latinLnBrk="0" hangingPunct="1">
+              <a:lnSpc>
+                <a:spcPct val="90000"/>
+              </a:lnSpc>
+              <a:spcBef>
+                <a:spcPts val="200"/>
+              </a:spcBef>
+              <a:spcAft>
+                <a:spcPts val="400"/>
+              </a:spcAft>
+              <a:buClr>
+                <a:schemeClr val="accent1"/>
+              </a:buClr>
+              <a:buFont typeface="Calibri" pitchFamily="34" charset="0"/>
+              <a:buChar char="◦"/>
+              <a:defRPr sz="1400" kern="1200">
+                <a:solidFill>
+                  <a:schemeClr val="tx1">
+                    <a:lumMod val="75000"/>
+                    <a:lumOff val="25000"/>
+                  </a:schemeClr>
+                </a:solidFill>
+                <a:latin typeface="+mn-lt"/>
+                <a:ea typeface="+mn-ea"/>
+                <a:cs typeface="+mn-cs"/>
+              </a:defRPr>
+            </a:lvl3pPr>
+            <a:lvl4pPr marL="749808" indent="-182880" algn="l" defTabSz="914400" rtl="0" eaLnBrk="1" latinLnBrk="0" hangingPunct="1">
+              <a:lnSpc>
+                <a:spcPct val="90000"/>
+              </a:lnSpc>
+              <a:spcBef>
+                <a:spcPts val="200"/>
+              </a:spcBef>
+              <a:spcAft>
+                <a:spcPts val="400"/>
+              </a:spcAft>
+              <a:buClr>
+                <a:schemeClr val="accent1"/>
+              </a:buClr>
+              <a:buFont typeface="Calibri" pitchFamily="34" charset="0"/>
+              <a:buChar char="◦"/>
+              <a:defRPr sz="1400" kern="1200">
+                <a:solidFill>
+                  <a:schemeClr val="tx1">
+                    <a:lumMod val="75000"/>
+                    <a:lumOff val="25000"/>
+                  </a:schemeClr>
+                </a:solidFill>
+                <a:latin typeface="+mn-lt"/>
+                <a:ea typeface="+mn-ea"/>
+                <a:cs typeface="+mn-cs"/>
+              </a:defRPr>
+            </a:lvl4pPr>
+            <a:lvl5pPr marL="932688" indent="-182880" algn="l" defTabSz="914400" rtl="0" eaLnBrk="1" latinLnBrk="0" hangingPunct="1">
+              <a:lnSpc>
+                <a:spcPct val="90000"/>
+              </a:lnSpc>
+              <a:spcBef>
+                <a:spcPts val="200"/>
+              </a:spcBef>
+              <a:spcAft>
+                <a:spcPts val="400"/>
+              </a:spcAft>
+              <a:buClr>
+                <a:schemeClr val="accent1"/>
+              </a:buClr>
+              <a:buFont typeface="Calibri" pitchFamily="34" charset="0"/>
+              <a:buChar char="◦"/>
+              <a:defRPr sz="1400" kern="1200">
+                <a:solidFill>
+                  <a:schemeClr val="tx1">
+                    <a:lumMod val="75000"/>
+                    <a:lumOff val="25000"/>
+                  </a:schemeClr>
+                </a:solidFill>
+                <a:latin typeface="+mn-lt"/>
+                <a:ea typeface="+mn-ea"/>
+                <a:cs typeface="+mn-cs"/>
+              </a:defRPr>
+            </a:lvl5pPr>
+            <a:lvl6pPr marL="1100000" indent="-228600" algn="l" defTabSz="914400" rtl="0" eaLnBrk="1" latinLnBrk="0" hangingPunct="1">
+              <a:lnSpc>
+                <a:spcPct val="90000"/>
+              </a:lnSpc>
+              <a:spcBef>
+                <a:spcPts val="200"/>
+              </a:spcBef>
+              <a:spcAft>
+                <a:spcPts val="400"/>
+              </a:spcAft>
+              <a:buClr>
+                <a:schemeClr val="accent1"/>
+              </a:buClr>
+              <a:buFont typeface="Calibri" pitchFamily="34" charset="0"/>
+              <a:buChar char="◦"/>
+              <a:defRPr sz="1400" kern="1200">
+                <a:solidFill>
+                  <a:schemeClr val="tx1">
+                    <a:lumMod val="75000"/>
+                    <a:lumOff val="25000"/>
+                  </a:schemeClr>
+                </a:solidFill>
+                <a:latin typeface="+mn-lt"/>
+                <a:ea typeface="+mn-ea"/>
+                <a:cs typeface="+mn-cs"/>
+              </a:defRPr>
+            </a:lvl6pPr>
+            <a:lvl7pPr marL="1300000" indent="-228600" algn="l" defTabSz="914400" rtl="0" eaLnBrk="1" latinLnBrk="0" hangingPunct="1">
+              <a:lnSpc>
+                <a:spcPct val="90000"/>
+              </a:lnSpc>
+              <a:spcBef>
+                <a:spcPts val="200"/>
+              </a:spcBef>
+              <a:spcAft>
+                <a:spcPts val="400"/>
+              </a:spcAft>
+              <a:buClr>
+                <a:schemeClr val="accent1"/>
+              </a:buClr>
+              <a:buFont typeface="Calibri" pitchFamily="34" charset="0"/>
+              <a:buChar char="◦"/>
+              <a:defRPr sz="1400" kern="1200">
+                <a:solidFill>
+                  <a:schemeClr val="tx1">
+                    <a:lumMod val="75000"/>
+                    <a:lumOff val="25000"/>
+                  </a:schemeClr>
+                </a:solidFill>
+                <a:latin typeface="+mn-lt"/>
+                <a:ea typeface="+mn-ea"/>
+                <a:cs typeface="+mn-cs"/>
+              </a:defRPr>
+            </a:lvl7pPr>
+            <a:lvl8pPr marL="1500000" indent="-228600" algn="l" defTabSz="914400" rtl="0" eaLnBrk="1" latinLnBrk="0" hangingPunct="1">
+              <a:lnSpc>
+                <a:spcPct val="90000"/>
+              </a:lnSpc>
+              <a:spcBef>
+                <a:spcPts val="200"/>
+              </a:spcBef>
+              <a:spcAft>
+                <a:spcPts val="400"/>
+              </a:spcAft>
+              <a:buClr>
+                <a:schemeClr val="accent1"/>
+              </a:buClr>
+              <a:buFont typeface="Calibri" pitchFamily="34" charset="0"/>
+              <a:buChar char="◦"/>
+              <a:defRPr sz="1400" kern="1200">
+                <a:solidFill>
+                  <a:schemeClr val="tx1">
+                    <a:lumMod val="75000"/>
+                    <a:lumOff val="25000"/>
+                  </a:schemeClr>
+                </a:solidFill>
+                <a:latin typeface="+mn-lt"/>
+                <a:ea typeface="+mn-ea"/>
+                <a:cs typeface="+mn-cs"/>
+              </a:defRPr>
+            </a:lvl8pPr>
+            <a:lvl9pPr marL="1700000" indent="-228600" algn="l" defTabSz="914400" rtl="0" eaLnBrk="1" latinLnBrk="0" hangingPunct="1">
+              <a:lnSpc>
+                <a:spcPct val="90000"/>
+              </a:lnSpc>
+              <a:spcBef>
+                <a:spcPts val="200"/>
+              </a:spcBef>
+              <a:spcAft>
+                <a:spcPts val="400"/>
+              </a:spcAft>
+              <a:buClr>
+                <a:schemeClr val="accent1"/>
+              </a:buClr>
+              <a:buFont typeface="Calibri" pitchFamily="34" charset="0"/>
+              <a:buChar char="◦"/>
+              <a:defRPr sz="1400" kern="1200">
+                <a:solidFill>
+                  <a:schemeClr val="tx1">
+                    <a:lumMod val="75000"/>
+                    <a:lumOff val="25000"/>
+                  </a:schemeClr>
+                </a:solidFill>
+                <a:latin typeface="+mn-lt"/>
+                <a:ea typeface="+mn-ea"/>
+                <a:cs typeface="+mn-cs"/>
+              </a:defRPr>
+            </a:lvl9pPr>
+          </a:lstStyle>
+          <a:p>
+            <a:pPr marL="201168" lvl="1" indent="0">
+              <a:buNone/>
+            </a:pPr>
+            <a:r>
+              <a:rPr lang="en-US" b="1" dirty="0"/>
+              <a:t>Data Warehousing</a:t>
+            </a:r>
+            <a:r>
+              <a:rPr lang="en-US" dirty="0"/>
+              <a:t>:</a:t>
+            </a:r>
+          </a:p>
+          <a:p>
+            <a:pPr lvl="1">
+              <a:buFontTx/>
+              <a:buChar char="-"/>
+            </a:pPr>
+            <a:r>
+              <a:rPr lang="en-US" b="1" dirty="0"/>
+              <a:t>RedShift</a:t>
+            </a:r>
+            <a:r>
+              <a:rPr lang="en-US" dirty="0"/>
+              <a:t>: Needed to store extracted text and predictions. RedShift because of large scale (40+ TB)</a:t>
+            </a:r>
+          </a:p>
+        </p:txBody>
+      </p:sp>
+      <p:sp>
+        <p:nvSpPr>
+          <p:cNvPr id="9" name="Content Placeholder 2">
+            <a:extLst>
+              <a:ext uri="{FF2B5EF4-FFF2-40B4-BE49-F238E27FC236}">
+                <a16:creationId xmlns:a16="http://schemas.microsoft.com/office/drawing/2014/main" id="{7D7BD3D5-0B9C-B617-66A1-E921A205C5B3}"/>
+              </a:ext>
+            </a:extLst>
+          </p:cNvPr>
+          <p:cNvSpPr txBox="1">
+            <a:spLocks/>
+          </p:cNvSpPr>
+          <p:nvPr/>
+        </p:nvSpPr>
+        <p:spPr>
+          <a:xfrm>
+            <a:off x="6402901" y="2634058"/>
+            <a:ext cx="5403352" cy="962316"/>
+          </a:xfrm>
+          <a:prstGeom prst="rect">
+            <a:avLst/>
+          </a:prstGeom>
+        </p:spPr>
+        <p:txBody>
+          <a:bodyPr vert="horz" lIns="0" tIns="45720" rIns="0" bIns="45720" rtlCol="0">
+            <a:noAutofit/>
+          </a:bodyPr>
+          <a:lstStyle>
+            <a:lvl1pPr marL="91440" indent="-91440" algn="l" defTabSz="914400" rtl="0" eaLnBrk="1" latinLnBrk="0" hangingPunct="1">
+              <a:lnSpc>
+                <a:spcPct val="90000"/>
+              </a:lnSpc>
+              <a:spcBef>
+                <a:spcPts val="1200"/>
+              </a:spcBef>
+              <a:spcAft>
+                <a:spcPts val="200"/>
+              </a:spcAft>
+              <a:buClr>
+                <a:schemeClr val="accent1"/>
+              </a:buClr>
+              <a:buSzPct val="100000"/>
+              <a:buFont typeface="Calibri" panose="020F0502020204030204" pitchFamily="34" charset="0"/>
+              <a:buChar char=" "/>
+              <a:defRPr sz="2000" kern="1200">
+                <a:solidFill>
+                  <a:schemeClr val="tx1">
+                    <a:lumMod val="75000"/>
+                    <a:lumOff val="25000"/>
+                  </a:schemeClr>
+                </a:solidFill>
+                <a:latin typeface="+mn-lt"/>
+                <a:ea typeface="+mn-ea"/>
+                <a:cs typeface="+mn-cs"/>
+              </a:defRPr>
+            </a:lvl1pPr>
+            <a:lvl2pPr marL="384048" indent="-182880" algn="l" defTabSz="914400" rtl="0" eaLnBrk="1" latinLnBrk="0" hangingPunct="1">
+              <a:lnSpc>
+                <a:spcPct val="90000"/>
+              </a:lnSpc>
+              <a:spcBef>
+                <a:spcPts val="200"/>
+              </a:spcBef>
+              <a:spcAft>
+                <a:spcPts val="400"/>
+              </a:spcAft>
+              <a:buClr>
+                <a:schemeClr val="accent1"/>
+              </a:buClr>
+              <a:buFont typeface="Calibri" pitchFamily="34" charset="0"/>
+              <a:buChar char="◦"/>
+              <a:defRPr sz="1800" kern="1200">
+                <a:solidFill>
+                  <a:schemeClr val="tx1">
+                    <a:lumMod val="75000"/>
+                    <a:lumOff val="25000"/>
+                  </a:schemeClr>
+                </a:solidFill>
+                <a:latin typeface="+mn-lt"/>
+                <a:ea typeface="+mn-ea"/>
+                <a:cs typeface="+mn-cs"/>
+              </a:defRPr>
+            </a:lvl2pPr>
+            <a:lvl3pPr marL="566928" indent="-182880" algn="l" defTabSz="914400" rtl="0" eaLnBrk="1" latinLnBrk="0" hangingPunct="1">
+              <a:lnSpc>
+                <a:spcPct val="90000"/>
+              </a:lnSpc>
+              <a:spcBef>
+                <a:spcPts val="200"/>
+              </a:spcBef>
+              <a:spcAft>
+                <a:spcPts val="400"/>
+              </a:spcAft>
+              <a:buClr>
+                <a:schemeClr val="accent1"/>
+              </a:buClr>
+              <a:buFont typeface="Calibri" pitchFamily="34" charset="0"/>
+              <a:buChar char="◦"/>
+              <a:defRPr sz="1400" kern="1200">
+                <a:solidFill>
+                  <a:schemeClr val="tx1">
+                    <a:lumMod val="75000"/>
+                    <a:lumOff val="25000"/>
+                  </a:schemeClr>
+                </a:solidFill>
+                <a:latin typeface="+mn-lt"/>
+                <a:ea typeface="+mn-ea"/>
+                <a:cs typeface="+mn-cs"/>
+              </a:defRPr>
+            </a:lvl3pPr>
+            <a:lvl4pPr marL="749808" indent="-182880" algn="l" defTabSz="914400" rtl="0" eaLnBrk="1" latinLnBrk="0" hangingPunct="1">
+              <a:lnSpc>
+                <a:spcPct val="90000"/>
+              </a:lnSpc>
+              <a:spcBef>
+                <a:spcPts val="200"/>
+              </a:spcBef>
+              <a:spcAft>
+                <a:spcPts val="400"/>
+              </a:spcAft>
+              <a:buClr>
+                <a:schemeClr val="accent1"/>
+              </a:buClr>
+              <a:buFont typeface="Calibri" pitchFamily="34" charset="0"/>
+              <a:buChar char="◦"/>
+              <a:defRPr sz="1400" kern="1200">
+                <a:solidFill>
+                  <a:schemeClr val="tx1">
+                    <a:lumMod val="75000"/>
+                    <a:lumOff val="25000"/>
+                  </a:schemeClr>
+                </a:solidFill>
+                <a:latin typeface="+mn-lt"/>
+                <a:ea typeface="+mn-ea"/>
+                <a:cs typeface="+mn-cs"/>
+              </a:defRPr>
+            </a:lvl4pPr>
+            <a:lvl5pPr marL="932688" indent="-182880" algn="l" defTabSz="914400" rtl="0" eaLnBrk="1" latinLnBrk="0" hangingPunct="1">
+              <a:lnSpc>
+                <a:spcPct val="90000"/>
+              </a:lnSpc>
+              <a:spcBef>
+                <a:spcPts val="200"/>
+              </a:spcBef>
+              <a:spcAft>
+                <a:spcPts val="400"/>
+              </a:spcAft>
+              <a:buClr>
+                <a:schemeClr val="accent1"/>
+              </a:buClr>
+              <a:buFont typeface="Calibri" pitchFamily="34" charset="0"/>
+              <a:buChar char="◦"/>
+              <a:defRPr sz="1400" kern="1200">
+                <a:solidFill>
+                  <a:schemeClr val="tx1">
+                    <a:lumMod val="75000"/>
+                    <a:lumOff val="25000"/>
+                  </a:schemeClr>
+                </a:solidFill>
+                <a:latin typeface="+mn-lt"/>
+                <a:ea typeface="+mn-ea"/>
+                <a:cs typeface="+mn-cs"/>
+              </a:defRPr>
+            </a:lvl5pPr>
+            <a:lvl6pPr marL="1100000" indent="-228600" algn="l" defTabSz="914400" rtl="0" eaLnBrk="1" latinLnBrk="0" hangingPunct="1">
+              <a:lnSpc>
+                <a:spcPct val="90000"/>
+              </a:lnSpc>
+              <a:spcBef>
+                <a:spcPts val="200"/>
+              </a:spcBef>
+              <a:spcAft>
+                <a:spcPts val="400"/>
+              </a:spcAft>
+              <a:buClr>
+                <a:schemeClr val="accent1"/>
+              </a:buClr>
+              <a:buFont typeface="Calibri" pitchFamily="34" charset="0"/>
+              <a:buChar char="◦"/>
+              <a:defRPr sz="1400" kern="1200">
+                <a:solidFill>
+                  <a:schemeClr val="tx1">
+                    <a:lumMod val="75000"/>
+                    <a:lumOff val="25000"/>
+                  </a:schemeClr>
+                </a:solidFill>
+                <a:latin typeface="+mn-lt"/>
+                <a:ea typeface="+mn-ea"/>
+                <a:cs typeface="+mn-cs"/>
+              </a:defRPr>
+            </a:lvl6pPr>
+            <a:lvl7pPr marL="1300000" indent="-228600" algn="l" defTabSz="914400" rtl="0" eaLnBrk="1" latinLnBrk="0" hangingPunct="1">
+              <a:lnSpc>
+                <a:spcPct val="90000"/>
+              </a:lnSpc>
+              <a:spcBef>
+                <a:spcPts val="200"/>
+              </a:spcBef>
+              <a:spcAft>
+                <a:spcPts val="400"/>
+              </a:spcAft>
+              <a:buClr>
+                <a:schemeClr val="accent1"/>
+              </a:buClr>
+              <a:buFont typeface="Calibri" pitchFamily="34" charset="0"/>
+              <a:buChar char="◦"/>
+              <a:defRPr sz="1400" kern="1200">
+                <a:solidFill>
+                  <a:schemeClr val="tx1">
+                    <a:lumMod val="75000"/>
+                    <a:lumOff val="25000"/>
+                  </a:schemeClr>
+                </a:solidFill>
+                <a:latin typeface="+mn-lt"/>
+                <a:ea typeface="+mn-ea"/>
+                <a:cs typeface="+mn-cs"/>
+              </a:defRPr>
+            </a:lvl7pPr>
+            <a:lvl8pPr marL="1500000" indent="-228600" algn="l" defTabSz="914400" rtl="0" eaLnBrk="1" latinLnBrk="0" hangingPunct="1">
+              <a:lnSpc>
+                <a:spcPct val="90000"/>
+              </a:lnSpc>
+              <a:spcBef>
+                <a:spcPts val="200"/>
+              </a:spcBef>
+              <a:spcAft>
+                <a:spcPts val="400"/>
+              </a:spcAft>
+              <a:buClr>
+                <a:schemeClr val="accent1"/>
+              </a:buClr>
+              <a:buFont typeface="Calibri" pitchFamily="34" charset="0"/>
+              <a:buChar char="◦"/>
+              <a:defRPr sz="1400" kern="1200">
+                <a:solidFill>
+                  <a:schemeClr val="tx1">
+                    <a:lumMod val="75000"/>
+                    <a:lumOff val="25000"/>
+                  </a:schemeClr>
+                </a:solidFill>
+                <a:latin typeface="+mn-lt"/>
+                <a:ea typeface="+mn-ea"/>
+                <a:cs typeface="+mn-cs"/>
+              </a:defRPr>
+            </a:lvl8pPr>
+            <a:lvl9pPr marL="1700000" indent="-228600" algn="l" defTabSz="914400" rtl="0" eaLnBrk="1" latinLnBrk="0" hangingPunct="1">
+              <a:lnSpc>
+                <a:spcPct val="90000"/>
+              </a:lnSpc>
+              <a:spcBef>
+                <a:spcPts val="200"/>
+              </a:spcBef>
+              <a:spcAft>
+                <a:spcPts val="400"/>
+              </a:spcAft>
+              <a:buClr>
+                <a:schemeClr val="accent1"/>
+              </a:buClr>
+              <a:buFont typeface="Calibri" pitchFamily="34" charset="0"/>
+              <a:buChar char="◦"/>
+              <a:defRPr sz="1400" kern="1200">
+                <a:solidFill>
+                  <a:schemeClr val="tx1">
+                    <a:lumMod val="75000"/>
+                    <a:lumOff val="25000"/>
+                  </a:schemeClr>
+                </a:solidFill>
+                <a:latin typeface="+mn-lt"/>
+                <a:ea typeface="+mn-ea"/>
+                <a:cs typeface="+mn-cs"/>
+              </a:defRPr>
+            </a:lvl9pPr>
+          </a:lstStyle>
+          <a:p>
+            <a:pPr marL="201168" lvl="1" indent="0">
+              <a:buNone/>
+            </a:pPr>
+            <a:r>
+              <a:rPr lang="en-US" b="1" dirty="0"/>
+              <a:t>Business Intelligence and Analytics</a:t>
+            </a:r>
+            <a:r>
+              <a:rPr lang="en-US" dirty="0"/>
+              <a:t>:</a:t>
+            </a:r>
+          </a:p>
+          <a:p>
+            <a:pPr lvl="1">
+              <a:buFontTx/>
+              <a:buChar char="-"/>
+            </a:pPr>
+            <a:r>
+              <a:rPr lang="en-US" b="1" dirty="0"/>
+              <a:t>QuickSight</a:t>
+            </a:r>
+            <a:r>
+              <a:rPr lang="en-US" dirty="0"/>
+              <a:t>: Needed to build dashboards using the data in RedShift</a:t>
+            </a:r>
+          </a:p>
+        </p:txBody>
+      </p:sp>
+      <p:sp>
+        <p:nvSpPr>
+          <p:cNvPr id="12" name="Content Placeholder 2">
+            <a:extLst>
+              <a:ext uri="{FF2B5EF4-FFF2-40B4-BE49-F238E27FC236}">
+                <a16:creationId xmlns:a16="http://schemas.microsoft.com/office/drawing/2014/main" id="{EB6200AB-0DC0-EA9D-E539-174A843E8D05}"/>
+              </a:ext>
+            </a:extLst>
+          </p:cNvPr>
+          <p:cNvSpPr txBox="1">
+            <a:spLocks/>
+          </p:cNvSpPr>
+          <p:nvPr/>
+        </p:nvSpPr>
+        <p:spPr>
+          <a:xfrm>
+            <a:off x="6378586" y="3555336"/>
+            <a:ext cx="5399224" cy="962316"/>
+          </a:xfrm>
+          <a:prstGeom prst="rect">
+            <a:avLst/>
+          </a:prstGeom>
+        </p:spPr>
+        <p:txBody>
+          <a:bodyPr vert="horz" lIns="0" tIns="45720" rIns="0" bIns="45720" rtlCol="0">
+            <a:noAutofit/>
+          </a:bodyPr>
+          <a:lstStyle>
+            <a:lvl1pPr marL="91440" indent="-91440" algn="l" defTabSz="914400" rtl="0" eaLnBrk="1" latinLnBrk="0" hangingPunct="1">
+              <a:lnSpc>
+                <a:spcPct val="90000"/>
+              </a:lnSpc>
+              <a:spcBef>
+                <a:spcPts val="1200"/>
+              </a:spcBef>
+              <a:spcAft>
+                <a:spcPts val="200"/>
+              </a:spcAft>
+              <a:buClr>
+                <a:schemeClr val="accent1"/>
+              </a:buClr>
+              <a:buSzPct val="100000"/>
+              <a:buFont typeface="Calibri" panose="020F0502020204030204" pitchFamily="34" charset="0"/>
+              <a:buChar char=" "/>
+              <a:defRPr sz="2000" kern="1200">
+                <a:solidFill>
+                  <a:schemeClr val="tx1">
+                    <a:lumMod val="75000"/>
+                    <a:lumOff val="25000"/>
+                  </a:schemeClr>
+                </a:solidFill>
+                <a:latin typeface="+mn-lt"/>
+                <a:ea typeface="+mn-ea"/>
+                <a:cs typeface="+mn-cs"/>
+              </a:defRPr>
+            </a:lvl1pPr>
+            <a:lvl2pPr marL="384048" indent="-182880" algn="l" defTabSz="914400" rtl="0" eaLnBrk="1" latinLnBrk="0" hangingPunct="1">
+              <a:lnSpc>
+                <a:spcPct val="90000"/>
+              </a:lnSpc>
+              <a:spcBef>
+                <a:spcPts val="200"/>
+              </a:spcBef>
+              <a:spcAft>
+                <a:spcPts val="400"/>
+              </a:spcAft>
+              <a:buClr>
+                <a:schemeClr val="accent1"/>
+              </a:buClr>
+              <a:buFont typeface="Calibri" pitchFamily="34" charset="0"/>
+              <a:buChar char="◦"/>
+              <a:defRPr sz="1800" kern="1200">
+                <a:solidFill>
+                  <a:schemeClr val="tx1">
+                    <a:lumMod val="75000"/>
+                    <a:lumOff val="25000"/>
+                  </a:schemeClr>
+                </a:solidFill>
+                <a:latin typeface="+mn-lt"/>
+                <a:ea typeface="+mn-ea"/>
+                <a:cs typeface="+mn-cs"/>
+              </a:defRPr>
+            </a:lvl2pPr>
+            <a:lvl3pPr marL="566928" indent="-182880" algn="l" defTabSz="914400" rtl="0" eaLnBrk="1" latinLnBrk="0" hangingPunct="1">
+              <a:lnSpc>
+                <a:spcPct val="90000"/>
+              </a:lnSpc>
+              <a:spcBef>
+                <a:spcPts val="200"/>
+              </a:spcBef>
+              <a:spcAft>
+                <a:spcPts val="400"/>
+              </a:spcAft>
+              <a:buClr>
+                <a:schemeClr val="accent1"/>
+              </a:buClr>
+              <a:buFont typeface="Calibri" pitchFamily="34" charset="0"/>
+              <a:buChar char="◦"/>
+              <a:defRPr sz="1400" kern="1200">
+                <a:solidFill>
+                  <a:schemeClr val="tx1">
+                    <a:lumMod val="75000"/>
+                    <a:lumOff val="25000"/>
+                  </a:schemeClr>
+                </a:solidFill>
+                <a:latin typeface="+mn-lt"/>
+                <a:ea typeface="+mn-ea"/>
+                <a:cs typeface="+mn-cs"/>
+              </a:defRPr>
+            </a:lvl3pPr>
+            <a:lvl4pPr marL="749808" indent="-182880" algn="l" defTabSz="914400" rtl="0" eaLnBrk="1" latinLnBrk="0" hangingPunct="1">
+              <a:lnSpc>
+                <a:spcPct val="90000"/>
+              </a:lnSpc>
+              <a:spcBef>
+                <a:spcPts val="200"/>
+              </a:spcBef>
+              <a:spcAft>
+                <a:spcPts val="400"/>
+              </a:spcAft>
+              <a:buClr>
+                <a:schemeClr val="accent1"/>
+              </a:buClr>
+              <a:buFont typeface="Calibri" pitchFamily="34" charset="0"/>
+              <a:buChar char="◦"/>
+              <a:defRPr sz="1400" kern="1200">
+                <a:solidFill>
+                  <a:schemeClr val="tx1">
+                    <a:lumMod val="75000"/>
+                    <a:lumOff val="25000"/>
+                  </a:schemeClr>
+                </a:solidFill>
+                <a:latin typeface="+mn-lt"/>
+                <a:ea typeface="+mn-ea"/>
+                <a:cs typeface="+mn-cs"/>
+              </a:defRPr>
+            </a:lvl4pPr>
+            <a:lvl5pPr marL="932688" indent="-182880" algn="l" defTabSz="914400" rtl="0" eaLnBrk="1" latinLnBrk="0" hangingPunct="1">
+              <a:lnSpc>
+                <a:spcPct val="90000"/>
+              </a:lnSpc>
+              <a:spcBef>
+                <a:spcPts val="200"/>
+              </a:spcBef>
+              <a:spcAft>
+                <a:spcPts val="400"/>
+              </a:spcAft>
+              <a:buClr>
+                <a:schemeClr val="accent1"/>
+              </a:buClr>
+              <a:buFont typeface="Calibri" pitchFamily="34" charset="0"/>
+              <a:buChar char="◦"/>
+              <a:defRPr sz="1400" kern="1200">
+                <a:solidFill>
+                  <a:schemeClr val="tx1">
+                    <a:lumMod val="75000"/>
+                    <a:lumOff val="25000"/>
+                  </a:schemeClr>
+                </a:solidFill>
+                <a:latin typeface="+mn-lt"/>
+                <a:ea typeface="+mn-ea"/>
+                <a:cs typeface="+mn-cs"/>
+              </a:defRPr>
+            </a:lvl5pPr>
+            <a:lvl6pPr marL="1100000" indent="-228600" algn="l" defTabSz="914400" rtl="0" eaLnBrk="1" latinLnBrk="0" hangingPunct="1">
+              <a:lnSpc>
+                <a:spcPct val="90000"/>
+              </a:lnSpc>
+              <a:spcBef>
+                <a:spcPts val="200"/>
+              </a:spcBef>
+              <a:spcAft>
+                <a:spcPts val="400"/>
+              </a:spcAft>
+              <a:buClr>
+                <a:schemeClr val="accent1"/>
+              </a:buClr>
+              <a:buFont typeface="Calibri" pitchFamily="34" charset="0"/>
+              <a:buChar char="◦"/>
+              <a:defRPr sz="1400" kern="1200">
+                <a:solidFill>
+                  <a:schemeClr val="tx1">
+                    <a:lumMod val="75000"/>
+                    <a:lumOff val="25000"/>
+                  </a:schemeClr>
+                </a:solidFill>
+                <a:latin typeface="+mn-lt"/>
+                <a:ea typeface="+mn-ea"/>
+                <a:cs typeface="+mn-cs"/>
+              </a:defRPr>
+            </a:lvl6pPr>
+            <a:lvl7pPr marL="1300000" indent="-228600" algn="l" defTabSz="914400" rtl="0" eaLnBrk="1" latinLnBrk="0" hangingPunct="1">
+              <a:lnSpc>
+                <a:spcPct val="90000"/>
+              </a:lnSpc>
+              <a:spcBef>
+                <a:spcPts val="200"/>
+              </a:spcBef>
+              <a:spcAft>
+                <a:spcPts val="400"/>
+              </a:spcAft>
+              <a:buClr>
+                <a:schemeClr val="accent1"/>
+              </a:buClr>
+              <a:buFont typeface="Calibri" pitchFamily="34" charset="0"/>
+              <a:buChar char="◦"/>
+              <a:defRPr sz="1400" kern="1200">
+                <a:solidFill>
+                  <a:schemeClr val="tx1">
+                    <a:lumMod val="75000"/>
+                    <a:lumOff val="25000"/>
+                  </a:schemeClr>
+                </a:solidFill>
+                <a:latin typeface="+mn-lt"/>
+                <a:ea typeface="+mn-ea"/>
+                <a:cs typeface="+mn-cs"/>
+              </a:defRPr>
+            </a:lvl7pPr>
+            <a:lvl8pPr marL="1500000" indent="-228600" algn="l" defTabSz="914400" rtl="0" eaLnBrk="1" latinLnBrk="0" hangingPunct="1">
+              <a:lnSpc>
+                <a:spcPct val="90000"/>
+              </a:lnSpc>
+              <a:spcBef>
+                <a:spcPts val="200"/>
+              </a:spcBef>
+              <a:spcAft>
+                <a:spcPts val="400"/>
+              </a:spcAft>
+              <a:buClr>
+                <a:schemeClr val="accent1"/>
+              </a:buClr>
+              <a:buFont typeface="Calibri" pitchFamily="34" charset="0"/>
+              <a:buChar char="◦"/>
+              <a:defRPr sz="1400" kern="1200">
+                <a:solidFill>
+                  <a:schemeClr val="tx1">
+                    <a:lumMod val="75000"/>
+                    <a:lumOff val="25000"/>
+                  </a:schemeClr>
+                </a:solidFill>
+                <a:latin typeface="+mn-lt"/>
+                <a:ea typeface="+mn-ea"/>
+                <a:cs typeface="+mn-cs"/>
+              </a:defRPr>
+            </a:lvl8pPr>
+            <a:lvl9pPr marL="1700000" indent="-228600" algn="l" defTabSz="914400" rtl="0" eaLnBrk="1" latinLnBrk="0" hangingPunct="1">
+              <a:lnSpc>
+                <a:spcPct val="90000"/>
+              </a:lnSpc>
+              <a:spcBef>
+                <a:spcPts val="200"/>
+              </a:spcBef>
+              <a:spcAft>
+                <a:spcPts val="400"/>
+              </a:spcAft>
+              <a:buClr>
+                <a:schemeClr val="accent1"/>
+              </a:buClr>
+              <a:buFont typeface="Calibri" pitchFamily="34" charset="0"/>
+              <a:buChar char="◦"/>
+              <a:defRPr sz="1400" kern="1200">
+                <a:solidFill>
+                  <a:schemeClr val="tx1">
+                    <a:lumMod val="75000"/>
+                    <a:lumOff val="25000"/>
+                  </a:schemeClr>
+                </a:solidFill>
+                <a:latin typeface="+mn-lt"/>
+                <a:ea typeface="+mn-ea"/>
+                <a:cs typeface="+mn-cs"/>
+              </a:defRPr>
+            </a:lvl9pPr>
+          </a:lstStyle>
+          <a:p>
+            <a:pPr marL="201168" lvl="1" indent="0">
+              <a:buNone/>
+            </a:pPr>
+            <a:r>
+              <a:rPr lang="en-US" b="1" dirty="0"/>
+              <a:t>Data Science</a:t>
+            </a:r>
+            <a:r>
+              <a:rPr lang="en-US" dirty="0"/>
+              <a:t>:</a:t>
+            </a:r>
+          </a:p>
+          <a:p>
+            <a:pPr lvl="1">
+              <a:buFontTx/>
+              <a:buChar char="-"/>
+            </a:pPr>
+            <a:r>
+              <a:rPr lang="en-US" b="1" dirty="0"/>
+              <a:t>SageMaker</a:t>
+            </a:r>
+            <a:r>
+              <a:rPr lang="en-US" dirty="0"/>
+              <a:t>: Needed to train and deploy the machine learning model</a:t>
+            </a:r>
+          </a:p>
+          <a:p>
+            <a:pPr lvl="1">
+              <a:buFontTx/>
+              <a:buChar char="-"/>
+            </a:pPr>
+            <a:r>
+              <a:rPr lang="en-US" b="1" dirty="0"/>
+              <a:t>S3</a:t>
+            </a:r>
+            <a:r>
+              <a:rPr lang="en-US" dirty="0"/>
+              <a:t>: Needed to store model artifacts after training</a:t>
+            </a:r>
+            <a:endParaRPr lang="en-US" b="1" dirty="0"/>
+          </a:p>
+        </p:txBody>
+      </p:sp>
+      <p:sp>
+        <p:nvSpPr>
+          <p:cNvPr id="13" name="Content Placeholder 2">
+            <a:extLst>
+              <a:ext uri="{FF2B5EF4-FFF2-40B4-BE49-F238E27FC236}">
+                <a16:creationId xmlns:a16="http://schemas.microsoft.com/office/drawing/2014/main" id="{5290652A-96EE-FC4A-9FCD-D58174CEEC55}"/>
+              </a:ext>
+            </a:extLst>
+          </p:cNvPr>
+          <p:cNvSpPr txBox="1">
+            <a:spLocks/>
+          </p:cNvSpPr>
+          <p:nvPr/>
+        </p:nvSpPr>
+        <p:spPr>
+          <a:xfrm>
+            <a:off x="6402901" y="4957772"/>
+            <a:ext cx="5374909" cy="1140878"/>
+          </a:xfrm>
+          <a:prstGeom prst="rect">
+            <a:avLst/>
+          </a:prstGeom>
+        </p:spPr>
+        <p:txBody>
+          <a:bodyPr vert="horz" lIns="0" tIns="45720" rIns="0" bIns="45720" rtlCol="0">
+            <a:noAutofit/>
+          </a:bodyPr>
+          <a:lstStyle>
+            <a:lvl1pPr marL="91440" indent="-91440" algn="l" defTabSz="914400" rtl="0" eaLnBrk="1" latinLnBrk="0" hangingPunct="1">
+              <a:lnSpc>
+                <a:spcPct val="90000"/>
+              </a:lnSpc>
+              <a:spcBef>
+                <a:spcPts val="1200"/>
+              </a:spcBef>
+              <a:spcAft>
+                <a:spcPts val="200"/>
+              </a:spcAft>
+              <a:buClr>
+                <a:schemeClr val="accent1"/>
+              </a:buClr>
+              <a:buSzPct val="100000"/>
+              <a:buFont typeface="Calibri" panose="020F0502020204030204" pitchFamily="34" charset="0"/>
+              <a:buChar char=" "/>
+              <a:defRPr sz="2000" kern="1200">
+                <a:solidFill>
+                  <a:schemeClr val="tx1">
+                    <a:lumMod val="75000"/>
+                    <a:lumOff val="25000"/>
+                  </a:schemeClr>
+                </a:solidFill>
+                <a:latin typeface="+mn-lt"/>
+                <a:ea typeface="+mn-ea"/>
+                <a:cs typeface="+mn-cs"/>
+              </a:defRPr>
+            </a:lvl1pPr>
+            <a:lvl2pPr marL="384048" indent="-182880" algn="l" defTabSz="914400" rtl="0" eaLnBrk="1" latinLnBrk="0" hangingPunct="1">
+              <a:lnSpc>
+                <a:spcPct val="90000"/>
+              </a:lnSpc>
+              <a:spcBef>
+                <a:spcPts val="200"/>
+              </a:spcBef>
+              <a:spcAft>
+                <a:spcPts val="400"/>
+              </a:spcAft>
+              <a:buClr>
+                <a:schemeClr val="accent1"/>
+              </a:buClr>
+              <a:buFont typeface="Calibri" pitchFamily="34" charset="0"/>
+              <a:buChar char="◦"/>
+              <a:defRPr sz="1800" kern="1200">
+                <a:solidFill>
+                  <a:schemeClr val="tx1">
+                    <a:lumMod val="75000"/>
+                    <a:lumOff val="25000"/>
+                  </a:schemeClr>
+                </a:solidFill>
+                <a:latin typeface="+mn-lt"/>
+                <a:ea typeface="+mn-ea"/>
+                <a:cs typeface="+mn-cs"/>
+              </a:defRPr>
+            </a:lvl2pPr>
+            <a:lvl3pPr marL="566928" indent="-182880" algn="l" defTabSz="914400" rtl="0" eaLnBrk="1" latinLnBrk="0" hangingPunct="1">
+              <a:lnSpc>
+                <a:spcPct val="90000"/>
+              </a:lnSpc>
+              <a:spcBef>
+                <a:spcPts val="200"/>
+              </a:spcBef>
+              <a:spcAft>
+                <a:spcPts val="400"/>
+              </a:spcAft>
+              <a:buClr>
+                <a:schemeClr val="accent1"/>
+              </a:buClr>
+              <a:buFont typeface="Calibri" pitchFamily="34" charset="0"/>
+              <a:buChar char="◦"/>
+              <a:defRPr sz="1400" kern="1200">
+                <a:solidFill>
+                  <a:schemeClr val="tx1">
+                    <a:lumMod val="75000"/>
+                    <a:lumOff val="25000"/>
+                  </a:schemeClr>
+                </a:solidFill>
+                <a:latin typeface="+mn-lt"/>
+                <a:ea typeface="+mn-ea"/>
+                <a:cs typeface="+mn-cs"/>
+              </a:defRPr>
+            </a:lvl3pPr>
+            <a:lvl4pPr marL="749808" indent="-182880" algn="l" defTabSz="914400" rtl="0" eaLnBrk="1" latinLnBrk="0" hangingPunct="1">
+              <a:lnSpc>
+                <a:spcPct val="90000"/>
+              </a:lnSpc>
+              <a:spcBef>
+                <a:spcPts val="200"/>
+              </a:spcBef>
+              <a:spcAft>
+                <a:spcPts val="400"/>
+              </a:spcAft>
+              <a:buClr>
+                <a:schemeClr val="accent1"/>
+              </a:buClr>
+              <a:buFont typeface="Calibri" pitchFamily="34" charset="0"/>
+              <a:buChar char="◦"/>
+              <a:defRPr sz="1400" kern="1200">
+                <a:solidFill>
+                  <a:schemeClr val="tx1">
+                    <a:lumMod val="75000"/>
+                    <a:lumOff val="25000"/>
+                  </a:schemeClr>
+                </a:solidFill>
+                <a:latin typeface="+mn-lt"/>
+                <a:ea typeface="+mn-ea"/>
+                <a:cs typeface="+mn-cs"/>
+              </a:defRPr>
+            </a:lvl4pPr>
+            <a:lvl5pPr marL="932688" indent="-182880" algn="l" defTabSz="914400" rtl="0" eaLnBrk="1" latinLnBrk="0" hangingPunct="1">
+              <a:lnSpc>
+                <a:spcPct val="90000"/>
+              </a:lnSpc>
+              <a:spcBef>
+                <a:spcPts val="200"/>
+              </a:spcBef>
+              <a:spcAft>
+                <a:spcPts val="400"/>
+              </a:spcAft>
+              <a:buClr>
+                <a:schemeClr val="accent1"/>
+              </a:buClr>
+              <a:buFont typeface="Calibri" pitchFamily="34" charset="0"/>
+              <a:buChar char="◦"/>
+              <a:defRPr sz="1400" kern="1200">
+                <a:solidFill>
+                  <a:schemeClr val="tx1">
+                    <a:lumMod val="75000"/>
+                    <a:lumOff val="25000"/>
+                  </a:schemeClr>
+                </a:solidFill>
+                <a:latin typeface="+mn-lt"/>
+                <a:ea typeface="+mn-ea"/>
+                <a:cs typeface="+mn-cs"/>
+              </a:defRPr>
+            </a:lvl5pPr>
+            <a:lvl6pPr marL="1100000" indent="-228600" algn="l" defTabSz="914400" rtl="0" eaLnBrk="1" latinLnBrk="0" hangingPunct="1">
+              <a:lnSpc>
+                <a:spcPct val="90000"/>
+              </a:lnSpc>
+              <a:spcBef>
+                <a:spcPts val="200"/>
+              </a:spcBef>
+              <a:spcAft>
+                <a:spcPts val="400"/>
+              </a:spcAft>
+              <a:buClr>
+                <a:schemeClr val="accent1"/>
+              </a:buClr>
+              <a:buFont typeface="Calibri" pitchFamily="34" charset="0"/>
+              <a:buChar char="◦"/>
+              <a:defRPr sz="1400" kern="1200">
+                <a:solidFill>
+                  <a:schemeClr val="tx1">
+                    <a:lumMod val="75000"/>
+                    <a:lumOff val="25000"/>
+                  </a:schemeClr>
+                </a:solidFill>
+                <a:latin typeface="+mn-lt"/>
+                <a:ea typeface="+mn-ea"/>
+                <a:cs typeface="+mn-cs"/>
+              </a:defRPr>
+            </a:lvl6pPr>
+            <a:lvl7pPr marL="1300000" indent="-228600" algn="l" defTabSz="914400" rtl="0" eaLnBrk="1" latinLnBrk="0" hangingPunct="1">
+              <a:lnSpc>
+                <a:spcPct val="90000"/>
+              </a:lnSpc>
+              <a:spcBef>
+                <a:spcPts val="200"/>
+              </a:spcBef>
+              <a:spcAft>
+                <a:spcPts val="400"/>
+              </a:spcAft>
+              <a:buClr>
+                <a:schemeClr val="accent1"/>
+              </a:buClr>
+              <a:buFont typeface="Calibri" pitchFamily="34" charset="0"/>
+              <a:buChar char="◦"/>
+              <a:defRPr sz="1400" kern="1200">
+                <a:solidFill>
+                  <a:schemeClr val="tx1">
+                    <a:lumMod val="75000"/>
+                    <a:lumOff val="25000"/>
+                  </a:schemeClr>
+                </a:solidFill>
+                <a:latin typeface="+mn-lt"/>
+                <a:ea typeface="+mn-ea"/>
+                <a:cs typeface="+mn-cs"/>
+              </a:defRPr>
+            </a:lvl7pPr>
+            <a:lvl8pPr marL="1500000" indent="-228600" algn="l" defTabSz="914400" rtl="0" eaLnBrk="1" latinLnBrk="0" hangingPunct="1">
+              <a:lnSpc>
+                <a:spcPct val="90000"/>
+              </a:lnSpc>
+              <a:spcBef>
+                <a:spcPts val="200"/>
+              </a:spcBef>
+              <a:spcAft>
+                <a:spcPts val="400"/>
+              </a:spcAft>
+              <a:buClr>
+                <a:schemeClr val="accent1"/>
+              </a:buClr>
+              <a:buFont typeface="Calibri" pitchFamily="34" charset="0"/>
+              <a:buChar char="◦"/>
+              <a:defRPr sz="1400" kern="1200">
+                <a:solidFill>
+                  <a:schemeClr val="tx1">
+                    <a:lumMod val="75000"/>
+                    <a:lumOff val="25000"/>
+                  </a:schemeClr>
+                </a:solidFill>
+                <a:latin typeface="+mn-lt"/>
+                <a:ea typeface="+mn-ea"/>
+                <a:cs typeface="+mn-cs"/>
+              </a:defRPr>
+            </a:lvl8pPr>
+            <a:lvl9pPr marL="1700000" indent="-228600" algn="l" defTabSz="914400" rtl="0" eaLnBrk="1" latinLnBrk="0" hangingPunct="1">
+              <a:lnSpc>
+                <a:spcPct val="90000"/>
+              </a:lnSpc>
+              <a:spcBef>
+                <a:spcPts val="200"/>
+              </a:spcBef>
+              <a:spcAft>
+                <a:spcPts val="400"/>
+              </a:spcAft>
+              <a:buClr>
+                <a:schemeClr val="accent1"/>
+              </a:buClr>
+              <a:buFont typeface="Calibri" pitchFamily="34" charset="0"/>
+              <a:buChar char="◦"/>
+              <a:defRPr sz="1400" kern="1200">
+                <a:solidFill>
+                  <a:schemeClr val="tx1">
+                    <a:lumMod val="75000"/>
+                    <a:lumOff val="25000"/>
+                  </a:schemeClr>
+                </a:solidFill>
+                <a:latin typeface="+mn-lt"/>
+                <a:ea typeface="+mn-ea"/>
+                <a:cs typeface="+mn-cs"/>
+              </a:defRPr>
+            </a:lvl9pPr>
+          </a:lstStyle>
+          <a:p>
+            <a:pPr marL="201168" lvl="1" indent="0">
+              <a:buNone/>
+            </a:pPr>
+            <a:r>
+              <a:rPr lang="en-US" b="1" dirty="0"/>
+              <a:t>Applications</a:t>
+            </a:r>
+            <a:r>
+              <a:rPr lang="en-US" dirty="0"/>
+              <a:t>:</a:t>
+            </a:r>
+          </a:p>
+          <a:p>
+            <a:pPr lvl="1">
+              <a:buFontTx/>
+              <a:buChar char="-"/>
+            </a:pPr>
+            <a:r>
+              <a:rPr lang="en-US" b="1" dirty="0"/>
+              <a:t>SageMaker</a:t>
+            </a:r>
+            <a:r>
+              <a:rPr lang="en-US" dirty="0"/>
+              <a:t>: Needed for model deployment. Using the SageMaker endpoint API to seamlessly deploy the model.</a:t>
+            </a:r>
+          </a:p>
+        </p:txBody>
+      </p:sp>
     </p:spTree>
     <p:extLst>
       <p:ext uri="{BB962C8B-B14F-4D97-AF65-F5344CB8AC3E}">
@@ -8311,10 +9700,9 @@
           <a:lstStyle/>
           <a:p>
             <a:r>
-              <a:rPr lang="en-US" dirty="0" smtClean="0"/>
+              <a:rPr lang="en-US" dirty="0"/>
               <a:t>Data Sizing</a:t>
             </a:r>
-            <a:endParaRPr lang="en-US" dirty="0"/>
           </a:p>
         </p:txBody>
       </p:sp>
@@ -8590,7 +9978,7 @@
               <a:buNone/>
             </a:pPr>
             <a:r>
-              <a:rPr lang="en-US" sz="2400" dirty="0" smtClean="0"/>
+              <a:rPr lang="en-US" sz="2400" dirty="0"/>
               <a:t>EHR Data</a:t>
             </a:r>
           </a:p>
@@ -8600,7 +9988,7 @@
               <a:buChar char="-"/>
             </a:pPr>
             <a:r>
-              <a:rPr lang="en-US" dirty="0" smtClean="0"/>
+              <a:rPr lang="en-US" dirty="0"/>
               <a:t>500,000 Patients</a:t>
             </a:r>
           </a:p>
@@ -8611,18 +9999,8 @@
             </a:pPr>
             <a:r>
               <a:rPr lang="en-US" dirty="0"/>
-              <a:t>Assuming 80 MB per user per year [1</a:t>
-            </a:r>
-            <a:r>
-              <a:rPr lang="en-US" dirty="0" smtClean="0"/>
-              <a:t>]</a:t>
-            </a:r>
-          </a:p>
-          <a:p>
-            <a:pPr marL="201168" lvl="1" indent="0">
-              <a:buNone/>
-            </a:pPr>
-            <a:endParaRPr lang="en-US" dirty="0" smtClean="0"/>
+              <a:t>Assuming 80 MB per user per year [1]</a:t>
+            </a:r>
           </a:p>
           <a:p>
             <a:pPr marL="201168" lvl="1" indent="0">
@@ -8634,7 +10012,7 @@
             <a:pPr marL="201168" lvl="1" indent="0">
               <a:buNone/>
             </a:pPr>
-            <a:endParaRPr lang="en-US" dirty="0" smtClean="0"/>
+            <a:endParaRPr lang="en-US" dirty="0"/>
           </a:p>
           <a:p>
             <a:pPr marL="201168" lvl="1" indent="0">
@@ -8646,7 +10024,13 @@
             <a:pPr marL="201168" lvl="1" indent="0">
               <a:buNone/>
             </a:pPr>
-            <a:endParaRPr lang="en-US" dirty="0" smtClean="0"/>
+            <a:endParaRPr lang="en-US" dirty="0"/>
+          </a:p>
+          <a:p>
+            <a:pPr marL="201168" lvl="1" indent="0">
+              <a:buNone/>
+            </a:pPr>
+            <a:endParaRPr lang="en-US" dirty="0"/>
           </a:p>
         </p:txBody>
       </p:sp>
@@ -8961,7 +10345,7 @@
               <a:buNone/>
             </a:pPr>
             <a:r>
-              <a:rPr lang="en-US" sz="2400" dirty="0" smtClean="0"/>
+              <a:rPr lang="en-US" sz="2400" dirty="0"/>
               <a:t>Questionnaires</a:t>
             </a:r>
           </a:p>
@@ -8971,10 +10355,9 @@
               <a:buChar char="-"/>
             </a:pPr>
             <a:r>
-              <a:rPr lang="en-US" dirty="0" smtClean="0"/>
+              <a:rPr lang="en-US" dirty="0"/>
               <a:t>500,000 Patients</a:t>
             </a:r>
-            <a:endParaRPr lang="en-US" dirty="0"/>
           </a:p>
           <a:p>
             <a:pPr lvl="1">
@@ -8982,10 +10365,9 @@
               <a:buChar char="-"/>
             </a:pPr>
             <a:r>
-              <a:rPr lang="en-US" dirty="0" smtClean="0"/>
+              <a:rPr lang="en-US" dirty="0"/>
               <a:t>Assuming one filled out per visit per patient</a:t>
             </a:r>
-            <a:endParaRPr lang="en-US" dirty="0"/>
           </a:p>
           <a:p>
             <a:pPr lvl="1">
@@ -8993,7 +10375,7 @@
               <a:buChar char="-"/>
             </a:pPr>
             <a:r>
-              <a:rPr lang="en-US" dirty="0" smtClean="0"/>
+              <a:rPr lang="en-US" dirty="0"/>
               <a:t>Assuming 10 KB; the size of a one page word doc</a:t>
             </a:r>
           </a:p>
@@ -9003,10 +10385,9 @@
               <a:buChar char="-"/>
             </a:pPr>
             <a:r>
-              <a:rPr lang="en-US" dirty="0" smtClean="0"/>
+              <a:rPr lang="en-US" dirty="0"/>
               <a:t>Assuming 40.5 per 100 people visit per year [2] </a:t>
             </a:r>
-            <a:endParaRPr lang="en-US" dirty="0"/>
           </a:p>
           <a:p>
             <a:pPr marL="201168" lvl="1" indent="0">
@@ -9289,11 +10670,7 @@
             </a:pPr>
             <a:r>
               <a:rPr lang="en-US" sz="2400" dirty="0"/>
-              <a:t>Public Health </a:t>
-            </a:r>
-            <a:r>
-              <a:rPr lang="en-US" sz="2400" dirty="0" smtClean="0"/>
-              <a:t>Data</a:t>
+              <a:t>Public Health Data</a:t>
             </a:r>
           </a:p>
           <a:p>
@@ -9301,7 +10678,7 @@
               <a:buNone/>
             </a:pPr>
             <a:r>
-              <a:rPr lang="en-US" sz="1600" u="sng" dirty="0" smtClean="0"/>
+              <a:rPr lang="en-US" sz="1600" u="sng" dirty="0"/>
               <a:t>WHO data on health equity:</a:t>
             </a:r>
           </a:p>
@@ -9310,7 +10687,7 @@
               <a:buNone/>
             </a:pPr>
             <a:r>
-              <a:rPr lang="en-US" sz="1600" dirty="0" smtClean="0"/>
+              <a:rPr lang="en-US" sz="1600" dirty="0"/>
               <a:t>Assuming about 50 related datasets at 2.5MB each</a:t>
             </a:r>
           </a:p>
@@ -9589,11 +10966,7 @@
             </a:pPr>
             <a:r>
               <a:rPr lang="en-US" sz="2400" dirty="0"/>
-              <a:t>Medical </a:t>
-            </a:r>
-            <a:r>
-              <a:rPr lang="en-US" sz="2400" dirty="0" smtClean="0"/>
-              <a:t>Claims</a:t>
+              <a:t>Medical Claims</a:t>
             </a:r>
           </a:p>
           <a:p>
@@ -9602,10 +10975,9 @@
               <a:buChar char="-"/>
             </a:pPr>
             <a:r>
-              <a:rPr lang="en-US" dirty="0" smtClean="0"/>
+              <a:rPr lang="en-US" dirty="0"/>
               <a:t>500,000 Patients</a:t>
             </a:r>
-            <a:endParaRPr lang="en-US" dirty="0"/>
           </a:p>
           <a:p>
             <a:pPr lvl="1">
@@ -9613,7 +10985,7 @@
               <a:buChar char="-"/>
             </a:pPr>
             <a:r>
-              <a:rPr lang="en-US" dirty="0" smtClean="0"/>
+              <a:rPr lang="en-US" dirty="0"/>
               <a:t>Assuming 700 KB file size per claim</a:t>
             </a:r>
           </a:p>
@@ -9623,7 +10995,7 @@
               <a:buChar char="-"/>
             </a:pPr>
             <a:r>
-              <a:rPr lang="en-US" dirty="0" smtClean="0"/>
+              <a:rPr lang="en-US" dirty="0"/>
               <a:t>Assuming 50% of visits result in a claim</a:t>
             </a:r>
           </a:p>
@@ -9633,10 +11005,9 @@
               <a:buChar char="-"/>
             </a:pPr>
             <a:r>
-              <a:rPr lang="en-US" dirty="0" smtClean="0"/>
+              <a:rPr lang="en-US" dirty="0"/>
               <a:t>Assuming 40.5 per 100 people visit per year [2]</a:t>
             </a:r>
-            <a:endParaRPr lang="en-US" dirty="0"/>
           </a:p>
           <a:p>
             <a:pPr marL="201168" lvl="1" indent="0">
@@ -9670,13 +11041,8 @@
           <a:p>
             <a:r>
               <a:rPr lang="en-US" b="1" dirty="0"/>
-              <a:t>125 </a:t>
-            </a:r>
-            <a:r>
-              <a:rPr lang="en-US" b="1" dirty="0" smtClean="0"/>
-              <a:t>MB</a:t>
-            </a:r>
-            <a:endParaRPr lang="en-US" b="1" dirty="0"/>
+              <a:t>125 MB</a:t>
+            </a:r>
           </a:p>
         </p:txBody>
       </p:sp>
@@ -9703,10 +11069,9 @@
           <a:lstStyle/>
           <a:p>
             <a:r>
-              <a:rPr lang="en-US" b="1" dirty="0" smtClean="0"/>
+              <a:rPr lang="en-US" b="1" dirty="0"/>
               <a:t>40 TB Per Year</a:t>
             </a:r>
-            <a:endParaRPr lang="en-US" b="1" dirty="0"/>
           </a:p>
         </p:txBody>
       </p:sp>
@@ -9733,10 +11098,9 @@
           <a:lstStyle/>
           <a:p>
             <a:r>
-              <a:rPr lang="en-US" b="1" dirty="0" smtClean="0"/>
+              <a:rPr lang="en-US" b="1" dirty="0"/>
               <a:t>2.025 GB Per Year</a:t>
             </a:r>
-            <a:endParaRPr lang="en-US" b="1" dirty="0"/>
           </a:p>
         </p:txBody>
       </p:sp>
@@ -9763,10 +11127,9 @@
           <a:lstStyle/>
           <a:p>
             <a:r>
-              <a:rPr lang="en-US" b="1" dirty="0" smtClean="0"/>
+              <a:rPr lang="en-US" b="1" dirty="0"/>
               <a:t>141.75 GB Per Year</a:t>
             </a:r>
-            <a:endParaRPr lang="en-US" b="1" dirty="0"/>
           </a:p>
         </p:txBody>
       </p:sp>
@@ -9793,10 +11156,9 @@
           <a:lstStyle/>
           <a:p>
             <a:r>
-              <a:rPr lang="en-US" sz="2400" b="1" dirty="0" smtClean="0"/>
+              <a:rPr lang="en-US" sz="2400" b="1" dirty="0"/>
               <a:t>Total: 40.1439 additional terabytes/year</a:t>
             </a:r>
-            <a:endParaRPr lang="en-US" sz="2400" b="1" dirty="0"/>
           </a:p>
         </p:txBody>
       </p:sp>
@@ -9805,7 +11167,7 @@
           <p:cNvPr id="30" name="Picture 4" descr="Amazon S3 Simple Storage Service Logo PNG Vector (SVG) Free ...">
             <a:extLst>
               <a:ext uri="{FF2B5EF4-FFF2-40B4-BE49-F238E27FC236}">
-                <a16:creationId xmlns:a16="http://schemas.microsoft.com/office/drawing/2014/main" xmlns="" id="{16FA8107-B74F-1512-4ADD-8863E9279A2C}"/>
+                <a16:creationId xmlns:a16="http://schemas.microsoft.com/office/drawing/2014/main" id="{16FA8107-B74F-1512-4ADD-8863E9279A2C}"/>
               </a:ext>
             </a:extLst>
           </p:cNvPr>
@@ -9893,10 +11255,9 @@
           <a:lstStyle/>
           <a:p>
             <a:r>
-              <a:rPr lang="en-US" dirty="0" smtClean="0"/>
+              <a:rPr lang="en-US" dirty="0"/>
               <a:t>Capacity Sizing</a:t>
             </a:r>
-            <a:endParaRPr lang="en-US" dirty="0"/>
           </a:p>
         </p:txBody>
       </p:sp>
@@ -9910,8 +11271,8 @@
         </p:nvSpPr>
         <p:spPr>
           <a:xfrm>
-            <a:off x="4933876" y="1885848"/>
-            <a:ext cx="6221804" cy="486295"/>
+            <a:off x="4933876" y="1863383"/>
+            <a:ext cx="6221804" cy="884923"/>
           </a:xfrm>
           <a:prstGeom prst="rect">
             <a:avLst/>
@@ -10172,10 +11533,22 @@
               <a:buNone/>
             </a:pPr>
             <a:r>
-              <a:rPr lang="en-US" sz="2800" dirty="0" smtClean="0"/>
-              <a:t>AWS SageMaker: 1 Instance, 1 Endpoint</a:t>
-            </a:r>
-            <a:endParaRPr lang="en-US" sz="2400" dirty="0" smtClean="0"/>
+              <a:rPr lang="en-US" sz="2800" b="1" dirty="0"/>
+              <a:t>AWS SageMaker</a:t>
+            </a:r>
+            <a:r>
+              <a:rPr lang="en-US" sz="2800" dirty="0"/>
+              <a:t>: 1 </a:t>
+            </a:r>
+            <a:r>
+              <a:rPr lang="en-US" sz="2800" b="1" dirty="0"/>
+              <a:t>ml.p2.16xlarge  </a:t>
+            </a:r>
+            <a:r>
+              <a:rPr lang="en-US" sz="2800" dirty="0"/>
+              <a:t>Instance, 1 Endpoint</a:t>
+            </a:r>
+            <a:endParaRPr lang="en-US" sz="2400" dirty="0"/>
           </a:p>
         </p:txBody>
       </p:sp>
@@ -10223,7 +11596,7 @@
           <p:cNvPr id="17" name="Picture 6">
             <a:extLst>
               <a:ext uri="{FF2B5EF4-FFF2-40B4-BE49-F238E27FC236}">
-                <a16:creationId xmlns:a16="http://schemas.microsoft.com/office/drawing/2014/main" xmlns="" id="{2B100B39-DF43-1277-FD25-F9CCE7591909}"/>
+                <a16:creationId xmlns:a16="http://schemas.microsoft.com/office/drawing/2014/main" id="{2B100B39-DF43-1277-FD25-F9CCE7591909}"/>
               </a:ext>
             </a:extLst>
           </p:cNvPr>
@@ -10247,8 +11620,8 @@
         </p:blipFill>
         <p:spPr bwMode="auto">
           <a:xfrm>
-            <a:off x="10567283" y="5665319"/>
-            <a:ext cx="588397" cy="588397"/>
+            <a:off x="4174152" y="4877159"/>
+            <a:ext cx="756200" cy="756200"/>
           </a:xfrm>
           <a:prstGeom prst="rect">
             <a:avLst/>
@@ -10267,10 +11640,10 @@
       </p:pic>
       <p:pic>
         <p:nvPicPr>
-          <p:cNvPr id="20" name="Picture 10" descr="Amazon QuickSight">
+          <p:cNvPr id="25" name="Picture 12" descr="Amazon SageMaker Introduction – Try Machine Learning with Built-in  Algorithms | devnote">
             <a:extLst>
               <a:ext uri="{FF2B5EF4-FFF2-40B4-BE49-F238E27FC236}">
-                <a16:creationId xmlns:a16="http://schemas.microsoft.com/office/drawing/2014/main" xmlns="" id="{03E93461-13A2-1A11-FDC5-7E83F44B0D02}"/>
+                <a16:creationId xmlns:a16="http://schemas.microsoft.com/office/drawing/2014/main" id="{FE455899-6AE5-171E-8430-8FCCC67AFFC1}"/>
               </a:ext>
             </a:extLst>
           </p:cNvPr>
@@ -10294,8 +11667,8 @@
         </p:blipFill>
         <p:spPr bwMode="auto">
           <a:xfrm>
-            <a:off x="7967874" y="5668841"/>
-            <a:ext cx="584875" cy="584875"/>
+            <a:off x="4174151" y="1903449"/>
+            <a:ext cx="759722" cy="759722"/>
           </a:xfrm>
           <a:prstGeom prst="rect">
             <a:avLst/>
@@ -10314,13 +11687,7 @@
       </p:pic>
       <p:pic>
         <p:nvPicPr>
-          <p:cNvPr id="25" name="Picture 12" descr="Amazon SageMaker Introduction – Try Machine Learning with Built-in  Algorithms | devnote">
-            <a:extLst>
-              <a:ext uri="{FF2B5EF4-FFF2-40B4-BE49-F238E27FC236}">
-                <a16:creationId xmlns:a16="http://schemas.microsoft.com/office/drawing/2014/main" xmlns="" id="{FE455899-6AE5-171E-8430-8FCCC67AFFC1}"/>
-              </a:ext>
-            </a:extLst>
-          </p:cNvPr>
+          <p:cNvPr id="26" name="Picture 12" descr="What is Amazon Redshift? | Logicata"/>
           <p:cNvPicPr>
             <a:picLocks noChangeAspect="1" noChangeArrowheads="1"/>
           </p:cNvPicPr>
@@ -10341,90 +11708,8 @@
         </p:blipFill>
         <p:spPr bwMode="auto">
           <a:xfrm>
-            <a:off x="4177674" y="1834798"/>
-            <a:ext cx="588397" cy="588397"/>
-          </a:xfrm>
-          <a:prstGeom prst="rect">
-            <a:avLst/>
-          </a:prstGeom>
-          <a:noFill/>
-          <a:extLst>
-            <a:ext uri="{909E8E84-426E-40DD-AFC4-6F175D3DCCD1}">
-              <a14:hiddenFill xmlns:a14="http://schemas.microsoft.com/office/drawing/2010/main">
-                <a:solidFill>
-                  <a:srgbClr val="FFFFFF"/>
-                </a:solidFill>
-              </a14:hiddenFill>
-            </a:ext>
-          </a:extLst>
-        </p:spPr>
-      </p:pic>
-      <p:pic>
-        <p:nvPicPr>
-          <p:cNvPr id="26" name="Picture 12" descr="What is Amazon Redshift? | Logicata"/>
-          <p:cNvPicPr>
-            <a:picLocks noChangeAspect="1" noChangeArrowheads="1"/>
-          </p:cNvPicPr>
-          <p:nvPr/>
-        </p:nvPicPr>
-        <p:blipFill>
-          <a:blip r:embed="rId5" cstate="print">
-            <a:extLst>
-              <a:ext uri="{28A0092B-C50C-407E-A947-70E740481C1C}">
-                <a14:useLocalDpi xmlns:a14="http://schemas.microsoft.com/office/drawing/2010/main" val="0"/>
-              </a:ext>
-            </a:extLst>
-          </a:blip>
-          <a:srcRect/>
-          <a:stretch>
-            <a:fillRect/>
-          </a:stretch>
-        </p:blipFill>
-        <p:spPr bwMode="auto">
-          <a:xfrm>
-            <a:off x="4177674" y="3628076"/>
-            <a:ext cx="584876" cy="584876"/>
-          </a:xfrm>
-          <a:prstGeom prst="rect">
-            <a:avLst/>
-          </a:prstGeom>
-          <a:noFill/>
-          <a:extLst>
-            <a:ext uri="{909E8E84-426E-40DD-AFC4-6F175D3DCCD1}">
-              <a14:hiddenFill xmlns:a14="http://schemas.microsoft.com/office/drawing/2010/main">
-                <a:solidFill>
-                  <a:srgbClr val="FFFFFF"/>
-                </a:solidFill>
-              </a14:hiddenFill>
-            </a:ext>
-          </a:extLst>
-        </p:spPr>
-      </p:pic>
-      <p:pic>
-        <p:nvPicPr>
-          <p:cNvPr id="28" name="Picture 20" descr="Clouddraw - Create cloud architecture diagrams in minutes"/>
-          <p:cNvPicPr>
-            <a:picLocks noChangeAspect="1" noChangeArrowheads="1"/>
-          </p:cNvPicPr>
-          <p:nvPr/>
-        </p:nvPicPr>
-        <p:blipFill>
-          <a:blip r:embed="rId6" cstate="print">
-            <a:extLst>
-              <a:ext uri="{28A0092B-C50C-407E-A947-70E740481C1C}">
-                <a14:useLocalDpi xmlns:a14="http://schemas.microsoft.com/office/drawing/2010/main" val="0"/>
-              </a:ext>
-            </a:extLst>
-          </a:blip>
-          <a:srcRect/>
-          <a:stretch>
-            <a:fillRect/>
-          </a:stretch>
-        </p:blipFill>
-        <p:spPr bwMode="auto">
-          <a:xfrm>
-            <a:off x="9696589" y="5665319"/>
-            <a:ext cx="591212" cy="591212"/>
+            <a:off x="4177674" y="3818086"/>
+            <a:ext cx="759722" cy="759722"/>
           </a:xfrm>
           <a:prstGeom prst="rect">
             <a:avLst/>
@@ -10713,7 +11998,7 @@
               <a:buNone/>
             </a:pPr>
             <a:r>
-              <a:rPr lang="en-US" sz="2000" dirty="0" smtClean="0"/>
+              <a:rPr lang="en-US" sz="2000" b="1" dirty="0"/>
               <a:t>Assumptions</a:t>
             </a:r>
           </a:p>
@@ -10723,7 +12008,7 @@
               <a:buChar char="-"/>
             </a:pPr>
             <a:r>
-              <a:rPr lang="en-US" sz="2000" dirty="0" smtClean="0"/>
+              <a:rPr lang="en-US" sz="2000" dirty="0"/>
               <a:t>Training will take two weeks using the best SageMaker instance</a:t>
             </a:r>
           </a:p>
@@ -10733,7 +12018,7 @@
               <a:buChar char="-"/>
             </a:pPr>
             <a:r>
-              <a:rPr lang="en-US" sz="2000" dirty="0" smtClean="0"/>
+              <a:rPr lang="en-US" sz="2000" dirty="0"/>
               <a:t>Half of all data collected is unable to be transferred into RedShift</a:t>
             </a:r>
           </a:p>
@@ -10742,7 +12027,7 @@
               <a:buFontTx/>
               <a:buChar char="-"/>
             </a:pPr>
-            <a:endParaRPr lang="en-US" dirty="0" smtClean="0"/>
+            <a:endParaRPr lang="en-US" dirty="0"/>
           </a:p>
         </p:txBody>
       </p:sp>
@@ -10751,7 +12036,7 @@
           <p:cNvPr id="37" name="Picture 4" descr="Amazon S3 Simple Storage Service Logo PNG Vector (SVG) Free ...">
             <a:extLst>
               <a:ext uri="{FF2B5EF4-FFF2-40B4-BE49-F238E27FC236}">
-                <a16:creationId xmlns:a16="http://schemas.microsoft.com/office/drawing/2014/main" xmlns="" id="{16FA8107-B74F-1512-4ADD-8863E9279A2C}"/>
+                <a16:creationId xmlns:a16="http://schemas.microsoft.com/office/drawing/2014/main" id="{16FA8107-B74F-1512-4ADD-8863E9279A2C}"/>
               </a:ext>
             </a:extLst>
           </p:cNvPr>
@@ -10761,7 +12046,7 @@
           <p:nvPr/>
         </p:nvPicPr>
         <p:blipFill>
-          <a:blip r:embed="rId7" cstate="print">
+          <a:blip r:embed="rId5" cstate="print">
             <a:extLst>
               <a:ext uri="{28A0092B-C50C-407E-A947-70E740481C1C}">
                 <a14:useLocalDpi xmlns:a14="http://schemas.microsoft.com/office/drawing/2010/main" val="0"/>
@@ -10775,8 +12060,8 @@
         </p:blipFill>
         <p:spPr bwMode="auto">
           <a:xfrm>
-            <a:off x="4177674" y="2731436"/>
-            <a:ext cx="588398" cy="588398"/>
+            <a:off x="4177672" y="2834891"/>
+            <a:ext cx="756200" cy="756200"/>
           </a:xfrm>
           <a:prstGeom prst="rect">
             <a:avLst/>
@@ -10803,7 +12088,7 @@
         </p:nvSpPr>
         <p:spPr>
           <a:xfrm>
-            <a:off x="4933876" y="2782487"/>
+            <a:off x="4937396" y="3001235"/>
             <a:ext cx="4618899" cy="486295"/>
           </a:xfrm>
           <a:prstGeom prst="rect">
@@ -11065,10 +12350,14 @@
               <a:buNone/>
             </a:pPr>
             <a:r>
-              <a:rPr lang="en-US" sz="2800" dirty="0" smtClean="0"/>
-              <a:t>AWS S3: 41 TB Storage</a:t>
-            </a:r>
-            <a:endParaRPr lang="en-US" sz="2400" dirty="0" smtClean="0"/>
+              <a:rPr lang="en-US" sz="2800" b="1" dirty="0"/>
+              <a:t>AWS S3</a:t>
+            </a:r>
+            <a:r>
+              <a:rPr lang="en-US" sz="2800" dirty="0"/>
+              <a:t>: 41 TB Storage</a:t>
+            </a:r>
+            <a:endParaRPr lang="en-US" sz="2400" dirty="0"/>
           </a:p>
         </p:txBody>
       </p:sp>
@@ -11082,8 +12371,8 @@
         </p:nvSpPr>
         <p:spPr>
           <a:xfrm>
-            <a:off x="4977462" y="3679126"/>
-            <a:ext cx="4618899" cy="486295"/>
+            <a:off x="4933875" y="3752368"/>
+            <a:ext cx="4618899" cy="884923"/>
           </a:xfrm>
           <a:prstGeom prst="rect">
             <a:avLst/>
@@ -11344,10 +12633,311 @@
               <a:buNone/>
             </a:pPr>
             <a:r>
-              <a:rPr lang="en-US" sz="2800" dirty="0" smtClean="0"/>
-              <a:t>AWS RedShift: 20 TB Storage</a:t>
-            </a:r>
-            <a:endParaRPr lang="en-US" sz="2400" dirty="0" smtClean="0"/>
+              <a:rPr lang="en-US" sz="2800" b="1" dirty="0"/>
+              <a:t>AWS RedShift</a:t>
+            </a:r>
+            <a:r>
+              <a:rPr lang="en-US" sz="2800" dirty="0"/>
+              <a:t>: 20 TB Storage, </a:t>
+            </a:r>
+            <a:r>
+              <a:rPr lang="en-US" sz="2800" b="1" dirty="0"/>
+              <a:t>ra3.4xlarge</a:t>
+            </a:r>
+            <a:r>
+              <a:rPr lang="en-US" sz="2800" dirty="0"/>
+              <a:t> @ 100%/month</a:t>
+            </a:r>
+            <a:endParaRPr lang="en-US" sz="2400" dirty="0"/>
+          </a:p>
+        </p:txBody>
+      </p:sp>
+      <p:sp>
+        <p:nvSpPr>
+          <p:cNvPr id="3" name="Content Placeholder 2">
+            <a:extLst>
+              <a:ext uri="{FF2B5EF4-FFF2-40B4-BE49-F238E27FC236}">
+                <a16:creationId xmlns:a16="http://schemas.microsoft.com/office/drawing/2014/main" id="{35D8A323-09D2-BD67-DC59-3B22A7C01523}"/>
+              </a:ext>
+            </a:extLst>
+          </p:cNvPr>
+          <p:cNvSpPr txBox="1">
+            <a:spLocks/>
+          </p:cNvSpPr>
+          <p:nvPr/>
+        </p:nvSpPr>
+        <p:spPr>
+          <a:xfrm>
+            <a:off x="4933875" y="4805597"/>
+            <a:ext cx="4618899" cy="884923"/>
+          </a:xfrm>
+          <a:prstGeom prst="rect">
+            <a:avLst/>
+          </a:prstGeom>
+        </p:spPr>
+        <p:txBody>
+          <a:bodyPr vert="horz" lIns="0" tIns="45720" rIns="0" bIns="45720" rtlCol="0">
+            <a:noAutofit/>
+          </a:bodyPr>
+          <a:lstStyle>
+            <a:lvl1pPr marL="91440" indent="-91440" algn="l" defTabSz="914400" rtl="0" eaLnBrk="1" latinLnBrk="0" hangingPunct="1">
+              <a:lnSpc>
+                <a:spcPct val="90000"/>
+              </a:lnSpc>
+              <a:spcBef>
+                <a:spcPts val="1200"/>
+              </a:spcBef>
+              <a:spcAft>
+                <a:spcPts val="200"/>
+              </a:spcAft>
+              <a:buClr>
+                <a:schemeClr val="accent1"/>
+              </a:buClr>
+              <a:buSzPct val="100000"/>
+              <a:buFont typeface="Calibri" panose="020F0502020204030204" pitchFamily="34" charset="0"/>
+              <a:buChar char=" "/>
+              <a:defRPr sz="2000" kern="1200">
+                <a:solidFill>
+                  <a:schemeClr val="tx1">
+                    <a:lumMod val="75000"/>
+                    <a:lumOff val="25000"/>
+                  </a:schemeClr>
+                </a:solidFill>
+                <a:latin typeface="+mn-lt"/>
+                <a:ea typeface="+mn-ea"/>
+                <a:cs typeface="+mn-cs"/>
+              </a:defRPr>
+            </a:lvl1pPr>
+            <a:lvl2pPr marL="384048" indent="-182880" algn="l" defTabSz="914400" rtl="0" eaLnBrk="1" latinLnBrk="0" hangingPunct="1">
+              <a:lnSpc>
+                <a:spcPct val="90000"/>
+              </a:lnSpc>
+              <a:spcBef>
+                <a:spcPts val="200"/>
+              </a:spcBef>
+              <a:spcAft>
+                <a:spcPts val="400"/>
+              </a:spcAft>
+              <a:buClr>
+                <a:schemeClr val="accent1"/>
+              </a:buClr>
+              <a:buFont typeface="Calibri" pitchFamily="34" charset="0"/>
+              <a:buChar char="◦"/>
+              <a:defRPr sz="1800" kern="1200">
+                <a:solidFill>
+                  <a:schemeClr val="tx1">
+                    <a:lumMod val="75000"/>
+                    <a:lumOff val="25000"/>
+                  </a:schemeClr>
+                </a:solidFill>
+                <a:latin typeface="+mn-lt"/>
+                <a:ea typeface="+mn-ea"/>
+                <a:cs typeface="+mn-cs"/>
+              </a:defRPr>
+            </a:lvl2pPr>
+            <a:lvl3pPr marL="566928" indent="-182880" algn="l" defTabSz="914400" rtl="0" eaLnBrk="1" latinLnBrk="0" hangingPunct="1">
+              <a:lnSpc>
+                <a:spcPct val="90000"/>
+              </a:lnSpc>
+              <a:spcBef>
+                <a:spcPts val="200"/>
+              </a:spcBef>
+              <a:spcAft>
+                <a:spcPts val="400"/>
+              </a:spcAft>
+              <a:buClr>
+                <a:schemeClr val="accent1"/>
+              </a:buClr>
+              <a:buFont typeface="Calibri" pitchFamily="34" charset="0"/>
+              <a:buChar char="◦"/>
+              <a:defRPr sz="1400" kern="1200">
+                <a:solidFill>
+                  <a:schemeClr val="tx1">
+                    <a:lumMod val="75000"/>
+                    <a:lumOff val="25000"/>
+                  </a:schemeClr>
+                </a:solidFill>
+                <a:latin typeface="+mn-lt"/>
+                <a:ea typeface="+mn-ea"/>
+                <a:cs typeface="+mn-cs"/>
+              </a:defRPr>
+            </a:lvl3pPr>
+            <a:lvl4pPr marL="749808" indent="-182880" algn="l" defTabSz="914400" rtl="0" eaLnBrk="1" latinLnBrk="0" hangingPunct="1">
+              <a:lnSpc>
+                <a:spcPct val="90000"/>
+              </a:lnSpc>
+              <a:spcBef>
+                <a:spcPts val="200"/>
+              </a:spcBef>
+              <a:spcAft>
+                <a:spcPts val="400"/>
+              </a:spcAft>
+              <a:buClr>
+                <a:schemeClr val="accent1"/>
+              </a:buClr>
+              <a:buFont typeface="Calibri" pitchFamily="34" charset="0"/>
+              <a:buChar char="◦"/>
+              <a:defRPr sz="1400" kern="1200">
+                <a:solidFill>
+                  <a:schemeClr val="tx1">
+                    <a:lumMod val="75000"/>
+                    <a:lumOff val="25000"/>
+                  </a:schemeClr>
+                </a:solidFill>
+                <a:latin typeface="+mn-lt"/>
+                <a:ea typeface="+mn-ea"/>
+                <a:cs typeface="+mn-cs"/>
+              </a:defRPr>
+            </a:lvl4pPr>
+            <a:lvl5pPr marL="932688" indent="-182880" algn="l" defTabSz="914400" rtl="0" eaLnBrk="1" latinLnBrk="0" hangingPunct="1">
+              <a:lnSpc>
+                <a:spcPct val="90000"/>
+              </a:lnSpc>
+              <a:spcBef>
+                <a:spcPts val="200"/>
+              </a:spcBef>
+              <a:spcAft>
+                <a:spcPts val="400"/>
+              </a:spcAft>
+              <a:buClr>
+                <a:schemeClr val="accent1"/>
+              </a:buClr>
+              <a:buFont typeface="Calibri" pitchFamily="34" charset="0"/>
+              <a:buChar char="◦"/>
+              <a:defRPr sz="1400" kern="1200">
+                <a:solidFill>
+                  <a:schemeClr val="tx1">
+                    <a:lumMod val="75000"/>
+                    <a:lumOff val="25000"/>
+                  </a:schemeClr>
+                </a:solidFill>
+                <a:latin typeface="+mn-lt"/>
+                <a:ea typeface="+mn-ea"/>
+                <a:cs typeface="+mn-cs"/>
+              </a:defRPr>
+            </a:lvl5pPr>
+            <a:lvl6pPr marL="1100000" indent="-228600" algn="l" defTabSz="914400" rtl="0" eaLnBrk="1" latinLnBrk="0" hangingPunct="1">
+              <a:lnSpc>
+                <a:spcPct val="90000"/>
+              </a:lnSpc>
+              <a:spcBef>
+                <a:spcPts val="200"/>
+              </a:spcBef>
+              <a:spcAft>
+                <a:spcPts val="400"/>
+              </a:spcAft>
+              <a:buClr>
+                <a:schemeClr val="accent1"/>
+              </a:buClr>
+              <a:buFont typeface="Calibri" pitchFamily="34" charset="0"/>
+              <a:buChar char="◦"/>
+              <a:defRPr sz="1400" kern="1200">
+                <a:solidFill>
+                  <a:schemeClr val="tx1">
+                    <a:lumMod val="75000"/>
+                    <a:lumOff val="25000"/>
+                  </a:schemeClr>
+                </a:solidFill>
+                <a:latin typeface="+mn-lt"/>
+                <a:ea typeface="+mn-ea"/>
+                <a:cs typeface="+mn-cs"/>
+              </a:defRPr>
+            </a:lvl6pPr>
+            <a:lvl7pPr marL="1300000" indent="-228600" algn="l" defTabSz="914400" rtl="0" eaLnBrk="1" latinLnBrk="0" hangingPunct="1">
+              <a:lnSpc>
+                <a:spcPct val="90000"/>
+              </a:lnSpc>
+              <a:spcBef>
+                <a:spcPts val="200"/>
+              </a:spcBef>
+              <a:spcAft>
+                <a:spcPts val="400"/>
+              </a:spcAft>
+              <a:buClr>
+                <a:schemeClr val="accent1"/>
+              </a:buClr>
+              <a:buFont typeface="Calibri" pitchFamily="34" charset="0"/>
+              <a:buChar char="◦"/>
+              <a:defRPr sz="1400" kern="1200">
+                <a:solidFill>
+                  <a:schemeClr val="tx1">
+                    <a:lumMod val="75000"/>
+                    <a:lumOff val="25000"/>
+                  </a:schemeClr>
+                </a:solidFill>
+                <a:latin typeface="+mn-lt"/>
+                <a:ea typeface="+mn-ea"/>
+                <a:cs typeface="+mn-cs"/>
+              </a:defRPr>
+            </a:lvl7pPr>
+            <a:lvl8pPr marL="1500000" indent="-228600" algn="l" defTabSz="914400" rtl="0" eaLnBrk="1" latinLnBrk="0" hangingPunct="1">
+              <a:lnSpc>
+                <a:spcPct val="90000"/>
+              </a:lnSpc>
+              <a:spcBef>
+                <a:spcPts val="200"/>
+              </a:spcBef>
+              <a:spcAft>
+                <a:spcPts val="400"/>
+              </a:spcAft>
+              <a:buClr>
+                <a:schemeClr val="accent1"/>
+              </a:buClr>
+              <a:buFont typeface="Calibri" pitchFamily="34" charset="0"/>
+              <a:buChar char="◦"/>
+              <a:defRPr sz="1400" kern="1200">
+                <a:solidFill>
+                  <a:schemeClr val="tx1">
+                    <a:lumMod val="75000"/>
+                    <a:lumOff val="25000"/>
+                  </a:schemeClr>
+                </a:solidFill>
+                <a:latin typeface="+mn-lt"/>
+                <a:ea typeface="+mn-ea"/>
+                <a:cs typeface="+mn-cs"/>
+              </a:defRPr>
+            </a:lvl8pPr>
+            <a:lvl9pPr marL="1700000" indent="-228600" algn="l" defTabSz="914400" rtl="0" eaLnBrk="1" latinLnBrk="0" hangingPunct="1">
+              <a:lnSpc>
+                <a:spcPct val="90000"/>
+              </a:lnSpc>
+              <a:spcBef>
+                <a:spcPts val="200"/>
+              </a:spcBef>
+              <a:spcAft>
+                <a:spcPts val="400"/>
+              </a:spcAft>
+              <a:buClr>
+                <a:schemeClr val="accent1"/>
+              </a:buClr>
+              <a:buFont typeface="Calibri" pitchFamily="34" charset="0"/>
+              <a:buChar char="◦"/>
+              <a:defRPr sz="1400" kern="1200">
+                <a:solidFill>
+                  <a:schemeClr val="tx1">
+                    <a:lumMod val="75000"/>
+                    <a:lumOff val="25000"/>
+                  </a:schemeClr>
+                </a:solidFill>
+                <a:latin typeface="+mn-lt"/>
+                <a:ea typeface="+mn-ea"/>
+                <a:cs typeface="+mn-cs"/>
+              </a:defRPr>
+            </a:lvl9pPr>
+          </a:lstStyle>
+          <a:p>
+            <a:pPr marL="201168" lvl="1" indent="0">
+              <a:buNone/>
+            </a:pPr>
+            <a:r>
+              <a:rPr lang="en-US" sz="2800" b="1" dirty="0"/>
+              <a:t>AWS Lambda</a:t>
+            </a:r>
+            <a:r>
+              <a:rPr lang="en-US" sz="2800" dirty="0"/>
+              <a:t>: 4096 MB enough for processing</a:t>
+            </a:r>
+            <a:endParaRPr lang="en-US" sz="2400" dirty="0"/>
           </a:p>
         </p:txBody>
       </p:sp>
@@ -11397,10 +12987,9 @@
           <a:lstStyle/>
           <a:p>
             <a:r>
-              <a:rPr lang="en-US" dirty="0" smtClean="0"/>
+              <a:rPr lang="en-US" dirty="0"/>
               <a:t>Cost Estimate / Assumptions</a:t>
             </a:r>
-            <a:endParaRPr lang="en-US" dirty="0"/>
           </a:p>
         </p:txBody>
       </p:sp>
@@ -11416,19 +13005,33 @@
         </p:nvSpPr>
         <p:spPr>
           <a:xfrm>
-            <a:off x="6141720" y="5431790"/>
-            <a:ext cx="3865880" cy="420794"/>
+            <a:off x="6096001" y="5380247"/>
+            <a:ext cx="4782268" cy="893508"/>
           </a:xfrm>
         </p:spPr>
         <p:txBody>
-          <a:bodyPr/>
+          <a:bodyPr>
+            <a:normAutofit fontScale="92500" lnSpcReduction="20000"/>
+          </a:bodyPr>
           <a:lstStyle/>
           <a:p>
             <a:r>
-              <a:rPr lang="en-US" dirty="0" smtClean="0"/>
-              <a:t>Link to cost estimate: </a:t>
-            </a:r>
-            <a:endParaRPr lang="en-US" dirty="0"/>
+              <a:rPr lang="en-US" sz="1800" b="1" dirty="0"/>
+              <a:t>Cost Estimate &amp; Link: $125,566.98 / Year</a:t>
+            </a:r>
+          </a:p>
+          <a:p>
+            <a:r>
+              <a:rPr lang="en-US" sz="1800" b="0" i="0" dirty="0">
+                <a:solidFill>
+                  <a:srgbClr val="000000"/>
+                </a:solidFill>
+                <a:effectLst/>
+                <a:latin typeface="Times New Roman" panose="02020603050405020304" pitchFamily="18" charset="0"/>
+              </a:rPr>
+              <a:t>https://calculator.aws/#/estimate?id=4030aeee68bef5d2bf2c5284a40eee2780c6d0f6</a:t>
+            </a:r>
+            <a:endParaRPr lang="en-US" sz="1800" dirty="0"/>
           </a:p>
         </p:txBody>
       </p:sp>
@@ -11701,11 +13304,11 @@
           </a:lstStyle>
           <a:p>
             <a:r>
-              <a:rPr lang="en-US" b="1" u="sng" dirty="0" smtClean="0"/>
+              <a:rPr lang="en-US" b="1" u="sng" dirty="0"/>
               <a:t>Assumptions</a:t>
             </a:r>
             <a:r>
-              <a:rPr lang="en-US" b="1" dirty="0" smtClean="0"/>
+              <a:rPr lang="en-US" b="1" dirty="0"/>
               <a:t> (Building on assumptions from previous slides)</a:t>
             </a:r>
           </a:p>
@@ -11713,7 +13316,7 @@
             <a:pPr marL="0" indent="0">
               <a:buNone/>
             </a:pPr>
-            <a:endParaRPr lang="en-US" sz="1600" dirty="0" smtClean="0"/>
+            <a:endParaRPr lang="en-US" sz="1600" dirty="0"/>
           </a:p>
         </p:txBody>
       </p:sp>
@@ -11727,8 +13330,8 @@
         </p:nvSpPr>
         <p:spPr>
           <a:xfrm>
-            <a:off x="1097280" y="2175510"/>
-            <a:ext cx="2369820" cy="3256280"/>
+            <a:off x="1095734" y="1997160"/>
+            <a:ext cx="2369820" cy="3326794"/>
           </a:xfrm>
           <a:prstGeom prst="rect">
             <a:avLst/>
@@ -11986,47 +13589,46 @@
           </a:lstStyle>
           <a:p>
             <a:r>
-              <a:rPr lang="en-US" sz="1600" b="1" dirty="0" smtClean="0"/>
+              <a:rPr lang="en-US" sz="1400" b="1" dirty="0"/>
               <a:t>Lambda</a:t>
             </a:r>
             <a:r>
-              <a:rPr lang="en-US" sz="1600" dirty="0"/>
+              <a:rPr lang="en-US" sz="1400" dirty="0"/>
               <a:t>: </a:t>
             </a:r>
-            <a:endParaRPr lang="en-US" sz="1600" dirty="0" smtClean="0"/>
-          </a:p>
-          <a:p>
-            <a:r>
-              <a:rPr lang="en-US" sz="1600" dirty="0" smtClean="0"/>
+          </a:p>
+          <a:p>
+            <a:r>
+              <a:rPr lang="en-US" sz="1400" dirty="0"/>
               <a:t>- Document processing: 500,000 * 0.405 * .5 / 12 = 8437.5 * 2 requests/month</a:t>
             </a:r>
           </a:p>
           <a:p>
             <a:r>
-              <a:rPr lang="en-US" sz="1600" dirty="0" smtClean="0"/>
-              <a:t>- Data preprocessing: 500,000 </a:t>
-            </a:r>
-            <a:r>
-              <a:rPr lang="en-US" sz="1600" dirty="0"/>
-              <a:t>* </a:t>
-            </a:r>
-            <a:r>
-              <a:rPr lang="en-US" sz="1600" dirty="0" smtClean="0"/>
-              <a:t>0.405 / 12 = 16875 requests/month</a:t>
-            </a:r>
-          </a:p>
-          <a:p>
-            <a:r>
-              <a:rPr lang="en-US" sz="1600" dirty="0" smtClean="0"/>
-              <a:t>- Prediction Processing: 500,000 </a:t>
-            </a:r>
-            <a:r>
-              <a:rPr lang="en-US" sz="1600" dirty="0"/>
-              <a:t>* 0.405 / 12 = 16875 requests/month</a:t>
-            </a:r>
-          </a:p>
-          <a:p>
-            <a:endParaRPr lang="en-US" sz="1600" dirty="0" smtClean="0"/>
+              <a:rPr lang="en-US" sz="1400" dirty="0"/>
+              <a:t>- Data preprocessing: 500,000 * 0.405 / 12 = 16875 requests/month</a:t>
+            </a:r>
+          </a:p>
+          <a:p>
+            <a:r>
+              <a:rPr lang="en-US" sz="1400" dirty="0"/>
+              <a:t>- Prediction Processing: 500,000 * 0.405 / 12 = 16875 requests/month</a:t>
+            </a:r>
+          </a:p>
+          <a:p>
+            <a:r>
+              <a:rPr lang="en-US" sz="1400" dirty="0"/>
+              <a:t>- Processing time: 50 MS</a:t>
+            </a:r>
+          </a:p>
+          <a:p>
+            <a:r>
+              <a:rPr lang="en-US" sz="1400" dirty="0"/>
+              <a:t>- Memory Allocated: 4096 MB</a:t>
+            </a:r>
+          </a:p>
+          <a:p>
+            <a:endParaRPr lang="en-US" sz="1400" dirty="0"/>
           </a:p>
         </p:txBody>
       </p:sp>
@@ -12040,8 +13642,8 @@
         </p:nvSpPr>
         <p:spPr>
           <a:xfrm>
-            <a:off x="3619500" y="3191510"/>
-            <a:ext cx="2369820" cy="1012190"/>
+            <a:off x="8508448" y="1982690"/>
+            <a:ext cx="2369820" cy="2230029"/>
           </a:xfrm>
           <a:prstGeom prst="rect">
             <a:avLst/>
@@ -12299,18 +13901,38 @@
           </a:lstStyle>
           <a:p>
             <a:r>
-              <a:rPr lang="en-US" sz="1600" b="1" dirty="0" smtClean="0"/>
+              <a:rPr lang="en-US" sz="1400" b="1" dirty="0"/>
               <a:t>RedShift</a:t>
             </a:r>
             <a:r>
-              <a:rPr lang="en-US" sz="1600" dirty="0" smtClean="0"/>
+              <a:rPr lang="en-US" sz="1400" dirty="0"/>
               <a:t>: </a:t>
             </a:r>
           </a:p>
           <a:p>
             <a:r>
-              <a:rPr lang="en-US" sz="1600" dirty="0" smtClean="0"/>
+              <a:rPr lang="en-US" sz="1400" dirty="0"/>
               <a:t>- In operation for 1 year: 20 TB of data</a:t>
+            </a:r>
+          </a:p>
+          <a:p>
+            <a:r>
+              <a:rPr lang="en-US" sz="1400" dirty="0"/>
+              <a:t>- </a:t>
+            </a:r>
+            <a:r>
+              <a:rPr lang="en-US" sz="1400" b="1" dirty="0"/>
+              <a:t>ra3.4xlarge </a:t>
+            </a:r>
+            <a:r>
+              <a:rPr lang="en-US" sz="1400" dirty="0"/>
+              <a:t>at 100%/utilization/month sufficient</a:t>
+            </a:r>
+          </a:p>
+          <a:p>
+            <a:r>
+              <a:rPr lang="en-US" sz="1400" dirty="0"/>
+              <a:t>- 20/12 = 1.666 TB transfer to  per month</a:t>
             </a:r>
           </a:p>
         </p:txBody>
@@ -12325,8 +13947,8 @@
         </p:nvSpPr>
         <p:spPr>
           <a:xfrm>
-            <a:off x="3619500" y="2175510"/>
-            <a:ext cx="2369820" cy="1012190"/>
+            <a:off x="3616408" y="1997160"/>
+            <a:ext cx="2369820" cy="1858102"/>
           </a:xfrm>
           <a:prstGeom prst="rect">
             <a:avLst/>
@@ -12584,18 +14206,24 @@
           </a:lstStyle>
           <a:p>
             <a:r>
-              <a:rPr lang="en-US" sz="1600" b="1" dirty="0" smtClean="0"/>
+              <a:rPr lang="en-US" sz="1400" b="1" dirty="0"/>
               <a:t>S3</a:t>
             </a:r>
             <a:r>
-              <a:rPr lang="en-US" sz="1600" dirty="0" smtClean="0"/>
+              <a:rPr lang="en-US" sz="1400" dirty="0"/>
               <a:t>: </a:t>
             </a:r>
           </a:p>
           <a:p>
             <a:r>
-              <a:rPr lang="en-US" sz="1600" dirty="0" smtClean="0"/>
+              <a:rPr lang="en-US" sz="1400" dirty="0"/>
               <a:t>- In operation for 1 year: 41 TB of data</a:t>
+            </a:r>
+          </a:p>
+          <a:p>
+            <a:r>
+              <a:rPr lang="en-US" sz="1400" dirty="0"/>
+              <a:t>- PUT, COPY, POST, LIST requests: (8437.5 * 2 + 16875 + 16875 + 16875) * 2 =  135000 requests/month</a:t>
             </a:r>
           </a:p>
         </p:txBody>
@@ -12610,8 +14238,8 @@
         </p:nvSpPr>
         <p:spPr>
           <a:xfrm>
-            <a:off x="6141720" y="2175510"/>
-            <a:ext cx="2369820" cy="2362200"/>
+            <a:off x="3613316" y="3797666"/>
+            <a:ext cx="2369820" cy="2538970"/>
           </a:xfrm>
           <a:prstGeom prst="rect">
             <a:avLst/>
@@ -12619,7 +14247,7 @@
         </p:spPr>
         <p:txBody>
           <a:bodyPr vert="horz" lIns="0" tIns="45720" rIns="0" bIns="45720" rtlCol="0">
-            <a:normAutofit/>
+            <a:normAutofit lnSpcReduction="10000"/>
           </a:bodyPr>
           <a:lstStyle>
             <a:lvl1pPr marL="91440" indent="-91440" algn="l" defTabSz="914400" rtl="0" eaLnBrk="1" latinLnBrk="0" hangingPunct="1">
@@ -12869,36 +14497,42 @@
           </a:lstStyle>
           <a:p>
             <a:r>
-              <a:rPr lang="en-US" sz="1600" b="1" dirty="0" smtClean="0"/>
+              <a:rPr lang="en-US" sz="1400" b="1" dirty="0"/>
               <a:t>SageMaker</a:t>
             </a:r>
             <a:r>
-              <a:rPr lang="en-US" sz="1600" dirty="0" smtClean="0"/>
+              <a:rPr lang="en-US" sz="1400" dirty="0"/>
               <a:t>: </a:t>
             </a:r>
           </a:p>
           <a:p>
             <a:r>
-              <a:rPr lang="en-US" sz="1600" dirty="0" smtClean="0"/>
-              <a:t>- Two weeks training on ml.p3.16xlarge is sufficient for training model</a:t>
-            </a:r>
-          </a:p>
-          <a:p>
-            <a:r>
-              <a:rPr lang="en-US" sz="1600" dirty="0" smtClean="0"/>
-              <a:t>- API Endpoint: 500,000 </a:t>
-            </a:r>
-            <a:r>
-              <a:rPr lang="en-US" sz="1600" dirty="0"/>
-              <a:t>* </a:t>
-            </a:r>
-            <a:r>
-              <a:rPr lang="en-US" sz="1600" dirty="0" smtClean="0"/>
-              <a:t>0.405 / 12 = 16875 requests/month</a:t>
-            </a:r>
-          </a:p>
-          <a:p>
-            <a:endParaRPr lang="en-US" sz="1600" dirty="0" smtClean="0"/>
+              <a:rPr lang="en-US" sz="1400" dirty="0"/>
+              <a:t>- Two weeks training on an </a:t>
+            </a:r>
+            <a:r>
+              <a:rPr lang="en-US" sz="1400" b="1" dirty="0"/>
+              <a:t>ml.p2.16xlarge </a:t>
+            </a:r>
+            <a:r>
+              <a:rPr lang="en-US" sz="1400" dirty="0"/>
+              <a:t>instance is sufficient for training model (10 GB Model)</a:t>
+            </a:r>
+          </a:p>
+          <a:p>
+            <a:r>
+              <a:rPr lang="en-US" sz="1400" dirty="0"/>
+              <a:t>- API Endpoint: 500,000 * 0.405 / 12 = 16875 requests/month</a:t>
+            </a:r>
+          </a:p>
+          <a:p>
+            <a:r>
+              <a:rPr lang="en-US" sz="1400" dirty="0"/>
+              <a:t>- 3 Data Scientists, 1 notebook per @ 4 hours/day 22 days/month</a:t>
+            </a:r>
+          </a:p>
+          <a:p>
+            <a:endParaRPr lang="en-US" sz="1400" dirty="0"/>
           </a:p>
         </p:txBody>
       </p:sp>
@@ -12912,8 +14546,8 @@
         </p:nvSpPr>
         <p:spPr>
           <a:xfrm>
-            <a:off x="3619500" y="4203700"/>
-            <a:ext cx="2369820" cy="1228090"/>
+            <a:off x="8508448" y="4129207"/>
+            <a:ext cx="2369820" cy="1091225"/>
           </a:xfrm>
           <a:prstGeom prst="rect">
             <a:avLst/>
@@ -13171,26 +14805,906 @@
           </a:lstStyle>
           <a:p>
             <a:r>
-              <a:rPr lang="en-US" sz="1600" b="1" dirty="0" smtClean="0"/>
-              <a:t>Textract:</a:t>
-            </a:r>
-          </a:p>
-          <a:p>
-            <a:r>
-              <a:rPr lang="en-US" sz="1600" dirty="0"/>
-              <a:t>- </a:t>
-            </a:r>
-            <a:r>
-              <a:rPr lang="en-US" sz="1600" dirty="0" smtClean="0"/>
-              <a:t>Document processing: </a:t>
-            </a:r>
-            <a:r>
-              <a:rPr lang="en-US" sz="1600" dirty="0"/>
-              <a:t>500,000 * 0.405 * .5 / 12 = </a:t>
-            </a:r>
-            <a:r>
-              <a:rPr lang="en-US" sz="1600" dirty="0" smtClean="0"/>
-              <a:t>16875 requests/month </a:t>
+              <a:rPr lang="en-US" sz="1400" b="1" dirty="0"/>
+              <a:t>Textract</a:t>
+            </a:r>
+            <a:r>
+              <a:rPr lang="en-US" sz="1400" dirty="0"/>
+              <a:t>:</a:t>
+            </a:r>
+          </a:p>
+          <a:p>
+            <a:r>
+              <a:rPr lang="en-US" sz="1400" dirty="0"/>
+              <a:t>- Document processing: 500,000 * 0.405 * .5 / 12 = 16875 requests/month</a:t>
+            </a:r>
+          </a:p>
+        </p:txBody>
+      </p:sp>
+      <p:sp>
+        <p:nvSpPr>
+          <p:cNvPr id="5" name="Content Placeholder 2">
+            <a:extLst>
+              <a:ext uri="{FF2B5EF4-FFF2-40B4-BE49-F238E27FC236}">
+                <a16:creationId xmlns:a16="http://schemas.microsoft.com/office/drawing/2014/main" id="{F46533F3-E83F-DEB9-9B4A-FA261AA59376}"/>
+              </a:ext>
+            </a:extLst>
+          </p:cNvPr>
+          <p:cNvSpPr txBox="1">
+            <a:spLocks/>
+          </p:cNvSpPr>
+          <p:nvPr/>
+        </p:nvSpPr>
+        <p:spPr>
+          <a:xfrm>
+            <a:off x="6135536" y="3824082"/>
+            <a:ext cx="2369820" cy="1446677"/>
+          </a:xfrm>
+          <a:prstGeom prst="rect">
+            <a:avLst/>
+          </a:prstGeom>
+        </p:spPr>
+        <p:txBody>
+          <a:bodyPr vert="horz" lIns="0" tIns="45720" rIns="0" bIns="45720" rtlCol="0">
+            <a:normAutofit/>
+          </a:bodyPr>
+          <a:lstStyle>
+            <a:lvl1pPr marL="91440" indent="-91440" algn="l" defTabSz="914400" rtl="0" eaLnBrk="1" latinLnBrk="0" hangingPunct="1">
+              <a:lnSpc>
+                <a:spcPct val="90000"/>
+              </a:lnSpc>
+              <a:spcBef>
+                <a:spcPts val="1200"/>
+              </a:spcBef>
+              <a:spcAft>
+                <a:spcPts val="200"/>
+              </a:spcAft>
+              <a:buClr>
+                <a:schemeClr val="accent1"/>
+              </a:buClr>
+              <a:buSzPct val="100000"/>
+              <a:buFont typeface="Calibri" panose="020F0502020204030204" pitchFamily="34" charset="0"/>
+              <a:buChar char=" "/>
+              <a:defRPr sz="2000" kern="1200">
+                <a:solidFill>
+                  <a:schemeClr val="tx1">
+                    <a:lumMod val="75000"/>
+                    <a:lumOff val="25000"/>
+                  </a:schemeClr>
+                </a:solidFill>
+                <a:latin typeface="+mn-lt"/>
+                <a:ea typeface="+mn-ea"/>
+                <a:cs typeface="+mn-cs"/>
+              </a:defRPr>
+            </a:lvl1pPr>
+            <a:lvl2pPr marL="384048" indent="-182880" algn="l" defTabSz="914400" rtl="0" eaLnBrk="1" latinLnBrk="0" hangingPunct="1">
+              <a:lnSpc>
+                <a:spcPct val="90000"/>
+              </a:lnSpc>
+              <a:spcBef>
+                <a:spcPts val="200"/>
+              </a:spcBef>
+              <a:spcAft>
+                <a:spcPts val="400"/>
+              </a:spcAft>
+              <a:buClr>
+                <a:schemeClr val="accent1"/>
+              </a:buClr>
+              <a:buFont typeface="Calibri" pitchFamily="34" charset="0"/>
+              <a:buChar char="◦"/>
+              <a:defRPr sz="1800" kern="1200">
+                <a:solidFill>
+                  <a:schemeClr val="tx1">
+                    <a:lumMod val="75000"/>
+                    <a:lumOff val="25000"/>
+                  </a:schemeClr>
+                </a:solidFill>
+                <a:latin typeface="+mn-lt"/>
+                <a:ea typeface="+mn-ea"/>
+                <a:cs typeface="+mn-cs"/>
+              </a:defRPr>
+            </a:lvl2pPr>
+            <a:lvl3pPr marL="566928" indent="-182880" algn="l" defTabSz="914400" rtl="0" eaLnBrk="1" latinLnBrk="0" hangingPunct="1">
+              <a:lnSpc>
+                <a:spcPct val="90000"/>
+              </a:lnSpc>
+              <a:spcBef>
+                <a:spcPts val="200"/>
+              </a:spcBef>
+              <a:spcAft>
+                <a:spcPts val="400"/>
+              </a:spcAft>
+              <a:buClr>
+                <a:schemeClr val="accent1"/>
+              </a:buClr>
+              <a:buFont typeface="Calibri" pitchFamily="34" charset="0"/>
+              <a:buChar char="◦"/>
+              <a:defRPr sz="1400" kern="1200">
+                <a:solidFill>
+                  <a:schemeClr val="tx1">
+                    <a:lumMod val="75000"/>
+                    <a:lumOff val="25000"/>
+                  </a:schemeClr>
+                </a:solidFill>
+                <a:latin typeface="+mn-lt"/>
+                <a:ea typeface="+mn-ea"/>
+                <a:cs typeface="+mn-cs"/>
+              </a:defRPr>
+            </a:lvl3pPr>
+            <a:lvl4pPr marL="749808" indent="-182880" algn="l" defTabSz="914400" rtl="0" eaLnBrk="1" latinLnBrk="0" hangingPunct="1">
+              <a:lnSpc>
+                <a:spcPct val="90000"/>
+              </a:lnSpc>
+              <a:spcBef>
+                <a:spcPts val="200"/>
+              </a:spcBef>
+              <a:spcAft>
+                <a:spcPts val="400"/>
+              </a:spcAft>
+              <a:buClr>
+                <a:schemeClr val="accent1"/>
+              </a:buClr>
+              <a:buFont typeface="Calibri" pitchFamily="34" charset="0"/>
+              <a:buChar char="◦"/>
+              <a:defRPr sz="1400" kern="1200">
+                <a:solidFill>
+                  <a:schemeClr val="tx1">
+                    <a:lumMod val="75000"/>
+                    <a:lumOff val="25000"/>
+                  </a:schemeClr>
+                </a:solidFill>
+                <a:latin typeface="+mn-lt"/>
+                <a:ea typeface="+mn-ea"/>
+                <a:cs typeface="+mn-cs"/>
+              </a:defRPr>
+            </a:lvl4pPr>
+            <a:lvl5pPr marL="932688" indent="-182880" algn="l" defTabSz="914400" rtl="0" eaLnBrk="1" latinLnBrk="0" hangingPunct="1">
+              <a:lnSpc>
+                <a:spcPct val="90000"/>
+              </a:lnSpc>
+              <a:spcBef>
+                <a:spcPts val="200"/>
+              </a:spcBef>
+              <a:spcAft>
+                <a:spcPts val="400"/>
+              </a:spcAft>
+              <a:buClr>
+                <a:schemeClr val="accent1"/>
+              </a:buClr>
+              <a:buFont typeface="Calibri" pitchFamily="34" charset="0"/>
+              <a:buChar char="◦"/>
+              <a:defRPr sz="1400" kern="1200">
+                <a:solidFill>
+                  <a:schemeClr val="tx1">
+                    <a:lumMod val="75000"/>
+                    <a:lumOff val="25000"/>
+                  </a:schemeClr>
+                </a:solidFill>
+                <a:latin typeface="+mn-lt"/>
+                <a:ea typeface="+mn-ea"/>
+                <a:cs typeface="+mn-cs"/>
+              </a:defRPr>
+            </a:lvl5pPr>
+            <a:lvl6pPr marL="1100000" indent="-228600" algn="l" defTabSz="914400" rtl="0" eaLnBrk="1" latinLnBrk="0" hangingPunct="1">
+              <a:lnSpc>
+                <a:spcPct val="90000"/>
+              </a:lnSpc>
+              <a:spcBef>
+                <a:spcPts val="200"/>
+              </a:spcBef>
+              <a:spcAft>
+                <a:spcPts val="400"/>
+              </a:spcAft>
+              <a:buClr>
+                <a:schemeClr val="accent1"/>
+              </a:buClr>
+              <a:buFont typeface="Calibri" pitchFamily="34" charset="0"/>
+              <a:buChar char="◦"/>
+              <a:defRPr sz="1400" kern="1200">
+                <a:solidFill>
+                  <a:schemeClr val="tx1">
+                    <a:lumMod val="75000"/>
+                    <a:lumOff val="25000"/>
+                  </a:schemeClr>
+                </a:solidFill>
+                <a:latin typeface="+mn-lt"/>
+                <a:ea typeface="+mn-ea"/>
+                <a:cs typeface="+mn-cs"/>
+              </a:defRPr>
+            </a:lvl6pPr>
+            <a:lvl7pPr marL="1300000" indent="-228600" algn="l" defTabSz="914400" rtl="0" eaLnBrk="1" latinLnBrk="0" hangingPunct="1">
+              <a:lnSpc>
+                <a:spcPct val="90000"/>
+              </a:lnSpc>
+              <a:spcBef>
+                <a:spcPts val="200"/>
+              </a:spcBef>
+              <a:spcAft>
+                <a:spcPts val="400"/>
+              </a:spcAft>
+              <a:buClr>
+                <a:schemeClr val="accent1"/>
+              </a:buClr>
+              <a:buFont typeface="Calibri" pitchFamily="34" charset="0"/>
+              <a:buChar char="◦"/>
+              <a:defRPr sz="1400" kern="1200">
+                <a:solidFill>
+                  <a:schemeClr val="tx1">
+                    <a:lumMod val="75000"/>
+                    <a:lumOff val="25000"/>
+                  </a:schemeClr>
+                </a:solidFill>
+                <a:latin typeface="+mn-lt"/>
+                <a:ea typeface="+mn-ea"/>
+                <a:cs typeface="+mn-cs"/>
+              </a:defRPr>
+            </a:lvl7pPr>
+            <a:lvl8pPr marL="1500000" indent="-228600" algn="l" defTabSz="914400" rtl="0" eaLnBrk="1" latinLnBrk="0" hangingPunct="1">
+              <a:lnSpc>
+                <a:spcPct val="90000"/>
+              </a:lnSpc>
+              <a:spcBef>
+                <a:spcPts val="200"/>
+              </a:spcBef>
+              <a:spcAft>
+                <a:spcPts val="400"/>
+              </a:spcAft>
+              <a:buClr>
+                <a:schemeClr val="accent1"/>
+              </a:buClr>
+              <a:buFont typeface="Calibri" pitchFamily="34" charset="0"/>
+              <a:buChar char="◦"/>
+              <a:defRPr sz="1400" kern="1200">
+                <a:solidFill>
+                  <a:schemeClr val="tx1">
+                    <a:lumMod val="75000"/>
+                    <a:lumOff val="25000"/>
+                  </a:schemeClr>
+                </a:solidFill>
+                <a:latin typeface="+mn-lt"/>
+                <a:ea typeface="+mn-ea"/>
+                <a:cs typeface="+mn-cs"/>
+              </a:defRPr>
+            </a:lvl8pPr>
+            <a:lvl9pPr marL="1700000" indent="-228600" algn="l" defTabSz="914400" rtl="0" eaLnBrk="1" latinLnBrk="0" hangingPunct="1">
+              <a:lnSpc>
+                <a:spcPct val="90000"/>
+              </a:lnSpc>
+              <a:spcBef>
+                <a:spcPts val="200"/>
+              </a:spcBef>
+              <a:spcAft>
+                <a:spcPts val="400"/>
+              </a:spcAft>
+              <a:buClr>
+                <a:schemeClr val="accent1"/>
+              </a:buClr>
+              <a:buFont typeface="Calibri" pitchFamily="34" charset="0"/>
+              <a:buChar char="◦"/>
+              <a:defRPr sz="1400" kern="1200">
+                <a:solidFill>
+                  <a:schemeClr val="tx1">
+                    <a:lumMod val="75000"/>
+                    <a:lumOff val="25000"/>
+                  </a:schemeClr>
+                </a:solidFill>
+                <a:latin typeface="+mn-lt"/>
+                <a:ea typeface="+mn-ea"/>
+                <a:cs typeface="+mn-cs"/>
+              </a:defRPr>
+            </a:lvl9pPr>
+          </a:lstStyle>
+          <a:p>
+            <a:r>
+              <a:rPr lang="en-US" sz="1400" b="1" dirty="0"/>
+              <a:t>QuickSight</a:t>
+            </a:r>
+            <a:r>
+              <a:rPr lang="en-US" sz="1400" dirty="0"/>
+              <a:t>: </a:t>
+            </a:r>
+          </a:p>
+          <a:p>
+            <a:r>
+              <a:rPr lang="en-US" sz="1400" dirty="0"/>
+              <a:t>- 3 Business Analysts</a:t>
+            </a:r>
+          </a:p>
+          <a:p>
+            <a:r>
+              <a:rPr lang="en-US" sz="1400" dirty="0"/>
+              <a:t>-  Session #: 50 Readers, 30 working days, 100% of readers are active all the time</a:t>
+            </a:r>
+          </a:p>
+        </p:txBody>
+      </p:sp>
+      <p:sp>
+        <p:nvSpPr>
+          <p:cNvPr id="11" name="Content Placeholder 2">
+            <a:extLst>
+              <a:ext uri="{FF2B5EF4-FFF2-40B4-BE49-F238E27FC236}">
+                <a16:creationId xmlns:a16="http://schemas.microsoft.com/office/drawing/2014/main" id="{2EFC150B-303E-55D1-6D19-F67AC2DB1C0B}"/>
+              </a:ext>
+            </a:extLst>
+          </p:cNvPr>
+          <p:cNvSpPr txBox="1">
+            <a:spLocks/>
+          </p:cNvSpPr>
+          <p:nvPr/>
+        </p:nvSpPr>
+        <p:spPr>
+          <a:xfrm>
+            <a:off x="6139567" y="1998243"/>
+            <a:ext cx="2369820" cy="1828837"/>
+          </a:xfrm>
+          <a:prstGeom prst="rect">
+            <a:avLst/>
+          </a:prstGeom>
+        </p:spPr>
+        <p:txBody>
+          <a:bodyPr vert="horz" lIns="0" tIns="45720" rIns="0" bIns="45720" rtlCol="0">
+            <a:normAutofit/>
+          </a:bodyPr>
+          <a:lstStyle>
+            <a:lvl1pPr marL="91440" indent="-91440" algn="l" defTabSz="914400" rtl="0" eaLnBrk="1" latinLnBrk="0" hangingPunct="1">
+              <a:lnSpc>
+                <a:spcPct val="90000"/>
+              </a:lnSpc>
+              <a:spcBef>
+                <a:spcPts val="1200"/>
+              </a:spcBef>
+              <a:spcAft>
+                <a:spcPts val="200"/>
+              </a:spcAft>
+              <a:buClr>
+                <a:schemeClr val="accent1"/>
+              </a:buClr>
+              <a:buSzPct val="100000"/>
+              <a:buFont typeface="Calibri" panose="020F0502020204030204" pitchFamily="34" charset="0"/>
+              <a:buChar char=" "/>
+              <a:defRPr sz="2000" kern="1200">
+                <a:solidFill>
+                  <a:schemeClr val="tx1">
+                    <a:lumMod val="75000"/>
+                    <a:lumOff val="25000"/>
+                  </a:schemeClr>
+                </a:solidFill>
+                <a:latin typeface="+mn-lt"/>
+                <a:ea typeface="+mn-ea"/>
+                <a:cs typeface="+mn-cs"/>
+              </a:defRPr>
+            </a:lvl1pPr>
+            <a:lvl2pPr marL="384048" indent="-182880" algn="l" defTabSz="914400" rtl="0" eaLnBrk="1" latinLnBrk="0" hangingPunct="1">
+              <a:lnSpc>
+                <a:spcPct val="90000"/>
+              </a:lnSpc>
+              <a:spcBef>
+                <a:spcPts val="200"/>
+              </a:spcBef>
+              <a:spcAft>
+                <a:spcPts val="400"/>
+              </a:spcAft>
+              <a:buClr>
+                <a:schemeClr val="accent1"/>
+              </a:buClr>
+              <a:buFont typeface="Calibri" pitchFamily="34" charset="0"/>
+              <a:buChar char="◦"/>
+              <a:defRPr sz="1800" kern="1200">
+                <a:solidFill>
+                  <a:schemeClr val="tx1">
+                    <a:lumMod val="75000"/>
+                    <a:lumOff val="25000"/>
+                  </a:schemeClr>
+                </a:solidFill>
+                <a:latin typeface="+mn-lt"/>
+                <a:ea typeface="+mn-ea"/>
+                <a:cs typeface="+mn-cs"/>
+              </a:defRPr>
+            </a:lvl2pPr>
+            <a:lvl3pPr marL="566928" indent="-182880" algn="l" defTabSz="914400" rtl="0" eaLnBrk="1" latinLnBrk="0" hangingPunct="1">
+              <a:lnSpc>
+                <a:spcPct val="90000"/>
+              </a:lnSpc>
+              <a:spcBef>
+                <a:spcPts val="200"/>
+              </a:spcBef>
+              <a:spcAft>
+                <a:spcPts val="400"/>
+              </a:spcAft>
+              <a:buClr>
+                <a:schemeClr val="accent1"/>
+              </a:buClr>
+              <a:buFont typeface="Calibri" pitchFamily="34" charset="0"/>
+              <a:buChar char="◦"/>
+              <a:defRPr sz="1400" kern="1200">
+                <a:solidFill>
+                  <a:schemeClr val="tx1">
+                    <a:lumMod val="75000"/>
+                    <a:lumOff val="25000"/>
+                  </a:schemeClr>
+                </a:solidFill>
+                <a:latin typeface="+mn-lt"/>
+                <a:ea typeface="+mn-ea"/>
+                <a:cs typeface="+mn-cs"/>
+              </a:defRPr>
+            </a:lvl3pPr>
+            <a:lvl4pPr marL="749808" indent="-182880" algn="l" defTabSz="914400" rtl="0" eaLnBrk="1" latinLnBrk="0" hangingPunct="1">
+              <a:lnSpc>
+                <a:spcPct val="90000"/>
+              </a:lnSpc>
+              <a:spcBef>
+                <a:spcPts val="200"/>
+              </a:spcBef>
+              <a:spcAft>
+                <a:spcPts val="400"/>
+              </a:spcAft>
+              <a:buClr>
+                <a:schemeClr val="accent1"/>
+              </a:buClr>
+              <a:buFont typeface="Calibri" pitchFamily="34" charset="0"/>
+              <a:buChar char="◦"/>
+              <a:defRPr sz="1400" kern="1200">
+                <a:solidFill>
+                  <a:schemeClr val="tx1">
+                    <a:lumMod val="75000"/>
+                    <a:lumOff val="25000"/>
+                  </a:schemeClr>
+                </a:solidFill>
+                <a:latin typeface="+mn-lt"/>
+                <a:ea typeface="+mn-ea"/>
+                <a:cs typeface="+mn-cs"/>
+              </a:defRPr>
+            </a:lvl4pPr>
+            <a:lvl5pPr marL="932688" indent="-182880" algn="l" defTabSz="914400" rtl="0" eaLnBrk="1" latinLnBrk="0" hangingPunct="1">
+              <a:lnSpc>
+                <a:spcPct val="90000"/>
+              </a:lnSpc>
+              <a:spcBef>
+                <a:spcPts val="200"/>
+              </a:spcBef>
+              <a:spcAft>
+                <a:spcPts val="400"/>
+              </a:spcAft>
+              <a:buClr>
+                <a:schemeClr val="accent1"/>
+              </a:buClr>
+              <a:buFont typeface="Calibri" pitchFamily="34" charset="0"/>
+              <a:buChar char="◦"/>
+              <a:defRPr sz="1400" kern="1200">
+                <a:solidFill>
+                  <a:schemeClr val="tx1">
+                    <a:lumMod val="75000"/>
+                    <a:lumOff val="25000"/>
+                  </a:schemeClr>
+                </a:solidFill>
+                <a:latin typeface="+mn-lt"/>
+                <a:ea typeface="+mn-ea"/>
+                <a:cs typeface="+mn-cs"/>
+              </a:defRPr>
+            </a:lvl5pPr>
+            <a:lvl6pPr marL="1100000" indent="-228600" algn="l" defTabSz="914400" rtl="0" eaLnBrk="1" latinLnBrk="0" hangingPunct="1">
+              <a:lnSpc>
+                <a:spcPct val="90000"/>
+              </a:lnSpc>
+              <a:spcBef>
+                <a:spcPts val="200"/>
+              </a:spcBef>
+              <a:spcAft>
+                <a:spcPts val="400"/>
+              </a:spcAft>
+              <a:buClr>
+                <a:schemeClr val="accent1"/>
+              </a:buClr>
+              <a:buFont typeface="Calibri" pitchFamily="34" charset="0"/>
+              <a:buChar char="◦"/>
+              <a:defRPr sz="1400" kern="1200">
+                <a:solidFill>
+                  <a:schemeClr val="tx1">
+                    <a:lumMod val="75000"/>
+                    <a:lumOff val="25000"/>
+                  </a:schemeClr>
+                </a:solidFill>
+                <a:latin typeface="+mn-lt"/>
+                <a:ea typeface="+mn-ea"/>
+                <a:cs typeface="+mn-cs"/>
+              </a:defRPr>
+            </a:lvl6pPr>
+            <a:lvl7pPr marL="1300000" indent="-228600" algn="l" defTabSz="914400" rtl="0" eaLnBrk="1" latinLnBrk="0" hangingPunct="1">
+              <a:lnSpc>
+                <a:spcPct val="90000"/>
+              </a:lnSpc>
+              <a:spcBef>
+                <a:spcPts val="200"/>
+              </a:spcBef>
+              <a:spcAft>
+                <a:spcPts val="400"/>
+              </a:spcAft>
+              <a:buClr>
+                <a:schemeClr val="accent1"/>
+              </a:buClr>
+              <a:buFont typeface="Calibri" pitchFamily="34" charset="0"/>
+              <a:buChar char="◦"/>
+              <a:defRPr sz="1400" kern="1200">
+                <a:solidFill>
+                  <a:schemeClr val="tx1">
+                    <a:lumMod val="75000"/>
+                    <a:lumOff val="25000"/>
+                  </a:schemeClr>
+                </a:solidFill>
+                <a:latin typeface="+mn-lt"/>
+                <a:ea typeface="+mn-ea"/>
+                <a:cs typeface="+mn-cs"/>
+              </a:defRPr>
+            </a:lvl7pPr>
+            <a:lvl8pPr marL="1500000" indent="-228600" algn="l" defTabSz="914400" rtl="0" eaLnBrk="1" latinLnBrk="0" hangingPunct="1">
+              <a:lnSpc>
+                <a:spcPct val="90000"/>
+              </a:lnSpc>
+              <a:spcBef>
+                <a:spcPts val="200"/>
+              </a:spcBef>
+              <a:spcAft>
+                <a:spcPts val="400"/>
+              </a:spcAft>
+              <a:buClr>
+                <a:schemeClr val="accent1"/>
+              </a:buClr>
+              <a:buFont typeface="Calibri" pitchFamily="34" charset="0"/>
+              <a:buChar char="◦"/>
+              <a:defRPr sz="1400" kern="1200">
+                <a:solidFill>
+                  <a:schemeClr val="tx1">
+                    <a:lumMod val="75000"/>
+                    <a:lumOff val="25000"/>
+                  </a:schemeClr>
+                </a:solidFill>
+                <a:latin typeface="+mn-lt"/>
+                <a:ea typeface="+mn-ea"/>
+                <a:cs typeface="+mn-cs"/>
+              </a:defRPr>
+            </a:lvl8pPr>
+            <a:lvl9pPr marL="1700000" indent="-228600" algn="l" defTabSz="914400" rtl="0" eaLnBrk="1" latinLnBrk="0" hangingPunct="1">
+              <a:lnSpc>
+                <a:spcPct val="90000"/>
+              </a:lnSpc>
+              <a:spcBef>
+                <a:spcPts val="200"/>
+              </a:spcBef>
+              <a:spcAft>
+                <a:spcPts val="400"/>
+              </a:spcAft>
+              <a:buClr>
+                <a:schemeClr val="accent1"/>
+              </a:buClr>
+              <a:buFont typeface="Calibri" pitchFamily="34" charset="0"/>
+              <a:buChar char="◦"/>
+              <a:defRPr sz="1400" kern="1200">
+                <a:solidFill>
+                  <a:schemeClr val="tx1">
+                    <a:lumMod val="75000"/>
+                    <a:lumOff val="25000"/>
+                  </a:schemeClr>
+                </a:solidFill>
+                <a:latin typeface="+mn-lt"/>
+                <a:ea typeface="+mn-ea"/>
+                <a:cs typeface="+mn-cs"/>
+              </a:defRPr>
+            </a:lvl9pPr>
+          </a:lstStyle>
+          <a:p>
+            <a:r>
+              <a:rPr lang="en-US" sz="1400" b="1" dirty="0"/>
+              <a:t>SQS</a:t>
+            </a:r>
+            <a:r>
+              <a:rPr lang="en-US" sz="1400" dirty="0"/>
+              <a:t>:</a:t>
+            </a:r>
+          </a:p>
+          <a:p>
+            <a:r>
+              <a:rPr lang="en-US" sz="1400" dirty="0"/>
+              <a:t>- Data Preprocessing: 500,000 * 0.405 * .5 / 12 = 16875 requests/month </a:t>
+            </a:r>
+          </a:p>
+          <a:p>
+            <a:r>
+              <a:rPr lang="en-US" sz="1400" dirty="0"/>
+              <a:t>- Prediction Processing: 500,000 * 0.405 / 12 = 16875 requests/month</a:t>
+            </a:r>
+          </a:p>
+          <a:p>
+            <a:endParaRPr lang="en-US" sz="1400" dirty="0"/>
+          </a:p>
+        </p:txBody>
+      </p:sp>
+      <p:sp>
+        <p:nvSpPr>
+          <p:cNvPr id="12" name="Content Placeholder 2">
+            <a:extLst>
+              <a:ext uri="{FF2B5EF4-FFF2-40B4-BE49-F238E27FC236}">
+                <a16:creationId xmlns:a16="http://schemas.microsoft.com/office/drawing/2014/main" id="{C4CC7CC8-E07F-33A0-9620-8C75A40497EA}"/>
+              </a:ext>
+            </a:extLst>
+          </p:cNvPr>
+          <p:cNvSpPr txBox="1">
+            <a:spLocks/>
+          </p:cNvSpPr>
+          <p:nvPr/>
+        </p:nvSpPr>
+        <p:spPr>
+          <a:xfrm>
+            <a:off x="1095734" y="5323954"/>
+            <a:ext cx="2369820" cy="739470"/>
+          </a:xfrm>
+          <a:prstGeom prst="rect">
+            <a:avLst/>
+          </a:prstGeom>
+        </p:spPr>
+        <p:txBody>
+          <a:bodyPr vert="horz" lIns="0" tIns="45720" rIns="0" bIns="45720" rtlCol="0">
+            <a:normAutofit/>
+          </a:bodyPr>
+          <a:lstStyle>
+            <a:lvl1pPr marL="91440" indent="-91440" algn="l" defTabSz="914400" rtl="0" eaLnBrk="1" latinLnBrk="0" hangingPunct="1">
+              <a:lnSpc>
+                <a:spcPct val="90000"/>
+              </a:lnSpc>
+              <a:spcBef>
+                <a:spcPts val="1200"/>
+              </a:spcBef>
+              <a:spcAft>
+                <a:spcPts val="200"/>
+              </a:spcAft>
+              <a:buClr>
+                <a:schemeClr val="accent1"/>
+              </a:buClr>
+              <a:buSzPct val="100000"/>
+              <a:buFont typeface="Calibri" panose="020F0502020204030204" pitchFamily="34" charset="0"/>
+              <a:buChar char=" "/>
+              <a:defRPr sz="2000" kern="1200">
+                <a:solidFill>
+                  <a:schemeClr val="tx1">
+                    <a:lumMod val="75000"/>
+                    <a:lumOff val="25000"/>
+                  </a:schemeClr>
+                </a:solidFill>
+                <a:latin typeface="+mn-lt"/>
+                <a:ea typeface="+mn-ea"/>
+                <a:cs typeface="+mn-cs"/>
+              </a:defRPr>
+            </a:lvl1pPr>
+            <a:lvl2pPr marL="384048" indent="-182880" algn="l" defTabSz="914400" rtl="0" eaLnBrk="1" latinLnBrk="0" hangingPunct="1">
+              <a:lnSpc>
+                <a:spcPct val="90000"/>
+              </a:lnSpc>
+              <a:spcBef>
+                <a:spcPts val="200"/>
+              </a:spcBef>
+              <a:spcAft>
+                <a:spcPts val="400"/>
+              </a:spcAft>
+              <a:buClr>
+                <a:schemeClr val="accent1"/>
+              </a:buClr>
+              <a:buFont typeface="Calibri" pitchFamily="34" charset="0"/>
+              <a:buChar char="◦"/>
+              <a:defRPr sz="1800" kern="1200">
+                <a:solidFill>
+                  <a:schemeClr val="tx1">
+                    <a:lumMod val="75000"/>
+                    <a:lumOff val="25000"/>
+                  </a:schemeClr>
+                </a:solidFill>
+                <a:latin typeface="+mn-lt"/>
+                <a:ea typeface="+mn-ea"/>
+                <a:cs typeface="+mn-cs"/>
+              </a:defRPr>
+            </a:lvl2pPr>
+            <a:lvl3pPr marL="566928" indent="-182880" algn="l" defTabSz="914400" rtl="0" eaLnBrk="1" latinLnBrk="0" hangingPunct="1">
+              <a:lnSpc>
+                <a:spcPct val="90000"/>
+              </a:lnSpc>
+              <a:spcBef>
+                <a:spcPts val="200"/>
+              </a:spcBef>
+              <a:spcAft>
+                <a:spcPts val="400"/>
+              </a:spcAft>
+              <a:buClr>
+                <a:schemeClr val="accent1"/>
+              </a:buClr>
+              <a:buFont typeface="Calibri" pitchFamily="34" charset="0"/>
+              <a:buChar char="◦"/>
+              <a:defRPr sz="1400" kern="1200">
+                <a:solidFill>
+                  <a:schemeClr val="tx1">
+                    <a:lumMod val="75000"/>
+                    <a:lumOff val="25000"/>
+                  </a:schemeClr>
+                </a:solidFill>
+                <a:latin typeface="+mn-lt"/>
+                <a:ea typeface="+mn-ea"/>
+                <a:cs typeface="+mn-cs"/>
+              </a:defRPr>
+            </a:lvl3pPr>
+            <a:lvl4pPr marL="749808" indent="-182880" algn="l" defTabSz="914400" rtl="0" eaLnBrk="1" latinLnBrk="0" hangingPunct="1">
+              <a:lnSpc>
+                <a:spcPct val="90000"/>
+              </a:lnSpc>
+              <a:spcBef>
+                <a:spcPts val="200"/>
+              </a:spcBef>
+              <a:spcAft>
+                <a:spcPts val="400"/>
+              </a:spcAft>
+              <a:buClr>
+                <a:schemeClr val="accent1"/>
+              </a:buClr>
+              <a:buFont typeface="Calibri" pitchFamily="34" charset="0"/>
+              <a:buChar char="◦"/>
+              <a:defRPr sz="1400" kern="1200">
+                <a:solidFill>
+                  <a:schemeClr val="tx1">
+                    <a:lumMod val="75000"/>
+                    <a:lumOff val="25000"/>
+                  </a:schemeClr>
+                </a:solidFill>
+                <a:latin typeface="+mn-lt"/>
+                <a:ea typeface="+mn-ea"/>
+                <a:cs typeface="+mn-cs"/>
+              </a:defRPr>
+            </a:lvl4pPr>
+            <a:lvl5pPr marL="932688" indent="-182880" algn="l" defTabSz="914400" rtl="0" eaLnBrk="1" latinLnBrk="0" hangingPunct="1">
+              <a:lnSpc>
+                <a:spcPct val="90000"/>
+              </a:lnSpc>
+              <a:spcBef>
+                <a:spcPts val="200"/>
+              </a:spcBef>
+              <a:spcAft>
+                <a:spcPts val="400"/>
+              </a:spcAft>
+              <a:buClr>
+                <a:schemeClr val="accent1"/>
+              </a:buClr>
+              <a:buFont typeface="Calibri" pitchFamily="34" charset="0"/>
+              <a:buChar char="◦"/>
+              <a:defRPr sz="1400" kern="1200">
+                <a:solidFill>
+                  <a:schemeClr val="tx1">
+                    <a:lumMod val="75000"/>
+                    <a:lumOff val="25000"/>
+                  </a:schemeClr>
+                </a:solidFill>
+                <a:latin typeface="+mn-lt"/>
+                <a:ea typeface="+mn-ea"/>
+                <a:cs typeface="+mn-cs"/>
+              </a:defRPr>
+            </a:lvl5pPr>
+            <a:lvl6pPr marL="1100000" indent="-228600" algn="l" defTabSz="914400" rtl="0" eaLnBrk="1" latinLnBrk="0" hangingPunct="1">
+              <a:lnSpc>
+                <a:spcPct val="90000"/>
+              </a:lnSpc>
+              <a:spcBef>
+                <a:spcPts val="200"/>
+              </a:spcBef>
+              <a:spcAft>
+                <a:spcPts val="400"/>
+              </a:spcAft>
+              <a:buClr>
+                <a:schemeClr val="accent1"/>
+              </a:buClr>
+              <a:buFont typeface="Calibri" pitchFamily="34" charset="0"/>
+              <a:buChar char="◦"/>
+              <a:defRPr sz="1400" kern="1200">
+                <a:solidFill>
+                  <a:schemeClr val="tx1">
+                    <a:lumMod val="75000"/>
+                    <a:lumOff val="25000"/>
+                  </a:schemeClr>
+                </a:solidFill>
+                <a:latin typeface="+mn-lt"/>
+                <a:ea typeface="+mn-ea"/>
+                <a:cs typeface="+mn-cs"/>
+              </a:defRPr>
+            </a:lvl6pPr>
+            <a:lvl7pPr marL="1300000" indent="-228600" algn="l" defTabSz="914400" rtl="0" eaLnBrk="1" latinLnBrk="0" hangingPunct="1">
+              <a:lnSpc>
+                <a:spcPct val="90000"/>
+              </a:lnSpc>
+              <a:spcBef>
+                <a:spcPts val="200"/>
+              </a:spcBef>
+              <a:spcAft>
+                <a:spcPts val="400"/>
+              </a:spcAft>
+              <a:buClr>
+                <a:schemeClr val="accent1"/>
+              </a:buClr>
+              <a:buFont typeface="Calibri" pitchFamily="34" charset="0"/>
+              <a:buChar char="◦"/>
+              <a:defRPr sz="1400" kern="1200">
+                <a:solidFill>
+                  <a:schemeClr val="tx1">
+                    <a:lumMod val="75000"/>
+                    <a:lumOff val="25000"/>
+                  </a:schemeClr>
+                </a:solidFill>
+                <a:latin typeface="+mn-lt"/>
+                <a:ea typeface="+mn-ea"/>
+                <a:cs typeface="+mn-cs"/>
+              </a:defRPr>
+            </a:lvl7pPr>
+            <a:lvl8pPr marL="1500000" indent="-228600" algn="l" defTabSz="914400" rtl="0" eaLnBrk="1" latinLnBrk="0" hangingPunct="1">
+              <a:lnSpc>
+                <a:spcPct val="90000"/>
+              </a:lnSpc>
+              <a:spcBef>
+                <a:spcPts val="200"/>
+              </a:spcBef>
+              <a:spcAft>
+                <a:spcPts val="400"/>
+              </a:spcAft>
+              <a:buClr>
+                <a:schemeClr val="accent1"/>
+              </a:buClr>
+              <a:buFont typeface="Calibri" pitchFamily="34" charset="0"/>
+              <a:buChar char="◦"/>
+              <a:defRPr sz="1400" kern="1200">
+                <a:solidFill>
+                  <a:schemeClr val="tx1">
+                    <a:lumMod val="75000"/>
+                    <a:lumOff val="25000"/>
+                  </a:schemeClr>
+                </a:solidFill>
+                <a:latin typeface="+mn-lt"/>
+                <a:ea typeface="+mn-ea"/>
+                <a:cs typeface="+mn-cs"/>
+              </a:defRPr>
+            </a:lvl8pPr>
+            <a:lvl9pPr marL="1700000" indent="-228600" algn="l" defTabSz="914400" rtl="0" eaLnBrk="1" latinLnBrk="0" hangingPunct="1">
+              <a:lnSpc>
+                <a:spcPct val="90000"/>
+              </a:lnSpc>
+              <a:spcBef>
+                <a:spcPts val="200"/>
+              </a:spcBef>
+              <a:spcAft>
+                <a:spcPts val="400"/>
+              </a:spcAft>
+              <a:buClr>
+                <a:schemeClr val="accent1"/>
+              </a:buClr>
+              <a:buFont typeface="Calibri" pitchFamily="34" charset="0"/>
+              <a:buChar char="◦"/>
+              <a:defRPr sz="1400" kern="1200">
+                <a:solidFill>
+                  <a:schemeClr val="tx1">
+                    <a:lumMod val="75000"/>
+                    <a:lumOff val="25000"/>
+                  </a:schemeClr>
+                </a:solidFill>
+                <a:latin typeface="+mn-lt"/>
+                <a:ea typeface="+mn-ea"/>
+                <a:cs typeface="+mn-cs"/>
+              </a:defRPr>
+            </a:lvl9pPr>
+          </a:lstStyle>
+          <a:p>
+            <a:r>
+              <a:rPr lang="en-US" sz="1400" b="1" dirty="0"/>
+              <a:t>EventBridge</a:t>
+            </a:r>
+            <a:r>
+              <a:rPr lang="en-US" sz="1400" dirty="0"/>
+              <a:t>: </a:t>
+            </a:r>
+          </a:p>
+          <a:p>
+            <a:r>
+              <a:rPr lang="en-US" sz="1400" dirty="0"/>
+              <a:t>- 1 scheduled event per month</a:t>
             </a:r>
           </a:p>
         </p:txBody>
@@ -13248,10 +15762,9 @@
           <a:lstStyle/>
           <a:p>
             <a:r>
-              <a:rPr lang="en-US" dirty="0" smtClean="0"/>
+              <a:rPr lang="en-US" dirty="0"/>
               <a:t>System Architecture Diagram</a:t>
             </a:r>
-            <a:endParaRPr lang="en-US" dirty="0"/>
           </a:p>
         </p:txBody>
       </p:sp>
